--- a/06-compliance-frameworks-inspec.pptx
+++ b/06-compliance-frameworks-inspec.pptx
@@ -6,10 +6,10 @@
     <p:sldMasterId id="2147483847" r:id="rId6"/>
   </p:sldMasterIdLst>
   <p:notesMasterIdLst>
-    <p:notesMasterId r:id="rId30"/>
+    <p:notesMasterId r:id="rId38"/>
   </p:notesMasterIdLst>
   <p:handoutMasterIdLst>
-    <p:handoutMasterId r:id="rId31"/>
+    <p:handoutMasterId r:id="rId39"/>
   </p:handoutMasterIdLst>
   <p:sldIdLst>
     <p:sldId id="256" r:id="rId7"/>
@@ -23,18 +23,26 @@
     <p:sldId id="322" r:id="rId15"/>
     <p:sldId id="323" r:id="rId16"/>
     <p:sldId id="324" r:id="rId17"/>
-    <p:sldId id="320" r:id="rId18"/>
-    <p:sldId id="327" r:id="rId19"/>
-    <p:sldId id="329" r:id="rId20"/>
-    <p:sldId id="330" r:id="rId21"/>
-    <p:sldId id="319" r:id="rId22"/>
-    <p:sldId id="317" r:id="rId23"/>
-    <p:sldId id="315" r:id="rId24"/>
-    <p:sldId id="272" r:id="rId25"/>
-    <p:sldId id="278" r:id="rId26"/>
-    <p:sldId id="301" r:id="rId27"/>
-    <p:sldId id="276" r:id="rId28"/>
-    <p:sldId id="267" r:id="rId29"/>
+    <p:sldId id="345" r:id="rId18"/>
+    <p:sldId id="341" r:id="rId19"/>
+    <p:sldId id="346" r:id="rId20"/>
+    <p:sldId id="344" r:id="rId21"/>
+    <p:sldId id="342" r:id="rId22"/>
+    <p:sldId id="329" r:id="rId23"/>
+    <p:sldId id="330" r:id="rId24"/>
+    <p:sldId id="347" r:id="rId25"/>
+    <p:sldId id="333" r:id="rId26"/>
+    <p:sldId id="334" r:id="rId27"/>
+    <p:sldId id="335" r:id="rId28"/>
+    <p:sldId id="336" r:id="rId29"/>
+    <p:sldId id="337" r:id="rId30"/>
+    <p:sldId id="338" r:id="rId31"/>
+    <p:sldId id="339" r:id="rId32"/>
+    <p:sldId id="340" r:id="rId33"/>
+    <p:sldId id="317" r:id="rId34"/>
+    <p:sldId id="276" r:id="rId35"/>
+    <p:sldId id="331" r:id="rId36"/>
+    <p:sldId id="267" r:id="rId37"/>
   </p:sldIdLst>
   <p:sldSz cx="16256000" cy="9144000"/>
   <p:notesSz cx="6858000" cy="9144000"/>
@@ -296,7 +304,7 @@
               <a:pPr>
                 <a:defRPr/>
               </a:pPr>
-              <a:t>2015-12-18</a:t>
+              <a:t>2015-12-22</a:t>
             </a:fld>
             <a:endParaRPr lang="en-US" dirty="0"/>
           </a:p>
@@ -479,7 +487,7 @@
               <a:pPr>
                 <a:defRPr/>
               </a:pPr>
-              <a:t>2015-12-18</a:t>
+              <a:t>2015-12-22</a:t>
             </a:fld>
             <a:endParaRPr lang="en-US" dirty="0"/>
           </a:p>
@@ -1098,149 +1106,267 @@
         </p:nvSpPr>
         <p:spPr/>
         <p:txBody>
-          <a:bodyPr/>
+          <a:bodyPr>
+            <a:normAutofit fontScale="92500"/>
+          </a:bodyPr>
           <a:lstStyle/>
           <a:p>
-            <a:pPr marL="0" marR="0" indent="0" algn="l" defTabSz="1217613" rtl="0" eaLnBrk="1" fontAlgn="base" latinLnBrk="0" hangingPunct="1">
-              <a:lnSpc>
-                <a:spcPct val="90000"/>
-              </a:lnSpc>
-              <a:spcBef>
-                <a:spcPct val="30000"/>
-              </a:spcBef>
-              <a:spcAft>
-                <a:spcPts val="450"/>
-              </a:spcAft>
-              <a:buClrTx/>
-              <a:buSzTx/>
-              <a:buFontTx/>
-              <a:buNone/>
-              <a:tabLst/>
-              <a:defRPr/>
-            </a:pPr>
-            <a:r>
-              <a:rPr lang="en-US" dirty="0" smtClean="0"/>
-              <a:t>On your target node, </a:t>
-            </a:r>
-            <a:r>
-              <a:rPr lang="en-US" dirty="0" smtClean="0"/>
-              <a:t>ensure you are in your home directory.</a:t>
-            </a:r>
-            <a:endParaRPr lang="en-US" baseline="0" dirty="0" smtClean="0"/>
-          </a:p>
-          <a:p>
-            <a:pPr marL="0" marR="0" indent="0" algn="l" defTabSz="1217613" rtl="0" eaLnBrk="1" fontAlgn="base" latinLnBrk="0" hangingPunct="1">
-              <a:lnSpc>
-                <a:spcPct val="90000"/>
-              </a:lnSpc>
-              <a:spcBef>
-                <a:spcPct val="30000"/>
-              </a:spcBef>
-              <a:spcAft>
-                <a:spcPts val="450"/>
-              </a:spcAft>
-              <a:buClrTx/>
-              <a:buSzTx/>
-              <a:buFontTx/>
-              <a:buNone/>
-              <a:tabLst/>
-              <a:defRPr/>
-            </a:pPr>
-            <a:endParaRPr lang="en-US" baseline="0" dirty="0" smtClean="0"/>
-          </a:p>
-          <a:p>
-            <a:pPr marL="0" marR="0" indent="0" algn="l" defTabSz="1217613" rtl="0" eaLnBrk="1" fontAlgn="base" latinLnBrk="0" hangingPunct="1">
-              <a:lnSpc>
-                <a:spcPct val="90000"/>
-              </a:lnSpc>
-              <a:spcBef>
-                <a:spcPct val="30000"/>
-              </a:spcBef>
-              <a:spcAft>
-                <a:spcPts val="450"/>
-              </a:spcAft>
-              <a:buClrTx/>
-              <a:buSzTx/>
-              <a:buFontTx/>
-              <a:buNone/>
-              <a:tabLst/>
-              <a:defRPr/>
-            </a:pPr>
-            <a:r>
-              <a:rPr lang="en-US" dirty="0" smtClean="0"/>
-              <a:t>$ `mkdir -p ~/</a:t>
-            </a:r>
-            <a:r>
-              <a:rPr lang="en-US" dirty="0" err="1" smtClean="0"/>
-              <a:t>compliance_profiles</a:t>
-            </a:r>
-            <a:r>
-              <a:rPr lang="en-US" dirty="0" smtClean="0"/>
-              <a:t>/profile_01`</a:t>
-            </a:r>
-          </a:p>
-          <a:p>
-            <a:r>
-              <a:rPr lang="en-US" dirty="0" smtClean="0"/>
-              <a:t>$ `cd ~/</a:t>
-            </a:r>
-            <a:r>
-              <a:rPr lang="en-US" dirty="0" err="1" smtClean="0"/>
-              <a:t>compliance_profiles</a:t>
-            </a:r>
-            <a:r>
-              <a:rPr lang="en-US" dirty="0" smtClean="0"/>
-              <a:t>/profile_01'</a:t>
-            </a:r>
-          </a:p>
-          <a:p>
+            <a:r>
+              <a:rPr lang="en-US" dirty="0" smtClean="0"/>
+              <a:t>As you can see on that page the </a:t>
+            </a:r>
+            <a:r>
+              <a:rPr lang="da-DK" sz="1200" b="0" i="1" u="none" strike="noStrike" kern="1200" baseline="0" dirty="0" smtClean="0">
+                <a:solidFill>
+                  <a:schemeClr val="tx1"/>
+                </a:solidFill>
+                <a:latin typeface="Arial" panose="020B0604020202020204" pitchFamily="34" charset="0"/>
+                <a:ea typeface="ＭＳ Ｐゴシック" charset="0"/>
+                <a:cs typeface="Arial" panose="020B0604020202020204" pitchFamily="34" charset="0"/>
+              </a:rPr>
+              <a:t>3.1 Set Daemon umask (Scored) </a:t>
+            </a:r>
+            <a:r>
+              <a:rPr lang="en-US" sz="1200" b="0" i="0" u="none" strike="noStrike" kern="1200" baseline="0" dirty="0" smtClean="0">
+                <a:solidFill>
+                  <a:schemeClr val="tx1"/>
+                </a:solidFill>
+                <a:latin typeface="Arial" panose="020B0604020202020204" pitchFamily="34" charset="0"/>
+                <a:ea typeface="ＭＳ Ｐゴシック" charset="0"/>
+                <a:cs typeface="Arial" panose="020B0604020202020204" pitchFamily="34" charset="0"/>
+              </a:rPr>
+              <a:t>section says:</a:t>
+            </a:r>
+          </a:p>
+          <a:p>
+            <a:endParaRPr lang="en-US" sz="1200" b="0" i="0" u="none" strike="noStrike" kern="1200" baseline="0" dirty="0" smtClean="0">
+              <a:solidFill>
+                <a:schemeClr val="tx1"/>
+              </a:solidFill>
+              <a:latin typeface="Arial" panose="020B0604020202020204" pitchFamily="34" charset="0"/>
+              <a:ea typeface="ＭＳ Ｐゴシック" charset="0"/>
+              <a:cs typeface="Arial" panose="020B0604020202020204" pitchFamily="34" charset="0"/>
+            </a:endParaRPr>
+          </a:p>
+          <a:p>
+            <a:r>
+              <a:rPr lang="en-US" sz="1200" b="0" i="0" u="none" strike="noStrike" kern="1200" baseline="0" dirty="0" smtClean="0">
+                <a:solidFill>
+                  <a:schemeClr val="tx1"/>
+                </a:solidFill>
+                <a:latin typeface="Arial" panose="020B0604020202020204" pitchFamily="34" charset="0"/>
+                <a:ea typeface="ＭＳ Ｐゴシック" charset="0"/>
+                <a:cs typeface="Arial" panose="020B0604020202020204" pitchFamily="34" charset="0"/>
+              </a:rPr>
+              <a:t>Description:</a:t>
+            </a:r>
+          </a:p>
+          <a:p>
+            <a:endParaRPr lang="en-US" sz="1200" b="0" i="0" u="none" strike="noStrike" kern="1200" baseline="0" dirty="0" smtClean="0">
+              <a:solidFill>
+                <a:schemeClr val="tx1"/>
+              </a:solidFill>
+              <a:latin typeface="Arial" panose="020B0604020202020204" pitchFamily="34" charset="0"/>
+              <a:ea typeface="ＭＳ Ｐゴシック" charset="0"/>
+              <a:cs typeface="Arial" panose="020B0604020202020204" pitchFamily="34" charset="0"/>
+            </a:endParaRPr>
+          </a:p>
+          <a:p>
+            <a:r>
+              <a:rPr lang="en-US" sz="1200" b="0" i="0" u="none" strike="noStrike" kern="1200" baseline="0" dirty="0" smtClean="0">
+                <a:solidFill>
+                  <a:schemeClr val="tx1"/>
+                </a:solidFill>
+                <a:latin typeface="Arial" panose="020B0604020202020204" pitchFamily="34" charset="0"/>
+                <a:ea typeface="ＭＳ Ｐゴシック" charset="0"/>
+                <a:cs typeface="Arial" panose="020B0604020202020204" pitchFamily="34" charset="0"/>
+              </a:rPr>
+              <a:t>Set the default </a:t>
+            </a:r>
+            <a:r>
+              <a:rPr lang="en-US" sz="1200" b="0" i="0" u="none" strike="noStrike" kern="1200" baseline="0" dirty="0" err="1" smtClean="0">
+                <a:solidFill>
+                  <a:schemeClr val="tx1"/>
+                </a:solidFill>
+                <a:latin typeface="Arial" panose="020B0604020202020204" pitchFamily="34" charset="0"/>
+                <a:ea typeface="ＭＳ Ｐゴシック" charset="0"/>
+                <a:cs typeface="Arial" panose="020B0604020202020204" pitchFamily="34" charset="0"/>
+              </a:rPr>
+              <a:t>umask</a:t>
+            </a:r>
+            <a:r>
+              <a:rPr lang="en-US" sz="1200" b="0" i="0" u="none" strike="noStrike" kern="1200" baseline="0" dirty="0" smtClean="0">
+                <a:solidFill>
+                  <a:schemeClr val="tx1"/>
+                </a:solidFill>
+                <a:latin typeface="Arial" panose="020B0604020202020204" pitchFamily="34" charset="0"/>
+                <a:ea typeface="ＭＳ Ｐゴシック" charset="0"/>
+                <a:cs typeface="Arial" panose="020B0604020202020204" pitchFamily="34" charset="0"/>
+              </a:rPr>
+              <a:t> for all processes started at boot time. The settings in </a:t>
+            </a:r>
+            <a:r>
+              <a:rPr lang="en-US" sz="1200" b="0" i="0" u="none" strike="noStrike" kern="1200" baseline="0" dirty="0" err="1" smtClean="0">
+                <a:solidFill>
+                  <a:schemeClr val="tx1"/>
+                </a:solidFill>
+                <a:latin typeface="Arial" panose="020B0604020202020204" pitchFamily="34" charset="0"/>
+                <a:ea typeface="ＭＳ Ｐゴシック" charset="0"/>
+                <a:cs typeface="Arial" panose="020B0604020202020204" pitchFamily="34" charset="0"/>
+              </a:rPr>
+              <a:t>umask</a:t>
+            </a:r>
+            <a:r>
+              <a:rPr lang="en-US" sz="1200" b="0" i="0" u="none" strike="noStrike" kern="1200" baseline="0" dirty="0" smtClean="0">
+                <a:solidFill>
+                  <a:schemeClr val="tx1"/>
+                </a:solidFill>
+                <a:latin typeface="Arial" panose="020B0604020202020204" pitchFamily="34" charset="0"/>
+                <a:ea typeface="ＭＳ Ｐゴシック" charset="0"/>
+                <a:cs typeface="Arial" panose="020B0604020202020204" pitchFamily="34" charset="0"/>
+              </a:rPr>
+              <a:t> selectively turn off default permission when a file is created by a daemon process. </a:t>
+            </a:r>
             <a:endParaRPr lang="en-US" dirty="0" smtClean="0"/>
           </a:p>
           <a:p>
-            <a:r>
-              <a:rPr lang="en-US" dirty="0" smtClean="0"/>
-              <a:t>Reminder: In the workplace you would likely perform this task TBD</a:t>
-            </a:r>
-          </a:p>
-          <a:p>
-            <a:pPr marL="0" marR="0" indent="0" algn="l" defTabSz="1217613" rtl="0" eaLnBrk="1" fontAlgn="base" latinLnBrk="0" hangingPunct="1">
-              <a:lnSpc>
-                <a:spcPct val="90000"/>
-              </a:lnSpc>
-              <a:spcBef>
-                <a:spcPct val="30000"/>
-              </a:spcBef>
-              <a:spcAft>
-                <a:spcPts val="450"/>
-              </a:spcAft>
-              <a:buClrTx/>
-              <a:buSzTx/>
-              <a:buFontTx/>
-              <a:buNone/>
-              <a:tabLst/>
-              <a:defRPr/>
-            </a:pPr>
-            <a:endParaRPr lang="en-US" baseline="0" dirty="0" smtClean="0"/>
-          </a:p>
-          <a:p>
-            <a:pPr marL="0" marR="0" indent="0" algn="l" defTabSz="1217613" rtl="0" eaLnBrk="1" fontAlgn="base" latinLnBrk="0" hangingPunct="1">
-              <a:lnSpc>
-                <a:spcPct val="90000"/>
-              </a:lnSpc>
-              <a:spcBef>
-                <a:spcPct val="30000"/>
-              </a:spcBef>
-              <a:spcAft>
-                <a:spcPts val="450"/>
-              </a:spcAft>
-              <a:buClrTx/>
-              <a:buSzTx/>
-              <a:buFontTx/>
-              <a:buNone/>
-              <a:tabLst/>
-              <a:defRPr/>
-            </a:pPr>
             <a:endParaRPr lang="en-US" dirty="0" smtClean="0"/>
+          </a:p>
+          <a:p>
+            <a:r>
+              <a:rPr lang="en-US" sz="1200" b="1" i="0" u="none" strike="noStrike" kern="1200" baseline="0" dirty="0" smtClean="0">
+                <a:solidFill>
+                  <a:schemeClr val="tx1"/>
+                </a:solidFill>
+                <a:latin typeface="Arial" panose="020B0604020202020204" pitchFamily="34" charset="0"/>
+                <a:ea typeface="ＭＳ Ｐゴシック" charset="0"/>
+                <a:cs typeface="Arial" panose="020B0604020202020204" pitchFamily="34" charset="0"/>
+              </a:rPr>
+              <a:t>Rationale: </a:t>
+            </a:r>
+            <a:endParaRPr lang="en-US" sz="1200" b="0" i="0" u="none" strike="noStrike" kern="1200" baseline="0" dirty="0" smtClean="0">
+              <a:solidFill>
+                <a:schemeClr val="tx1"/>
+              </a:solidFill>
+              <a:latin typeface="Arial" panose="020B0604020202020204" pitchFamily="34" charset="0"/>
+              <a:ea typeface="ＭＳ Ｐゴシック" charset="0"/>
+              <a:cs typeface="Arial" panose="020B0604020202020204" pitchFamily="34" charset="0"/>
+            </a:endParaRPr>
+          </a:p>
+          <a:p>
+            <a:r>
+              <a:rPr lang="en-US" sz="1200" b="0" i="0" u="none" strike="noStrike" kern="1200" baseline="0" dirty="0" smtClean="0">
+                <a:solidFill>
+                  <a:schemeClr val="tx1"/>
+                </a:solidFill>
+                <a:latin typeface="Arial" panose="020B0604020202020204" pitchFamily="34" charset="0"/>
+                <a:ea typeface="ＭＳ Ｐゴシック" charset="0"/>
+                <a:cs typeface="Arial" panose="020B0604020202020204" pitchFamily="34" charset="0"/>
+              </a:rPr>
+              <a:t>Setting the </a:t>
+            </a:r>
+            <a:r>
+              <a:rPr lang="en-US" sz="1200" b="0" i="0" u="none" strike="noStrike" kern="1200" baseline="0" dirty="0" err="1" smtClean="0">
+                <a:solidFill>
+                  <a:schemeClr val="tx1"/>
+                </a:solidFill>
+                <a:latin typeface="Arial" panose="020B0604020202020204" pitchFamily="34" charset="0"/>
+                <a:ea typeface="ＭＳ Ｐゴシック" charset="0"/>
+                <a:cs typeface="Arial" panose="020B0604020202020204" pitchFamily="34" charset="0"/>
+              </a:rPr>
+              <a:t>umask</a:t>
+            </a:r>
+            <a:r>
+              <a:rPr lang="en-US" sz="1200" b="0" i="0" u="none" strike="noStrike" kern="1200" baseline="0" dirty="0" smtClean="0">
+                <a:solidFill>
+                  <a:schemeClr val="tx1"/>
+                </a:solidFill>
+                <a:latin typeface="Arial" panose="020B0604020202020204" pitchFamily="34" charset="0"/>
+                <a:ea typeface="ＭＳ Ｐゴシック" charset="0"/>
+                <a:cs typeface="Arial" panose="020B0604020202020204" pitchFamily="34" charset="0"/>
+              </a:rPr>
+              <a:t> to 027 will make sure that files created by daemons will not be readable, writable or executable by any other than the group and owner of the daemon process and will not be writable by the group of the daemon process. The daemon process can manually override these settings if these files need additional permission. </a:t>
+            </a:r>
+          </a:p>
+          <a:p>
+            <a:endParaRPr lang="en-US" sz="1200" b="0" i="0" u="none" strike="noStrike" kern="1200" baseline="0" dirty="0" smtClean="0">
+              <a:solidFill>
+                <a:schemeClr val="tx1"/>
+              </a:solidFill>
+              <a:latin typeface="Arial" panose="020B0604020202020204" pitchFamily="34" charset="0"/>
+              <a:ea typeface="ＭＳ Ｐゴシック" charset="0"/>
+              <a:cs typeface="Arial" panose="020B0604020202020204" pitchFamily="34" charset="0"/>
+            </a:endParaRPr>
+          </a:p>
+          <a:p>
+            <a:r>
+              <a:rPr lang="en-US" sz="1200" b="1" i="0" u="none" strike="noStrike" kern="1200" baseline="0" dirty="0" smtClean="0">
+                <a:solidFill>
+                  <a:schemeClr val="tx1"/>
+                </a:solidFill>
+                <a:latin typeface="Arial" panose="020B0604020202020204" pitchFamily="34" charset="0"/>
+                <a:ea typeface="ＭＳ Ｐゴシック" charset="0"/>
+                <a:cs typeface="Arial" panose="020B0604020202020204" pitchFamily="34" charset="0"/>
+              </a:rPr>
+              <a:t>Audit: </a:t>
+            </a:r>
+            <a:endParaRPr lang="en-US" sz="1200" b="0" i="0" u="none" strike="noStrike" kern="1200" baseline="0" dirty="0" smtClean="0">
+              <a:solidFill>
+                <a:schemeClr val="tx1"/>
+              </a:solidFill>
+              <a:latin typeface="Arial" panose="020B0604020202020204" pitchFamily="34" charset="0"/>
+              <a:ea typeface="ＭＳ Ｐゴシック" charset="0"/>
+              <a:cs typeface="Arial" panose="020B0604020202020204" pitchFamily="34" charset="0"/>
+            </a:endParaRPr>
+          </a:p>
+          <a:p>
+            <a:r>
+              <a:rPr lang="en-US" sz="1200" b="0" i="0" u="none" strike="noStrike" kern="1200" baseline="0" dirty="0" smtClean="0">
+                <a:solidFill>
+                  <a:schemeClr val="tx1"/>
+                </a:solidFill>
+                <a:latin typeface="Arial" panose="020B0604020202020204" pitchFamily="34" charset="0"/>
+                <a:ea typeface="ＭＳ Ｐゴシック" charset="0"/>
+                <a:cs typeface="Arial" panose="020B0604020202020204" pitchFamily="34" charset="0"/>
+              </a:rPr>
+              <a:t>Perform the following to determine if the daemon </a:t>
+            </a:r>
+            <a:r>
+              <a:rPr lang="en-US" sz="1200" b="0" i="0" u="none" strike="noStrike" kern="1200" baseline="0" dirty="0" err="1" smtClean="0">
+                <a:solidFill>
+                  <a:schemeClr val="tx1"/>
+                </a:solidFill>
+                <a:latin typeface="Arial" panose="020B0604020202020204" pitchFamily="34" charset="0"/>
+                <a:ea typeface="ＭＳ Ｐゴシック" charset="0"/>
+                <a:cs typeface="Arial" panose="020B0604020202020204" pitchFamily="34" charset="0"/>
+              </a:rPr>
+              <a:t>umask</a:t>
+            </a:r>
+            <a:r>
+              <a:rPr lang="en-US" sz="1200" b="0" i="0" u="none" strike="noStrike" kern="1200" baseline="0" dirty="0" smtClean="0">
+                <a:solidFill>
+                  <a:schemeClr val="tx1"/>
+                </a:solidFill>
+                <a:latin typeface="Arial" panose="020B0604020202020204" pitchFamily="34" charset="0"/>
+                <a:ea typeface="ＭＳ Ｐゴシック" charset="0"/>
+                <a:cs typeface="Arial" panose="020B0604020202020204" pitchFamily="34" charset="0"/>
+              </a:rPr>
+              <a:t> is set. </a:t>
+            </a:r>
+          </a:p>
+          <a:p>
+            <a:r>
+              <a:rPr lang="nb-NO" sz="1200" b="0" i="0" u="none" strike="noStrike" kern="1200" baseline="0" dirty="0" smtClean="0">
+                <a:solidFill>
+                  <a:schemeClr val="tx1"/>
+                </a:solidFill>
+                <a:latin typeface="Arial" panose="020B0604020202020204" pitchFamily="34" charset="0"/>
+                <a:ea typeface="ＭＳ Ｐゴシック" charset="0"/>
+                <a:cs typeface="Arial" panose="020B0604020202020204" pitchFamily="34" charset="0"/>
+              </a:rPr>
+              <a:t># grep umask /etc/sysconfig/init umask 027 </a:t>
+            </a:r>
+            <a:endParaRPr lang="en-US" dirty="0"/>
           </a:p>
         </p:txBody>
       </p:sp>
@@ -1267,7 +1393,7 @@
               <a:pPr>
                 <a:defRPr/>
               </a:pPr>
-              <a:t>13</a:t>
+              <a:t>12</a:t>
             </a:fld>
             <a:endParaRPr lang="en-US" dirty="0"/>
           </a:p>
@@ -1320,7 +1446,7 @@
     </p:spTree>
     <p:extLst>
       <p:ext uri="{BB962C8B-B14F-4D97-AF65-F5344CB8AC3E}">
-        <p14:creationId xmlns:p14="http://schemas.microsoft.com/office/powerpoint/2010/main" val="2930691762"/>
+        <p14:creationId xmlns:p14="http://schemas.microsoft.com/office/powerpoint/2010/main" val="2739687470"/>
       </p:ext>
     </p:extLst>
   </p:cSld>
@@ -1376,28 +1502,7 @@
           <a:p>
             <a:r>
               <a:rPr lang="en-US" dirty="0" smtClean="0"/>
-              <a:t>TBD: Need to provide</a:t>
-            </a:r>
-            <a:r>
-              <a:rPr lang="en-US" baseline="0" dirty="0" smtClean="0"/>
-              <a:t> explanation on how to write this.</a:t>
-            </a:r>
-            <a:endParaRPr lang="en-US" dirty="0" smtClean="0"/>
-          </a:p>
-          <a:p>
-            <a:endParaRPr lang="en-US" dirty="0" smtClean="0"/>
-          </a:p>
-          <a:p>
-            <a:endParaRPr lang="en-US" dirty="0" smtClean="0"/>
-          </a:p>
-          <a:p>
-            <a:r>
-              <a:rPr lang="en-US" dirty="0" smtClean="0"/>
-              <a:t>For anything</a:t>
-            </a:r>
-            <a:r>
-              <a:rPr lang="en-US" baseline="0" dirty="0" smtClean="0"/>
-              <a:t> scored by CIS we'll score it 0.7. For anything not scored you should score it 0.0.</a:t>
+              <a:t>On your target node, create the directory for your new profile and then move into it.</a:t>
             </a:r>
             <a:endParaRPr lang="en-US" dirty="0"/>
           </a:p>
@@ -1426,7 +1531,7 @@
               <a:pPr>
                 <a:defRPr/>
               </a:pPr>
-              <a:t>14</a:t>
+              <a:t>13</a:t>
             </a:fld>
             <a:endParaRPr lang="en-US" dirty="0"/>
           </a:p>
@@ -1479,7 +1584,7 @@
     </p:spTree>
     <p:extLst>
       <p:ext uri="{BB962C8B-B14F-4D97-AF65-F5344CB8AC3E}">
-        <p14:creationId xmlns:p14="http://schemas.microsoft.com/office/powerpoint/2010/main" val="1587686027"/>
+        <p14:creationId xmlns:p14="http://schemas.microsoft.com/office/powerpoint/2010/main" val="3149171153"/>
       </p:ext>
     </p:extLst>
   </p:cSld>
@@ -1530,825 +1635,14 @@
         </p:nvSpPr>
         <p:spPr/>
         <p:txBody>
-          <a:bodyPr>
-            <a:normAutofit fontScale="70000" lnSpcReduction="20000"/>
-          </a:bodyPr>
+          <a:bodyPr/>
           <a:lstStyle/>
           <a:p>
             <a:r>
               <a:rPr lang="en-US" dirty="0" smtClean="0"/>
-              <a:t>This is the kind of failure we should see</a:t>
-            </a:r>
-            <a:r>
-              <a:rPr lang="en-US" baseline="0" dirty="0" smtClean="0"/>
-              <a:t> because the </a:t>
-            </a:r>
-            <a:r>
-              <a:rPr lang="en-US" baseline="0" dirty="0" err="1" smtClean="0"/>
-              <a:t>umask</a:t>
-            </a:r>
-            <a:r>
-              <a:rPr lang="en-US" baseline="0" dirty="0" smtClean="0"/>
-              <a:t> of the </a:t>
-            </a:r>
-            <a:r>
-              <a:rPr lang="en-US" sz="1200" dirty="0" smtClean="0"/>
-              <a:t>etc/</a:t>
-            </a:r>
-            <a:r>
-              <a:rPr lang="en-US" sz="1200" dirty="0" err="1" smtClean="0"/>
-              <a:t>sysconfig</a:t>
-            </a:r>
-            <a:r>
-              <a:rPr lang="en-US" sz="1200" dirty="0" smtClean="0"/>
-              <a:t>/</a:t>
-            </a:r>
-            <a:r>
-              <a:rPr lang="en-US" sz="1200" dirty="0" err="1" smtClean="0"/>
-              <a:t>init</a:t>
-            </a:r>
-            <a:r>
-              <a:rPr lang="en-US" sz="1200" dirty="0" smtClean="0"/>
-              <a:t> is</a:t>
-            </a:r>
-            <a:r>
-              <a:rPr lang="en-US" sz="1200" baseline="0" dirty="0" smtClean="0"/>
-              <a:t> not </a:t>
-            </a:r>
-            <a:r>
-              <a:rPr lang="en-US" sz="1200" dirty="0" smtClean="0"/>
-              <a:t>027.</a:t>
-            </a:r>
-          </a:p>
-          <a:p>
-            <a:endParaRPr lang="en-US" dirty="0" smtClean="0"/>
-          </a:p>
-          <a:p>
-            <a:r>
-              <a:rPr lang="en-US" dirty="0" smtClean="0"/>
-              <a:t>F</a:t>
-            </a:r>
-          </a:p>
-          <a:p>
-            <a:endParaRPr lang="en-US" dirty="0" smtClean="0"/>
-          </a:p>
-          <a:p>
-            <a:r>
-              <a:rPr lang="en-US" dirty="0" smtClean="0"/>
-              <a:t>Failures:</a:t>
-            </a:r>
-          </a:p>
-          <a:p>
-            <a:endParaRPr lang="en-US" dirty="0" smtClean="0"/>
-          </a:p>
-          <a:p>
-            <a:r>
-              <a:rPr lang="en-US" dirty="0" smtClean="0"/>
-              <a:t>  1) File /etc/</a:t>
-            </a:r>
-            <a:r>
-              <a:rPr lang="en-US" dirty="0" err="1" smtClean="0"/>
-              <a:t>sysconfig</a:t>
-            </a:r>
-            <a:r>
-              <a:rPr lang="en-US" dirty="0" smtClean="0"/>
-              <a:t>/</a:t>
-            </a:r>
-            <a:r>
-              <a:rPr lang="en-US" dirty="0" err="1" smtClean="0"/>
-              <a:t>init</a:t>
-            </a:r>
-            <a:r>
-              <a:rPr lang="en-US" dirty="0" smtClean="0"/>
-              <a:t> content should match "</a:t>
-            </a:r>
-            <a:r>
-              <a:rPr lang="en-US" dirty="0" err="1" smtClean="0"/>
-              <a:t>umask</a:t>
-            </a:r>
-            <a:r>
-              <a:rPr lang="en-US" dirty="0" smtClean="0"/>
-              <a:t> 027"</a:t>
-            </a:r>
-          </a:p>
-          <a:p>
-            <a:r>
-              <a:rPr lang="en-US" dirty="0" smtClean="0"/>
-              <a:t>     Failure/Error: its('content') {should match '</a:t>
-            </a:r>
-            <a:r>
-              <a:rPr lang="en-US" dirty="0" err="1" smtClean="0"/>
-              <a:t>umask</a:t>
-            </a:r>
-            <a:r>
-              <a:rPr lang="en-US" dirty="0" smtClean="0"/>
-              <a:t> 027'}</a:t>
-            </a:r>
-          </a:p>
-          <a:p>
-            <a:endParaRPr lang="en-US" dirty="0" smtClean="0"/>
-          </a:p>
-          <a:p>
-            <a:r>
-              <a:rPr lang="en-US" dirty="0" smtClean="0"/>
-              <a:t>Note: Sat the end of the output you  will see a reference to </a:t>
-            </a:r>
-            <a:r>
-              <a:rPr lang="en-US" dirty="0" err="1" smtClean="0"/>
-              <a:t>rspec</a:t>
-            </a:r>
-            <a:r>
-              <a:rPr lang="en-US" dirty="0" smtClean="0"/>
-              <a:t>.</a:t>
-            </a:r>
-            <a:r>
-              <a:rPr lang="en-US" baseline="0" dirty="0" smtClean="0"/>
-              <a:t> This is because </a:t>
-            </a:r>
-            <a:r>
-              <a:rPr lang="en-US" sz="1200" b="0" i="0" kern="1200" dirty="0" err="1" smtClean="0">
-                <a:solidFill>
-                  <a:schemeClr val="tx1"/>
-                </a:solidFill>
-                <a:effectLst/>
-                <a:latin typeface="Arial" panose="020B0604020202020204" pitchFamily="34" charset="0"/>
-                <a:ea typeface="ＭＳ Ｐゴシック" charset="0"/>
-                <a:cs typeface="Arial" panose="020B0604020202020204" pitchFamily="34" charset="0"/>
-              </a:rPr>
-              <a:t>inspec</a:t>
-            </a:r>
-            <a:r>
-              <a:rPr lang="en-US" sz="1200" b="0" i="0" kern="1200" dirty="0" smtClean="0">
-                <a:solidFill>
-                  <a:schemeClr val="tx1"/>
-                </a:solidFill>
-                <a:effectLst/>
-                <a:latin typeface="Arial" panose="020B0604020202020204" pitchFamily="34" charset="0"/>
-                <a:ea typeface="ＭＳ Ｐゴシック" charset="0"/>
-                <a:cs typeface="Arial" panose="020B0604020202020204" pitchFamily="34" charset="0"/>
-              </a:rPr>
-              <a:t> is based on </a:t>
-            </a:r>
-            <a:r>
-              <a:rPr lang="en-US" sz="1200" b="0" i="0" kern="1200" dirty="0" err="1" smtClean="0">
-                <a:solidFill>
-                  <a:schemeClr val="tx1"/>
-                </a:solidFill>
-                <a:effectLst/>
-                <a:latin typeface="Arial" panose="020B0604020202020204" pitchFamily="34" charset="0"/>
-                <a:ea typeface="ＭＳ Ｐゴシック" charset="0"/>
-                <a:cs typeface="Arial" panose="020B0604020202020204" pitchFamily="34" charset="0"/>
-              </a:rPr>
-              <a:t>rspec</a:t>
-            </a:r>
-            <a:r>
-              <a:rPr lang="en-US" sz="1200" b="0" i="0" kern="1200" dirty="0" smtClean="0">
-                <a:solidFill>
-                  <a:schemeClr val="tx1"/>
-                </a:solidFill>
-                <a:effectLst/>
-                <a:latin typeface="Arial" panose="020B0604020202020204" pitchFamily="34" charset="0"/>
-                <a:ea typeface="ＭＳ Ｐゴシック" charset="0"/>
-                <a:cs typeface="Arial" panose="020B0604020202020204" pitchFamily="34" charset="0"/>
-              </a:rPr>
-              <a:t>.</a:t>
-            </a:r>
-          </a:p>
-          <a:p>
-            <a:endParaRPr lang="en-US" dirty="0" smtClean="0"/>
-          </a:p>
-          <a:p>
-            <a:r>
-              <a:rPr lang="en-US" dirty="0" smtClean="0"/>
-              <a:t>       expected "# color =&gt; new RH6.0 </a:t>
-            </a:r>
-            <a:r>
-              <a:rPr lang="en-US" dirty="0" err="1" smtClean="0"/>
-              <a:t>bootup</a:t>
-            </a:r>
-            <a:r>
-              <a:rPr lang="en-US" dirty="0" smtClean="0"/>
-              <a:t>\n# verbose =&gt; old-style </a:t>
-            </a:r>
-            <a:r>
-              <a:rPr lang="en-US" dirty="0" err="1" smtClean="0"/>
-              <a:t>bootup</a:t>
-            </a:r>
-            <a:r>
-              <a:rPr lang="en-US" dirty="0" smtClean="0"/>
-              <a:t>\n# anything else =&gt; new style </a:t>
-            </a:r>
-            <a:r>
-              <a:rPr lang="en-US" dirty="0" err="1" smtClean="0"/>
-              <a:t>bootup</a:t>
-            </a:r>
-            <a:r>
-              <a:rPr lang="en-US" dirty="0" smtClean="0"/>
-              <a:t> without ANSI colors or positioning\</a:t>
-            </a:r>
-            <a:r>
-              <a:rPr lang="en-US" dirty="0" err="1" smtClean="0"/>
-              <a:t>nBOOTUP</a:t>
-            </a:r>
-            <a:r>
-              <a:rPr lang="en-US" dirty="0" smtClean="0"/>
-              <a:t>=color\n# column to start \"[  OK  ]\" label in \</a:t>
-            </a:r>
-            <a:r>
-              <a:rPr lang="en-US" dirty="0" err="1" smtClean="0"/>
-              <a:t>nRES_COL</a:t>
-            </a:r>
-            <a:r>
-              <a:rPr lang="en-US" dirty="0" smtClean="0"/>
-              <a:t>=60\n# terminal sequence to move to that column. You could change this\n# to something like \"</a:t>
-            </a:r>
-            <a:r>
-              <a:rPr lang="en-US" dirty="0" err="1" smtClean="0"/>
-              <a:t>tput</a:t>
-            </a:r>
-            <a:r>
-              <a:rPr lang="en-US" dirty="0" smtClean="0"/>
-              <a:t> </a:t>
-            </a:r>
-            <a:r>
-              <a:rPr lang="en-US" dirty="0" err="1" smtClean="0"/>
-              <a:t>hpa</a:t>
-            </a:r>
-            <a:r>
-              <a:rPr lang="en-US" dirty="0" smtClean="0"/>
-              <a:t> ${RES_COL}\" if your terminal supports it\</a:t>
-            </a:r>
-            <a:r>
-              <a:rPr lang="en-US" dirty="0" err="1" smtClean="0"/>
-              <a:t>nMOVE_TO_COL</a:t>
-            </a:r>
-            <a:r>
-              <a:rPr lang="en-US" dirty="0" smtClean="0"/>
-              <a:t>=\"echo -</a:t>
-            </a:r>
-            <a:r>
-              <a:rPr lang="en-US" dirty="0" err="1" smtClean="0"/>
-              <a:t>en</a:t>
-            </a:r>
-            <a:r>
-              <a:rPr lang="en-US" dirty="0" smtClean="0"/>
-              <a:t> \\\\033[${RES_COL}G\"\n# terminal sequence to set color to a 'success' color (currently: green)\</a:t>
-            </a:r>
-            <a:r>
-              <a:rPr lang="en-US" dirty="0" err="1" smtClean="0"/>
-              <a:t>nSETCOLOR_SUCCESS</a:t>
-            </a:r>
-            <a:r>
-              <a:rPr lang="en-US" dirty="0" smtClean="0"/>
-              <a:t>=\"echo -</a:t>
-            </a:r>
-            <a:r>
-              <a:rPr lang="en-US" dirty="0" err="1" smtClean="0"/>
-              <a:t>en</a:t>
-            </a:r>
-            <a:r>
-              <a:rPr lang="en-US" dirty="0" smtClean="0"/>
-              <a:t> \\\\033[0;32m\"\n# terminal sequence to set color to a 'failure' color (currently: red)\</a:t>
-            </a:r>
-            <a:r>
-              <a:rPr lang="en-US" dirty="0" err="1" smtClean="0"/>
-              <a:t>nSETCOLOR_FAILURE</a:t>
-            </a:r>
-            <a:r>
-              <a:rPr lang="en-US" dirty="0" smtClean="0"/>
-              <a:t>=\"echo -</a:t>
-            </a:r>
-            <a:r>
-              <a:rPr lang="en-US" dirty="0" err="1" smtClean="0"/>
-              <a:t>en</a:t>
-            </a:r>
-            <a:r>
-              <a:rPr lang="en-US" dirty="0" smtClean="0"/>
-              <a:t> \\\\033[0;31m\"\n# terminal sequence to set color to a 'warning' color (currently: yellow)\</a:t>
-            </a:r>
-            <a:r>
-              <a:rPr lang="en-US" dirty="0" err="1" smtClean="0"/>
-              <a:t>nSETCOLOR_WARNING</a:t>
-            </a:r>
-            <a:r>
-              <a:rPr lang="en-US" dirty="0" smtClean="0"/>
-              <a:t>=\"echo -</a:t>
-            </a:r>
-            <a:r>
-              <a:rPr lang="en-US" dirty="0" err="1" smtClean="0"/>
-              <a:t>en</a:t>
-            </a:r>
-            <a:r>
-              <a:rPr lang="en-US" dirty="0" smtClean="0"/>
-              <a:t> \\\\033[0;33m\"\n# terminal sequence to reset to the default color.\</a:t>
-            </a:r>
-            <a:r>
-              <a:rPr lang="en-US" dirty="0" err="1" smtClean="0"/>
-              <a:t>nSETCOLOR_NORMAL</a:t>
-            </a:r>
-            <a:r>
-              <a:rPr lang="en-US" dirty="0" smtClean="0"/>
-              <a:t>=\"echo -</a:t>
-            </a:r>
-            <a:r>
-              <a:rPr lang="en-US" dirty="0" err="1" smtClean="0"/>
-              <a:t>en</a:t>
-            </a:r>
-            <a:r>
-              <a:rPr lang="en-US" dirty="0" smtClean="0"/>
-              <a:t> \\\\033[0;39m\"\n# Set to anything other than 'no' to allow hotkey interactive startup...\</a:t>
-            </a:r>
-            <a:r>
-              <a:rPr lang="en-US" dirty="0" err="1" smtClean="0"/>
-              <a:t>nPROMPT</a:t>
-            </a:r>
-            <a:r>
-              <a:rPr lang="en-US" dirty="0" smtClean="0"/>
-              <a:t>=yes\n# Set to 'yes' to allow probing for devices with swap signatures\</a:t>
-            </a:r>
-            <a:r>
-              <a:rPr lang="en-US" dirty="0" err="1" smtClean="0"/>
-              <a:t>nAUTOSWAP</a:t>
-            </a:r>
-            <a:r>
-              <a:rPr lang="en-US" dirty="0" smtClean="0"/>
-              <a:t>=no\n# What </a:t>
-            </a:r>
-            <a:r>
-              <a:rPr lang="en-US" dirty="0" err="1" smtClean="0"/>
-              <a:t>ttys</a:t>
-            </a:r>
-            <a:r>
-              <a:rPr lang="en-US" dirty="0" smtClean="0"/>
-              <a:t> should </a:t>
-            </a:r>
-            <a:r>
-              <a:rPr lang="en-US" dirty="0" err="1" smtClean="0"/>
-              <a:t>gettys</a:t>
-            </a:r>
-            <a:r>
-              <a:rPr lang="en-US" dirty="0" smtClean="0"/>
-              <a:t> be started on?\</a:t>
-            </a:r>
-            <a:r>
-              <a:rPr lang="en-US" dirty="0" err="1" smtClean="0"/>
-              <a:t>nACTIVE_CONSOLES</a:t>
-            </a:r>
-            <a:r>
-              <a:rPr lang="en-US" dirty="0" smtClean="0"/>
-              <a:t>=/dev/tty1\n# Set to '/</a:t>
-            </a:r>
-            <a:r>
-              <a:rPr lang="en-US" dirty="0" err="1" smtClean="0"/>
-              <a:t>sbin</a:t>
-            </a:r>
-            <a:r>
-              <a:rPr lang="en-US" dirty="0" smtClean="0"/>
-              <a:t>/</a:t>
-            </a:r>
-            <a:r>
-              <a:rPr lang="en-US" dirty="0" err="1" smtClean="0"/>
-              <a:t>sulogin</a:t>
-            </a:r>
-            <a:r>
-              <a:rPr lang="en-US" dirty="0" smtClean="0"/>
-              <a:t>' to prompt for password on single-user mode\n# Set to '/</a:t>
-            </a:r>
-            <a:r>
-              <a:rPr lang="en-US" dirty="0" err="1" smtClean="0"/>
-              <a:t>sbin</a:t>
-            </a:r>
-            <a:r>
-              <a:rPr lang="en-US" dirty="0" smtClean="0"/>
-              <a:t>/</a:t>
-            </a:r>
-            <a:r>
-              <a:rPr lang="en-US" dirty="0" err="1" smtClean="0"/>
-              <a:t>sushell</a:t>
-            </a:r>
-            <a:r>
-              <a:rPr lang="en-US" dirty="0" smtClean="0"/>
-              <a:t>' otherwise\</a:t>
-            </a:r>
-            <a:r>
-              <a:rPr lang="en-US" dirty="0" err="1" smtClean="0"/>
-              <a:t>nSINGLE</a:t>
-            </a:r>
-            <a:r>
-              <a:rPr lang="en-US" dirty="0" smtClean="0"/>
-              <a:t>=/</a:t>
-            </a:r>
-            <a:r>
-              <a:rPr lang="en-US" dirty="0" err="1" smtClean="0"/>
-              <a:t>sbin</a:t>
-            </a:r>
-            <a:r>
-              <a:rPr lang="en-US" dirty="0" smtClean="0"/>
-              <a:t>/</a:t>
-            </a:r>
-            <a:r>
-              <a:rPr lang="en-US" dirty="0" err="1" smtClean="0"/>
-              <a:t>sushell</a:t>
-            </a:r>
-            <a:r>
-              <a:rPr lang="en-US" dirty="0" smtClean="0"/>
-              <a:t>\n" to match "</a:t>
-            </a:r>
-            <a:r>
-              <a:rPr lang="en-US" dirty="0" err="1" smtClean="0"/>
-              <a:t>umask</a:t>
-            </a:r>
-            <a:r>
-              <a:rPr lang="en-US" dirty="0" smtClean="0"/>
-              <a:t> 027"</a:t>
-            </a:r>
-          </a:p>
-          <a:p>
-            <a:r>
-              <a:rPr lang="en-US" dirty="0" smtClean="0"/>
-              <a:t>       Diff:</a:t>
-            </a:r>
-          </a:p>
-          <a:p>
-            <a:r>
-              <a:rPr lang="en-US" dirty="0" smtClean="0"/>
-              <a:t>       @@ -1,2 +1,27 @@</a:t>
-            </a:r>
-          </a:p>
-          <a:p>
-            <a:r>
-              <a:rPr lang="en-US" dirty="0" smtClean="0"/>
-              <a:t>       -</a:t>
-            </a:r>
-            <a:r>
-              <a:rPr lang="en-US" dirty="0" err="1" smtClean="0"/>
-              <a:t>umask</a:t>
-            </a:r>
-            <a:r>
-              <a:rPr lang="en-US" dirty="0" smtClean="0"/>
-              <a:t> 027</a:t>
-            </a:r>
-          </a:p>
-          <a:p>
-            <a:r>
-              <a:rPr lang="en-US" dirty="0" smtClean="0"/>
-              <a:t>       +# color =&gt; new RH6.0 </a:t>
-            </a:r>
-            <a:r>
-              <a:rPr lang="en-US" dirty="0" err="1" smtClean="0"/>
-              <a:t>bootup</a:t>
-            </a:r>
-            <a:endParaRPr lang="en-US" dirty="0" smtClean="0"/>
-          </a:p>
-          <a:p>
-            <a:r>
-              <a:rPr lang="en-US" dirty="0" smtClean="0"/>
-              <a:t>       +# verbose =&gt; old-style </a:t>
-            </a:r>
-            <a:r>
-              <a:rPr lang="en-US" dirty="0" err="1" smtClean="0"/>
-              <a:t>bootup</a:t>
-            </a:r>
-            <a:endParaRPr lang="en-US" dirty="0" smtClean="0"/>
-          </a:p>
-          <a:p>
-            <a:r>
-              <a:rPr lang="en-US" dirty="0" smtClean="0"/>
-              <a:t>       +# anything else =&gt; new style </a:t>
-            </a:r>
-            <a:r>
-              <a:rPr lang="en-US" dirty="0" err="1" smtClean="0"/>
-              <a:t>bootup</a:t>
-            </a:r>
-            <a:r>
-              <a:rPr lang="en-US" dirty="0" smtClean="0"/>
-              <a:t> without ANSI colors or positioning</a:t>
-            </a:r>
-          </a:p>
-          <a:p>
-            <a:r>
-              <a:rPr lang="en-US" dirty="0" smtClean="0"/>
-              <a:t>       +BOOTUP=color</a:t>
-            </a:r>
-          </a:p>
-          <a:p>
-            <a:r>
-              <a:rPr lang="en-US" dirty="0" smtClean="0"/>
-              <a:t>       +# column to start "[  OK  ]" label in</a:t>
-            </a:r>
-          </a:p>
-          <a:p>
-            <a:r>
-              <a:rPr lang="en-US" dirty="0" smtClean="0"/>
-              <a:t>       +RES_COL=60</a:t>
-            </a:r>
-          </a:p>
-          <a:p>
-            <a:r>
-              <a:rPr lang="en-US" dirty="0" smtClean="0"/>
-              <a:t>       +# terminal sequence to move to that column. You could change this</a:t>
-            </a:r>
-          </a:p>
-          <a:p>
-            <a:r>
-              <a:rPr lang="en-US" dirty="0" smtClean="0"/>
-              <a:t>       +# to something like "</a:t>
-            </a:r>
-            <a:r>
-              <a:rPr lang="en-US" dirty="0" err="1" smtClean="0"/>
-              <a:t>tput</a:t>
-            </a:r>
-            <a:r>
-              <a:rPr lang="en-US" dirty="0" smtClean="0"/>
-              <a:t> </a:t>
-            </a:r>
-            <a:r>
-              <a:rPr lang="en-US" dirty="0" err="1" smtClean="0"/>
-              <a:t>hpa</a:t>
-            </a:r>
-            <a:r>
-              <a:rPr lang="en-US" dirty="0" smtClean="0"/>
-              <a:t> ${RES_COL}" if your terminal supports it</a:t>
-            </a:r>
-          </a:p>
-          <a:p>
-            <a:r>
-              <a:rPr lang="en-US" dirty="0" smtClean="0"/>
-              <a:t>       +MOVE_TO_COL="echo -</a:t>
-            </a:r>
-            <a:r>
-              <a:rPr lang="en-US" dirty="0" err="1" smtClean="0"/>
-              <a:t>en</a:t>
-            </a:r>
-            <a:r>
-              <a:rPr lang="en-US" dirty="0" smtClean="0"/>
-              <a:t> \\033[${RES_COL}G"</a:t>
-            </a:r>
-          </a:p>
-          <a:p>
-            <a:r>
-              <a:rPr lang="en-US" dirty="0" smtClean="0"/>
-              <a:t>       +# terminal sequence to set color to a 'success' color (currently: green)</a:t>
-            </a:r>
-          </a:p>
-          <a:p>
-            <a:r>
-              <a:rPr lang="en-US" dirty="0" smtClean="0"/>
-              <a:t>       +SETCOLOR_SUCCESS="echo -</a:t>
-            </a:r>
-            <a:r>
-              <a:rPr lang="en-US" dirty="0" err="1" smtClean="0"/>
-              <a:t>en</a:t>
-            </a:r>
-            <a:r>
-              <a:rPr lang="en-US" dirty="0" smtClean="0"/>
-              <a:t> \\033[0;32m"</a:t>
-            </a:r>
-          </a:p>
-          <a:p>
-            <a:r>
-              <a:rPr lang="en-US" dirty="0" smtClean="0"/>
-              <a:t>       +# terminal sequence to set color to a 'failure' color (currently: red)</a:t>
-            </a:r>
-          </a:p>
-          <a:p>
-            <a:r>
-              <a:rPr lang="en-US" dirty="0" smtClean="0"/>
-              <a:t>       +SETCOLOR_FAILURE="echo -</a:t>
-            </a:r>
-            <a:r>
-              <a:rPr lang="en-US" dirty="0" err="1" smtClean="0"/>
-              <a:t>en</a:t>
-            </a:r>
-            <a:r>
-              <a:rPr lang="en-US" dirty="0" smtClean="0"/>
-              <a:t> \\033[0;31m"</a:t>
-            </a:r>
-          </a:p>
-          <a:p>
-            <a:r>
-              <a:rPr lang="en-US" dirty="0" smtClean="0"/>
-              <a:t>       +# terminal sequence to set color to a 'warning' color (currently: yellow)</a:t>
-            </a:r>
-          </a:p>
-          <a:p>
-            <a:r>
-              <a:rPr lang="en-US" dirty="0" smtClean="0"/>
-              <a:t>       +SETCOLOR_WARNING="echo -</a:t>
-            </a:r>
-            <a:r>
-              <a:rPr lang="en-US" dirty="0" err="1" smtClean="0"/>
-              <a:t>en</a:t>
-            </a:r>
-            <a:r>
-              <a:rPr lang="en-US" dirty="0" smtClean="0"/>
-              <a:t> \\033[0;33m"</a:t>
-            </a:r>
-          </a:p>
-          <a:p>
-            <a:r>
-              <a:rPr lang="en-US" dirty="0" smtClean="0"/>
-              <a:t>       +# terminal sequence to reset to the default color.</a:t>
-            </a:r>
-          </a:p>
-          <a:p>
-            <a:r>
-              <a:rPr lang="en-US" dirty="0" smtClean="0"/>
-              <a:t>       +SETCOLOR_NORMAL="echo -</a:t>
-            </a:r>
-            <a:r>
-              <a:rPr lang="en-US" dirty="0" err="1" smtClean="0"/>
-              <a:t>en</a:t>
-            </a:r>
-            <a:r>
-              <a:rPr lang="en-US" dirty="0" smtClean="0"/>
-              <a:t> \\033[0;39m"</a:t>
-            </a:r>
-          </a:p>
-          <a:p>
-            <a:r>
-              <a:rPr lang="en-US" dirty="0" smtClean="0"/>
-              <a:t>       +# Set to anything other than 'no' to allow hotkey interactive startup...</a:t>
-            </a:r>
-          </a:p>
-          <a:p>
-            <a:r>
-              <a:rPr lang="en-US" dirty="0" smtClean="0"/>
-              <a:t>       +PROMPT=yes</a:t>
-            </a:r>
-          </a:p>
-          <a:p>
-            <a:r>
-              <a:rPr lang="en-US" dirty="0" smtClean="0"/>
-              <a:t>       +# Set to 'yes' to allow probing for devices with swap signatures</a:t>
-            </a:r>
-          </a:p>
-          <a:p>
-            <a:r>
-              <a:rPr lang="en-US" dirty="0" smtClean="0"/>
-              <a:t>       +AUTOSWAP=no</a:t>
-            </a:r>
-          </a:p>
-          <a:p>
-            <a:r>
-              <a:rPr lang="en-US" dirty="0" smtClean="0"/>
-              <a:t>       +# What </a:t>
-            </a:r>
-            <a:r>
-              <a:rPr lang="en-US" dirty="0" err="1" smtClean="0"/>
-              <a:t>ttys</a:t>
-            </a:r>
-            <a:r>
-              <a:rPr lang="en-US" dirty="0" smtClean="0"/>
-              <a:t> should </a:t>
-            </a:r>
-            <a:r>
-              <a:rPr lang="en-US" dirty="0" err="1" smtClean="0"/>
-              <a:t>gettys</a:t>
-            </a:r>
-            <a:r>
-              <a:rPr lang="en-US" dirty="0" smtClean="0"/>
-              <a:t> be started on?</a:t>
-            </a:r>
-          </a:p>
-          <a:p>
-            <a:r>
-              <a:rPr lang="en-US" dirty="0" smtClean="0"/>
-              <a:t>       +ACTIVE_CONSOLES=/dev/tty1</a:t>
-            </a:r>
-          </a:p>
-          <a:p>
-            <a:r>
-              <a:rPr lang="en-US" dirty="0" smtClean="0"/>
-              <a:t>       +# Set to '/</a:t>
-            </a:r>
-            <a:r>
-              <a:rPr lang="en-US" dirty="0" err="1" smtClean="0"/>
-              <a:t>sbin</a:t>
-            </a:r>
-            <a:r>
-              <a:rPr lang="en-US" dirty="0" smtClean="0"/>
-              <a:t>/</a:t>
-            </a:r>
-            <a:r>
-              <a:rPr lang="en-US" dirty="0" err="1" smtClean="0"/>
-              <a:t>sulogin</a:t>
-            </a:r>
-            <a:r>
-              <a:rPr lang="en-US" dirty="0" smtClean="0"/>
-              <a:t>' to prompt for password on single-user mode</a:t>
-            </a:r>
-          </a:p>
-          <a:p>
-            <a:r>
-              <a:rPr lang="en-US" dirty="0" smtClean="0"/>
-              <a:t>       +# Set to '/</a:t>
-            </a:r>
-            <a:r>
-              <a:rPr lang="en-US" dirty="0" err="1" smtClean="0"/>
-              <a:t>sbin</a:t>
-            </a:r>
-            <a:r>
-              <a:rPr lang="en-US" dirty="0" smtClean="0"/>
-              <a:t>/</a:t>
-            </a:r>
-            <a:r>
-              <a:rPr lang="en-US" dirty="0" err="1" smtClean="0"/>
-              <a:t>sushell</a:t>
-            </a:r>
-            <a:r>
-              <a:rPr lang="en-US" dirty="0" smtClean="0"/>
-              <a:t>' otherwise</a:t>
-            </a:r>
-          </a:p>
-          <a:p>
-            <a:r>
-              <a:rPr lang="en-US" dirty="0" smtClean="0"/>
-              <a:t>       +SINGLE=/</a:t>
-            </a:r>
-            <a:r>
-              <a:rPr lang="en-US" dirty="0" err="1" smtClean="0"/>
-              <a:t>sbin</a:t>
-            </a:r>
-            <a:r>
-              <a:rPr lang="en-US" dirty="0" smtClean="0"/>
-              <a:t>/</a:t>
-            </a:r>
-            <a:r>
-              <a:rPr lang="en-US" dirty="0" err="1" smtClean="0"/>
-              <a:t>sushell</a:t>
-            </a:r>
-            <a:endParaRPr lang="en-US" dirty="0" smtClean="0"/>
-          </a:p>
-          <a:p>
-            <a:r>
-              <a:rPr lang="en-US" dirty="0" smtClean="0"/>
-              <a:t>     # cis31.rb:5:in `block (3 levels) in load'</a:t>
-            </a:r>
-          </a:p>
-          <a:p>
-            <a:endParaRPr lang="en-US" dirty="0" smtClean="0"/>
-          </a:p>
-          <a:p>
-            <a:r>
-              <a:rPr lang="en-US" dirty="0" smtClean="0"/>
-              <a:t>Finished in 0.03515 seconds (files took 0.50435 seconds to load)</a:t>
-            </a:r>
-          </a:p>
-          <a:p>
-            <a:r>
-              <a:rPr lang="en-US" dirty="0" smtClean="0"/>
-              <a:t>1 example, 1 failure</a:t>
-            </a:r>
-          </a:p>
-          <a:p>
-            <a:endParaRPr lang="en-US" dirty="0" smtClean="0"/>
-          </a:p>
-          <a:p>
-            <a:r>
-              <a:rPr lang="en-US" dirty="0" smtClean="0"/>
-              <a:t>Failed examples:</a:t>
-            </a:r>
-          </a:p>
-          <a:p>
-            <a:endParaRPr lang="en-US" dirty="0" smtClean="0"/>
-          </a:p>
-          <a:p>
-            <a:r>
-              <a:rPr lang="en-US" dirty="0" err="1" smtClean="0"/>
-              <a:t>rspec</a:t>
-            </a:r>
-            <a:r>
-              <a:rPr lang="en-US" dirty="0" smtClean="0"/>
-              <a:t>  # File /etc/</a:t>
-            </a:r>
-            <a:r>
-              <a:rPr lang="en-US" dirty="0" err="1" smtClean="0"/>
-              <a:t>sysconfig</a:t>
-            </a:r>
-            <a:r>
-              <a:rPr lang="en-US" dirty="0" smtClean="0"/>
-              <a:t>/</a:t>
-            </a:r>
-            <a:r>
-              <a:rPr lang="en-US" dirty="0" err="1" smtClean="0"/>
-              <a:t>init</a:t>
-            </a:r>
-            <a:r>
-              <a:rPr lang="en-US" dirty="0" smtClean="0"/>
-              <a:t> content should match "</a:t>
-            </a:r>
-            <a:r>
-              <a:rPr lang="en-US" dirty="0" err="1" smtClean="0"/>
-              <a:t>umask</a:t>
-            </a:r>
-            <a:r>
-              <a:rPr lang="en-US" dirty="0" smtClean="0"/>
-              <a:t> 027"</a:t>
-            </a:r>
-          </a:p>
-          <a:p>
-            <a:endParaRPr lang="en-US" dirty="0" smtClean="0"/>
+              <a:t>On your target node, create the directory for your new profile and then move into it.</a:t>
+            </a:r>
+            <a:endParaRPr lang="en-US" dirty="0"/>
           </a:p>
         </p:txBody>
       </p:sp>
@@ -2375,7 +1669,7 @@
               <a:pPr>
                 <a:defRPr/>
               </a:pPr>
-              <a:t>15</a:t>
+              <a:t>14</a:t>
             </a:fld>
             <a:endParaRPr lang="en-US" dirty="0"/>
           </a:p>
@@ -2428,7 +1722,7 @@
     </p:spTree>
     <p:extLst>
       <p:ext uri="{BB962C8B-B14F-4D97-AF65-F5344CB8AC3E}">
-        <p14:creationId xmlns:p14="http://schemas.microsoft.com/office/powerpoint/2010/main" val="2295904465"/>
+        <p14:creationId xmlns:p14="http://schemas.microsoft.com/office/powerpoint/2010/main" val="1688635634"/>
       </p:ext>
     </p:extLst>
   </p:cSld>
@@ -2482,6 +1776,214 @@
           <a:bodyPr/>
           <a:lstStyle/>
           <a:p>
+            <a:r>
+              <a:rPr lang="en-US" dirty="0" smtClean="0"/>
+              <a:t>TBD:</a:t>
+            </a:r>
+            <a:r>
+              <a:rPr lang="en-US" baseline="0" dirty="0" smtClean="0"/>
+              <a:t> Naming conventions for `name` line?</a:t>
+            </a:r>
+          </a:p>
+          <a:p>
+            <a:endParaRPr lang="en-US" baseline="0" dirty="0" smtClean="0"/>
+          </a:p>
+          <a:p>
+            <a:pPr marL="0" marR="0" indent="0" algn="l" defTabSz="1217613" rtl="0" eaLnBrk="1" fontAlgn="base" latinLnBrk="0" hangingPunct="1">
+              <a:lnSpc>
+                <a:spcPct val="90000"/>
+              </a:lnSpc>
+              <a:spcBef>
+                <a:spcPct val="30000"/>
+              </a:spcBef>
+              <a:spcAft>
+                <a:spcPts val="450"/>
+              </a:spcAft>
+              <a:buClrTx/>
+              <a:buSzTx/>
+              <a:buFontTx/>
+              <a:buNone/>
+              <a:tabLst/>
+              <a:defRPr/>
+            </a:pPr>
+            <a:r>
+              <a:rPr lang="en-US" baseline="0" dirty="0" smtClean="0"/>
+              <a:t>Instructor Note: It seems that </a:t>
+            </a:r>
+            <a:r>
+              <a:rPr lang="en-US" sz="1200" b="0" i="0" kern="1200" dirty="0" smtClean="0">
+                <a:solidFill>
+                  <a:schemeClr val="tx1"/>
+                </a:solidFill>
+                <a:effectLst/>
+                <a:latin typeface="Arial" panose="020B0604020202020204" pitchFamily="34" charset="0"/>
+                <a:ea typeface="ＭＳ Ｐゴシック" charset="0"/>
+                <a:cs typeface="Arial" panose="020B0604020202020204" pitchFamily="34" charset="0"/>
+              </a:rPr>
+              <a:t>in the </a:t>
+            </a:r>
+            <a:r>
+              <a:rPr lang="en-US" dirty="0" smtClean="0">
+                <a:effectLst/>
+              </a:rPr>
+              <a:t>`</a:t>
+            </a:r>
+            <a:r>
+              <a:rPr lang="en-US" dirty="0" smtClean="0"/>
+              <a:t>name</a:t>
+            </a:r>
+            <a:r>
+              <a:rPr lang="en-US" dirty="0" smtClean="0">
+                <a:effectLst/>
+              </a:rPr>
+              <a:t>`</a:t>
+            </a:r>
+            <a:r>
+              <a:rPr lang="en-US" sz="1200" b="0" i="0" kern="1200" dirty="0" smtClean="0">
+                <a:solidFill>
+                  <a:schemeClr val="tx1"/>
+                </a:solidFill>
+                <a:effectLst/>
+                <a:latin typeface="Arial" panose="020B0604020202020204" pitchFamily="34" charset="0"/>
+                <a:ea typeface="ＭＳ Ｐゴシック" charset="0"/>
+                <a:cs typeface="Arial" panose="020B0604020202020204" pitchFamily="34" charset="0"/>
+              </a:rPr>
+              <a:t> line in metadata.rb,</a:t>
+            </a:r>
+            <a:r>
+              <a:rPr lang="en-US" sz="1200" b="0" i="0" kern="1200" baseline="0" dirty="0" smtClean="0">
+                <a:solidFill>
+                  <a:schemeClr val="tx1"/>
+                </a:solidFill>
+                <a:effectLst/>
+                <a:latin typeface="Arial" panose="020B0604020202020204" pitchFamily="34" charset="0"/>
+                <a:ea typeface="ＭＳ Ｐゴシック" charset="0"/>
+                <a:cs typeface="Arial" panose="020B0604020202020204" pitchFamily="34" charset="0"/>
+              </a:rPr>
+              <a:t> the Compliance code </a:t>
+            </a:r>
+            <a:r>
+              <a:rPr lang="en-US" sz="1200" b="0" i="0" kern="1200" dirty="0" smtClean="0">
+                <a:solidFill>
+                  <a:schemeClr val="tx1"/>
+                </a:solidFill>
+                <a:effectLst/>
+                <a:latin typeface="Arial" panose="020B0604020202020204" pitchFamily="34" charset="0"/>
+                <a:ea typeface="ＭＳ Ｐゴシック" charset="0"/>
+                <a:cs typeface="Arial" panose="020B0604020202020204" pitchFamily="34" charset="0"/>
+              </a:rPr>
+              <a:t>treats anything before the first </a:t>
+            </a:r>
+            <a:r>
+              <a:rPr lang="en-US" dirty="0" smtClean="0">
+                <a:effectLst/>
+              </a:rPr>
+              <a:t>`</a:t>
+            </a:r>
+            <a:r>
+              <a:rPr lang="en-US" dirty="0" smtClean="0"/>
+              <a:t>/</a:t>
+            </a:r>
+            <a:r>
+              <a:rPr lang="en-US" dirty="0" smtClean="0">
+                <a:effectLst/>
+              </a:rPr>
+              <a:t>`</a:t>
+            </a:r>
+            <a:r>
+              <a:rPr lang="en-US" sz="1200" b="0" i="0" kern="1200" dirty="0" smtClean="0">
+                <a:solidFill>
+                  <a:schemeClr val="tx1"/>
+                </a:solidFill>
+                <a:effectLst/>
+                <a:latin typeface="Arial" panose="020B0604020202020204" pitchFamily="34" charset="0"/>
+                <a:ea typeface="ＭＳ Ｐゴシック" charset="0"/>
+                <a:cs typeface="Arial" panose="020B0604020202020204" pitchFamily="34" charset="0"/>
+              </a:rPr>
+              <a:t> as the username variable. For example, </a:t>
+            </a:r>
+            <a:r>
+              <a:rPr lang="en-US" b="0" dirty="0" smtClean="0"/>
+              <a:t>name '</a:t>
+            </a:r>
+            <a:r>
+              <a:rPr lang="en-US" b="0" dirty="0" err="1" smtClean="0"/>
+              <a:t>fooooo</a:t>
+            </a:r>
+            <a:r>
+              <a:rPr lang="en-US" b="0" dirty="0" smtClean="0"/>
+              <a:t>/profile-cis-3.1' will appear as `admin/profile-cis-3.1`</a:t>
+            </a:r>
+            <a:r>
+              <a:rPr lang="en-US" b="0" baseline="0" dirty="0" smtClean="0"/>
+              <a:t> in the UI if the user who uploaded that profile was the `admin` user.</a:t>
+            </a:r>
+            <a:endParaRPr lang="en-US" b="1" dirty="0" smtClean="0"/>
+          </a:p>
+          <a:p>
+            <a:pPr marL="0" marR="0" indent="0" algn="l" defTabSz="1217613" rtl="0" eaLnBrk="1" fontAlgn="base" latinLnBrk="0" hangingPunct="1">
+              <a:lnSpc>
+                <a:spcPct val="90000"/>
+              </a:lnSpc>
+              <a:spcBef>
+                <a:spcPct val="30000"/>
+              </a:spcBef>
+              <a:spcAft>
+                <a:spcPts val="450"/>
+              </a:spcAft>
+              <a:buClrTx/>
+              <a:buSzTx/>
+              <a:buFontTx/>
+              <a:buNone/>
+              <a:tabLst/>
+              <a:defRPr/>
+            </a:pPr>
+            <a:endParaRPr lang="en-US" b="1" dirty="0" smtClean="0"/>
+          </a:p>
+          <a:p>
+            <a:endParaRPr lang="en-US" dirty="0" smtClean="0"/>
+          </a:p>
+          <a:p>
+            <a:pPr marL="0" marR="0" indent="0" algn="l" defTabSz="1217613" rtl="0" eaLnBrk="1" fontAlgn="base" latinLnBrk="0" hangingPunct="1">
+              <a:lnSpc>
+                <a:spcPct val="90000"/>
+              </a:lnSpc>
+              <a:spcBef>
+                <a:spcPct val="30000"/>
+              </a:spcBef>
+              <a:spcAft>
+                <a:spcPts val="450"/>
+              </a:spcAft>
+              <a:buClrTx/>
+              <a:buSzTx/>
+              <a:buFontTx/>
+              <a:buNone/>
+              <a:tabLst/>
+              <a:defRPr/>
+            </a:pPr>
+            <a:endParaRPr lang="en-US" dirty="0" smtClean="0"/>
+          </a:p>
+          <a:p>
+            <a:pPr marL="0" marR="0" indent="0" algn="l" defTabSz="1217613" rtl="0" eaLnBrk="1" fontAlgn="base" latinLnBrk="0" hangingPunct="1">
+              <a:lnSpc>
+                <a:spcPct val="90000"/>
+              </a:lnSpc>
+              <a:spcBef>
+                <a:spcPct val="30000"/>
+              </a:spcBef>
+              <a:spcAft>
+                <a:spcPts val="450"/>
+              </a:spcAft>
+              <a:buClrTx/>
+              <a:buSzTx/>
+              <a:buFontTx/>
+              <a:buNone/>
+              <a:tabLst/>
+              <a:defRPr/>
+            </a:pPr>
+            <a:endParaRPr lang="en-US" dirty="0" smtClean="0"/>
+          </a:p>
+          <a:p>
             <a:endParaRPr lang="en-US" dirty="0"/>
           </a:p>
         </p:txBody>
@@ -2509,7 +2011,7 @@
               <a:pPr>
                 <a:defRPr/>
               </a:pPr>
-              <a:t>17</a:t>
+              <a:t>15</a:t>
             </a:fld>
             <a:endParaRPr lang="en-US" dirty="0"/>
           </a:p>
@@ -2562,7 +2064,7 @@
     </p:spTree>
     <p:extLst>
       <p:ext uri="{BB962C8B-B14F-4D97-AF65-F5344CB8AC3E}">
-        <p14:creationId xmlns:p14="http://schemas.microsoft.com/office/powerpoint/2010/main" val="2198941779"/>
+        <p14:creationId xmlns:p14="http://schemas.microsoft.com/office/powerpoint/2010/main" val="2578822014"/>
       </p:ext>
     </p:extLst>
   </p:cSld>
@@ -2643,7 +2145,7 @@
               <a:pPr>
                 <a:defRPr/>
               </a:pPr>
-              <a:t>18</a:t>
+              <a:t>16</a:t>
             </a:fld>
             <a:endParaRPr lang="en-US" dirty="0"/>
           </a:p>
@@ -2696,7 +2198,7 @@
     </p:spTree>
     <p:extLst>
       <p:ext uri="{BB962C8B-B14F-4D97-AF65-F5344CB8AC3E}">
-        <p14:creationId xmlns:p14="http://schemas.microsoft.com/office/powerpoint/2010/main" val="156069988"/>
+        <p14:creationId xmlns:p14="http://schemas.microsoft.com/office/powerpoint/2010/main" val="3865287312"/>
       </p:ext>
     </p:extLst>
   </p:cSld>
@@ -2747,102 +2249,34 @@
         </p:nvSpPr>
         <p:spPr/>
         <p:txBody>
-          <a:bodyPr>
-            <a:normAutofit/>
-          </a:bodyPr>
+          <a:bodyPr/>
           <a:lstStyle/>
           <a:p>
-            <a:pPr marL="0" marR="0" indent="0" algn="l" defTabSz="1217613" rtl="0" eaLnBrk="1" fontAlgn="base" latinLnBrk="0" hangingPunct="1">
-              <a:lnSpc>
-                <a:spcPct val="90000"/>
-              </a:lnSpc>
-              <a:spcBef>
-                <a:spcPct val="30000"/>
-              </a:spcBef>
-              <a:spcAft>
-                <a:spcPts val="450"/>
-              </a:spcAft>
-              <a:buClrTx/>
-              <a:buSzTx/>
-              <a:buFontTx/>
-              <a:buNone/>
-              <a:tabLst/>
-              <a:defRPr/>
-            </a:pPr>
-            <a:r>
-              <a:rPr lang="en-US" b="0" dirty="0" smtClean="0"/>
-              <a:t>The custom profile you will create will scan nodes to ensure they have a '/</a:t>
-            </a:r>
-            <a:r>
-              <a:rPr lang="en-US" b="0" dirty="0" err="1" smtClean="0"/>
-              <a:t>tmp</a:t>
-            </a:r>
-            <a:r>
-              <a:rPr lang="en-US" b="0" dirty="0" smtClean="0"/>
-              <a:t>' directory and </a:t>
-            </a:r>
-            <a:r>
-              <a:rPr lang="en-US" b="0" baseline="0" dirty="0" smtClean="0"/>
-              <a:t>that directory should be </a:t>
-            </a:r>
-            <a:r>
-              <a:rPr lang="en-US" dirty="0" smtClean="0"/>
-              <a:t>owned by the root user.</a:t>
-            </a:r>
-          </a:p>
-          <a:p>
-            <a:pPr marL="0" marR="0" indent="0" algn="l" defTabSz="1217613" rtl="0" eaLnBrk="1" fontAlgn="base" latinLnBrk="0" hangingPunct="1">
-              <a:lnSpc>
-                <a:spcPct val="90000"/>
-              </a:lnSpc>
-              <a:spcBef>
-                <a:spcPct val="30000"/>
-              </a:spcBef>
-              <a:spcAft>
-                <a:spcPts val="450"/>
-              </a:spcAft>
-              <a:buClrTx/>
-              <a:buSzTx/>
-              <a:buFontTx/>
-              <a:buNone/>
-              <a:tabLst/>
-              <a:defRPr/>
-            </a:pPr>
+            <a:r>
+              <a:rPr lang="en-US" dirty="0" smtClean="0"/>
+              <a:t>TBD: Need to provide</a:t>
+            </a:r>
+            <a:r>
+              <a:rPr lang="en-US" baseline="0" dirty="0" smtClean="0"/>
+              <a:t> explanation on how to write this.</a:t>
+            </a:r>
             <a:endParaRPr lang="en-US" dirty="0" smtClean="0"/>
           </a:p>
           <a:p>
-            <a:pPr marL="0" marR="0" indent="0" algn="l" defTabSz="1217613" rtl="0" eaLnBrk="1" fontAlgn="base" latinLnBrk="0" hangingPunct="1">
-              <a:lnSpc>
-                <a:spcPct val="90000"/>
-              </a:lnSpc>
-              <a:spcBef>
-                <a:spcPct val="30000"/>
-              </a:spcBef>
-              <a:spcAft>
-                <a:spcPts val="450"/>
-              </a:spcAft>
-              <a:buClrTx/>
-              <a:buSzTx/>
-              <a:buFontTx/>
-              <a:buNone/>
-              <a:tabLst/>
-              <a:defRPr/>
-            </a:pPr>
-            <a:r>
-              <a:rPr lang="en-US" b="1" dirty="0" smtClean="0"/>
-              <a:t>Note</a:t>
-            </a:r>
-            <a:r>
-              <a:rPr lang="en-US" dirty="0" smtClean="0"/>
-              <a:t>: In the workplace you would likely perform these custom profile tasks on your local</a:t>
+            <a:endParaRPr lang="en-US" dirty="0" smtClean="0"/>
+          </a:p>
+          <a:p>
+            <a:endParaRPr lang="en-US" dirty="0" smtClean="0"/>
+          </a:p>
+          <a:p>
+            <a:r>
+              <a:rPr lang="en-US" dirty="0" smtClean="0"/>
+              <a:t>For anything</a:t>
             </a:r>
             <a:r>
               <a:rPr lang="en-US" baseline="0" dirty="0" smtClean="0"/>
-              <a:t> workstation and upload them to the Compliance Server. In this class we'll use our target nodes as a workstation to create the profile on since they already have Chef installed on them. Then we'll ultimately upload the customer profile to your Compliance Server.</a:t>
-            </a:r>
-            <a:endParaRPr lang="en-US" dirty="0" smtClean="0"/>
-          </a:p>
-          <a:p>
+              <a:t> scored by CIS we'll score it 0.7. For anything not scored you should score it 0.0.</a:t>
+            </a:r>
             <a:endParaRPr lang="en-US" dirty="0"/>
           </a:p>
         </p:txBody>
@@ -2870,7 +2304,7 @@
               <a:pPr>
                 <a:defRPr/>
               </a:pPr>
-              <a:t>19</a:t>
+              <a:t>17</a:t>
             </a:fld>
             <a:endParaRPr lang="en-US" dirty="0"/>
           </a:p>
@@ -2923,7 +2357,7 @@
     </p:spTree>
     <p:extLst>
       <p:ext uri="{BB962C8B-B14F-4D97-AF65-F5344CB8AC3E}">
-        <p14:creationId xmlns:p14="http://schemas.microsoft.com/office/powerpoint/2010/main" val="3964402445"/>
+        <p14:creationId xmlns:p14="http://schemas.microsoft.com/office/powerpoint/2010/main" val="1587686027"/>
       </p:ext>
     </p:extLst>
   </p:cSld>
@@ -2974,98 +2408,119 @@
         </p:nvSpPr>
         <p:spPr/>
         <p:txBody>
-          <a:bodyPr/>
+          <a:bodyPr>
+            <a:normAutofit fontScale="25000" lnSpcReduction="20000"/>
+          </a:bodyPr>
           <a:lstStyle/>
           <a:p>
-            <a:pPr marL="0" marR="0" indent="0" algn="l" defTabSz="1217613" rtl="0" eaLnBrk="1" fontAlgn="base" latinLnBrk="0" hangingPunct="1">
-              <a:lnSpc>
-                <a:spcPct val="90000"/>
-              </a:lnSpc>
-              <a:spcBef>
-                <a:spcPct val="30000"/>
-              </a:spcBef>
-              <a:spcAft>
-                <a:spcPts val="450"/>
-              </a:spcAft>
-              <a:buClrTx/>
-              <a:buSzTx/>
-              <a:buFontTx/>
-              <a:buNone/>
-              <a:tabLst/>
-              <a:defRPr/>
-            </a:pPr>
-            <a:r>
-              <a:rPr lang="en-US" dirty="0" smtClean="0"/>
-              <a:t>On your target node, create a directory for your profiles</a:t>
+            <a:r>
+              <a:rPr lang="en-US" dirty="0" smtClean="0"/>
+              <a:t>This is the kind of failure we should see</a:t>
             </a:r>
             <a:r>
               <a:rPr lang="en-US" baseline="0" dirty="0" smtClean="0"/>
-              <a:t> and the move into that new directory.</a:t>
-            </a:r>
-          </a:p>
-          <a:p>
-            <a:pPr marL="0" marR="0" indent="0" algn="l" defTabSz="1217613" rtl="0" eaLnBrk="1" fontAlgn="base" latinLnBrk="0" hangingPunct="1">
-              <a:lnSpc>
-                <a:spcPct val="90000"/>
-              </a:lnSpc>
-              <a:spcBef>
-                <a:spcPct val="30000"/>
-              </a:spcBef>
-              <a:spcAft>
-                <a:spcPts val="450"/>
-              </a:spcAft>
-              <a:buClrTx/>
-              <a:buSzTx/>
-              <a:buFontTx/>
-              <a:buNone/>
-              <a:tabLst/>
-              <a:defRPr/>
-            </a:pPr>
-            <a:endParaRPr lang="en-US" baseline="0" dirty="0" smtClean="0"/>
-          </a:p>
-          <a:p>
-            <a:pPr marL="0" marR="0" indent="0" algn="l" defTabSz="1217613" rtl="0" eaLnBrk="1" fontAlgn="base" latinLnBrk="0" hangingPunct="1">
-              <a:lnSpc>
-                <a:spcPct val="90000"/>
-              </a:lnSpc>
-              <a:spcBef>
-                <a:spcPct val="30000"/>
-              </a:spcBef>
-              <a:spcAft>
-                <a:spcPts val="450"/>
-              </a:spcAft>
-              <a:buClrTx/>
-              <a:buSzTx/>
-              <a:buFontTx/>
-              <a:buNone/>
-              <a:tabLst/>
-              <a:defRPr/>
-            </a:pPr>
-            <a:r>
-              <a:rPr lang="en-US" dirty="0" smtClean="0"/>
-              <a:t>$ `mkdir -p ~/</a:t>
+              <a:t> because the </a:t>
+            </a:r>
+            <a:r>
+              <a:rPr lang="en-US" baseline="0" dirty="0" err="1" smtClean="0"/>
+              <a:t>umask</a:t>
+            </a:r>
+            <a:r>
+              <a:rPr lang="en-US" baseline="0" dirty="0" smtClean="0"/>
+              <a:t> of the </a:t>
+            </a:r>
+            <a:r>
+              <a:rPr lang="en-US" sz="1200" dirty="0" smtClean="0"/>
+              <a:t>etc/</a:t>
+            </a:r>
+            <a:r>
+              <a:rPr lang="en-US" sz="1200" dirty="0" err="1" smtClean="0"/>
+              <a:t>sysconfig</a:t>
+            </a:r>
+            <a:r>
+              <a:rPr lang="en-US" sz="1200" dirty="0" smtClean="0"/>
+              <a:t>/</a:t>
+            </a:r>
+            <a:r>
+              <a:rPr lang="en-US" sz="1200" dirty="0" err="1" smtClean="0"/>
+              <a:t>init</a:t>
+            </a:r>
+            <a:r>
+              <a:rPr lang="en-US" sz="1200" dirty="0" smtClean="0"/>
+              <a:t> is</a:t>
+            </a:r>
+            <a:r>
+              <a:rPr lang="en-US" sz="1200" baseline="0" dirty="0" smtClean="0"/>
+              <a:t> not </a:t>
+            </a:r>
+            <a:r>
+              <a:rPr lang="en-US" sz="1200" dirty="0" smtClean="0"/>
+              <a:t>027.</a:t>
+            </a:r>
+          </a:p>
+          <a:p>
+            <a:endParaRPr lang="en-US" dirty="0" smtClean="0"/>
+          </a:p>
+          <a:p>
+            <a:r>
+              <a:rPr lang="en-US" dirty="0" smtClean="0"/>
+              <a:t>F</a:t>
+            </a:r>
+          </a:p>
+          <a:p>
+            <a:endParaRPr lang="en-US" dirty="0" smtClean="0"/>
+          </a:p>
+          <a:p>
+            <a:r>
+              <a:rPr lang="en-US" dirty="0" smtClean="0"/>
+              <a:t>Failures:</a:t>
+            </a:r>
+          </a:p>
+          <a:p>
+            <a:endParaRPr lang="en-US" dirty="0" smtClean="0"/>
+          </a:p>
+          <a:p>
+            <a:r>
+              <a:rPr lang="en-US" dirty="0" smtClean="0"/>
+              <a:t>  1) File /etc/</a:t>
             </a:r>
             <a:r>
               <a:rPr lang="en-US" dirty="0" err="1" smtClean="0"/>
-              <a:t>compliance_profiles</a:t>
-            </a:r>
-            <a:r>
-              <a:rPr lang="en-US" dirty="0" smtClean="0"/>
-              <a:t>/profile_01`</a:t>
-            </a:r>
-          </a:p>
-          <a:p>
-            <a:r>
-              <a:rPr lang="en-US" dirty="0" smtClean="0"/>
-              <a:t>$ `cd ~/</a:t>
+              <a:t>sysconfig</a:t>
+            </a:r>
+            <a:r>
+              <a:rPr lang="en-US" dirty="0" smtClean="0"/>
+              <a:t>/</a:t>
             </a:r>
             <a:r>
               <a:rPr lang="en-US" dirty="0" err="1" smtClean="0"/>
-              <a:t>compliance_profiles</a:t>
-            </a:r>
-            <a:r>
-              <a:rPr lang="en-US" dirty="0" smtClean="0"/>
-              <a:t>/profile_01'</a:t>
+              <a:t>init</a:t>
+            </a:r>
+            <a:r>
+              <a:rPr lang="en-US" dirty="0" smtClean="0"/>
+              <a:t> content should match "</a:t>
+            </a:r>
+            <a:r>
+              <a:rPr lang="en-US" dirty="0" err="1" smtClean="0"/>
+              <a:t>umask</a:t>
+            </a:r>
+            <a:r>
+              <a:rPr lang="en-US" dirty="0" smtClean="0"/>
+              <a:t> 027"</a:t>
+            </a:r>
+          </a:p>
+          <a:p>
+            <a:r>
+              <a:rPr lang="en-US" dirty="0" smtClean="0"/>
+              <a:t>     Failure/Error: its('content') {should match '</a:t>
+            </a:r>
+            <a:r>
+              <a:rPr lang="en-US" dirty="0" err="1" smtClean="0"/>
+              <a:t>umask</a:t>
+            </a:r>
+            <a:r>
+              <a:rPr lang="en-US" dirty="0" smtClean="0"/>
+              <a:t> 027'}</a:t>
             </a:r>
           </a:p>
           <a:p>
@@ -3074,47 +2529,773 @@
           <a:p>
             <a:r>
               <a:rPr lang="en-US" dirty="0" smtClean="0"/>
-              <a:t>Reminder: In the workplace you would likely perform this task TBD</a:t>
-            </a:r>
-          </a:p>
-          <a:p>
-            <a:pPr marL="0" marR="0" indent="0" algn="l" defTabSz="1217613" rtl="0" eaLnBrk="1" fontAlgn="base" latinLnBrk="0" hangingPunct="1">
-              <a:lnSpc>
-                <a:spcPct val="90000"/>
-              </a:lnSpc>
-              <a:spcBef>
-                <a:spcPct val="30000"/>
-              </a:spcBef>
-              <a:spcAft>
-                <a:spcPts val="450"/>
-              </a:spcAft>
-              <a:buClrTx/>
-              <a:buSzTx/>
-              <a:buFontTx/>
-              <a:buNone/>
-              <a:tabLst/>
-              <a:defRPr/>
-            </a:pPr>
-            <a:endParaRPr lang="en-US" baseline="0" dirty="0" smtClean="0"/>
-          </a:p>
-          <a:p>
-            <a:pPr marL="0" marR="0" indent="0" algn="l" defTabSz="1217613" rtl="0" eaLnBrk="1" fontAlgn="base" latinLnBrk="0" hangingPunct="1">
-              <a:lnSpc>
-                <a:spcPct val="90000"/>
-              </a:lnSpc>
-              <a:spcBef>
-                <a:spcPct val="30000"/>
-              </a:spcBef>
-              <a:spcAft>
-                <a:spcPts val="450"/>
-              </a:spcAft>
-              <a:buClrTx/>
-              <a:buSzTx/>
-              <a:buFontTx/>
-              <a:buNone/>
-              <a:tabLst/>
-              <a:defRPr/>
-            </a:pPr>
+              <a:t>Note: </a:t>
+            </a:r>
+            <a:r>
+              <a:rPr lang="en-US" dirty="0" smtClean="0"/>
+              <a:t>At </a:t>
+            </a:r>
+            <a:r>
+              <a:rPr lang="en-US" dirty="0" smtClean="0"/>
+              <a:t>the end of the output you  will see a reference to </a:t>
+            </a:r>
+            <a:r>
+              <a:rPr lang="en-US" dirty="0" err="1" smtClean="0"/>
+              <a:t>rspec</a:t>
+            </a:r>
+            <a:r>
+              <a:rPr lang="en-US" dirty="0" smtClean="0"/>
+              <a:t>.</a:t>
+            </a:r>
+            <a:r>
+              <a:rPr lang="en-US" baseline="0" dirty="0" smtClean="0"/>
+              <a:t> This is because </a:t>
+            </a:r>
+            <a:r>
+              <a:rPr lang="en-US" sz="1200" b="0" i="0" kern="1200" dirty="0" err="1" smtClean="0">
+                <a:solidFill>
+                  <a:schemeClr val="tx1"/>
+                </a:solidFill>
+                <a:effectLst/>
+                <a:latin typeface="Arial" panose="020B0604020202020204" pitchFamily="34" charset="0"/>
+                <a:ea typeface="ＭＳ Ｐゴシック" charset="0"/>
+                <a:cs typeface="Arial" panose="020B0604020202020204" pitchFamily="34" charset="0"/>
+              </a:rPr>
+              <a:t>inspec</a:t>
+            </a:r>
+            <a:r>
+              <a:rPr lang="en-US" sz="1200" b="0" i="0" kern="1200" dirty="0" smtClean="0">
+                <a:solidFill>
+                  <a:schemeClr val="tx1"/>
+                </a:solidFill>
+                <a:effectLst/>
+                <a:latin typeface="Arial" panose="020B0604020202020204" pitchFamily="34" charset="0"/>
+                <a:ea typeface="ＭＳ Ｐゴシック" charset="0"/>
+                <a:cs typeface="Arial" panose="020B0604020202020204" pitchFamily="34" charset="0"/>
+              </a:rPr>
+              <a:t> is based on </a:t>
+            </a:r>
+            <a:r>
+              <a:rPr lang="en-US" sz="1200" b="0" i="0" kern="1200" dirty="0" err="1" smtClean="0">
+                <a:solidFill>
+                  <a:schemeClr val="tx1"/>
+                </a:solidFill>
+                <a:effectLst/>
+                <a:latin typeface="Arial" panose="020B0604020202020204" pitchFamily="34" charset="0"/>
+                <a:ea typeface="ＭＳ Ｐゴシック" charset="0"/>
+                <a:cs typeface="Arial" panose="020B0604020202020204" pitchFamily="34" charset="0"/>
+              </a:rPr>
+              <a:t>rspec</a:t>
+            </a:r>
+            <a:r>
+              <a:rPr lang="en-US" sz="1200" b="0" i="0" kern="1200" dirty="0" smtClean="0">
+                <a:solidFill>
+                  <a:schemeClr val="tx1"/>
+                </a:solidFill>
+                <a:effectLst/>
+                <a:latin typeface="Arial" panose="020B0604020202020204" pitchFamily="34" charset="0"/>
+                <a:ea typeface="ＭＳ Ｐゴシック" charset="0"/>
+                <a:cs typeface="Arial" panose="020B0604020202020204" pitchFamily="34" charset="0"/>
+              </a:rPr>
+              <a:t>.</a:t>
+            </a:r>
+          </a:p>
+          <a:p>
+            <a:endParaRPr lang="en-US" dirty="0" smtClean="0"/>
+          </a:p>
+          <a:p>
+            <a:r>
+              <a:rPr lang="en-US" dirty="0" smtClean="0"/>
+              <a:t>       expected "# color =&gt; new RH6.0 </a:t>
+            </a:r>
+            <a:r>
+              <a:rPr lang="en-US" dirty="0" err="1" smtClean="0"/>
+              <a:t>bootup</a:t>
+            </a:r>
+            <a:r>
+              <a:rPr lang="en-US" dirty="0" smtClean="0"/>
+              <a:t>\n# verbose =&gt; old-style </a:t>
+            </a:r>
+            <a:r>
+              <a:rPr lang="en-US" dirty="0" err="1" smtClean="0"/>
+              <a:t>bootup</a:t>
+            </a:r>
+            <a:r>
+              <a:rPr lang="en-US" dirty="0" smtClean="0"/>
+              <a:t>\n# anything else =&gt; new style </a:t>
+            </a:r>
+            <a:r>
+              <a:rPr lang="en-US" dirty="0" err="1" smtClean="0"/>
+              <a:t>bootup</a:t>
+            </a:r>
+            <a:r>
+              <a:rPr lang="en-US" dirty="0" smtClean="0"/>
+              <a:t> without ANSI colors or positioning\</a:t>
+            </a:r>
+            <a:r>
+              <a:rPr lang="en-US" dirty="0" err="1" smtClean="0"/>
+              <a:t>nBOOTUP</a:t>
+            </a:r>
+            <a:r>
+              <a:rPr lang="en-US" dirty="0" smtClean="0"/>
+              <a:t>=color\n# column to start \"[  OK  ]\" label in \</a:t>
+            </a:r>
+            <a:r>
+              <a:rPr lang="en-US" dirty="0" err="1" smtClean="0"/>
+              <a:t>nRES_COL</a:t>
+            </a:r>
+            <a:r>
+              <a:rPr lang="en-US" dirty="0" smtClean="0"/>
+              <a:t>=60\n# terminal sequence to move to that column. You could change this\n# to something like \"</a:t>
+            </a:r>
+            <a:r>
+              <a:rPr lang="en-US" dirty="0" err="1" smtClean="0"/>
+              <a:t>tput</a:t>
+            </a:r>
+            <a:r>
+              <a:rPr lang="en-US" dirty="0" smtClean="0"/>
+              <a:t> </a:t>
+            </a:r>
+            <a:r>
+              <a:rPr lang="en-US" dirty="0" err="1" smtClean="0"/>
+              <a:t>hpa</a:t>
+            </a:r>
+            <a:r>
+              <a:rPr lang="en-US" dirty="0" smtClean="0"/>
+              <a:t> ${RES_COL}\" if your terminal supports it\</a:t>
+            </a:r>
+            <a:r>
+              <a:rPr lang="en-US" dirty="0" err="1" smtClean="0"/>
+              <a:t>nMOVE_TO_COL</a:t>
+            </a:r>
+            <a:r>
+              <a:rPr lang="en-US" dirty="0" smtClean="0"/>
+              <a:t>=\"echo -</a:t>
+            </a:r>
+            <a:r>
+              <a:rPr lang="en-US" dirty="0" err="1" smtClean="0"/>
+              <a:t>en</a:t>
+            </a:r>
+            <a:r>
+              <a:rPr lang="en-US" dirty="0" smtClean="0"/>
+              <a:t> \\\\033[${RES_COL}G\"\n# terminal sequence to set color to a 'success' color (currently: green)\</a:t>
+            </a:r>
+            <a:r>
+              <a:rPr lang="en-US" dirty="0" err="1" smtClean="0"/>
+              <a:t>nSETCOLOR_SUCCESS</a:t>
+            </a:r>
+            <a:r>
+              <a:rPr lang="en-US" dirty="0" smtClean="0"/>
+              <a:t>=\"echo -</a:t>
+            </a:r>
+            <a:r>
+              <a:rPr lang="en-US" dirty="0" err="1" smtClean="0"/>
+              <a:t>en</a:t>
+            </a:r>
+            <a:r>
+              <a:rPr lang="en-US" dirty="0" smtClean="0"/>
+              <a:t> \\\\033[0;32m\"\n# terminal sequence to set color to a 'failure' color (currently: red)\</a:t>
+            </a:r>
+            <a:r>
+              <a:rPr lang="en-US" dirty="0" err="1" smtClean="0"/>
+              <a:t>nSETCOLOR_FAILURE</a:t>
+            </a:r>
+            <a:r>
+              <a:rPr lang="en-US" dirty="0" smtClean="0"/>
+              <a:t>=\"echo -</a:t>
+            </a:r>
+            <a:r>
+              <a:rPr lang="en-US" dirty="0" err="1" smtClean="0"/>
+              <a:t>en</a:t>
+            </a:r>
+            <a:r>
+              <a:rPr lang="en-US" dirty="0" smtClean="0"/>
+              <a:t> \\\\033[0;31m\"\n# terminal sequence to set color to a 'warning' color (currently: yellow)\</a:t>
+            </a:r>
+            <a:r>
+              <a:rPr lang="en-US" dirty="0" err="1" smtClean="0"/>
+              <a:t>nSETCOLOR_WARNING</a:t>
+            </a:r>
+            <a:r>
+              <a:rPr lang="en-US" dirty="0" smtClean="0"/>
+              <a:t>=\"echo -</a:t>
+            </a:r>
+            <a:r>
+              <a:rPr lang="en-US" dirty="0" err="1" smtClean="0"/>
+              <a:t>en</a:t>
+            </a:r>
+            <a:r>
+              <a:rPr lang="en-US" dirty="0" smtClean="0"/>
+              <a:t> \\\\033[0;33m\"\n# terminal sequence to reset to the default color.\</a:t>
+            </a:r>
+            <a:r>
+              <a:rPr lang="en-US" dirty="0" err="1" smtClean="0"/>
+              <a:t>nSETCOLOR_NORMAL</a:t>
+            </a:r>
+            <a:r>
+              <a:rPr lang="en-US" dirty="0" smtClean="0"/>
+              <a:t>=\"echo -</a:t>
+            </a:r>
+            <a:r>
+              <a:rPr lang="en-US" dirty="0" err="1" smtClean="0"/>
+              <a:t>en</a:t>
+            </a:r>
+            <a:r>
+              <a:rPr lang="en-US" dirty="0" smtClean="0"/>
+              <a:t> \\\\033[0;39m\"\n# Set to anything other than 'no' to allow hotkey interactive startup...\</a:t>
+            </a:r>
+            <a:r>
+              <a:rPr lang="en-US" dirty="0" err="1" smtClean="0"/>
+              <a:t>nPROMPT</a:t>
+            </a:r>
+            <a:r>
+              <a:rPr lang="en-US" dirty="0" smtClean="0"/>
+              <a:t>=yes\n# Set to 'yes' to allow probing for devices with swap signatures\</a:t>
+            </a:r>
+            <a:r>
+              <a:rPr lang="en-US" dirty="0" err="1" smtClean="0"/>
+              <a:t>nAUTOSWAP</a:t>
+            </a:r>
+            <a:r>
+              <a:rPr lang="en-US" dirty="0" smtClean="0"/>
+              <a:t>=no\n# What </a:t>
+            </a:r>
+            <a:r>
+              <a:rPr lang="en-US" dirty="0" err="1" smtClean="0"/>
+              <a:t>ttys</a:t>
+            </a:r>
+            <a:r>
+              <a:rPr lang="en-US" dirty="0" smtClean="0"/>
+              <a:t> should </a:t>
+            </a:r>
+            <a:r>
+              <a:rPr lang="en-US" dirty="0" err="1" smtClean="0"/>
+              <a:t>gettys</a:t>
+            </a:r>
+            <a:r>
+              <a:rPr lang="en-US" dirty="0" smtClean="0"/>
+              <a:t> be started on?\</a:t>
+            </a:r>
+            <a:r>
+              <a:rPr lang="en-US" dirty="0" err="1" smtClean="0"/>
+              <a:t>nACTIVE_CONSOLES</a:t>
+            </a:r>
+            <a:r>
+              <a:rPr lang="en-US" dirty="0" smtClean="0"/>
+              <a:t>=/dev/tty1\n# Set to '/</a:t>
+            </a:r>
+            <a:r>
+              <a:rPr lang="en-US" dirty="0" err="1" smtClean="0"/>
+              <a:t>sbin</a:t>
+            </a:r>
+            <a:r>
+              <a:rPr lang="en-US" dirty="0" smtClean="0"/>
+              <a:t>/</a:t>
+            </a:r>
+            <a:r>
+              <a:rPr lang="en-US" dirty="0" err="1" smtClean="0"/>
+              <a:t>sulogin</a:t>
+            </a:r>
+            <a:r>
+              <a:rPr lang="en-US" dirty="0" smtClean="0"/>
+              <a:t>' to prompt for password on single-user mode\n# Set to '/</a:t>
+            </a:r>
+            <a:r>
+              <a:rPr lang="en-US" dirty="0" err="1" smtClean="0"/>
+              <a:t>sbin</a:t>
+            </a:r>
+            <a:r>
+              <a:rPr lang="en-US" dirty="0" smtClean="0"/>
+              <a:t>/</a:t>
+            </a:r>
+            <a:r>
+              <a:rPr lang="en-US" dirty="0" err="1" smtClean="0"/>
+              <a:t>sushell</a:t>
+            </a:r>
+            <a:r>
+              <a:rPr lang="en-US" dirty="0" smtClean="0"/>
+              <a:t>' otherwise\</a:t>
+            </a:r>
+            <a:r>
+              <a:rPr lang="en-US" dirty="0" err="1" smtClean="0"/>
+              <a:t>nSINGLE</a:t>
+            </a:r>
+            <a:r>
+              <a:rPr lang="en-US" dirty="0" smtClean="0"/>
+              <a:t>=/</a:t>
+            </a:r>
+            <a:r>
+              <a:rPr lang="en-US" dirty="0" err="1" smtClean="0"/>
+              <a:t>sbin</a:t>
+            </a:r>
+            <a:r>
+              <a:rPr lang="en-US" dirty="0" smtClean="0"/>
+              <a:t>/</a:t>
+            </a:r>
+            <a:r>
+              <a:rPr lang="en-US" dirty="0" err="1" smtClean="0"/>
+              <a:t>sushell</a:t>
+            </a:r>
+            <a:r>
+              <a:rPr lang="en-US" dirty="0" smtClean="0"/>
+              <a:t>\n" to match "</a:t>
+            </a:r>
+            <a:r>
+              <a:rPr lang="en-US" dirty="0" err="1" smtClean="0"/>
+              <a:t>umask</a:t>
+            </a:r>
+            <a:r>
+              <a:rPr lang="en-US" dirty="0" smtClean="0"/>
+              <a:t> 027"</a:t>
+            </a:r>
+          </a:p>
+          <a:p>
+            <a:r>
+              <a:rPr lang="en-US" dirty="0" smtClean="0"/>
+              <a:t>       Diff:</a:t>
+            </a:r>
+          </a:p>
+          <a:p>
+            <a:r>
+              <a:rPr lang="en-US" dirty="0" smtClean="0"/>
+              <a:t>       @@ -1,2 +1,27 @@</a:t>
+            </a:r>
+          </a:p>
+          <a:p>
+            <a:r>
+              <a:rPr lang="en-US" dirty="0" smtClean="0"/>
+              <a:t>       -</a:t>
+            </a:r>
+            <a:r>
+              <a:rPr lang="en-US" dirty="0" err="1" smtClean="0"/>
+              <a:t>umask</a:t>
+            </a:r>
+            <a:r>
+              <a:rPr lang="en-US" dirty="0" smtClean="0"/>
+              <a:t> 027</a:t>
+            </a:r>
+          </a:p>
+          <a:p>
+            <a:r>
+              <a:rPr lang="en-US" dirty="0" smtClean="0"/>
+              <a:t>       +# color =&gt; new RH6.0 </a:t>
+            </a:r>
+            <a:r>
+              <a:rPr lang="en-US" dirty="0" err="1" smtClean="0"/>
+              <a:t>bootup</a:t>
+            </a:r>
+            <a:endParaRPr lang="en-US" dirty="0" smtClean="0"/>
+          </a:p>
+          <a:p>
+            <a:r>
+              <a:rPr lang="en-US" dirty="0" smtClean="0"/>
+              <a:t>       +# verbose =&gt; old-style </a:t>
+            </a:r>
+            <a:r>
+              <a:rPr lang="en-US" dirty="0" err="1" smtClean="0"/>
+              <a:t>bootup</a:t>
+            </a:r>
+            <a:endParaRPr lang="en-US" dirty="0" smtClean="0"/>
+          </a:p>
+          <a:p>
+            <a:r>
+              <a:rPr lang="en-US" dirty="0" smtClean="0"/>
+              <a:t>       +# anything else =&gt; new style </a:t>
+            </a:r>
+            <a:r>
+              <a:rPr lang="en-US" dirty="0" err="1" smtClean="0"/>
+              <a:t>bootup</a:t>
+            </a:r>
+            <a:r>
+              <a:rPr lang="en-US" dirty="0" smtClean="0"/>
+              <a:t> without ANSI colors or positioning</a:t>
+            </a:r>
+          </a:p>
+          <a:p>
+            <a:r>
+              <a:rPr lang="en-US" dirty="0" smtClean="0"/>
+              <a:t>       +BOOTUP=color</a:t>
+            </a:r>
+          </a:p>
+          <a:p>
+            <a:r>
+              <a:rPr lang="en-US" dirty="0" smtClean="0"/>
+              <a:t>       +# column to start "[  OK  ]" label in</a:t>
+            </a:r>
+          </a:p>
+          <a:p>
+            <a:r>
+              <a:rPr lang="en-US" dirty="0" smtClean="0"/>
+              <a:t>       +RES_COL=60</a:t>
+            </a:r>
+          </a:p>
+          <a:p>
+            <a:r>
+              <a:rPr lang="en-US" dirty="0" smtClean="0"/>
+              <a:t>       +# terminal sequence to move to that column. You could change this</a:t>
+            </a:r>
+          </a:p>
+          <a:p>
+            <a:r>
+              <a:rPr lang="en-US" dirty="0" smtClean="0"/>
+              <a:t>       +# to something like "</a:t>
+            </a:r>
+            <a:r>
+              <a:rPr lang="en-US" dirty="0" err="1" smtClean="0"/>
+              <a:t>tput</a:t>
+            </a:r>
+            <a:r>
+              <a:rPr lang="en-US" dirty="0" smtClean="0"/>
+              <a:t> </a:t>
+            </a:r>
+            <a:r>
+              <a:rPr lang="en-US" dirty="0" err="1" smtClean="0"/>
+              <a:t>hpa</a:t>
+            </a:r>
+            <a:r>
+              <a:rPr lang="en-US" dirty="0" smtClean="0"/>
+              <a:t> ${RES_COL}" if your terminal supports it</a:t>
+            </a:r>
+          </a:p>
+          <a:p>
+            <a:r>
+              <a:rPr lang="en-US" dirty="0" smtClean="0"/>
+              <a:t>       +MOVE_TO_COL="echo -</a:t>
+            </a:r>
+            <a:r>
+              <a:rPr lang="en-US" dirty="0" err="1" smtClean="0"/>
+              <a:t>en</a:t>
+            </a:r>
+            <a:r>
+              <a:rPr lang="en-US" dirty="0" smtClean="0"/>
+              <a:t> \\033[${RES_COL}G"</a:t>
+            </a:r>
+          </a:p>
+          <a:p>
+            <a:r>
+              <a:rPr lang="en-US" dirty="0" smtClean="0"/>
+              <a:t>       +# terminal sequence to set color to a 'success' color (currently: green)</a:t>
+            </a:r>
+          </a:p>
+          <a:p>
+            <a:r>
+              <a:rPr lang="en-US" dirty="0" smtClean="0"/>
+              <a:t>       +SETCOLOR_SUCCESS="echo -</a:t>
+            </a:r>
+            <a:r>
+              <a:rPr lang="en-US" dirty="0" err="1" smtClean="0"/>
+              <a:t>en</a:t>
+            </a:r>
+            <a:r>
+              <a:rPr lang="en-US" dirty="0" smtClean="0"/>
+              <a:t> \\033[0;32m"</a:t>
+            </a:r>
+          </a:p>
+          <a:p>
+            <a:r>
+              <a:rPr lang="en-US" dirty="0" smtClean="0"/>
+              <a:t>       +# terminal sequence to set color to a 'failure' color (currently: red)</a:t>
+            </a:r>
+          </a:p>
+          <a:p>
+            <a:r>
+              <a:rPr lang="en-US" dirty="0" smtClean="0"/>
+              <a:t>       +SETCOLOR_FAILURE="echo -</a:t>
+            </a:r>
+            <a:r>
+              <a:rPr lang="en-US" dirty="0" err="1" smtClean="0"/>
+              <a:t>en</a:t>
+            </a:r>
+            <a:r>
+              <a:rPr lang="en-US" dirty="0" smtClean="0"/>
+              <a:t> \\033[0;31m"</a:t>
+            </a:r>
+          </a:p>
+          <a:p>
+            <a:r>
+              <a:rPr lang="en-US" dirty="0" smtClean="0"/>
+              <a:t>       +# terminal sequence to set color to a 'warning' color (currently: yellow)</a:t>
+            </a:r>
+          </a:p>
+          <a:p>
+            <a:r>
+              <a:rPr lang="en-US" dirty="0" smtClean="0"/>
+              <a:t>       +SETCOLOR_WARNING="echo -</a:t>
+            </a:r>
+            <a:r>
+              <a:rPr lang="en-US" dirty="0" err="1" smtClean="0"/>
+              <a:t>en</a:t>
+            </a:r>
+            <a:r>
+              <a:rPr lang="en-US" dirty="0" smtClean="0"/>
+              <a:t> \\033[0;33m"</a:t>
+            </a:r>
+          </a:p>
+          <a:p>
+            <a:r>
+              <a:rPr lang="en-US" dirty="0" smtClean="0"/>
+              <a:t>       +# terminal sequence to reset to the default color.</a:t>
+            </a:r>
+          </a:p>
+          <a:p>
+            <a:r>
+              <a:rPr lang="en-US" dirty="0" smtClean="0"/>
+              <a:t>       +SETCOLOR_NORMAL="echo -</a:t>
+            </a:r>
+            <a:r>
+              <a:rPr lang="en-US" dirty="0" err="1" smtClean="0"/>
+              <a:t>en</a:t>
+            </a:r>
+            <a:r>
+              <a:rPr lang="en-US" dirty="0" smtClean="0"/>
+              <a:t> \\033[0;39m"</a:t>
+            </a:r>
+          </a:p>
+          <a:p>
+            <a:r>
+              <a:rPr lang="en-US" dirty="0" smtClean="0"/>
+              <a:t>       +# Set to anything other than 'no' to allow hotkey interactive startup...</a:t>
+            </a:r>
+          </a:p>
+          <a:p>
+            <a:r>
+              <a:rPr lang="en-US" dirty="0" smtClean="0"/>
+              <a:t>       +PROMPT=yes</a:t>
+            </a:r>
+          </a:p>
+          <a:p>
+            <a:r>
+              <a:rPr lang="en-US" dirty="0" smtClean="0"/>
+              <a:t>       +# Set to 'yes' to allow probing for devices with swap signatures</a:t>
+            </a:r>
+          </a:p>
+          <a:p>
+            <a:r>
+              <a:rPr lang="en-US" dirty="0" smtClean="0"/>
+              <a:t>       +AUTOSWAP=no</a:t>
+            </a:r>
+          </a:p>
+          <a:p>
+            <a:r>
+              <a:rPr lang="en-US" dirty="0" smtClean="0"/>
+              <a:t>       +# What </a:t>
+            </a:r>
+            <a:r>
+              <a:rPr lang="en-US" dirty="0" err="1" smtClean="0"/>
+              <a:t>ttys</a:t>
+            </a:r>
+            <a:r>
+              <a:rPr lang="en-US" dirty="0" smtClean="0"/>
+              <a:t> should </a:t>
+            </a:r>
+            <a:r>
+              <a:rPr lang="en-US" dirty="0" err="1" smtClean="0"/>
+              <a:t>gettys</a:t>
+            </a:r>
+            <a:r>
+              <a:rPr lang="en-US" dirty="0" smtClean="0"/>
+              <a:t> be started on?</a:t>
+            </a:r>
+          </a:p>
+          <a:p>
+            <a:r>
+              <a:rPr lang="en-US" dirty="0" smtClean="0"/>
+              <a:t>       +ACTIVE_CONSOLES=/dev/tty1</a:t>
+            </a:r>
+          </a:p>
+          <a:p>
+            <a:r>
+              <a:rPr lang="en-US" dirty="0" smtClean="0"/>
+              <a:t>       +# Set to '/</a:t>
+            </a:r>
+            <a:r>
+              <a:rPr lang="en-US" dirty="0" err="1" smtClean="0"/>
+              <a:t>sbin</a:t>
+            </a:r>
+            <a:r>
+              <a:rPr lang="en-US" dirty="0" smtClean="0"/>
+              <a:t>/</a:t>
+            </a:r>
+            <a:r>
+              <a:rPr lang="en-US" dirty="0" err="1" smtClean="0"/>
+              <a:t>sulogin</a:t>
+            </a:r>
+            <a:r>
+              <a:rPr lang="en-US" dirty="0" smtClean="0"/>
+              <a:t>' to prompt for password on single-user mode</a:t>
+            </a:r>
+          </a:p>
+          <a:p>
+            <a:r>
+              <a:rPr lang="en-US" dirty="0" smtClean="0"/>
+              <a:t>       +# Set to '/</a:t>
+            </a:r>
+            <a:r>
+              <a:rPr lang="en-US" dirty="0" err="1" smtClean="0"/>
+              <a:t>sbin</a:t>
+            </a:r>
+            <a:r>
+              <a:rPr lang="en-US" dirty="0" smtClean="0"/>
+              <a:t>/</a:t>
+            </a:r>
+            <a:r>
+              <a:rPr lang="en-US" dirty="0" err="1" smtClean="0"/>
+              <a:t>sushell</a:t>
+            </a:r>
+            <a:r>
+              <a:rPr lang="en-US" dirty="0" smtClean="0"/>
+              <a:t>' otherwise</a:t>
+            </a:r>
+          </a:p>
+          <a:p>
+            <a:r>
+              <a:rPr lang="en-US" dirty="0" smtClean="0"/>
+              <a:t>       +SINGLE=/</a:t>
+            </a:r>
+            <a:r>
+              <a:rPr lang="en-US" dirty="0" err="1" smtClean="0"/>
+              <a:t>sbin</a:t>
+            </a:r>
+            <a:r>
+              <a:rPr lang="en-US" dirty="0" smtClean="0"/>
+              <a:t>/</a:t>
+            </a:r>
+            <a:r>
+              <a:rPr lang="en-US" dirty="0" err="1" smtClean="0"/>
+              <a:t>sushell</a:t>
+            </a:r>
+            <a:endParaRPr lang="en-US" dirty="0" smtClean="0"/>
+          </a:p>
+          <a:p>
+            <a:r>
+              <a:rPr lang="en-US" dirty="0" smtClean="0"/>
+              <a:t>     # cis31.rb:5:in `block (3 levels) in load'</a:t>
+            </a:r>
+          </a:p>
+          <a:p>
+            <a:endParaRPr lang="en-US" dirty="0" smtClean="0"/>
+          </a:p>
+          <a:p>
+            <a:r>
+              <a:rPr lang="en-US" dirty="0" smtClean="0"/>
+              <a:t>Finished in 0.03515 seconds (files took 0.50435 seconds to load)</a:t>
+            </a:r>
+          </a:p>
+          <a:p>
+            <a:r>
+              <a:rPr lang="en-US" dirty="0" smtClean="0"/>
+              <a:t>1 example, 1 failure</a:t>
+            </a:r>
+          </a:p>
+          <a:p>
+            <a:endParaRPr lang="en-US" dirty="0" smtClean="0"/>
+          </a:p>
+          <a:p>
+            <a:r>
+              <a:rPr lang="en-US" dirty="0" smtClean="0"/>
+              <a:t>Failed examples:</a:t>
+            </a:r>
+          </a:p>
+          <a:p>
+            <a:endParaRPr lang="en-US" dirty="0" smtClean="0"/>
+          </a:p>
+          <a:p>
+            <a:r>
+              <a:rPr lang="en-US" dirty="0" err="1" smtClean="0"/>
+              <a:t>rspec</a:t>
+            </a:r>
+            <a:r>
+              <a:rPr lang="en-US" dirty="0" smtClean="0"/>
+              <a:t>  # File /etc/</a:t>
+            </a:r>
+            <a:r>
+              <a:rPr lang="en-US" dirty="0" err="1" smtClean="0"/>
+              <a:t>sysconfig</a:t>
+            </a:r>
+            <a:r>
+              <a:rPr lang="en-US" dirty="0" smtClean="0"/>
+              <a:t>/</a:t>
+            </a:r>
+            <a:r>
+              <a:rPr lang="en-US" dirty="0" err="1" smtClean="0"/>
+              <a:t>init</a:t>
+            </a:r>
+            <a:r>
+              <a:rPr lang="en-US" dirty="0" smtClean="0"/>
+              <a:t> content should match "</a:t>
+            </a:r>
+            <a:r>
+              <a:rPr lang="en-US" dirty="0" err="1" smtClean="0"/>
+              <a:t>umask</a:t>
+            </a:r>
+            <a:r>
+              <a:rPr lang="en-US" dirty="0" smtClean="0"/>
+              <a:t> 027</a:t>
+            </a:r>
+            <a:r>
+              <a:rPr lang="en-US" dirty="0" smtClean="0"/>
+              <a:t>"</a:t>
+            </a:r>
+          </a:p>
+          <a:p>
+            <a:endParaRPr lang="en-US" dirty="0" smtClean="0"/>
+          </a:p>
+          <a:p>
+            <a:r>
+              <a:rPr lang="en-US" dirty="0" smtClean="0"/>
+              <a:t>Note: The references to color i</a:t>
+            </a:r>
+            <a:r>
+              <a:rPr lang="en-US" sz="1200" b="0" i="0" kern="1200" dirty="0" smtClean="0">
+                <a:solidFill>
+                  <a:schemeClr val="tx1"/>
+                </a:solidFill>
+                <a:effectLst/>
+                <a:latin typeface="Arial" panose="020B0604020202020204" pitchFamily="34" charset="0"/>
+                <a:ea typeface="ＭＳ Ｐゴシック" charset="0"/>
+                <a:cs typeface="Arial" panose="020B0604020202020204" pitchFamily="34" charset="0"/>
+              </a:rPr>
+              <a:t>s just </a:t>
+            </a:r>
+            <a:r>
+              <a:rPr lang="en-US" sz="1200" b="0" i="0" kern="1200" dirty="0" err="1" smtClean="0">
+                <a:solidFill>
+                  <a:schemeClr val="tx1"/>
+                </a:solidFill>
+                <a:effectLst/>
+                <a:latin typeface="Arial" panose="020B0604020202020204" pitchFamily="34" charset="0"/>
+                <a:ea typeface="ＭＳ Ｐゴシック" charset="0"/>
+                <a:cs typeface="Arial" panose="020B0604020202020204" pitchFamily="34" charset="0"/>
+              </a:rPr>
+              <a:t>inspec</a:t>
+            </a:r>
+            <a:r>
+              <a:rPr lang="en-US" sz="1200" b="0" i="0" kern="1200" dirty="0" smtClean="0">
+                <a:solidFill>
+                  <a:schemeClr val="tx1"/>
+                </a:solidFill>
+                <a:effectLst/>
+                <a:latin typeface="Arial" panose="020B0604020202020204" pitchFamily="34" charset="0"/>
+                <a:ea typeface="ＭＳ Ｐゴシック" charset="0"/>
+                <a:cs typeface="Arial" panose="020B0604020202020204" pitchFamily="34" charset="0"/>
+              </a:rPr>
+              <a:t> reading the contents of the file you are checking, even though you aren't testing for</a:t>
+            </a:r>
+            <a:r>
+              <a:rPr lang="en-US" sz="1200" b="0" i="0" kern="1200" baseline="0" dirty="0" smtClean="0">
+                <a:solidFill>
+                  <a:schemeClr val="tx1"/>
+                </a:solidFill>
+                <a:effectLst/>
+                <a:latin typeface="Arial" panose="020B0604020202020204" pitchFamily="34" charset="0"/>
+                <a:ea typeface="ＭＳ Ｐゴシック" charset="0"/>
+                <a:cs typeface="Arial" panose="020B0604020202020204" pitchFamily="34" charset="0"/>
+              </a:rPr>
+              <a:t> color.</a:t>
+            </a:r>
+            <a:endParaRPr lang="en-US" dirty="0" smtClean="0"/>
+          </a:p>
+          <a:p>
             <a:endParaRPr lang="en-US" dirty="0" smtClean="0"/>
           </a:p>
         </p:txBody>
@@ -3142,7 +3323,7 @@
               <a:pPr>
                 <a:defRPr/>
               </a:pPr>
-              <a:t>20</a:t>
+              <a:t>18</a:t>
             </a:fld>
             <a:endParaRPr lang="en-US" dirty="0"/>
           </a:p>
@@ -3195,7 +3376,7 @@
     </p:spTree>
     <p:extLst>
       <p:ext uri="{BB962C8B-B14F-4D97-AF65-F5344CB8AC3E}">
-        <p14:creationId xmlns:p14="http://schemas.microsoft.com/office/powerpoint/2010/main" val="1882353999"/>
+        <p14:creationId xmlns:p14="http://schemas.microsoft.com/office/powerpoint/2010/main" val="2295904465"/>
       </p:ext>
     </p:extLst>
   </p:cSld>
@@ -3249,11 +3430,473 @@
           <a:bodyPr/>
           <a:lstStyle/>
           <a:p>
-            <a:r>
-              <a:rPr lang="en-US" dirty="0" smtClean="0"/>
-              <a:t>In addition to the uploading procedure we'll do in the exercise, in the workplace you could also upload such custom profiles using an API.</a:t>
-            </a:r>
+            <a:pPr marL="0" marR="0" indent="0" algn="l" defTabSz="1217613" rtl="0" eaLnBrk="1" fontAlgn="base" latinLnBrk="0" hangingPunct="1">
+              <a:lnSpc>
+                <a:spcPct val="90000"/>
+              </a:lnSpc>
+              <a:spcBef>
+                <a:spcPct val="30000"/>
+              </a:spcBef>
+              <a:spcAft>
+                <a:spcPts val="450"/>
+              </a:spcAft>
+              <a:buClrTx/>
+              <a:buSzTx/>
+              <a:buFontTx/>
+              <a:buNone/>
+              <a:tabLst/>
+              <a:defRPr/>
+            </a:pPr>
+            <a:r>
+              <a:rPr lang="en-US" dirty="0" smtClean="0"/>
+              <a:t>Because `</a:t>
+            </a:r>
+            <a:r>
+              <a:rPr lang="en-US" dirty="0" err="1" smtClean="0"/>
+              <a:t>inspec</a:t>
+            </a:r>
+            <a:r>
+              <a:rPr lang="en-US" baseline="0" dirty="0" smtClean="0"/>
+              <a:t> exec` proved that the new profile is working correctly, let's prepare to upload our new profile to the Compliance server.</a:t>
+            </a:r>
+          </a:p>
+          <a:p>
+            <a:pPr marL="0" marR="0" indent="0" algn="l" defTabSz="1217613" rtl="0" eaLnBrk="1" fontAlgn="base" latinLnBrk="0" hangingPunct="1">
+              <a:lnSpc>
+                <a:spcPct val="90000"/>
+              </a:lnSpc>
+              <a:spcBef>
+                <a:spcPct val="30000"/>
+              </a:spcBef>
+              <a:spcAft>
+                <a:spcPts val="450"/>
+              </a:spcAft>
+              <a:buClrTx/>
+              <a:buSzTx/>
+              <a:buFontTx/>
+              <a:buNone/>
+              <a:tabLst/>
+              <a:defRPr/>
+            </a:pPr>
+            <a:endParaRPr lang="en-US" dirty="0" smtClean="0"/>
+          </a:p>
+          <a:p>
+            <a:pPr marL="0" marR="0" indent="0" algn="l" defTabSz="1217613" rtl="0" eaLnBrk="1" fontAlgn="base" latinLnBrk="0" hangingPunct="1">
+              <a:lnSpc>
+                <a:spcPct val="90000"/>
+              </a:lnSpc>
+              <a:spcBef>
+                <a:spcPct val="30000"/>
+              </a:spcBef>
+              <a:spcAft>
+                <a:spcPts val="450"/>
+              </a:spcAft>
+              <a:buClrTx/>
+              <a:buSzTx/>
+              <a:buFontTx/>
+              <a:buNone/>
+              <a:tabLst/>
+              <a:defRPr/>
+            </a:pPr>
+            <a:r>
+              <a:rPr lang="en-US" dirty="0" smtClean="0"/>
+              <a:t>Move </a:t>
+            </a:r>
+            <a:r>
+              <a:rPr lang="en-US" dirty="0" smtClean="0"/>
+              <a:t>to ~/</a:t>
+            </a:r>
+            <a:r>
+              <a:rPr lang="en-US" dirty="0" err="1" smtClean="0"/>
+              <a:t>compliance_profiles</a:t>
+            </a:r>
+            <a:r>
+              <a:rPr lang="en-US" dirty="0" smtClean="0"/>
+              <a:t> and then run `zip -r profile_01.zip profile_01`.</a:t>
+            </a:r>
+          </a:p>
+          <a:p>
             <a:endParaRPr lang="en-US" dirty="0"/>
+          </a:p>
+        </p:txBody>
+      </p:sp>
+      <p:sp>
+        <p:nvSpPr>
+          <p:cNvPr id="4" name="Slide Number Placeholder 3"/>
+          <p:cNvSpPr>
+            <a:spLocks noGrp="1"/>
+          </p:cNvSpPr>
+          <p:nvPr>
+            <p:ph type="sldNum" sz="quarter" idx="10"/>
+          </p:nvPr>
+        </p:nvSpPr>
+        <p:spPr/>
+        <p:txBody>
+          <a:bodyPr/>
+          <a:lstStyle/>
+          <a:p>
+            <a:pPr>
+              <a:defRPr/>
+            </a:pPr>
+            <a:fld id="{DC3734AA-3150-D947-AC52-2F5DF48BFCD5}" type="slidenum">
+              <a:rPr lang="en-US" smtClean="0"/>
+              <a:pPr>
+                <a:defRPr/>
+              </a:pPr>
+              <a:t>19</a:t>
+            </a:fld>
+            <a:endParaRPr lang="en-US" dirty="0"/>
+          </a:p>
+        </p:txBody>
+      </p:sp>
+      <p:sp>
+        <p:nvSpPr>
+          <p:cNvPr id="5" name="Header Placeholder 4"/>
+          <p:cNvSpPr>
+            <a:spLocks noGrp="1"/>
+          </p:cNvSpPr>
+          <p:nvPr>
+            <p:ph type="hdr" sz="quarter" idx="11"/>
+          </p:nvPr>
+        </p:nvSpPr>
+        <p:spPr/>
+        <p:txBody>
+          <a:bodyPr/>
+          <a:lstStyle/>
+          <a:p>
+            <a:pPr>
+              <a:defRPr/>
+            </a:pPr>
+            <a:endParaRPr lang="en-US"/>
+          </a:p>
+        </p:txBody>
+      </p:sp>
+      <p:sp>
+        <p:nvSpPr>
+          <p:cNvPr id="6" name="Footer Placeholder 5"/>
+          <p:cNvSpPr>
+            <a:spLocks noGrp="1"/>
+          </p:cNvSpPr>
+          <p:nvPr>
+            <p:ph type="ftr" sz="quarter" idx="12"/>
+          </p:nvPr>
+        </p:nvSpPr>
+        <p:spPr/>
+        <p:txBody>
+          <a:bodyPr/>
+          <a:lstStyle/>
+          <a:p>
+            <a:pPr>
+              <a:defRPr/>
+            </a:pPr>
+            <a:endParaRPr lang="en-US"/>
+          </a:p>
+        </p:txBody>
+      </p:sp>
+    </p:spTree>
+    <p:extLst>
+      <p:ext uri="{BB962C8B-B14F-4D97-AF65-F5344CB8AC3E}">
+        <p14:creationId xmlns:p14="http://schemas.microsoft.com/office/powerpoint/2010/main" val="2946107104"/>
+      </p:ext>
+    </p:extLst>
+  </p:cSld>
+  <p:clrMapOvr>
+    <a:masterClrMapping/>
+  </p:clrMapOvr>
+</p:notes>
+</file>
+
+<file path=ppt/notesSlides/notesSlide18.xml><?xml version="1.0" encoding="utf-8"?>
+<p:notes xmlns:a="http://schemas.openxmlformats.org/drawingml/2006/main" xmlns:r="http://schemas.openxmlformats.org/officeDocument/2006/relationships" xmlns:p="http://schemas.openxmlformats.org/presentationml/2006/main">
+  <p:cSld>
+    <p:spTree>
+      <p:nvGrpSpPr>
+        <p:cNvPr id="1" name=""/>
+        <p:cNvGrpSpPr/>
+        <p:nvPr/>
+      </p:nvGrpSpPr>
+      <p:grpSpPr>
+        <a:xfrm>
+          <a:off x="0" y="0"/>
+          <a:ext cx="0" cy="0"/>
+          <a:chOff x="0" y="0"/>
+          <a:chExt cx="0" cy="0"/>
+        </a:xfrm>
+      </p:grpSpPr>
+      <p:sp>
+        <p:nvSpPr>
+          <p:cNvPr id="2" name="Slide Image Placeholder 1"/>
+          <p:cNvSpPr>
+            <a:spLocks noGrp="1" noRot="1" noChangeAspect="1"/>
+          </p:cNvSpPr>
+          <p:nvPr>
+            <p:ph type="sldImg"/>
+          </p:nvPr>
+        </p:nvSpPr>
+        <p:spPr/>
+      </p:sp>
+      <p:sp>
+        <p:nvSpPr>
+          <p:cNvPr id="3" name="Notes Placeholder 2"/>
+          <p:cNvSpPr>
+            <a:spLocks noGrp="1"/>
+          </p:cNvSpPr>
+          <p:nvPr>
+            <p:ph type="body" idx="1"/>
+          </p:nvPr>
+        </p:nvSpPr>
+        <p:spPr/>
+        <p:txBody>
+          <a:bodyPr/>
+          <a:lstStyle/>
+          <a:p>
+            <a:pPr marL="0" marR="0" indent="0" algn="l" defTabSz="1217613" rtl="0" eaLnBrk="1" fontAlgn="base" latinLnBrk="0" hangingPunct="1">
+              <a:lnSpc>
+                <a:spcPct val="90000"/>
+              </a:lnSpc>
+              <a:spcBef>
+                <a:spcPct val="30000"/>
+              </a:spcBef>
+              <a:spcAft>
+                <a:spcPts val="450"/>
+              </a:spcAft>
+              <a:buClrTx/>
+              <a:buSzTx/>
+              <a:buFontTx/>
+              <a:buNone/>
+              <a:tabLst/>
+              <a:defRPr/>
+            </a:pPr>
+            <a:r>
+              <a:rPr lang="en-US" dirty="0" smtClean="0"/>
+              <a:t>Type `ls</a:t>
+            </a:r>
+            <a:r>
+              <a:rPr lang="en-US" baseline="0" dirty="0" smtClean="0"/>
+              <a:t> -l` to verify the new zip file's creation.</a:t>
+            </a:r>
+            <a:endParaRPr lang="en-US" dirty="0" smtClean="0"/>
+          </a:p>
+          <a:p>
+            <a:endParaRPr lang="en-US" dirty="0"/>
+          </a:p>
+        </p:txBody>
+      </p:sp>
+      <p:sp>
+        <p:nvSpPr>
+          <p:cNvPr id="4" name="Slide Number Placeholder 3"/>
+          <p:cNvSpPr>
+            <a:spLocks noGrp="1"/>
+          </p:cNvSpPr>
+          <p:nvPr>
+            <p:ph type="sldNum" sz="quarter" idx="10"/>
+          </p:nvPr>
+        </p:nvSpPr>
+        <p:spPr/>
+        <p:txBody>
+          <a:bodyPr/>
+          <a:lstStyle/>
+          <a:p>
+            <a:pPr>
+              <a:defRPr/>
+            </a:pPr>
+            <a:fld id="{DC3734AA-3150-D947-AC52-2F5DF48BFCD5}" type="slidenum">
+              <a:rPr lang="en-US" smtClean="0"/>
+              <a:pPr>
+                <a:defRPr/>
+              </a:pPr>
+              <a:t>20</a:t>
+            </a:fld>
+            <a:endParaRPr lang="en-US" dirty="0"/>
+          </a:p>
+        </p:txBody>
+      </p:sp>
+      <p:sp>
+        <p:nvSpPr>
+          <p:cNvPr id="5" name="Header Placeholder 4"/>
+          <p:cNvSpPr>
+            <a:spLocks noGrp="1"/>
+          </p:cNvSpPr>
+          <p:nvPr>
+            <p:ph type="hdr" sz="quarter" idx="11"/>
+          </p:nvPr>
+        </p:nvSpPr>
+        <p:spPr/>
+        <p:txBody>
+          <a:bodyPr/>
+          <a:lstStyle/>
+          <a:p>
+            <a:pPr>
+              <a:defRPr/>
+            </a:pPr>
+            <a:endParaRPr lang="en-US"/>
+          </a:p>
+        </p:txBody>
+      </p:sp>
+      <p:sp>
+        <p:nvSpPr>
+          <p:cNvPr id="6" name="Footer Placeholder 5"/>
+          <p:cNvSpPr>
+            <a:spLocks noGrp="1"/>
+          </p:cNvSpPr>
+          <p:nvPr>
+            <p:ph type="ftr" sz="quarter" idx="12"/>
+          </p:nvPr>
+        </p:nvSpPr>
+        <p:spPr/>
+        <p:txBody>
+          <a:bodyPr/>
+          <a:lstStyle/>
+          <a:p>
+            <a:pPr>
+              <a:defRPr/>
+            </a:pPr>
+            <a:endParaRPr lang="en-US"/>
+          </a:p>
+        </p:txBody>
+      </p:sp>
+    </p:spTree>
+    <p:extLst>
+      <p:ext uri="{BB962C8B-B14F-4D97-AF65-F5344CB8AC3E}">
+        <p14:creationId xmlns:p14="http://schemas.microsoft.com/office/powerpoint/2010/main" val="3489376245"/>
+      </p:ext>
+    </p:extLst>
+  </p:cSld>
+  <p:clrMapOvr>
+    <a:masterClrMapping/>
+  </p:clrMapOvr>
+</p:notes>
+</file>
+
+<file path=ppt/notesSlides/notesSlide19.xml><?xml version="1.0" encoding="utf-8"?>
+<p:notes xmlns:a="http://schemas.openxmlformats.org/drawingml/2006/main" xmlns:r="http://schemas.openxmlformats.org/officeDocument/2006/relationships" xmlns:p="http://schemas.openxmlformats.org/presentationml/2006/main">
+  <p:cSld>
+    <p:spTree>
+      <p:nvGrpSpPr>
+        <p:cNvPr id="1" name=""/>
+        <p:cNvGrpSpPr/>
+        <p:nvPr/>
+      </p:nvGrpSpPr>
+      <p:grpSpPr>
+        <a:xfrm>
+          <a:off x="0" y="0"/>
+          <a:ext cx="0" cy="0"/>
+          <a:chOff x="0" y="0"/>
+          <a:chExt cx="0" cy="0"/>
+        </a:xfrm>
+      </p:grpSpPr>
+      <p:sp>
+        <p:nvSpPr>
+          <p:cNvPr id="2" name="Slide Image Placeholder 1"/>
+          <p:cNvSpPr>
+            <a:spLocks noGrp="1" noRot="1" noChangeAspect="1"/>
+          </p:cNvSpPr>
+          <p:nvPr>
+            <p:ph type="sldImg"/>
+          </p:nvPr>
+        </p:nvSpPr>
+        <p:spPr/>
+      </p:sp>
+      <p:sp>
+        <p:nvSpPr>
+          <p:cNvPr id="3" name="Notes Placeholder 2"/>
+          <p:cNvSpPr>
+            <a:spLocks noGrp="1"/>
+          </p:cNvSpPr>
+          <p:nvPr>
+            <p:ph type="body" idx="1"/>
+          </p:nvPr>
+        </p:nvSpPr>
+        <p:spPr/>
+        <p:txBody>
+          <a:bodyPr/>
+          <a:lstStyle/>
+          <a:p>
+            <a:pPr marL="0" marR="0" indent="0" algn="l" defTabSz="1217613" rtl="0" eaLnBrk="1" fontAlgn="base" latinLnBrk="0" hangingPunct="1">
+              <a:lnSpc>
+                <a:spcPct val="90000"/>
+              </a:lnSpc>
+              <a:spcBef>
+                <a:spcPct val="30000"/>
+              </a:spcBef>
+              <a:spcAft>
+                <a:spcPts val="450"/>
+              </a:spcAft>
+              <a:buClrTx/>
+              <a:buSzTx/>
+              <a:buFontTx/>
+              <a:buNone/>
+              <a:tabLst/>
+              <a:defRPr/>
+            </a:pPr>
+            <a:r>
+              <a:rPr lang="en-US" b="1" dirty="0" smtClean="0"/>
+              <a:t>Important</a:t>
+            </a:r>
+            <a:r>
+              <a:rPr lang="en-US" dirty="0" smtClean="0"/>
+              <a:t>: Be sure to run this command from your laptop. You can first move to whatever directory on</a:t>
+            </a:r>
+            <a:r>
+              <a:rPr lang="en-US" baseline="0" dirty="0" smtClean="0"/>
+              <a:t> your laptop that you like.</a:t>
+            </a:r>
+          </a:p>
+          <a:p>
+            <a:pPr marL="0" marR="0" indent="0" algn="l" defTabSz="1217613" rtl="0" eaLnBrk="1" fontAlgn="base" latinLnBrk="0" hangingPunct="1">
+              <a:lnSpc>
+                <a:spcPct val="90000"/>
+              </a:lnSpc>
+              <a:spcBef>
+                <a:spcPct val="30000"/>
+              </a:spcBef>
+              <a:spcAft>
+                <a:spcPts val="450"/>
+              </a:spcAft>
+              <a:buClrTx/>
+              <a:buSzTx/>
+              <a:buFontTx/>
+              <a:buNone/>
+              <a:tabLst/>
+              <a:defRPr/>
+            </a:pPr>
+            <a:endParaRPr lang="en-US" baseline="0" dirty="0" smtClean="0"/>
+          </a:p>
+          <a:p>
+            <a:pPr marL="0" marR="0" indent="0" algn="l" defTabSz="1217613" rtl="0" eaLnBrk="1" fontAlgn="base" latinLnBrk="0" hangingPunct="1">
+              <a:lnSpc>
+                <a:spcPct val="90000"/>
+              </a:lnSpc>
+              <a:spcBef>
+                <a:spcPct val="30000"/>
+              </a:spcBef>
+              <a:spcAft>
+                <a:spcPts val="450"/>
+              </a:spcAft>
+              <a:buClrTx/>
+              <a:buSzTx/>
+              <a:buFontTx/>
+              <a:buNone/>
+              <a:tabLst/>
+              <a:defRPr/>
+            </a:pPr>
+            <a:r>
+              <a:rPr lang="en-US" baseline="0" dirty="0" smtClean="0"/>
+              <a:t>In this Windows example, the user created and moved to the C:\tmp location and then ran the above command. The </a:t>
+            </a:r>
+            <a:r>
+              <a:rPr lang="en-US" dirty="0" smtClean="0"/>
+              <a:t>IP address after the `chef@`</a:t>
+            </a:r>
+            <a:r>
+              <a:rPr lang="en-US" baseline="0" dirty="0" smtClean="0"/>
+              <a:t> is the IP address of the target node where the profile_01.zip was created</a:t>
+            </a:r>
+            <a:r>
+              <a:rPr lang="en-US" baseline="0" dirty="0" smtClean="0"/>
+              <a:t>.</a:t>
+            </a:r>
+            <a:endParaRPr lang="en-US" baseline="0" dirty="0" smtClean="0"/>
           </a:p>
         </p:txBody>
       </p:sp>
@@ -3333,7 +3976,7 @@
     </p:spTree>
     <p:extLst>
       <p:ext uri="{BB962C8B-B14F-4D97-AF65-F5344CB8AC3E}">
-        <p14:creationId xmlns:p14="http://schemas.microsoft.com/office/powerpoint/2010/main" val="3405956132"/>
+        <p14:creationId xmlns:p14="http://schemas.microsoft.com/office/powerpoint/2010/main" val="3177917486"/>
       </p:ext>
     </p:extLst>
   </p:cSld>
@@ -3468,6 +4111,1228 @@
     <p:extLst>
       <p:ext uri="{BB962C8B-B14F-4D97-AF65-F5344CB8AC3E}">
         <p14:creationId xmlns:p14="http://schemas.microsoft.com/office/powerpoint/2010/main" val="1935024503"/>
+      </p:ext>
+    </p:extLst>
+  </p:cSld>
+  <p:clrMapOvr>
+    <a:masterClrMapping/>
+  </p:clrMapOvr>
+</p:notes>
+</file>
+
+<file path=ppt/notesSlides/notesSlide20.xml><?xml version="1.0" encoding="utf-8"?>
+<p:notes xmlns:a="http://schemas.openxmlformats.org/drawingml/2006/main" xmlns:r="http://schemas.openxmlformats.org/officeDocument/2006/relationships" xmlns:p="http://schemas.openxmlformats.org/presentationml/2006/main">
+  <p:cSld>
+    <p:spTree>
+      <p:nvGrpSpPr>
+        <p:cNvPr id="1" name=""/>
+        <p:cNvGrpSpPr/>
+        <p:nvPr/>
+      </p:nvGrpSpPr>
+      <p:grpSpPr>
+        <a:xfrm>
+          <a:off x="0" y="0"/>
+          <a:ext cx="0" cy="0"/>
+          <a:chOff x="0" y="0"/>
+          <a:chExt cx="0" cy="0"/>
+        </a:xfrm>
+      </p:grpSpPr>
+      <p:sp>
+        <p:nvSpPr>
+          <p:cNvPr id="2" name="Slide Image Placeholder 1"/>
+          <p:cNvSpPr>
+            <a:spLocks noGrp="1" noRot="1" noChangeAspect="1"/>
+          </p:cNvSpPr>
+          <p:nvPr>
+            <p:ph type="sldImg"/>
+          </p:nvPr>
+        </p:nvSpPr>
+        <p:spPr/>
+      </p:sp>
+      <p:sp>
+        <p:nvSpPr>
+          <p:cNvPr id="3" name="Notes Placeholder 2"/>
+          <p:cNvSpPr>
+            <a:spLocks noGrp="1"/>
+          </p:cNvSpPr>
+          <p:nvPr>
+            <p:ph type="body" idx="1"/>
+          </p:nvPr>
+        </p:nvSpPr>
+        <p:spPr/>
+        <p:txBody>
+          <a:bodyPr>
+            <a:normAutofit/>
+          </a:bodyPr>
+          <a:lstStyle/>
+          <a:p>
+            <a:endParaRPr lang="en-US" dirty="0" smtClean="0"/>
+          </a:p>
+          <a:p>
+            <a:endParaRPr lang="en-US" dirty="0" smtClean="0"/>
+          </a:p>
+          <a:p>
+            <a:endParaRPr lang="en-US" dirty="0" smtClean="0"/>
+          </a:p>
+        </p:txBody>
+      </p:sp>
+      <p:sp>
+        <p:nvSpPr>
+          <p:cNvPr id="4" name="Slide Number Placeholder 3"/>
+          <p:cNvSpPr>
+            <a:spLocks noGrp="1"/>
+          </p:cNvSpPr>
+          <p:nvPr>
+            <p:ph type="sldNum" sz="quarter" idx="10"/>
+          </p:nvPr>
+        </p:nvSpPr>
+        <p:spPr/>
+        <p:txBody>
+          <a:bodyPr/>
+          <a:lstStyle/>
+          <a:p>
+            <a:pPr>
+              <a:defRPr/>
+            </a:pPr>
+            <a:fld id="{DC3734AA-3150-D947-AC52-2F5DF48BFCD5}" type="slidenum">
+              <a:rPr lang="en-US" smtClean="0"/>
+              <a:pPr>
+                <a:defRPr/>
+              </a:pPr>
+              <a:t>22</a:t>
+            </a:fld>
+            <a:endParaRPr lang="en-US" dirty="0"/>
+          </a:p>
+        </p:txBody>
+      </p:sp>
+      <p:sp>
+        <p:nvSpPr>
+          <p:cNvPr id="5" name="Header Placeholder 4"/>
+          <p:cNvSpPr>
+            <a:spLocks noGrp="1"/>
+          </p:cNvSpPr>
+          <p:nvPr>
+            <p:ph type="hdr" sz="quarter" idx="11"/>
+          </p:nvPr>
+        </p:nvSpPr>
+        <p:spPr/>
+        <p:txBody>
+          <a:bodyPr/>
+          <a:lstStyle/>
+          <a:p>
+            <a:pPr>
+              <a:defRPr/>
+            </a:pPr>
+            <a:endParaRPr lang="en-US"/>
+          </a:p>
+        </p:txBody>
+      </p:sp>
+      <p:sp>
+        <p:nvSpPr>
+          <p:cNvPr id="6" name="Footer Placeholder 5"/>
+          <p:cNvSpPr>
+            <a:spLocks noGrp="1"/>
+          </p:cNvSpPr>
+          <p:nvPr>
+            <p:ph type="ftr" sz="quarter" idx="12"/>
+          </p:nvPr>
+        </p:nvSpPr>
+        <p:spPr/>
+        <p:txBody>
+          <a:bodyPr/>
+          <a:lstStyle/>
+          <a:p>
+            <a:pPr>
+              <a:defRPr/>
+            </a:pPr>
+            <a:endParaRPr lang="en-US"/>
+          </a:p>
+        </p:txBody>
+      </p:sp>
+    </p:spTree>
+    <p:extLst>
+      <p:ext uri="{BB962C8B-B14F-4D97-AF65-F5344CB8AC3E}">
+        <p14:creationId xmlns:p14="http://schemas.microsoft.com/office/powerpoint/2010/main" val="621470605"/>
+      </p:ext>
+    </p:extLst>
+  </p:cSld>
+  <p:clrMapOvr>
+    <a:masterClrMapping/>
+  </p:clrMapOvr>
+</p:notes>
+</file>
+
+<file path=ppt/notesSlides/notesSlide21.xml><?xml version="1.0" encoding="utf-8"?>
+<p:notes xmlns:a="http://schemas.openxmlformats.org/drawingml/2006/main" xmlns:r="http://schemas.openxmlformats.org/officeDocument/2006/relationships" xmlns:p="http://schemas.openxmlformats.org/presentationml/2006/main">
+  <p:cSld>
+    <p:spTree>
+      <p:nvGrpSpPr>
+        <p:cNvPr id="1" name=""/>
+        <p:cNvGrpSpPr/>
+        <p:nvPr/>
+      </p:nvGrpSpPr>
+      <p:grpSpPr>
+        <a:xfrm>
+          <a:off x="0" y="0"/>
+          <a:ext cx="0" cy="0"/>
+          <a:chOff x="0" y="0"/>
+          <a:chExt cx="0" cy="0"/>
+        </a:xfrm>
+      </p:grpSpPr>
+      <p:sp>
+        <p:nvSpPr>
+          <p:cNvPr id="2" name="Slide Image Placeholder 1"/>
+          <p:cNvSpPr>
+            <a:spLocks noGrp="1" noRot="1" noChangeAspect="1"/>
+          </p:cNvSpPr>
+          <p:nvPr>
+            <p:ph type="sldImg"/>
+          </p:nvPr>
+        </p:nvSpPr>
+        <p:spPr/>
+      </p:sp>
+      <p:sp>
+        <p:nvSpPr>
+          <p:cNvPr id="3" name="Notes Placeholder 2"/>
+          <p:cNvSpPr>
+            <a:spLocks noGrp="1"/>
+          </p:cNvSpPr>
+          <p:nvPr>
+            <p:ph type="body" idx="1"/>
+          </p:nvPr>
+        </p:nvSpPr>
+        <p:spPr/>
+        <p:txBody>
+          <a:bodyPr>
+            <a:normAutofit/>
+          </a:bodyPr>
+          <a:lstStyle/>
+          <a:p>
+            <a:endParaRPr lang="en-US" dirty="0" smtClean="0"/>
+          </a:p>
+          <a:p>
+            <a:endParaRPr lang="en-US" dirty="0" smtClean="0"/>
+          </a:p>
+          <a:p>
+            <a:endParaRPr lang="en-US" dirty="0" smtClean="0"/>
+          </a:p>
+        </p:txBody>
+      </p:sp>
+      <p:sp>
+        <p:nvSpPr>
+          <p:cNvPr id="4" name="Slide Number Placeholder 3"/>
+          <p:cNvSpPr>
+            <a:spLocks noGrp="1"/>
+          </p:cNvSpPr>
+          <p:nvPr>
+            <p:ph type="sldNum" sz="quarter" idx="10"/>
+          </p:nvPr>
+        </p:nvSpPr>
+        <p:spPr/>
+        <p:txBody>
+          <a:bodyPr/>
+          <a:lstStyle/>
+          <a:p>
+            <a:pPr>
+              <a:defRPr/>
+            </a:pPr>
+            <a:fld id="{DC3734AA-3150-D947-AC52-2F5DF48BFCD5}" type="slidenum">
+              <a:rPr lang="en-US" smtClean="0"/>
+              <a:pPr>
+                <a:defRPr/>
+              </a:pPr>
+              <a:t>23</a:t>
+            </a:fld>
+            <a:endParaRPr lang="en-US" dirty="0"/>
+          </a:p>
+        </p:txBody>
+      </p:sp>
+      <p:sp>
+        <p:nvSpPr>
+          <p:cNvPr id="5" name="Header Placeholder 4"/>
+          <p:cNvSpPr>
+            <a:spLocks noGrp="1"/>
+          </p:cNvSpPr>
+          <p:nvPr>
+            <p:ph type="hdr" sz="quarter" idx="11"/>
+          </p:nvPr>
+        </p:nvSpPr>
+        <p:spPr/>
+        <p:txBody>
+          <a:bodyPr/>
+          <a:lstStyle/>
+          <a:p>
+            <a:pPr>
+              <a:defRPr/>
+            </a:pPr>
+            <a:endParaRPr lang="en-US"/>
+          </a:p>
+        </p:txBody>
+      </p:sp>
+      <p:sp>
+        <p:nvSpPr>
+          <p:cNvPr id="6" name="Footer Placeholder 5"/>
+          <p:cNvSpPr>
+            <a:spLocks noGrp="1"/>
+          </p:cNvSpPr>
+          <p:nvPr>
+            <p:ph type="ftr" sz="quarter" idx="12"/>
+          </p:nvPr>
+        </p:nvSpPr>
+        <p:spPr/>
+        <p:txBody>
+          <a:bodyPr/>
+          <a:lstStyle/>
+          <a:p>
+            <a:pPr>
+              <a:defRPr/>
+            </a:pPr>
+            <a:endParaRPr lang="en-US"/>
+          </a:p>
+        </p:txBody>
+      </p:sp>
+    </p:spTree>
+    <p:extLst>
+      <p:ext uri="{BB962C8B-B14F-4D97-AF65-F5344CB8AC3E}">
+        <p14:creationId xmlns:p14="http://schemas.microsoft.com/office/powerpoint/2010/main" val="1582936886"/>
+      </p:ext>
+    </p:extLst>
+  </p:cSld>
+  <p:clrMapOvr>
+    <a:masterClrMapping/>
+  </p:clrMapOvr>
+</p:notes>
+</file>
+
+<file path=ppt/notesSlides/notesSlide22.xml><?xml version="1.0" encoding="utf-8"?>
+<p:notes xmlns:a="http://schemas.openxmlformats.org/drawingml/2006/main" xmlns:r="http://schemas.openxmlformats.org/officeDocument/2006/relationships" xmlns:p="http://schemas.openxmlformats.org/presentationml/2006/main">
+  <p:cSld>
+    <p:spTree>
+      <p:nvGrpSpPr>
+        <p:cNvPr id="1" name=""/>
+        <p:cNvGrpSpPr/>
+        <p:nvPr/>
+      </p:nvGrpSpPr>
+      <p:grpSpPr>
+        <a:xfrm>
+          <a:off x="0" y="0"/>
+          <a:ext cx="0" cy="0"/>
+          <a:chOff x="0" y="0"/>
+          <a:chExt cx="0" cy="0"/>
+        </a:xfrm>
+      </p:grpSpPr>
+      <p:sp>
+        <p:nvSpPr>
+          <p:cNvPr id="2" name="Slide Image Placeholder 1"/>
+          <p:cNvSpPr>
+            <a:spLocks noGrp="1" noRot="1" noChangeAspect="1"/>
+          </p:cNvSpPr>
+          <p:nvPr>
+            <p:ph type="sldImg"/>
+          </p:nvPr>
+        </p:nvSpPr>
+        <p:spPr/>
+      </p:sp>
+      <p:sp>
+        <p:nvSpPr>
+          <p:cNvPr id="3" name="Notes Placeholder 2"/>
+          <p:cNvSpPr>
+            <a:spLocks noGrp="1"/>
+          </p:cNvSpPr>
+          <p:nvPr>
+            <p:ph type="body" idx="1"/>
+          </p:nvPr>
+        </p:nvSpPr>
+        <p:spPr/>
+        <p:txBody>
+          <a:bodyPr>
+            <a:normAutofit/>
+          </a:bodyPr>
+          <a:lstStyle/>
+          <a:p>
+            <a:endParaRPr lang="en-US" dirty="0" smtClean="0"/>
+          </a:p>
+          <a:p>
+            <a:endParaRPr lang="en-US" dirty="0" smtClean="0"/>
+          </a:p>
+          <a:p>
+            <a:endParaRPr lang="en-US" dirty="0" smtClean="0"/>
+          </a:p>
+        </p:txBody>
+      </p:sp>
+      <p:sp>
+        <p:nvSpPr>
+          <p:cNvPr id="4" name="Slide Number Placeholder 3"/>
+          <p:cNvSpPr>
+            <a:spLocks noGrp="1"/>
+          </p:cNvSpPr>
+          <p:nvPr>
+            <p:ph type="sldNum" sz="quarter" idx="10"/>
+          </p:nvPr>
+        </p:nvSpPr>
+        <p:spPr/>
+        <p:txBody>
+          <a:bodyPr/>
+          <a:lstStyle/>
+          <a:p>
+            <a:pPr>
+              <a:defRPr/>
+            </a:pPr>
+            <a:fld id="{DC3734AA-3150-D947-AC52-2F5DF48BFCD5}" type="slidenum">
+              <a:rPr lang="en-US" smtClean="0"/>
+              <a:pPr>
+                <a:defRPr/>
+              </a:pPr>
+              <a:t>24</a:t>
+            </a:fld>
+            <a:endParaRPr lang="en-US" dirty="0"/>
+          </a:p>
+        </p:txBody>
+      </p:sp>
+      <p:sp>
+        <p:nvSpPr>
+          <p:cNvPr id="5" name="Header Placeholder 4"/>
+          <p:cNvSpPr>
+            <a:spLocks noGrp="1"/>
+          </p:cNvSpPr>
+          <p:nvPr>
+            <p:ph type="hdr" sz="quarter" idx="11"/>
+          </p:nvPr>
+        </p:nvSpPr>
+        <p:spPr/>
+        <p:txBody>
+          <a:bodyPr/>
+          <a:lstStyle/>
+          <a:p>
+            <a:pPr>
+              <a:defRPr/>
+            </a:pPr>
+            <a:endParaRPr lang="en-US"/>
+          </a:p>
+        </p:txBody>
+      </p:sp>
+      <p:sp>
+        <p:nvSpPr>
+          <p:cNvPr id="6" name="Footer Placeholder 5"/>
+          <p:cNvSpPr>
+            <a:spLocks noGrp="1"/>
+          </p:cNvSpPr>
+          <p:nvPr>
+            <p:ph type="ftr" sz="quarter" idx="12"/>
+          </p:nvPr>
+        </p:nvSpPr>
+        <p:spPr/>
+        <p:txBody>
+          <a:bodyPr/>
+          <a:lstStyle/>
+          <a:p>
+            <a:pPr>
+              <a:defRPr/>
+            </a:pPr>
+            <a:endParaRPr lang="en-US"/>
+          </a:p>
+        </p:txBody>
+      </p:sp>
+    </p:spTree>
+    <p:extLst>
+      <p:ext uri="{BB962C8B-B14F-4D97-AF65-F5344CB8AC3E}">
+        <p14:creationId xmlns:p14="http://schemas.microsoft.com/office/powerpoint/2010/main" val="1374099120"/>
+      </p:ext>
+    </p:extLst>
+  </p:cSld>
+  <p:clrMapOvr>
+    <a:masterClrMapping/>
+  </p:clrMapOvr>
+</p:notes>
+</file>
+
+<file path=ppt/notesSlides/notesSlide23.xml><?xml version="1.0" encoding="utf-8"?>
+<p:notes xmlns:a="http://schemas.openxmlformats.org/drawingml/2006/main" xmlns:r="http://schemas.openxmlformats.org/officeDocument/2006/relationships" xmlns:p="http://schemas.openxmlformats.org/presentationml/2006/main">
+  <p:cSld>
+    <p:spTree>
+      <p:nvGrpSpPr>
+        <p:cNvPr id="1" name=""/>
+        <p:cNvGrpSpPr/>
+        <p:nvPr/>
+      </p:nvGrpSpPr>
+      <p:grpSpPr>
+        <a:xfrm>
+          <a:off x="0" y="0"/>
+          <a:ext cx="0" cy="0"/>
+          <a:chOff x="0" y="0"/>
+          <a:chExt cx="0" cy="0"/>
+        </a:xfrm>
+      </p:grpSpPr>
+      <p:sp>
+        <p:nvSpPr>
+          <p:cNvPr id="2" name="Slide Image Placeholder 1"/>
+          <p:cNvSpPr>
+            <a:spLocks noGrp="1" noRot="1" noChangeAspect="1"/>
+          </p:cNvSpPr>
+          <p:nvPr>
+            <p:ph type="sldImg"/>
+          </p:nvPr>
+        </p:nvSpPr>
+        <p:spPr/>
+      </p:sp>
+      <p:sp>
+        <p:nvSpPr>
+          <p:cNvPr id="3" name="Notes Placeholder 2"/>
+          <p:cNvSpPr>
+            <a:spLocks noGrp="1"/>
+          </p:cNvSpPr>
+          <p:nvPr>
+            <p:ph type="body" idx="1"/>
+          </p:nvPr>
+        </p:nvSpPr>
+        <p:spPr/>
+        <p:txBody>
+          <a:bodyPr>
+            <a:normAutofit/>
+          </a:bodyPr>
+          <a:lstStyle/>
+          <a:p>
+            <a:r>
+              <a:rPr lang="en-US" dirty="0" smtClean="0"/>
+              <a:t>Since you are logged</a:t>
+            </a:r>
+            <a:r>
+              <a:rPr lang="en-US" baseline="0" dirty="0" smtClean="0"/>
+              <a:t> into the Chef Compliance UI as 'admin', your profile is called 'admin/profile' on the 'Scan nodes' page.</a:t>
+            </a:r>
+          </a:p>
+          <a:p>
+            <a:endParaRPr lang="en-US" baseline="0" dirty="0" smtClean="0"/>
+          </a:p>
+          <a:p>
+            <a:pPr marL="0" marR="0" indent="0" algn="l" defTabSz="1217613" rtl="0" eaLnBrk="1" fontAlgn="base" latinLnBrk="0" hangingPunct="1">
+              <a:lnSpc>
+                <a:spcPct val="90000"/>
+              </a:lnSpc>
+              <a:spcBef>
+                <a:spcPct val="30000"/>
+              </a:spcBef>
+              <a:spcAft>
+                <a:spcPts val="450"/>
+              </a:spcAft>
+              <a:buClrTx/>
+              <a:buSzTx/>
+              <a:buFontTx/>
+              <a:buNone/>
+              <a:tabLst/>
+              <a:defRPr/>
+            </a:pPr>
+            <a:r>
+              <a:rPr lang="en-US" baseline="0" dirty="0" smtClean="0"/>
+              <a:t>Instructor Note: Regarding this note above--`</a:t>
+            </a:r>
+            <a:r>
+              <a:rPr lang="en-US" b="1" dirty="0" smtClean="0"/>
+              <a:t>Note</a:t>
+            </a:r>
+            <a:r>
+              <a:rPr lang="en-US" dirty="0" smtClean="0"/>
+              <a:t>: The profile name in this view is based on the name space in your metadata.rb.`--</a:t>
+            </a:r>
+            <a:r>
+              <a:rPr lang="en-US" baseline="0" dirty="0" smtClean="0"/>
+              <a:t>the compliance team may have improved that Compliance profile name field on the "Scan nodes" page by now to include whatever is the </a:t>
+            </a:r>
+            <a:r>
+              <a:rPr lang="en-US" dirty="0" smtClean="0">
+                <a:effectLst/>
+              </a:rPr>
+              <a:t>`</a:t>
+            </a:r>
+            <a:r>
+              <a:rPr lang="en-US" dirty="0" smtClean="0"/>
+              <a:t>title</a:t>
+            </a:r>
+            <a:r>
+              <a:rPr lang="en-US" dirty="0" smtClean="0">
+                <a:effectLst/>
+              </a:rPr>
+              <a:t>` </a:t>
+            </a:r>
+            <a:r>
+              <a:rPr lang="en-US" sz="1200" b="0" i="0" kern="1200" dirty="0" smtClean="0">
+                <a:solidFill>
+                  <a:schemeClr val="tx1"/>
+                </a:solidFill>
+                <a:effectLst/>
+                <a:latin typeface="Arial" panose="020B0604020202020204" pitchFamily="34" charset="0"/>
+                <a:ea typeface="ＭＳ Ｐゴシック" charset="0"/>
+                <a:cs typeface="Arial" panose="020B0604020202020204" pitchFamily="34" charset="0"/>
+              </a:rPr>
+              <a:t>value from the metadata.rb. Therefore it would match the name as displayed in the Compliance profiles</a:t>
+            </a:r>
+            <a:r>
+              <a:rPr lang="en-US" sz="1200" b="0" i="0" kern="1200" baseline="0" dirty="0" smtClean="0">
+                <a:solidFill>
+                  <a:schemeClr val="tx1"/>
+                </a:solidFill>
+                <a:effectLst/>
+                <a:latin typeface="Arial" panose="020B0604020202020204" pitchFamily="34" charset="0"/>
+                <a:ea typeface="ＭＳ Ｐゴシック" charset="0"/>
+                <a:cs typeface="Arial" panose="020B0604020202020204" pitchFamily="34" charset="0"/>
+              </a:rPr>
+              <a:t> </a:t>
+            </a:r>
+            <a:r>
+              <a:rPr lang="en-US" sz="1200" b="0" i="0" kern="1200" dirty="0" smtClean="0">
+                <a:solidFill>
+                  <a:schemeClr val="tx1"/>
+                </a:solidFill>
+                <a:effectLst/>
+                <a:latin typeface="Arial" panose="020B0604020202020204" pitchFamily="34" charset="0"/>
+                <a:ea typeface="ＭＳ Ｐゴシック" charset="0"/>
+                <a:cs typeface="Arial" panose="020B0604020202020204" pitchFamily="34" charset="0"/>
+              </a:rPr>
+              <a:t>page.</a:t>
+            </a:r>
+            <a:endParaRPr lang="en-US" dirty="0" smtClean="0"/>
+          </a:p>
+          <a:p>
+            <a:endParaRPr lang="en-US" dirty="0" smtClean="0"/>
+          </a:p>
+          <a:p>
+            <a:endParaRPr lang="en-US" dirty="0" smtClean="0"/>
+          </a:p>
+        </p:txBody>
+      </p:sp>
+      <p:sp>
+        <p:nvSpPr>
+          <p:cNvPr id="4" name="Slide Number Placeholder 3"/>
+          <p:cNvSpPr>
+            <a:spLocks noGrp="1"/>
+          </p:cNvSpPr>
+          <p:nvPr>
+            <p:ph type="sldNum" sz="quarter" idx="10"/>
+          </p:nvPr>
+        </p:nvSpPr>
+        <p:spPr/>
+        <p:txBody>
+          <a:bodyPr/>
+          <a:lstStyle/>
+          <a:p>
+            <a:pPr>
+              <a:defRPr/>
+            </a:pPr>
+            <a:fld id="{DC3734AA-3150-D947-AC52-2F5DF48BFCD5}" type="slidenum">
+              <a:rPr lang="en-US" smtClean="0"/>
+              <a:pPr>
+                <a:defRPr/>
+              </a:pPr>
+              <a:t>25</a:t>
+            </a:fld>
+            <a:endParaRPr lang="en-US" dirty="0"/>
+          </a:p>
+        </p:txBody>
+      </p:sp>
+      <p:sp>
+        <p:nvSpPr>
+          <p:cNvPr id="5" name="Header Placeholder 4"/>
+          <p:cNvSpPr>
+            <a:spLocks noGrp="1"/>
+          </p:cNvSpPr>
+          <p:nvPr>
+            <p:ph type="hdr" sz="quarter" idx="11"/>
+          </p:nvPr>
+        </p:nvSpPr>
+        <p:spPr/>
+        <p:txBody>
+          <a:bodyPr/>
+          <a:lstStyle/>
+          <a:p>
+            <a:pPr>
+              <a:defRPr/>
+            </a:pPr>
+            <a:endParaRPr lang="en-US"/>
+          </a:p>
+        </p:txBody>
+      </p:sp>
+      <p:sp>
+        <p:nvSpPr>
+          <p:cNvPr id="6" name="Footer Placeholder 5"/>
+          <p:cNvSpPr>
+            <a:spLocks noGrp="1"/>
+          </p:cNvSpPr>
+          <p:nvPr>
+            <p:ph type="ftr" sz="quarter" idx="12"/>
+          </p:nvPr>
+        </p:nvSpPr>
+        <p:spPr/>
+        <p:txBody>
+          <a:bodyPr/>
+          <a:lstStyle/>
+          <a:p>
+            <a:pPr>
+              <a:defRPr/>
+            </a:pPr>
+            <a:endParaRPr lang="en-US"/>
+          </a:p>
+        </p:txBody>
+      </p:sp>
+    </p:spTree>
+    <p:extLst>
+      <p:ext uri="{BB962C8B-B14F-4D97-AF65-F5344CB8AC3E}">
+        <p14:creationId xmlns:p14="http://schemas.microsoft.com/office/powerpoint/2010/main" val="2291975385"/>
+      </p:ext>
+    </p:extLst>
+  </p:cSld>
+  <p:clrMapOvr>
+    <a:masterClrMapping/>
+  </p:clrMapOvr>
+</p:notes>
+</file>
+
+<file path=ppt/notesSlides/notesSlide24.xml><?xml version="1.0" encoding="utf-8"?>
+<p:notes xmlns:a="http://schemas.openxmlformats.org/drawingml/2006/main" xmlns:r="http://schemas.openxmlformats.org/officeDocument/2006/relationships" xmlns:p="http://schemas.openxmlformats.org/presentationml/2006/main">
+  <p:cSld>
+    <p:spTree>
+      <p:nvGrpSpPr>
+        <p:cNvPr id="1" name=""/>
+        <p:cNvGrpSpPr/>
+        <p:nvPr/>
+      </p:nvGrpSpPr>
+      <p:grpSpPr>
+        <a:xfrm>
+          <a:off x="0" y="0"/>
+          <a:ext cx="0" cy="0"/>
+          <a:chOff x="0" y="0"/>
+          <a:chExt cx="0" cy="0"/>
+        </a:xfrm>
+      </p:grpSpPr>
+      <p:sp>
+        <p:nvSpPr>
+          <p:cNvPr id="2" name="Slide Image Placeholder 1"/>
+          <p:cNvSpPr>
+            <a:spLocks noGrp="1" noRot="1" noChangeAspect="1"/>
+          </p:cNvSpPr>
+          <p:nvPr>
+            <p:ph type="sldImg"/>
+          </p:nvPr>
+        </p:nvSpPr>
+        <p:spPr/>
+      </p:sp>
+      <p:sp>
+        <p:nvSpPr>
+          <p:cNvPr id="3" name="Notes Placeholder 2"/>
+          <p:cNvSpPr>
+            <a:spLocks noGrp="1"/>
+          </p:cNvSpPr>
+          <p:nvPr>
+            <p:ph type="body" idx="1"/>
+          </p:nvPr>
+        </p:nvSpPr>
+        <p:spPr/>
+        <p:txBody>
+          <a:bodyPr>
+            <a:normAutofit lnSpcReduction="10000"/>
+          </a:bodyPr>
+          <a:lstStyle/>
+          <a:p>
+            <a:pPr marL="0" marR="0" indent="0" algn="l" defTabSz="1217613" rtl="0" eaLnBrk="1" fontAlgn="base" latinLnBrk="0" hangingPunct="1">
+              <a:lnSpc>
+                <a:spcPct val="90000"/>
+              </a:lnSpc>
+              <a:spcBef>
+                <a:spcPct val="30000"/>
+              </a:spcBef>
+              <a:spcAft>
+                <a:spcPts val="450"/>
+              </a:spcAft>
+              <a:buClrTx/>
+              <a:buSzTx/>
+              <a:buFontTx/>
+              <a:buNone/>
+              <a:tabLst/>
+              <a:defRPr/>
+            </a:pPr>
+            <a:r>
+              <a:rPr lang="en-US" dirty="0" smtClean="0"/>
+              <a:t>The results of your scan should look like this example.</a:t>
+            </a:r>
+          </a:p>
+          <a:p>
+            <a:endParaRPr lang="en-US" dirty="0" smtClean="0"/>
+          </a:p>
+          <a:p>
+            <a:r>
+              <a:rPr lang="en-US" dirty="0" smtClean="0"/>
+              <a:t>In this case, the scan should show a critical issue because /etc/</a:t>
+            </a:r>
+            <a:r>
+              <a:rPr lang="en-US" dirty="0" err="1" smtClean="0"/>
+              <a:t>sysconfig</a:t>
+            </a:r>
+            <a:r>
+              <a:rPr lang="en-US" dirty="0" smtClean="0"/>
+              <a:t>/</a:t>
+            </a:r>
+            <a:r>
+              <a:rPr lang="en-US" dirty="0" err="1" smtClean="0"/>
+              <a:t>init</a:t>
+            </a:r>
+            <a:r>
+              <a:rPr lang="en-US" baseline="0" dirty="0" smtClean="0"/>
+              <a:t> does not set </a:t>
+            </a:r>
+            <a:r>
+              <a:rPr lang="en-US" dirty="0" err="1" smtClean="0"/>
+              <a:t>umask</a:t>
+            </a:r>
+            <a:r>
+              <a:rPr lang="en-US" dirty="0" smtClean="0"/>
+              <a:t> to 027.</a:t>
+            </a:r>
+          </a:p>
+          <a:p>
+            <a:endParaRPr lang="en-US" dirty="0" smtClean="0"/>
+          </a:p>
+          <a:p>
+            <a:r>
+              <a:rPr lang="en-US" dirty="0" smtClean="0"/>
+              <a:t>In the workplace you would want to write a recipe to remediate the /etc/</a:t>
+            </a:r>
+            <a:r>
+              <a:rPr lang="en-US" dirty="0" err="1" smtClean="0"/>
+              <a:t>sysconfig</a:t>
+            </a:r>
+            <a:r>
+              <a:rPr lang="en-US" dirty="0" smtClean="0"/>
+              <a:t>/</a:t>
+            </a:r>
+            <a:r>
+              <a:rPr lang="en-US" dirty="0" err="1" smtClean="0"/>
+              <a:t>init</a:t>
+            </a:r>
+            <a:r>
+              <a:rPr lang="en-US" baseline="0" dirty="0" smtClean="0"/>
+              <a:t> </a:t>
+            </a:r>
+            <a:r>
+              <a:rPr lang="en-US" dirty="0" err="1" smtClean="0"/>
+              <a:t>umask</a:t>
+            </a:r>
+            <a:r>
+              <a:rPr lang="en-US" dirty="0" smtClean="0"/>
+              <a:t> issue</a:t>
+            </a:r>
+            <a:r>
+              <a:rPr lang="en-US" baseline="0" dirty="0" smtClean="0"/>
+              <a:t> and then you could run the scan again to ensure you have corrected the issue.</a:t>
+            </a:r>
+          </a:p>
+          <a:p>
+            <a:endParaRPr lang="en-US" baseline="0" dirty="0" smtClean="0"/>
+          </a:p>
+          <a:p>
+            <a:r>
+              <a:rPr lang="en-US" baseline="0" dirty="0" smtClean="0"/>
+              <a:t>For example, your remediation recipe should add this line to </a:t>
+            </a:r>
+            <a:r>
+              <a:rPr lang="en-US" dirty="0" smtClean="0"/>
+              <a:t>/etc/</a:t>
+            </a:r>
+            <a:r>
+              <a:rPr lang="en-US" dirty="0" err="1" smtClean="0"/>
+              <a:t>sysconfig</a:t>
+            </a:r>
+            <a:r>
+              <a:rPr lang="en-US" dirty="0" smtClean="0"/>
+              <a:t>/</a:t>
+            </a:r>
+            <a:r>
+              <a:rPr lang="en-US" dirty="0" err="1" smtClean="0"/>
+              <a:t>init</a:t>
+            </a:r>
+            <a:r>
+              <a:rPr lang="en-US" baseline="0" dirty="0" smtClean="0"/>
+              <a:t>:</a:t>
+            </a:r>
+            <a:br>
+              <a:rPr lang="en-US" baseline="0" dirty="0" smtClean="0"/>
+            </a:br>
+            <a:r>
+              <a:rPr lang="en-US" baseline="0" dirty="0" smtClean="0"/>
+              <a:t/>
+            </a:r>
+            <a:br>
+              <a:rPr lang="en-US" baseline="0" dirty="0" smtClean="0"/>
+            </a:br>
+            <a:r>
+              <a:rPr lang="en-US" baseline="0" dirty="0" err="1" smtClean="0"/>
+              <a:t>umask</a:t>
+            </a:r>
+            <a:r>
+              <a:rPr lang="en-US" baseline="0" dirty="0" smtClean="0"/>
+              <a:t> 027</a:t>
+            </a:r>
+            <a:endParaRPr lang="en-US" dirty="0" smtClean="0"/>
+          </a:p>
+          <a:p>
+            <a:endParaRPr lang="en-US" dirty="0" smtClean="0"/>
+          </a:p>
+          <a:p>
+            <a:endParaRPr lang="en-US" dirty="0" smtClean="0"/>
+          </a:p>
+        </p:txBody>
+      </p:sp>
+      <p:sp>
+        <p:nvSpPr>
+          <p:cNvPr id="4" name="Slide Number Placeholder 3"/>
+          <p:cNvSpPr>
+            <a:spLocks noGrp="1"/>
+          </p:cNvSpPr>
+          <p:nvPr>
+            <p:ph type="sldNum" sz="quarter" idx="10"/>
+          </p:nvPr>
+        </p:nvSpPr>
+        <p:spPr/>
+        <p:txBody>
+          <a:bodyPr/>
+          <a:lstStyle/>
+          <a:p>
+            <a:pPr>
+              <a:defRPr/>
+            </a:pPr>
+            <a:fld id="{DC3734AA-3150-D947-AC52-2F5DF48BFCD5}" type="slidenum">
+              <a:rPr lang="en-US" smtClean="0"/>
+              <a:pPr>
+                <a:defRPr/>
+              </a:pPr>
+              <a:t>26</a:t>
+            </a:fld>
+            <a:endParaRPr lang="en-US" dirty="0"/>
+          </a:p>
+        </p:txBody>
+      </p:sp>
+      <p:sp>
+        <p:nvSpPr>
+          <p:cNvPr id="5" name="Header Placeholder 4"/>
+          <p:cNvSpPr>
+            <a:spLocks noGrp="1"/>
+          </p:cNvSpPr>
+          <p:nvPr>
+            <p:ph type="hdr" sz="quarter" idx="11"/>
+          </p:nvPr>
+        </p:nvSpPr>
+        <p:spPr/>
+        <p:txBody>
+          <a:bodyPr/>
+          <a:lstStyle/>
+          <a:p>
+            <a:pPr>
+              <a:defRPr/>
+            </a:pPr>
+            <a:endParaRPr lang="en-US"/>
+          </a:p>
+        </p:txBody>
+      </p:sp>
+      <p:sp>
+        <p:nvSpPr>
+          <p:cNvPr id="6" name="Footer Placeholder 5"/>
+          <p:cNvSpPr>
+            <a:spLocks noGrp="1"/>
+          </p:cNvSpPr>
+          <p:nvPr>
+            <p:ph type="ftr" sz="quarter" idx="12"/>
+          </p:nvPr>
+        </p:nvSpPr>
+        <p:spPr/>
+        <p:txBody>
+          <a:bodyPr/>
+          <a:lstStyle/>
+          <a:p>
+            <a:pPr>
+              <a:defRPr/>
+            </a:pPr>
+            <a:endParaRPr lang="en-US"/>
+          </a:p>
+        </p:txBody>
+      </p:sp>
+    </p:spTree>
+    <p:extLst>
+      <p:ext uri="{BB962C8B-B14F-4D97-AF65-F5344CB8AC3E}">
+        <p14:creationId xmlns:p14="http://schemas.microsoft.com/office/powerpoint/2010/main" val="1594543438"/>
+      </p:ext>
+    </p:extLst>
+  </p:cSld>
+  <p:clrMapOvr>
+    <a:masterClrMapping/>
+  </p:clrMapOvr>
+</p:notes>
+</file>
+
+<file path=ppt/notesSlides/notesSlide25.xml><?xml version="1.0" encoding="utf-8"?>
+<p:notes xmlns:a="http://schemas.openxmlformats.org/drawingml/2006/main" xmlns:r="http://schemas.openxmlformats.org/officeDocument/2006/relationships" xmlns:p="http://schemas.openxmlformats.org/presentationml/2006/main">
+  <p:cSld>
+    <p:spTree>
+      <p:nvGrpSpPr>
+        <p:cNvPr id="1" name=""/>
+        <p:cNvGrpSpPr/>
+        <p:nvPr/>
+      </p:nvGrpSpPr>
+      <p:grpSpPr>
+        <a:xfrm>
+          <a:off x="0" y="0"/>
+          <a:ext cx="0" cy="0"/>
+          <a:chOff x="0" y="0"/>
+          <a:chExt cx="0" cy="0"/>
+        </a:xfrm>
+      </p:grpSpPr>
+      <p:sp>
+        <p:nvSpPr>
+          <p:cNvPr id="2" name="Slide Image Placeholder 1"/>
+          <p:cNvSpPr>
+            <a:spLocks noGrp="1" noRot="1" noChangeAspect="1"/>
+          </p:cNvSpPr>
+          <p:nvPr>
+            <p:ph type="sldImg"/>
+          </p:nvPr>
+        </p:nvSpPr>
+        <p:spPr/>
+      </p:sp>
+      <p:sp>
+        <p:nvSpPr>
+          <p:cNvPr id="3" name="Notes Placeholder 2"/>
+          <p:cNvSpPr>
+            <a:spLocks noGrp="1"/>
+          </p:cNvSpPr>
+          <p:nvPr>
+            <p:ph type="body" idx="1"/>
+          </p:nvPr>
+        </p:nvSpPr>
+        <p:spPr/>
+        <p:txBody>
+          <a:bodyPr>
+            <a:normAutofit/>
+          </a:bodyPr>
+          <a:lstStyle/>
+          <a:p>
+            <a:endParaRPr lang="en-US" dirty="0" smtClean="0"/>
+          </a:p>
+          <a:p>
+            <a:endParaRPr lang="en-US" dirty="0" smtClean="0"/>
+          </a:p>
+          <a:p>
+            <a:endParaRPr lang="en-US" dirty="0" smtClean="0"/>
+          </a:p>
+        </p:txBody>
+      </p:sp>
+      <p:sp>
+        <p:nvSpPr>
+          <p:cNvPr id="4" name="Slide Number Placeholder 3"/>
+          <p:cNvSpPr>
+            <a:spLocks noGrp="1"/>
+          </p:cNvSpPr>
+          <p:nvPr>
+            <p:ph type="sldNum" sz="quarter" idx="10"/>
+          </p:nvPr>
+        </p:nvSpPr>
+        <p:spPr/>
+        <p:txBody>
+          <a:bodyPr/>
+          <a:lstStyle/>
+          <a:p>
+            <a:pPr>
+              <a:defRPr/>
+            </a:pPr>
+            <a:fld id="{DC3734AA-3150-D947-AC52-2F5DF48BFCD5}" type="slidenum">
+              <a:rPr lang="en-US" smtClean="0"/>
+              <a:pPr>
+                <a:defRPr/>
+              </a:pPr>
+              <a:t>27</a:t>
+            </a:fld>
+            <a:endParaRPr lang="en-US" dirty="0"/>
+          </a:p>
+        </p:txBody>
+      </p:sp>
+      <p:sp>
+        <p:nvSpPr>
+          <p:cNvPr id="5" name="Header Placeholder 4"/>
+          <p:cNvSpPr>
+            <a:spLocks noGrp="1"/>
+          </p:cNvSpPr>
+          <p:nvPr>
+            <p:ph type="hdr" sz="quarter" idx="11"/>
+          </p:nvPr>
+        </p:nvSpPr>
+        <p:spPr/>
+        <p:txBody>
+          <a:bodyPr/>
+          <a:lstStyle/>
+          <a:p>
+            <a:pPr>
+              <a:defRPr/>
+            </a:pPr>
+            <a:endParaRPr lang="en-US"/>
+          </a:p>
+        </p:txBody>
+      </p:sp>
+      <p:sp>
+        <p:nvSpPr>
+          <p:cNvPr id="6" name="Footer Placeholder 5"/>
+          <p:cNvSpPr>
+            <a:spLocks noGrp="1"/>
+          </p:cNvSpPr>
+          <p:nvPr>
+            <p:ph type="ftr" sz="quarter" idx="12"/>
+          </p:nvPr>
+        </p:nvSpPr>
+        <p:spPr/>
+        <p:txBody>
+          <a:bodyPr/>
+          <a:lstStyle/>
+          <a:p>
+            <a:pPr>
+              <a:defRPr/>
+            </a:pPr>
+            <a:endParaRPr lang="en-US"/>
+          </a:p>
+        </p:txBody>
+      </p:sp>
+    </p:spTree>
+    <p:extLst>
+      <p:ext uri="{BB962C8B-B14F-4D97-AF65-F5344CB8AC3E}">
+        <p14:creationId xmlns:p14="http://schemas.microsoft.com/office/powerpoint/2010/main" val="2036843285"/>
+      </p:ext>
+    </p:extLst>
+  </p:cSld>
+  <p:clrMapOvr>
+    <a:masterClrMapping/>
+  </p:clrMapOvr>
+</p:notes>
+</file>
+
+<file path=ppt/notesSlides/notesSlide26.xml><?xml version="1.0" encoding="utf-8"?>
+<p:notes xmlns:a="http://schemas.openxmlformats.org/drawingml/2006/main" xmlns:r="http://schemas.openxmlformats.org/officeDocument/2006/relationships" xmlns:p="http://schemas.openxmlformats.org/presentationml/2006/main">
+  <p:cSld>
+    <p:spTree>
+      <p:nvGrpSpPr>
+        <p:cNvPr id="1" name=""/>
+        <p:cNvGrpSpPr/>
+        <p:nvPr/>
+      </p:nvGrpSpPr>
+      <p:grpSpPr>
+        <a:xfrm>
+          <a:off x="0" y="0"/>
+          <a:ext cx="0" cy="0"/>
+          <a:chOff x="0" y="0"/>
+          <a:chExt cx="0" cy="0"/>
+        </a:xfrm>
+      </p:grpSpPr>
+      <p:sp>
+        <p:nvSpPr>
+          <p:cNvPr id="2" name="Slide Image Placeholder 1"/>
+          <p:cNvSpPr>
+            <a:spLocks noGrp="1" noRot="1" noChangeAspect="1"/>
+          </p:cNvSpPr>
+          <p:nvPr>
+            <p:ph type="sldImg"/>
+          </p:nvPr>
+        </p:nvSpPr>
+        <p:spPr/>
+      </p:sp>
+      <p:sp>
+        <p:nvSpPr>
+          <p:cNvPr id="3" name="Notes Placeholder 2"/>
+          <p:cNvSpPr>
+            <a:spLocks noGrp="1"/>
+          </p:cNvSpPr>
+          <p:nvPr>
+            <p:ph type="body" idx="1"/>
+          </p:nvPr>
+        </p:nvSpPr>
+        <p:spPr/>
+        <p:txBody>
+          <a:bodyPr/>
+          <a:lstStyle/>
+          <a:p>
+            <a:endParaRPr lang="en-US" dirty="0"/>
+          </a:p>
+        </p:txBody>
+      </p:sp>
+      <p:sp>
+        <p:nvSpPr>
+          <p:cNvPr id="4" name="Slide Number Placeholder 3"/>
+          <p:cNvSpPr>
+            <a:spLocks noGrp="1"/>
+          </p:cNvSpPr>
+          <p:nvPr>
+            <p:ph type="sldNum" sz="quarter" idx="10"/>
+          </p:nvPr>
+        </p:nvSpPr>
+        <p:spPr/>
+        <p:txBody>
+          <a:bodyPr/>
+          <a:lstStyle/>
+          <a:p>
+            <a:pPr>
+              <a:defRPr/>
+            </a:pPr>
+            <a:fld id="{DC3734AA-3150-D947-AC52-2F5DF48BFCD5}" type="slidenum">
+              <a:rPr lang="en-US" smtClean="0"/>
+              <a:pPr>
+                <a:defRPr/>
+              </a:pPr>
+              <a:t>28</a:t>
+            </a:fld>
+            <a:endParaRPr lang="en-US" dirty="0"/>
+          </a:p>
+        </p:txBody>
+      </p:sp>
+      <p:sp>
+        <p:nvSpPr>
+          <p:cNvPr id="5" name="Header Placeholder 4"/>
+          <p:cNvSpPr>
+            <a:spLocks noGrp="1"/>
+          </p:cNvSpPr>
+          <p:nvPr>
+            <p:ph type="hdr" sz="quarter" idx="11"/>
+          </p:nvPr>
+        </p:nvSpPr>
+        <p:spPr/>
+        <p:txBody>
+          <a:bodyPr/>
+          <a:lstStyle/>
+          <a:p>
+            <a:pPr>
+              <a:defRPr/>
+            </a:pPr>
+            <a:endParaRPr lang="en-US"/>
+          </a:p>
+        </p:txBody>
+      </p:sp>
+      <p:sp>
+        <p:nvSpPr>
+          <p:cNvPr id="6" name="Footer Placeholder 5"/>
+          <p:cNvSpPr>
+            <a:spLocks noGrp="1"/>
+          </p:cNvSpPr>
+          <p:nvPr>
+            <p:ph type="ftr" sz="quarter" idx="12"/>
+          </p:nvPr>
+        </p:nvSpPr>
+        <p:spPr/>
+        <p:txBody>
+          <a:bodyPr/>
+          <a:lstStyle/>
+          <a:p>
+            <a:pPr>
+              <a:defRPr/>
+            </a:pPr>
+            <a:endParaRPr lang="en-US"/>
+          </a:p>
+        </p:txBody>
+      </p:sp>
+    </p:spTree>
+    <p:extLst>
+      <p:ext uri="{BB962C8B-B14F-4D97-AF65-F5344CB8AC3E}">
+        <p14:creationId xmlns:p14="http://schemas.microsoft.com/office/powerpoint/2010/main" val="2198941779"/>
       </p:ext>
     </p:extLst>
   </p:cSld>
@@ -4323,7 +6188,7 @@
         <p:spPr/>
         <p:txBody>
           <a:bodyPr>
-            <a:normAutofit lnSpcReduction="10000"/>
+            <a:normAutofit fontScale="92500"/>
           </a:bodyPr>
           <a:lstStyle/>
           <a:p>
@@ -4582,6 +6447,26 @@
               </a:rPr>
               <a:t># grep umask /etc/sysconfig/init umask 027 </a:t>
             </a:r>
+            <a:endParaRPr lang="nb-NO" sz="1200" b="0" i="0" u="none" strike="noStrike" kern="1200" baseline="0" dirty="0" smtClean="0">
+              <a:solidFill>
+                <a:schemeClr val="tx1"/>
+              </a:solidFill>
+              <a:latin typeface="Arial" panose="020B0604020202020204" pitchFamily="34" charset="0"/>
+              <a:ea typeface="ＭＳ Ｐゴシック" charset="0"/>
+              <a:cs typeface="Arial" panose="020B0604020202020204" pitchFamily="34" charset="0"/>
+            </a:endParaRPr>
+          </a:p>
+          <a:p>
+            <a:endParaRPr lang="nb-NO" sz="1200" b="0" i="0" u="none" strike="noStrike" kern="1200" baseline="0" dirty="0" smtClean="0">
+              <a:solidFill>
+                <a:schemeClr val="tx1"/>
+              </a:solidFill>
+              <a:latin typeface="Arial" panose="020B0604020202020204" pitchFamily="34" charset="0"/>
+              <a:ea typeface="ＭＳ Ｐゴシック" charset="0"/>
+              <a:cs typeface="Arial" panose="020B0604020202020204" pitchFamily="34" charset="0"/>
+            </a:endParaRPr>
+          </a:p>
+          <a:p>
             <a:endParaRPr lang="en-US" dirty="0"/>
           </a:p>
         </p:txBody>
@@ -11803,7 +13688,7 @@
                 <a:ea typeface="+mn-ea"/>
                 <a:cs typeface="+mn-cs"/>
               </a:rPr>
-              <a:t>5-</a:t>
+              <a:t>6-</a:t>
             </a:r>
             <a:fld id="{F0B79B2F-E1DD-4D43-95B3-EA08C411D807}" type="slidenum">
               <a:rPr lang="en-US" smtClean="0">
@@ -12563,7 +14448,7 @@
                 <a:ea typeface="+mn-ea"/>
                 <a:cs typeface="+mn-cs"/>
               </a:rPr>
-              <a:t>5-</a:t>
+              <a:t>6-</a:t>
             </a:r>
             <a:fld id="{F0B79B2F-E1DD-4D43-95B3-EA08C411D807}" type="slidenum">
               <a:rPr lang="en-US" smtClean="0">
@@ -13553,9 +15438,12 @@
           <a:p>
             <a:r>
               <a:rPr lang="en-US" dirty="0" smtClean="0"/>
-              <a:t>Downloading The Latest Benchmarks</a:t>
-            </a:r>
-            <a:endParaRPr lang="en-US" dirty="0"/>
+              <a:t>GE: CIS </a:t>
+            </a:r>
+            <a:r>
+              <a:rPr lang="en-US" dirty="0"/>
+              <a:t>Benchmarks</a:t>
+            </a:r>
           </a:p>
         </p:txBody>
       </p:sp>
@@ -13571,8 +15459,8 @@
         </p:nvSpPr>
         <p:spPr>
           <a:xfrm>
-            <a:off x="650040" y="1856198"/>
-            <a:ext cx="10925875" cy="5345953"/>
+            <a:off x="609600" y="1690724"/>
+            <a:ext cx="6567883" cy="5345953"/>
           </a:xfrm>
         </p:spPr>
         <p:txBody>
@@ -13580,62 +15468,145 @@
           <a:lstStyle/>
           <a:p>
             <a:r>
+              <a:rPr lang="en-US" dirty="0" smtClean="0"/>
+              <a:t>TBD: Show how to</a:t>
+            </a:r>
+            <a:r>
               <a:rPr lang="en-US" dirty="0"/>
-              <a:t> </a:t>
-            </a:r>
-            <a:r>
-              <a:rPr lang="en-US" dirty="0" smtClean="0"/>
-              <a:t>The latest CIS benchmarks in PDF format can be downloaded from here:</a:t>
-            </a:r>
-            <a:endParaRPr lang="en-US" dirty="0">
-              <a:hlinkClick r:id="rId2"/>
-            </a:endParaRPr>
-          </a:p>
-          <a:p>
-            <a:r>
-              <a:rPr lang="en-US" dirty="0" smtClean="0">
-                <a:hlinkClick r:id="rId2"/>
-              </a:rPr>
-              <a:t>https</a:t>
-            </a:r>
-            <a:r>
-              <a:rPr lang="en-US" dirty="0">
-                <a:hlinkClick r:id="rId2"/>
-              </a:rPr>
-              <a:t>://benchmarks.cisecurity.org/downloads/latest/</a:t>
-            </a:r>
-            <a:r>
-              <a:rPr lang="en-US" dirty="0" smtClean="0"/>
               <a:t> </a:t>
             </a:r>
-          </a:p>
-          <a:p>
-            <a:r>
-              <a:rPr lang="en-US" dirty="0" smtClean="0"/>
-              <a:t>From that link, scroll down to and download the </a:t>
-            </a:r>
-          </a:p>
-          <a:p>
-            <a:r>
-              <a:rPr lang="pt-BR" dirty="0" smtClean="0"/>
-              <a:t>CIS </a:t>
-            </a:r>
-            <a:r>
-              <a:rPr lang="pt-BR" dirty="0"/>
-              <a:t>CentOS Linux 6 </a:t>
-            </a:r>
-            <a:r>
-              <a:rPr lang="pt-BR" dirty="0" smtClean="0"/>
-              <a:t>Benchmark PDF.</a:t>
-            </a:r>
-            <a:endParaRPr lang="en-US" dirty="0"/>
-          </a:p>
-        </p:txBody>
-      </p:sp>
+            <a:r>
+              <a:rPr lang="en-US" dirty="0" smtClean="0"/>
+              <a:t>create this...</a:t>
+            </a:r>
+            <a:br>
+              <a:rPr lang="en-US" dirty="0" smtClean="0"/>
+            </a:br>
+            <a:r>
+              <a:rPr lang="en-US" dirty="0" smtClean="0"/>
+              <a:t/>
+            </a:r>
+            <a:br>
+              <a:rPr lang="en-US" dirty="0" smtClean="0"/>
+            </a:br>
+            <a:r>
+              <a:rPr lang="en-US" sz="2000" b="1" dirty="0"/>
+              <a:t>control 'cis-3.1' do</a:t>
+            </a:r>
+          </a:p>
+          <a:p>
+            <a:r>
+              <a:rPr lang="en-US" sz="2000" b="1" dirty="0"/>
+              <a:t>  impact 0.7</a:t>
+            </a:r>
+          </a:p>
+          <a:p>
+            <a:r>
+              <a:rPr lang="en-US" sz="2000" b="1" dirty="0"/>
+              <a:t>  title 'Set Daemon </a:t>
+            </a:r>
+            <a:r>
+              <a:rPr lang="en-US" sz="2000" b="1" dirty="0" err="1"/>
+              <a:t>umask</a:t>
+            </a:r>
+            <a:r>
+              <a:rPr lang="en-US" sz="2000" b="1" dirty="0"/>
+              <a:t>'</a:t>
+            </a:r>
+          </a:p>
+          <a:p>
+            <a:r>
+              <a:rPr lang="en-US" sz="2000" b="1" dirty="0"/>
+              <a:t>    describe file('/etc/</a:t>
+            </a:r>
+            <a:r>
+              <a:rPr lang="en-US" sz="2000" b="1" dirty="0" err="1"/>
+              <a:t>sysconfig</a:t>
+            </a:r>
+            <a:r>
+              <a:rPr lang="en-US" sz="2000" b="1" dirty="0"/>
+              <a:t>/</a:t>
+            </a:r>
+            <a:r>
+              <a:rPr lang="en-US" sz="2000" b="1" dirty="0" err="1"/>
+              <a:t>init</a:t>
+            </a:r>
+            <a:r>
+              <a:rPr lang="en-US" sz="2000" b="1" dirty="0"/>
+              <a:t>') do</a:t>
+            </a:r>
+          </a:p>
+          <a:p>
+            <a:r>
+              <a:rPr lang="en-US" sz="2000" b="1" dirty="0"/>
+              <a:t>      its('content') {should match '</a:t>
+            </a:r>
+            <a:r>
+              <a:rPr lang="en-US" sz="2000" b="1" dirty="0" err="1"/>
+              <a:t>umask</a:t>
+            </a:r>
+            <a:r>
+              <a:rPr lang="en-US" sz="2000" b="1" dirty="0"/>
+              <a:t> 027'}</a:t>
+            </a:r>
+          </a:p>
+          <a:p>
+            <a:r>
+              <a:rPr lang="en-US" sz="2000" b="1" dirty="0"/>
+              <a:t>    end</a:t>
+            </a:r>
+          </a:p>
+          <a:p>
+            <a:r>
+              <a:rPr lang="en-US" sz="2000" b="1" dirty="0"/>
+              <a:t>end</a:t>
+            </a:r>
+          </a:p>
+          <a:p>
+            <a:endParaRPr lang="en-US" dirty="0" smtClean="0"/>
+          </a:p>
+          <a:p>
+            <a:r>
+              <a:rPr lang="en-US" dirty="0" smtClean="0"/>
+              <a:t>...from the CIS page.</a:t>
+            </a:r>
+            <a:endParaRPr lang="en-US" dirty="0" smtClean="0"/>
+          </a:p>
+        </p:txBody>
+      </p:sp>
+      <p:pic>
+        <p:nvPicPr>
+          <p:cNvPr id="6" name="Picture 5"/>
+          <p:cNvPicPr>
+            <a:picLocks noChangeAspect="1"/>
+          </p:cNvPicPr>
+          <p:nvPr/>
+        </p:nvPicPr>
+        <p:blipFill>
+          <a:blip r:embed="rId3"/>
+          <a:stretch>
+            <a:fillRect/>
+          </a:stretch>
+        </p:blipFill>
+        <p:spPr>
+          <a:xfrm>
+            <a:off x="8077200" y="1690724"/>
+            <a:ext cx="7743825" cy="2838450"/>
+          </a:xfrm>
+          <a:prstGeom prst="rect">
+            <a:avLst/>
+          </a:prstGeom>
+          <a:ln>
+            <a:solidFill>
+              <a:schemeClr val="accent1"/>
+            </a:solidFill>
+          </a:ln>
+        </p:spPr>
+      </p:pic>
     </p:spTree>
     <p:extLst>
       <p:ext uri="{BB962C8B-B14F-4D97-AF65-F5344CB8AC3E}">
-        <p14:creationId xmlns:p14="http://schemas.microsoft.com/office/powerpoint/2010/main" val="3742199069"/>
+        <p14:creationId xmlns:p14="http://schemas.microsoft.com/office/powerpoint/2010/main" val="3665688471"/>
       </p:ext>
     </p:extLst>
   </p:cSld>
@@ -13674,7 +15645,7 @@
       </p:grpSpPr>
       <p:sp>
         <p:nvSpPr>
-          <p:cNvPr id="3" name="Text Placeholder 2"/>
+          <p:cNvPr id="8" name="Text Placeholder 7"/>
           <p:cNvSpPr>
             <a:spLocks noGrp="1"/>
           </p:cNvSpPr>
@@ -13684,8 +15655,8 @@
         </p:nvSpPr>
         <p:spPr>
           <a:xfrm>
-            <a:off x="1121104" y="1239874"/>
-            <a:ext cx="14422528" cy="1630917"/>
+            <a:off x="1121104" y="1337149"/>
+            <a:ext cx="14422528" cy="1223172"/>
           </a:xfrm>
         </p:spPr>
         <p:txBody>
@@ -13697,15 +15668,20 @@
               <a:t>$ </a:t>
             </a:r>
             <a:r>
-              <a:rPr lang="en-US" dirty="0" smtClean="0"/>
-              <a:t>cd ~</a:t>
-            </a:r>
-          </a:p>
-        </p:txBody>
-      </p:sp>
-      <p:sp>
-        <p:nvSpPr>
-          <p:cNvPr id="5" name="Title 4"/>
+              <a:rPr lang="en-US" dirty="0"/>
+              <a:t>cd ~/</a:t>
+            </a:r>
+            <a:r>
+              <a:rPr lang="en-US" dirty="0" err="1" smtClean="0"/>
+              <a:t>compliance_profiles</a:t>
+            </a:r>
+            <a:endParaRPr lang="en-US" dirty="0" smtClean="0"/>
+          </a:p>
+        </p:txBody>
+      </p:sp>
+      <p:sp>
+        <p:nvSpPr>
+          <p:cNvPr id="4" name="Title 3"/>
           <p:cNvSpPr>
             <a:spLocks noGrp="1"/>
           </p:cNvSpPr>
@@ -13716,46 +15692,212 @@
         <p:spPr/>
         <p:txBody>
           <a:bodyPr>
-            <a:normAutofit/>
+            <a:normAutofit fontScale="90000"/>
           </a:bodyPr>
           <a:lstStyle/>
           <a:p>
             <a:r>
+              <a:rPr lang="en-US" dirty="0" smtClean="0"/>
+              <a:t>GE: Move to ~/</a:t>
+            </a:r>
+            <a:r>
+              <a:rPr lang="en-US" dirty="0" err="1" smtClean="0"/>
+              <a:t>compliance_profiles</a:t>
+            </a:r>
+            <a:r>
               <a:rPr lang="en-US" dirty="0"/>
-              <a:t>GE: </a:t>
-            </a:r>
-            <a:r>
-              <a:rPr lang="en-US" dirty="0" smtClean="0"/>
-              <a:t>Create a </a:t>
-            </a:r>
-            <a:r>
-              <a:rPr lang="en-US" dirty="0" smtClean="0"/>
-              <a:t>Set </a:t>
-            </a:r>
-            <a:r>
+              <a:t/>
+            </a:r>
+            <a:br>
               <a:rPr lang="en-US" dirty="0"/>
-              <a:t>Daemon </a:t>
-            </a:r>
-            <a:r>
-              <a:rPr lang="en-US" dirty="0" err="1" smtClean="0"/>
-              <a:t>umask</a:t>
-            </a:r>
-            <a:r>
-              <a:rPr lang="en-US" dirty="0" smtClean="0"/>
-              <a:t> Contro</a:t>
-            </a:r>
-            <a:r>
-              <a:rPr lang="en-US" dirty="0"/>
-              <a:t>l</a:t>
-            </a:r>
+            </a:br>
             <a:endParaRPr lang="en-US" dirty="0"/>
+          </a:p>
+        </p:txBody>
+      </p:sp>
+      <p:sp>
+        <p:nvSpPr>
+          <p:cNvPr id="9" name="Text Placeholder 2"/>
+          <p:cNvSpPr txBox="1">
+            <a:spLocks/>
+          </p:cNvSpPr>
+          <p:nvPr/>
+        </p:nvSpPr>
+        <p:spPr>
+          <a:xfrm>
+            <a:off x="650040" y="4137660"/>
+            <a:ext cx="14893592" cy="3064491"/>
+          </a:xfrm>
+          <a:prstGeom prst="rect">
+            <a:avLst/>
+          </a:prstGeom>
+        </p:spPr>
+        <p:txBody>
+          <a:bodyPr/>
+          <a:lstStyle>
+            <a:lvl1pPr algn="l" defTabSz="1217613" rtl="0" eaLnBrk="1" fontAlgn="base" hangingPunct="1">
+              <a:spcBef>
+                <a:spcPts val="800"/>
+              </a:spcBef>
+              <a:spcAft>
+                <a:spcPct val="0"/>
+              </a:spcAft>
+              <a:buSzPct val="90000"/>
+              <a:buFont typeface="Arial" charset="0"/>
+              <a:defRPr sz="3200" kern="1200">
+                <a:solidFill>
+                  <a:srgbClr val="3E4346"/>
+                </a:solidFill>
+                <a:latin typeface="+mn-lt"/>
+                <a:ea typeface="ＭＳ Ｐゴシック" charset="0"/>
+                <a:cs typeface="ＭＳ Ｐゴシック" charset="0"/>
+              </a:defRPr>
+            </a:lvl1pPr>
+            <a:lvl2pPr marL="307975" algn="l" defTabSz="1217613" rtl="0" eaLnBrk="1" fontAlgn="base" hangingPunct="1">
+              <a:spcBef>
+                <a:spcPts val="800"/>
+              </a:spcBef>
+              <a:spcAft>
+                <a:spcPct val="0"/>
+              </a:spcAft>
+              <a:buSzPct val="90000"/>
+              <a:buFont typeface="Arial" charset="0"/>
+              <a:defRPr sz="2800" kern="1200">
+                <a:solidFill>
+                  <a:srgbClr val="3E4346"/>
+                </a:solidFill>
+                <a:latin typeface="+mn-lt"/>
+                <a:ea typeface="ＭＳ Ｐゴシック" charset="0"/>
+                <a:cs typeface="+mn-cs"/>
+              </a:defRPr>
+            </a:lvl2pPr>
+            <a:lvl3pPr marL="608013" algn="l" defTabSz="1217613" rtl="0" eaLnBrk="1" fontAlgn="base" hangingPunct="1">
+              <a:spcBef>
+                <a:spcPts val="800"/>
+              </a:spcBef>
+              <a:spcAft>
+                <a:spcPct val="0"/>
+              </a:spcAft>
+              <a:buSzPct val="90000"/>
+              <a:buFont typeface="Arial" charset="0"/>
+              <a:defRPr sz="2400" kern="1200">
+                <a:solidFill>
+                  <a:srgbClr val="3E4346"/>
+                </a:solidFill>
+                <a:latin typeface="+mn-lt"/>
+                <a:ea typeface="ＭＳ Ｐゴシック" charset="0"/>
+                <a:cs typeface="+mn-cs"/>
+              </a:defRPr>
+            </a:lvl3pPr>
+            <a:lvl4pPr marL="839788" algn="l" defTabSz="1217613" rtl="0" eaLnBrk="1" fontAlgn="base" hangingPunct="1">
+              <a:spcBef>
+                <a:spcPts val="800"/>
+              </a:spcBef>
+              <a:spcAft>
+                <a:spcPct val="0"/>
+              </a:spcAft>
+              <a:buSzPct val="90000"/>
+              <a:buFont typeface="Arial" charset="0"/>
+              <a:defRPr sz="2400" kern="1200">
+                <a:solidFill>
+                  <a:srgbClr val="3E4346"/>
+                </a:solidFill>
+                <a:latin typeface="+mn-lt"/>
+                <a:ea typeface="ＭＳ Ｐゴシック" charset="0"/>
+                <a:cs typeface="+mn-cs"/>
+              </a:defRPr>
+            </a:lvl4pPr>
+            <a:lvl5pPr marL="1068388" algn="l" defTabSz="1217613" rtl="0" eaLnBrk="1" fontAlgn="base" hangingPunct="1">
+              <a:spcBef>
+                <a:spcPts val="800"/>
+              </a:spcBef>
+              <a:spcAft>
+                <a:spcPct val="0"/>
+              </a:spcAft>
+              <a:buSzPct val="90000"/>
+              <a:buFont typeface="Arial" charset="0"/>
+              <a:defRPr sz="2000" kern="1200">
+                <a:solidFill>
+                  <a:srgbClr val="3E4346"/>
+                </a:solidFill>
+                <a:latin typeface="+mn-lt"/>
+                <a:ea typeface="ＭＳ Ｐゴシック" charset="0"/>
+                <a:cs typeface="+mn-cs"/>
+              </a:defRPr>
+            </a:lvl5pPr>
+            <a:lvl6pPr marL="3352582" indent="-304780" algn="l" defTabSz="1219120" rtl="0" eaLnBrk="1" latinLnBrk="0" hangingPunct="1">
+              <a:spcBef>
+                <a:spcPct val="20000"/>
+              </a:spcBef>
+              <a:buFont typeface="Arial" pitchFamily="34" charset="0"/>
+              <a:buChar char="•"/>
+              <a:defRPr sz="2667" kern="1200">
+                <a:solidFill>
+                  <a:schemeClr val="tx1"/>
+                </a:solidFill>
+                <a:latin typeface="+mn-lt"/>
+                <a:ea typeface="+mn-ea"/>
+                <a:cs typeface="+mn-cs"/>
+              </a:defRPr>
+            </a:lvl6pPr>
+            <a:lvl7pPr marL="3962142" indent="-304780" algn="l" defTabSz="1219120" rtl="0" eaLnBrk="1" latinLnBrk="0" hangingPunct="1">
+              <a:spcBef>
+                <a:spcPct val="20000"/>
+              </a:spcBef>
+              <a:buFont typeface="Arial" pitchFamily="34" charset="0"/>
+              <a:buChar char="•"/>
+              <a:defRPr sz="2667" kern="1200">
+                <a:solidFill>
+                  <a:schemeClr val="tx1"/>
+                </a:solidFill>
+                <a:latin typeface="+mn-lt"/>
+                <a:ea typeface="+mn-ea"/>
+                <a:cs typeface="+mn-cs"/>
+              </a:defRPr>
+            </a:lvl7pPr>
+            <a:lvl8pPr marL="4571703" indent="-304780" algn="l" defTabSz="1219120" rtl="0" eaLnBrk="1" latinLnBrk="0" hangingPunct="1">
+              <a:spcBef>
+                <a:spcPct val="20000"/>
+              </a:spcBef>
+              <a:buFont typeface="Arial" pitchFamily="34" charset="0"/>
+              <a:buChar char="•"/>
+              <a:defRPr sz="2667" kern="1200">
+                <a:solidFill>
+                  <a:schemeClr val="tx1"/>
+                </a:solidFill>
+                <a:latin typeface="+mn-lt"/>
+                <a:ea typeface="+mn-ea"/>
+                <a:cs typeface="+mn-cs"/>
+              </a:defRPr>
+            </a:lvl8pPr>
+            <a:lvl9pPr marL="5181264" indent="-304780" algn="l" defTabSz="1219120" rtl="0" eaLnBrk="1" latinLnBrk="0" hangingPunct="1">
+              <a:spcBef>
+                <a:spcPct val="20000"/>
+              </a:spcBef>
+              <a:buFont typeface="Arial" pitchFamily="34" charset="0"/>
+              <a:buChar char="•"/>
+              <a:defRPr sz="2667" kern="1200">
+                <a:solidFill>
+                  <a:schemeClr val="tx1"/>
+                </a:solidFill>
+                <a:latin typeface="+mn-lt"/>
+                <a:ea typeface="+mn-ea"/>
+                <a:cs typeface="+mn-cs"/>
+              </a:defRPr>
+            </a:lvl9pPr>
+          </a:lstStyle>
+          <a:p>
+            <a:r>
+              <a:rPr lang="en-US" dirty="0" smtClean="0"/>
+              <a:t>Ensure you are on your target node for this part of this exercise.</a:t>
+            </a:r>
           </a:p>
         </p:txBody>
       </p:sp>
     </p:spTree>
     <p:extLst>
       <p:ext uri="{BB962C8B-B14F-4D97-AF65-F5344CB8AC3E}">
-        <p14:creationId xmlns:p14="http://schemas.microsoft.com/office/powerpoint/2010/main" val="2452054324"/>
+        <p14:creationId xmlns:p14="http://schemas.microsoft.com/office/powerpoint/2010/main" val="392738431"/>
       </p:ext>
     </p:extLst>
   </p:cSld>
@@ -13765,13 +15907,6 @@
   <p:transition spd="med">
     <p:fade/>
   </p:transition>
-  <p:timing>
-    <p:tnLst>
-      <p:par>
-        <p:cTn id="1" dur="indefinite" restart="never" nodeType="tmRoot"/>
-      </p:par>
-    </p:tnLst>
-  </p:timing>
 </p:sld>
 </file>
 
@@ -13794,151 +15929,258 @@
       </p:grpSpPr>
       <p:sp>
         <p:nvSpPr>
-          <p:cNvPr id="2" name="Title 1"/>
-          <p:cNvSpPr>
-            <a:spLocks noGrp="1"/>
-          </p:cNvSpPr>
-          <p:nvPr>
-            <p:ph type="title"/>
-          </p:nvPr>
-        </p:nvSpPr>
-        <p:spPr/>
+          <p:cNvPr id="8" name="Text Placeholder 7"/>
+          <p:cNvSpPr>
+            <a:spLocks noGrp="1"/>
+          </p:cNvSpPr>
+          <p:nvPr>
+            <p:ph type="body" sz="quarter" idx="11"/>
+          </p:nvPr>
+        </p:nvSpPr>
+        <p:spPr>
+          <a:xfrm>
+            <a:off x="1121104" y="1337148"/>
+            <a:ext cx="14422528" cy="2334099"/>
+          </a:xfrm>
+        </p:spPr>
         <p:txBody>
           <a:bodyPr/>
           <a:lstStyle/>
           <a:p>
             <a:r>
+              <a:rPr lang="en-US" dirty="0" smtClean="0"/>
+              <a:t>$ </a:t>
+            </a:r>
+            <a:r>
               <a:rPr lang="en-US" dirty="0"/>
-              <a:t>GE: Create a Set Daemon </a:t>
-            </a:r>
-            <a:r>
-              <a:rPr lang="en-US" dirty="0" err="1"/>
-              <a:t>umask</a:t>
-            </a:r>
+              <a:t>mkdir </a:t>
+            </a:r>
+            <a:r>
+              <a:rPr lang="en-US" dirty="0" smtClean="0"/>
+              <a:t>profile_02</a:t>
+            </a:r>
+          </a:p>
+          <a:p>
             <a:r>
               <a:rPr lang="en-US" dirty="0"/>
-              <a:t> Control</a:t>
-            </a:r>
-          </a:p>
-        </p:txBody>
-      </p:sp>
-      <p:sp>
-        <p:nvSpPr>
-          <p:cNvPr id="3" name="Content Placeholder 2"/>
-          <p:cNvSpPr>
-            <a:spLocks noGrp="1"/>
-          </p:cNvSpPr>
-          <p:nvPr>
-            <p:ph sz="quarter" idx="10"/>
+              <a:t>$ cd </a:t>
+            </a:r>
+            <a:r>
+              <a:rPr lang="en-US" dirty="0" smtClean="0"/>
+              <a:t>profile_02</a:t>
+            </a:r>
+            <a:endParaRPr lang="en-US" dirty="0"/>
+          </a:p>
+        </p:txBody>
+      </p:sp>
+      <p:sp>
+        <p:nvSpPr>
+          <p:cNvPr id="4" name="Title 3"/>
+          <p:cNvSpPr>
+            <a:spLocks noGrp="1"/>
+          </p:cNvSpPr>
+          <p:nvPr>
+            <p:ph type="title"/>
           </p:nvPr>
         </p:nvSpPr>
         <p:spPr/>
         <p:txBody>
+          <a:bodyPr>
+            <a:normAutofit fontScale="90000"/>
+          </a:bodyPr>
+          <a:lstStyle/>
+          <a:p>
+            <a:r>
+              <a:rPr lang="en-US" dirty="0" smtClean="0"/>
+              <a:t>GE: Create the Directory for your new Profile </a:t>
+            </a:r>
+            <a:endParaRPr lang="en-US" dirty="0"/>
+          </a:p>
+        </p:txBody>
+      </p:sp>
+      <p:sp>
+        <p:nvSpPr>
+          <p:cNvPr id="9" name="Text Placeholder 2"/>
+          <p:cNvSpPr txBox="1">
+            <a:spLocks/>
+          </p:cNvSpPr>
+          <p:nvPr/>
+        </p:nvSpPr>
+        <p:spPr>
+          <a:xfrm>
+            <a:off x="650040" y="4137660"/>
+            <a:ext cx="14893592" cy="3064491"/>
+          </a:xfrm>
+          <a:prstGeom prst="rect">
+            <a:avLst/>
+          </a:prstGeom>
+        </p:spPr>
+        <p:txBody>
           <a:bodyPr/>
-          <a:lstStyle/>
-          <a:p>
-            <a:r>
-              <a:rPr lang="en-US" b="1" dirty="0"/>
-              <a:t>control 'cis-3.1' do</a:t>
-            </a:r>
-          </a:p>
-          <a:p>
-            <a:r>
-              <a:rPr lang="en-US" b="1" dirty="0"/>
-              <a:t>  impact 0.7</a:t>
-            </a:r>
-          </a:p>
-          <a:p>
-            <a:r>
-              <a:rPr lang="en-US" b="1" dirty="0"/>
-              <a:t>  title 'Set Daemon </a:t>
-            </a:r>
-            <a:r>
-              <a:rPr lang="en-US" b="1" dirty="0" err="1"/>
-              <a:t>umask</a:t>
-            </a:r>
-            <a:r>
-              <a:rPr lang="en-US" b="1" dirty="0"/>
-              <a:t>'</a:t>
-            </a:r>
-          </a:p>
-          <a:p>
-            <a:r>
-              <a:rPr lang="en-US" b="1" dirty="0"/>
-              <a:t>    describe file('/etc/</a:t>
-            </a:r>
-            <a:r>
-              <a:rPr lang="en-US" b="1" dirty="0" err="1"/>
-              <a:t>sysconfig</a:t>
-            </a:r>
-            <a:r>
-              <a:rPr lang="en-US" b="1" dirty="0"/>
-              <a:t>/</a:t>
-            </a:r>
-            <a:r>
-              <a:rPr lang="en-US" b="1" dirty="0" err="1"/>
-              <a:t>init</a:t>
-            </a:r>
-            <a:r>
-              <a:rPr lang="en-US" b="1" dirty="0"/>
-              <a:t>') do</a:t>
-            </a:r>
-          </a:p>
-          <a:p>
-            <a:r>
-              <a:rPr lang="en-US" b="1" dirty="0"/>
-              <a:t>      its('content') {should match '</a:t>
-            </a:r>
-            <a:r>
-              <a:rPr lang="en-US" b="1" dirty="0" err="1"/>
-              <a:t>umask</a:t>
-            </a:r>
-            <a:r>
-              <a:rPr lang="en-US" b="1" dirty="0"/>
-              <a:t> 027'}</a:t>
-            </a:r>
-          </a:p>
-          <a:p>
-            <a:r>
-              <a:rPr lang="en-US" b="1" dirty="0"/>
-              <a:t>    end</a:t>
-            </a:r>
-          </a:p>
-          <a:p>
-            <a:r>
-              <a:rPr lang="en-US" b="1" dirty="0"/>
-              <a:t>end</a:t>
-            </a:r>
-          </a:p>
-        </p:txBody>
-      </p:sp>
-      <p:sp>
-        <p:nvSpPr>
-          <p:cNvPr id="4" name="Text Placeholder 3"/>
-          <p:cNvSpPr>
-            <a:spLocks noGrp="1"/>
-          </p:cNvSpPr>
-          <p:nvPr>
-            <p:ph type="body" sz="quarter" idx="11"/>
-          </p:nvPr>
-        </p:nvSpPr>
-        <p:spPr/>
-        <p:txBody>
-          <a:bodyPr/>
-          <a:lstStyle/>
-          <a:p>
-            <a:r>
-              <a:rPr lang="en-US" dirty="0" smtClean="0"/>
-              <a:t>~/cis31.rb</a:t>
-            </a:r>
-            <a:endParaRPr lang="en-US" dirty="0"/>
+          <a:lstStyle>
+            <a:lvl1pPr algn="l" defTabSz="1217613" rtl="0" eaLnBrk="1" fontAlgn="base" hangingPunct="1">
+              <a:spcBef>
+                <a:spcPts val="800"/>
+              </a:spcBef>
+              <a:spcAft>
+                <a:spcPct val="0"/>
+              </a:spcAft>
+              <a:buSzPct val="90000"/>
+              <a:buFont typeface="Arial" charset="0"/>
+              <a:defRPr sz="3200" kern="1200">
+                <a:solidFill>
+                  <a:srgbClr val="3E4346"/>
+                </a:solidFill>
+                <a:latin typeface="+mn-lt"/>
+                <a:ea typeface="ＭＳ Ｐゴシック" charset="0"/>
+                <a:cs typeface="ＭＳ Ｐゴシック" charset="0"/>
+              </a:defRPr>
+            </a:lvl1pPr>
+            <a:lvl2pPr marL="307975" algn="l" defTabSz="1217613" rtl="0" eaLnBrk="1" fontAlgn="base" hangingPunct="1">
+              <a:spcBef>
+                <a:spcPts val="800"/>
+              </a:spcBef>
+              <a:spcAft>
+                <a:spcPct val="0"/>
+              </a:spcAft>
+              <a:buSzPct val="90000"/>
+              <a:buFont typeface="Arial" charset="0"/>
+              <a:defRPr sz="2800" kern="1200">
+                <a:solidFill>
+                  <a:srgbClr val="3E4346"/>
+                </a:solidFill>
+                <a:latin typeface="+mn-lt"/>
+                <a:ea typeface="ＭＳ Ｐゴシック" charset="0"/>
+                <a:cs typeface="+mn-cs"/>
+              </a:defRPr>
+            </a:lvl2pPr>
+            <a:lvl3pPr marL="608013" algn="l" defTabSz="1217613" rtl="0" eaLnBrk="1" fontAlgn="base" hangingPunct="1">
+              <a:spcBef>
+                <a:spcPts val="800"/>
+              </a:spcBef>
+              <a:spcAft>
+                <a:spcPct val="0"/>
+              </a:spcAft>
+              <a:buSzPct val="90000"/>
+              <a:buFont typeface="Arial" charset="0"/>
+              <a:defRPr sz="2400" kern="1200">
+                <a:solidFill>
+                  <a:srgbClr val="3E4346"/>
+                </a:solidFill>
+                <a:latin typeface="+mn-lt"/>
+                <a:ea typeface="ＭＳ Ｐゴシック" charset="0"/>
+                <a:cs typeface="+mn-cs"/>
+              </a:defRPr>
+            </a:lvl3pPr>
+            <a:lvl4pPr marL="839788" algn="l" defTabSz="1217613" rtl="0" eaLnBrk="1" fontAlgn="base" hangingPunct="1">
+              <a:spcBef>
+                <a:spcPts val="800"/>
+              </a:spcBef>
+              <a:spcAft>
+                <a:spcPct val="0"/>
+              </a:spcAft>
+              <a:buSzPct val="90000"/>
+              <a:buFont typeface="Arial" charset="0"/>
+              <a:defRPr sz="2400" kern="1200">
+                <a:solidFill>
+                  <a:srgbClr val="3E4346"/>
+                </a:solidFill>
+                <a:latin typeface="+mn-lt"/>
+                <a:ea typeface="ＭＳ Ｐゴシック" charset="0"/>
+                <a:cs typeface="+mn-cs"/>
+              </a:defRPr>
+            </a:lvl4pPr>
+            <a:lvl5pPr marL="1068388" algn="l" defTabSz="1217613" rtl="0" eaLnBrk="1" fontAlgn="base" hangingPunct="1">
+              <a:spcBef>
+                <a:spcPts val="800"/>
+              </a:spcBef>
+              <a:spcAft>
+                <a:spcPct val="0"/>
+              </a:spcAft>
+              <a:buSzPct val="90000"/>
+              <a:buFont typeface="Arial" charset="0"/>
+              <a:defRPr sz="2000" kern="1200">
+                <a:solidFill>
+                  <a:srgbClr val="3E4346"/>
+                </a:solidFill>
+                <a:latin typeface="+mn-lt"/>
+                <a:ea typeface="ＭＳ Ｐゴシック" charset="0"/>
+                <a:cs typeface="+mn-cs"/>
+              </a:defRPr>
+            </a:lvl5pPr>
+            <a:lvl6pPr marL="3352582" indent="-304780" algn="l" defTabSz="1219120" rtl="0" eaLnBrk="1" latinLnBrk="0" hangingPunct="1">
+              <a:spcBef>
+                <a:spcPct val="20000"/>
+              </a:spcBef>
+              <a:buFont typeface="Arial" pitchFamily="34" charset="0"/>
+              <a:buChar char="•"/>
+              <a:defRPr sz="2667" kern="1200">
+                <a:solidFill>
+                  <a:schemeClr val="tx1"/>
+                </a:solidFill>
+                <a:latin typeface="+mn-lt"/>
+                <a:ea typeface="+mn-ea"/>
+                <a:cs typeface="+mn-cs"/>
+              </a:defRPr>
+            </a:lvl6pPr>
+            <a:lvl7pPr marL="3962142" indent="-304780" algn="l" defTabSz="1219120" rtl="0" eaLnBrk="1" latinLnBrk="0" hangingPunct="1">
+              <a:spcBef>
+                <a:spcPct val="20000"/>
+              </a:spcBef>
+              <a:buFont typeface="Arial" pitchFamily="34" charset="0"/>
+              <a:buChar char="•"/>
+              <a:defRPr sz="2667" kern="1200">
+                <a:solidFill>
+                  <a:schemeClr val="tx1"/>
+                </a:solidFill>
+                <a:latin typeface="+mn-lt"/>
+                <a:ea typeface="+mn-ea"/>
+                <a:cs typeface="+mn-cs"/>
+              </a:defRPr>
+            </a:lvl7pPr>
+            <a:lvl8pPr marL="4571703" indent="-304780" algn="l" defTabSz="1219120" rtl="0" eaLnBrk="1" latinLnBrk="0" hangingPunct="1">
+              <a:spcBef>
+                <a:spcPct val="20000"/>
+              </a:spcBef>
+              <a:buFont typeface="Arial" pitchFamily="34" charset="0"/>
+              <a:buChar char="•"/>
+              <a:defRPr sz="2667" kern="1200">
+                <a:solidFill>
+                  <a:schemeClr val="tx1"/>
+                </a:solidFill>
+                <a:latin typeface="+mn-lt"/>
+                <a:ea typeface="+mn-ea"/>
+                <a:cs typeface="+mn-cs"/>
+              </a:defRPr>
+            </a:lvl8pPr>
+            <a:lvl9pPr marL="5181264" indent="-304780" algn="l" defTabSz="1219120" rtl="0" eaLnBrk="1" latinLnBrk="0" hangingPunct="1">
+              <a:spcBef>
+                <a:spcPct val="20000"/>
+              </a:spcBef>
+              <a:buFont typeface="Arial" pitchFamily="34" charset="0"/>
+              <a:buChar char="•"/>
+              <a:defRPr sz="2667" kern="1200">
+                <a:solidFill>
+                  <a:schemeClr val="tx1"/>
+                </a:solidFill>
+                <a:latin typeface="+mn-lt"/>
+                <a:ea typeface="+mn-ea"/>
+                <a:cs typeface="+mn-cs"/>
+              </a:defRPr>
+            </a:lvl9pPr>
+          </a:lstStyle>
+          <a:p>
+            <a:r>
+              <a:rPr lang="en-US" dirty="0" smtClean="0"/>
+              <a:t>Create and move into the profile_02 directory. </a:t>
+            </a:r>
           </a:p>
         </p:txBody>
       </p:sp>
     </p:spTree>
     <p:extLst>
       <p:ext uri="{BB962C8B-B14F-4D97-AF65-F5344CB8AC3E}">
-        <p14:creationId xmlns:p14="http://schemas.microsoft.com/office/powerpoint/2010/main" val="775384550"/>
+        <p14:creationId xmlns:p14="http://schemas.microsoft.com/office/powerpoint/2010/main" val="1659792447"/>
       </p:ext>
     </p:extLst>
   </p:cSld>
@@ -13970,12 +16212,12 @@
       </p:grpSpPr>
       <p:sp>
         <p:nvSpPr>
-          <p:cNvPr id="2" name="Content Placeholder 1"/>
-          <p:cNvSpPr>
-            <a:spLocks noGrp="1"/>
-          </p:cNvSpPr>
-          <p:nvPr>
-            <p:ph sz="quarter" idx="10"/>
+          <p:cNvPr id="2" name="Title 1"/>
+          <p:cNvSpPr>
+            <a:spLocks noGrp="1"/>
+          </p:cNvSpPr>
+          <p:nvPr>
+            <p:ph type="title"/>
           </p:nvPr>
         </p:nvSpPr>
         <p:spPr/>
@@ -13984,6 +16226,453 @@
           <a:lstStyle/>
           <a:p>
             <a:r>
+              <a:rPr lang="en-US" dirty="0"/>
+              <a:t>GE: </a:t>
+            </a:r>
+            <a:r>
+              <a:rPr lang="en-US" dirty="0" smtClean="0"/>
+              <a:t>Create the </a:t>
+            </a:r>
+            <a:r>
+              <a:rPr lang="en-US" dirty="0"/>
+              <a:t>metadata.rb</a:t>
+            </a:r>
+          </a:p>
+        </p:txBody>
+      </p:sp>
+      <p:sp>
+        <p:nvSpPr>
+          <p:cNvPr id="3" name="Content Placeholder 2"/>
+          <p:cNvSpPr>
+            <a:spLocks noGrp="1"/>
+          </p:cNvSpPr>
+          <p:nvPr>
+            <p:ph sz="quarter" idx="10"/>
+          </p:nvPr>
+        </p:nvSpPr>
+        <p:spPr/>
+        <p:txBody>
+          <a:bodyPr/>
+          <a:lstStyle/>
+          <a:p>
+            <a:r>
+              <a:rPr lang="en-US" b="1" dirty="0" smtClean="0"/>
+              <a:t>name '</a:t>
+            </a:r>
+            <a:r>
+              <a:rPr lang="en-US" b="1" dirty="0" err="1" smtClean="0"/>
+              <a:t>myname</a:t>
+            </a:r>
+            <a:r>
+              <a:rPr lang="en-US" b="1" dirty="0" smtClean="0"/>
+              <a:t>/profile-cis-3.1'</a:t>
+            </a:r>
+            <a:endParaRPr lang="en-US" b="1" dirty="0"/>
+          </a:p>
+          <a:p>
+            <a:r>
+              <a:rPr lang="en-US" b="1" dirty="0" smtClean="0"/>
+              <a:t>version </a:t>
+            </a:r>
+            <a:r>
+              <a:rPr lang="en-US" b="1" dirty="0"/>
+              <a:t>'0.1.0'</a:t>
+            </a:r>
+          </a:p>
+          <a:p>
+            <a:r>
+              <a:rPr lang="en-US" b="1" dirty="0"/>
+              <a:t>title </a:t>
+            </a:r>
+            <a:r>
+              <a:rPr lang="en-US" b="1" dirty="0" smtClean="0"/>
+              <a:t>'cis-3.1 </a:t>
+            </a:r>
+            <a:r>
+              <a:rPr lang="en-US" b="1" dirty="0"/>
+              <a:t>Profile'</a:t>
+            </a:r>
+          </a:p>
+          <a:p>
+            <a:r>
+              <a:rPr lang="en-US" b="1" dirty="0"/>
+              <a:t>maintainer 'My Name'</a:t>
+            </a:r>
+          </a:p>
+          <a:p>
+            <a:endParaRPr lang="en-US" dirty="0"/>
+          </a:p>
+        </p:txBody>
+      </p:sp>
+      <p:sp>
+        <p:nvSpPr>
+          <p:cNvPr id="4" name="Text Placeholder 3"/>
+          <p:cNvSpPr>
+            <a:spLocks noGrp="1"/>
+          </p:cNvSpPr>
+          <p:nvPr>
+            <p:ph type="body" sz="quarter" idx="11"/>
+          </p:nvPr>
+        </p:nvSpPr>
+        <p:spPr/>
+        <p:txBody>
+          <a:bodyPr/>
+          <a:lstStyle/>
+          <a:p>
+            <a:endParaRPr lang="en-US" dirty="0" smtClean="0"/>
+          </a:p>
+          <a:p>
+            <a:r>
+              <a:rPr lang="en-US" dirty="0" smtClean="0"/>
+              <a:t>~/</a:t>
+            </a:r>
+            <a:r>
+              <a:rPr lang="en-US" dirty="0" err="1" smtClean="0"/>
+              <a:t>compliance_profiles</a:t>
+            </a:r>
+            <a:r>
+              <a:rPr lang="en-US" dirty="0" smtClean="0"/>
+              <a:t>/profile_02/metadata.rb</a:t>
+            </a:r>
+            <a:endParaRPr lang="en-US" dirty="0"/>
+          </a:p>
+          <a:p>
+            <a:endParaRPr lang="en-US" dirty="0"/>
+          </a:p>
+        </p:txBody>
+      </p:sp>
+    </p:spTree>
+    <p:extLst>
+      <p:ext uri="{BB962C8B-B14F-4D97-AF65-F5344CB8AC3E}">
+        <p14:creationId xmlns:p14="http://schemas.microsoft.com/office/powerpoint/2010/main" val="3097342790"/>
+      </p:ext>
+    </p:extLst>
+  </p:cSld>
+  <p:clrMapOvr>
+    <a:masterClrMapping/>
+  </p:clrMapOvr>
+  <p:transition spd="med">
+    <p:fade/>
+  </p:transition>
+</p:sld>
+</file>
+
+<file path=ppt/slides/slide16.xml><?xml version="1.0" encoding="utf-8"?>
+<p:sld xmlns:a="http://schemas.openxmlformats.org/drawingml/2006/main" xmlns:r="http://schemas.openxmlformats.org/officeDocument/2006/relationships" xmlns:p="http://schemas.openxmlformats.org/presentationml/2006/main">
+  <p:cSld>
+    <p:spTree>
+      <p:nvGrpSpPr>
+        <p:cNvPr id="1" name=""/>
+        <p:cNvGrpSpPr/>
+        <p:nvPr/>
+      </p:nvGrpSpPr>
+      <p:grpSpPr>
+        <a:xfrm>
+          <a:off x="0" y="0"/>
+          <a:ext cx="0" cy="0"/>
+          <a:chOff x="0" y="0"/>
+          <a:chExt cx="0" cy="0"/>
+        </a:xfrm>
+      </p:grpSpPr>
+      <p:sp>
+        <p:nvSpPr>
+          <p:cNvPr id="8" name="Text Placeholder 7"/>
+          <p:cNvSpPr>
+            <a:spLocks noGrp="1"/>
+          </p:cNvSpPr>
+          <p:nvPr>
+            <p:ph type="body" sz="quarter" idx="11"/>
+          </p:nvPr>
+        </p:nvSpPr>
+        <p:spPr>
+          <a:xfrm>
+            <a:off x="1121104" y="1337149"/>
+            <a:ext cx="14422528" cy="1214982"/>
+          </a:xfrm>
+        </p:spPr>
+        <p:txBody>
+          <a:bodyPr/>
+          <a:lstStyle/>
+          <a:p>
+            <a:r>
+              <a:rPr lang="en-US" dirty="0" smtClean="0"/>
+              <a:t>$ mkdir test</a:t>
+            </a:r>
+          </a:p>
+          <a:p>
+            <a:r>
+              <a:rPr lang="en-US" dirty="0" smtClean="0"/>
+              <a:t>$ cd test</a:t>
+            </a:r>
+          </a:p>
+        </p:txBody>
+      </p:sp>
+      <p:sp>
+        <p:nvSpPr>
+          <p:cNvPr id="4" name="Title 3"/>
+          <p:cNvSpPr>
+            <a:spLocks noGrp="1"/>
+          </p:cNvSpPr>
+          <p:nvPr>
+            <p:ph type="title"/>
+          </p:nvPr>
+        </p:nvSpPr>
+        <p:spPr/>
+        <p:txBody>
+          <a:bodyPr>
+            <a:normAutofit fontScale="90000"/>
+          </a:bodyPr>
+          <a:lstStyle/>
+          <a:p>
+            <a:r>
+              <a:rPr lang="en-US" dirty="0" smtClean="0"/>
+              <a:t>GE: Create and Move into the `test` Directory</a:t>
+            </a:r>
+            <a:endParaRPr lang="en-US" dirty="0"/>
+          </a:p>
+        </p:txBody>
+      </p:sp>
+    </p:spTree>
+    <p:extLst>
+      <p:ext uri="{BB962C8B-B14F-4D97-AF65-F5344CB8AC3E}">
+        <p14:creationId xmlns:p14="http://schemas.microsoft.com/office/powerpoint/2010/main" val="2722624365"/>
+      </p:ext>
+    </p:extLst>
+  </p:cSld>
+  <p:clrMapOvr>
+    <a:masterClrMapping/>
+  </p:clrMapOvr>
+  <p:transition spd="med">
+    <p:fade/>
+  </p:transition>
+</p:sld>
+</file>
+
+<file path=ppt/slides/slide17.xml><?xml version="1.0" encoding="utf-8"?>
+<p:sld xmlns:a="http://schemas.openxmlformats.org/drawingml/2006/main" xmlns:r="http://schemas.openxmlformats.org/officeDocument/2006/relationships" xmlns:p="http://schemas.openxmlformats.org/presentationml/2006/main">
+  <p:cSld>
+    <p:spTree>
+      <p:nvGrpSpPr>
+        <p:cNvPr id="1" name=""/>
+        <p:cNvGrpSpPr/>
+        <p:nvPr/>
+      </p:nvGrpSpPr>
+      <p:grpSpPr>
+        <a:xfrm>
+          <a:off x="0" y="0"/>
+          <a:ext cx="0" cy="0"/>
+          <a:chOff x="0" y="0"/>
+          <a:chExt cx="0" cy="0"/>
+        </a:xfrm>
+      </p:grpSpPr>
+      <p:sp>
+        <p:nvSpPr>
+          <p:cNvPr id="2" name="Title 1"/>
+          <p:cNvSpPr>
+            <a:spLocks noGrp="1"/>
+          </p:cNvSpPr>
+          <p:nvPr>
+            <p:ph type="title"/>
+          </p:nvPr>
+        </p:nvSpPr>
+        <p:spPr/>
+        <p:txBody>
+          <a:bodyPr/>
+          <a:lstStyle/>
+          <a:p>
+            <a:r>
+              <a:rPr lang="en-US" dirty="0"/>
+              <a:t>GE: Create a </a:t>
+            </a:r>
+            <a:r>
+              <a:rPr lang="en-US" dirty="0" smtClean="0"/>
+              <a:t>`Set Daemon </a:t>
+            </a:r>
+            <a:r>
+              <a:rPr lang="en-US" dirty="0" err="1" smtClean="0"/>
+              <a:t>umask</a:t>
+            </a:r>
+            <a:r>
+              <a:rPr lang="en-US" dirty="0" smtClean="0"/>
+              <a:t>' </a:t>
+            </a:r>
+            <a:r>
+              <a:rPr lang="en-US" dirty="0"/>
+              <a:t>Control</a:t>
+            </a:r>
+          </a:p>
+        </p:txBody>
+      </p:sp>
+      <p:sp>
+        <p:nvSpPr>
+          <p:cNvPr id="3" name="Content Placeholder 2"/>
+          <p:cNvSpPr>
+            <a:spLocks noGrp="1"/>
+          </p:cNvSpPr>
+          <p:nvPr>
+            <p:ph sz="quarter" idx="10"/>
+          </p:nvPr>
+        </p:nvSpPr>
+        <p:spPr/>
+        <p:txBody>
+          <a:bodyPr/>
+          <a:lstStyle/>
+          <a:p>
+            <a:r>
+              <a:rPr lang="en-US" b="1" dirty="0"/>
+              <a:t>control 'cis-3.1' do</a:t>
+            </a:r>
+          </a:p>
+          <a:p>
+            <a:r>
+              <a:rPr lang="en-US" b="1" dirty="0"/>
+              <a:t>  impact 0.7</a:t>
+            </a:r>
+          </a:p>
+          <a:p>
+            <a:r>
+              <a:rPr lang="en-US" b="1" dirty="0"/>
+              <a:t>  title 'Set Daemon </a:t>
+            </a:r>
+            <a:r>
+              <a:rPr lang="en-US" b="1" dirty="0" err="1"/>
+              <a:t>umask</a:t>
+            </a:r>
+            <a:r>
+              <a:rPr lang="en-US" b="1" dirty="0"/>
+              <a:t>'</a:t>
+            </a:r>
+          </a:p>
+          <a:p>
+            <a:r>
+              <a:rPr lang="en-US" b="1" dirty="0"/>
+              <a:t>    describe file('/etc/</a:t>
+            </a:r>
+            <a:r>
+              <a:rPr lang="en-US" b="1" dirty="0" err="1"/>
+              <a:t>sysconfig</a:t>
+            </a:r>
+            <a:r>
+              <a:rPr lang="en-US" b="1" dirty="0"/>
+              <a:t>/</a:t>
+            </a:r>
+            <a:r>
+              <a:rPr lang="en-US" b="1" dirty="0" err="1"/>
+              <a:t>init</a:t>
+            </a:r>
+            <a:r>
+              <a:rPr lang="en-US" b="1" dirty="0"/>
+              <a:t>') do</a:t>
+            </a:r>
+          </a:p>
+          <a:p>
+            <a:r>
+              <a:rPr lang="en-US" b="1" dirty="0"/>
+              <a:t>      its('content') {should match '</a:t>
+            </a:r>
+            <a:r>
+              <a:rPr lang="en-US" b="1" dirty="0" err="1"/>
+              <a:t>umask</a:t>
+            </a:r>
+            <a:r>
+              <a:rPr lang="en-US" b="1" dirty="0"/>
+              <a:t> 027'}</a:t>
+            </a:r>
+          </a:p>
+          <a:p>
+            <a:r>
+              <a:rPr lang="en-US" b="1" dirty="0"/>
+              <a:t>    end</a:t>
+            </a:r>
+          </a:p>
+          <a:p>
+            <a:r>
+              <a:rPr lang="en-US" b="1" dirty="0"/>
+              <a:t>end</a:t>
+            </a:r>
+          </a:p>
+        </p:txBody>
+      </p:sp>
+      <p:sp>
+        <p:nvSpPr>
+          <p:cNvPr id="4" name="Text Placeholder 3"/>
+          <p:cNvSpPr>
+            <a:spLocks noGrp="1"/>
+          </p:cNvSpPr>
+          <p:nvPr>
+            <p:ph type="body" sz="quarter" idx="11"/>
+          </p:nvPr>
+        </p:nvSpPr>
+        <p:spPr/>
+        <p:txBody>
+          <a:bodyPr/>
+          <a:lstStyle/>
+          <a:p>
+            <a:r>
+              <a:rPr lang="en-US" dirty="0" smtClean="0"/>
+              <a:t>~/</a:t>
+            </a:r>
+            <a:r>
+              <a:rPr lang="en-US" dirty="0" err="1" smtClean="0"/>
+              <a:t>compliance_profiles</a:t>
+            </a:r>
+            <a:r>
+              <a:rPr lang="en-US" dirty="0" smtClean="0"/>
+              <a:t>/profile_02/test/cis31.rb</a:t>
+            </a:r>
+            <a:endParaRPr lang="en-US" dirty="0"/>
+          </a:p>
+        </p:txBody>
+      </p:sp>
+    </p:spTree>
+    <p:extLst>
+      <p:ext uri="{BB962C8B-B14F-4D97-AF65-F5344CB8AC3E}">
+        <p14:creationId xmlns:p14="http://schemas.microsoft.com/office/powerpoint/2010/main" val="775384550"/>
+      </p:ext>
+    </p:extLst>
+  </p:cSld>
+  <p:clrMapOvr>
+    <a:masterClrMapping/>
+  </p:clrMapOvr>
+  <p:transition spd="med">
+    <p:fade/>
+  </p:transition>
+</p:sld>
+</file>
+
+<file path=ppt/slides/slide18.xml><?xml version="1.0" encoding="utf-8"?>
+<p:sld xmlns:a="http://schemas.openxmlformats.org/drawingml/2006/main" xmlns:r="http://schemas.openxmlformats.org/officeDocument/2006/relationships" xmlns:p="http://schemas.openxmlformats.org/presentationml/2006/main">
+  <p:cSld>
+    <p:spTree>
+      <p:nvGrpSpPr>
+        <p:cNvPr id="1" name=""/>
+        <p:cNvGrpSpPr/>
+        <p:nvPr/>
+      </p:nvGrpSpPr>
+      <p:grpSpPr>
+        <a:xfrm>
+          <a:off x="0" y="0"/>
+          <a:ext cx="0" cy="0"/>
+          <a:chOff x="0" y="0"/>
+          <a:chExt cx="0" cy="0"/>
+        </a:xfrm>
+      </p:grpSpPr>
+      <p:sp>
+        <p:nvSpPr>
+          <p:cNvPr id="2" name="Content Placeholder 1"/>
+          <p:cNvSpPr>
+            <a:spLocks noGrp="1"/>
+          </p:cNvSpPr>
+          <p:nvPr>
+            <p:ph sz="quarter" idx="10"/>
+          </p:nvPr>
+        </p:nvSpPr>
+        <p:spPr/>
+        <p:txBody>
+          <a:bodyPr/>
+          <a:lstStyle/>
+          <a:p>
+            <a:r>
               <a:rPr lang="en-US" sz="2000" dirty="0"/>
               <a:t>F</a:t>
             </a:r>
@@ -14191,7 +16880,19 @@
             </a:r>
             <a:r>
               <a:rPr lang="en-US" dirty="0"/>
-              <a:t>exec cis31.rb</a:t>
+              <a:t>exec </a:t>
+            </a:r>
+            <a:r>
+              <a:rPr lang="en-US" dirty="0"/>
+              <a:t>~/</a:t>
+            </a:r>
+            <a:r>
+              <a:rPr lang="en-US" dirty="0" err="1"/>
+              <a:t>compliance_profiles</a:t>
+            </a:r>
+            <a:r>
+              <a:rPr lang="en-US" dirty="0"/>
+              <a:t>/profile_02/test/cis31.rb</a:t>
             </a:r>
           </a:p>
           <a:p>
@@ -14311,368 +17012,6 @@
 </p:sld>
 </file>
 
-<file path=ppt/slides/slide16.xml><?xml version="1.0" encoding="utf-8"?>
-<p:sld xmlns:a="http://schemas.openxmlformats.org/drawingml/2006/main" xmlns:r="http://schemas.openxmlformats.org/officeDocument/2006/relationships" xmlns:p="http://schemas.openxmlformats.org/presentationml/2006/main">
-  <p:cSld>
-    <p:spTree>
-      <p:nvGrpSpPr>
-        <p:cNvPr id="1" name=""/>
-        <p:cNvGrpSpPr/>
-        <p:nvPr/>
-      </p:nvGrpSpPr>
-      <p:grpSpPr>
-        <a:xfrm>
-          <a:off x="0" y="0"/>
-          <a:ext cx="0" cy="0"/>
-          <a:chOff x="0" y="0"/>
-          <a:chExt cx="0" cy="0"/>
-        </a:xfrm>
-      </p:grpSpPr>
-      <p:sp>
-        <p:nvSpPr>
-          <p:cNvPr id="2" name="Title 1"/>
-          <p:cNvSpPr>
-            <a:spLocks noGrp="1"/>
-          </p:cNvSpPr>
-          <p:nvPr>
-            <p:ph type="title"/>
-          </p:nvPr>
-        </p:nvSpPr>
-        <p:spPr/>
-        <p:txBody>
-          <a:bodyPr/>
-          <a:lstStyle/>
-          <a:p>
-            <a:r>
-              <a:rPr lang="en-US" dirty="0" smtClean="0"/>
-              <a:t>Objectives</a:t>
-            </a:r>
-            <a:endParaRPr lang="en-US" dirty="0"/>
-          </a:p>
-        </p:txBody>
-      </p:sp>
-      <p:sp>
-        <p:nvSpPr>
-          <p:cNvPr id="3" name="Text Placeholder 2"/>
-          <p:cNvSpPr>
-            <a:spLocks noGrp="1"/>
-          </p:cNvSpPr>
-          <p:nvPr>
-            <p:ph type="body" sz="quarter" idx="12"/>
-          </p:nvPr>
-        </p:nvSpPr>
-        <p:spPr/>
-        <p:txBody>
-          <a:bodyPr/>
-          <a:lstStyle/>
-          <a:p>
-            <a:endParaRPr lang="en-US" dirty="0" smtClean="0"/>
-          </a:p>
-          <a:p>
-            <a:r>
-              <a:rPr lang="en-US" dirty="0"/>
-              <a:t> stat -L -c "%a %u %g" /etc/</a:t>
-            </a:r>
-            <a:r>
-              <a:rPr lang="en-US" dirty="0" err="1"/>
-              <a:t>crontab</a:t>
-            </a:r>
-            <a:r>
-              <a:rPr lang="en-US" dirty="0"/>
-              <a:t> | </a:t>
-            </a:r>
-            <a:r>
-              <a:rPr lang="en-US" dirty="0" err="1"/>
-              <a:t>egrep</a:t>
-            </a:r>
-            <a:r>
-              <a:rPr lang="en-US" dirty="0"/>
-              <a:t> ".00 0 0</a:t>
-            </a:r>
-            <a:r>
-              <a:rPr lang="en-US" dirty="0" smtClean="0"/>
-              <a:t>"</a:t>
-            </a:r>
-          </a:p>
-          <a:p>
-            <a:r>
-              <a:rPr lang="en-US" dirty="0"/>
-              <a:t>sudo </a:t>
-            </a:r>
-            <a:r>
-              <a:rPr lang="en-US" dirty="0" err="1"/>
-              <a:t>chmod</a:t>
-            </a:r>
-            <a:r>
-              <a:rPr lang="en-US" dirty="0"/>
-              <a:t> </a:t>
-            </a:r>
-            <a:r>
-              <a:rPr lang="en-US" dirty="0" err="1"/>
-              <a:t>og-rwx</a:t>
-            </a:r>
-            <a:r>
-              <a:rPr lang="en-US" dirty="0"/>
-              <a:t> /etc/</a:t>
-            </a:r>
-            <a:r>
-              <a:rPr lang="en-US" dirty="0" err="1"/>
-              <a:t>cron.hourly</a:t>
-            </a:r>
-            <a:r>
-              <a:rPr lang="en-US" dirty="0"/>
-              <a:t> </a:t>
-            </a:r>
-            <a:endParaRPr lang="en-US" dirty="0" smtClean="0"/>
-          </a:p>
-          <a:p>
-            <a:endParaRPr lang="en-US" dirty="0"/>
-          </a:p>
-          <a:p>
-            <a:endParaRPr lang="en-US" dirty="0" smtClean="0"/>
-          </a:p>
-          <a:p>
-            <a:r>
-              <a:rPr lang="en-US" dirty="0"/>
-              <a:t>stat /etc/</a:t>
-            </a:r>
-            <a:r>
-              <a:rPr lang="en-US" dirty="0" err="1"/>
-              <a:t>cron.hourly</a:t>
-            </a:r>
-            <a:endParaRPr lang="en-US" dirty="0"/>
-          </a:p>
-          <a:p>
-            <a:endParaRPr lang="en-US" dirty="0"/>
-          </a:p>
-        </p:txBody>
-      </p:sp>
-    </p:spTree>
-    <p:extLst>
-      <p:ext uri="{BB962C8B-B14F-4D97-AF65-F5344CB8AC3E}">
-        <p14:creationId xmlns:p14="http://schemas.microsoft.com/office/powerpoint/2010/main" val="4227484075"/>
-      </p:ext>
-    </p:extLst>
-  </p:cSld>
-  <p:clrMapOvr>
-    <a:masterClrMapping/>
-  </p:clrMapOvr>
-  <p:transition spd="med">
-    <p:fade/>
-  </p:transition>
-  <p:timing>
-    <p:tnLst>
-      <p:par>
-        <p:cTn id="1" dur="indefinite" restart="never" nodeType="tmRoot"/>
-      </p:par>
-    </p:tnLst>
-  </p:timing>
-</p:sld>
-</file>
-
-<file path=ppt/slides/slide17.xml><?xml version="1.0" encoding="utf-8"?>
-<p:sld xmlns:a="http://schemas.openxmlformats.org/drawingml/2006/main" xmlns:r="http://schemas.openxmlformats.org/officeDocument/2006/relationships" xmlns:p="http://schemas.openxmlformats.org/presentationml/2006/main">
-  <p:cSld>
-    <p:spTree>
-      <p:nvGrpSpPr>
-        <p:cNvPr id="1" name=""/>
-        <p:cNvGrpSpPr/>
-        <p:nvPr/>
-      </p:nvGrpSpPr>
-      <p:grpSpPr>
-        <a:xfrm>
-          <a:off x="0" y="0"/>
-          <a:ext cx="0" cy="0"/>
-          <a:chOff x="0" y="0"/>
-          <a:chExt cx="0" cy="0"/>
-        </a:xfrm>
-      </p:grpSpPr>
-      <p:sp>
-        <p:nvSpPr>
-          <p:cNvPr id="2" name="Title 1"/>
-          <p:cNvSpPr>
-            <a:spLocks noGrp="1"/>
-          </p:cNvSpPr>
-          <p:nvPr>
-            <p:ph type="ctrTitle"/>
-          </p:nvPr>
-        </p:nvSpPr>
-        <p:spPr/>
-        <p:txBody>
-          <a:bodyPr>
-            <a:normAutofit fontScale="90000"/>
-          </a:bodyPr>
-          <a:lstStyle/>
-          <a:p>
-            <a:r>
-              <a:rPr lang="en-US" dirty="0"/>
-              <a:t>C</a:t>
-            </a:r>
-            <a:r>
-              <a:rPr lang="en-US" dirty="0" smtClean="0"/>
-              <a:t>ompliance Frameworks</a:t>
-            </a:r>
-            <a:endParaRPr lang="en-US" dirty="0"/>
-          </a:p>
-        </p:txBody>
-      </p:sp>
-      <p:sp>
-        <p:nvSpPr>
-          <p:cNvPr id="3" name="Subtitle 2"/>
-          <p:cNvSpPr>
-            <a:spLocks noGrp="1"/>
-          </p:cNvSpPr>
-          <p:nvPr>
-            <p:ph type="subTitle" idx="1"/>
-          </p:nvPr>
-        </p:nvSpPr>
-        <p:spPr>
-          <a:xfrm>
-            <a:off x="1671638" y="3271838"/>
-            <a:ext cx="12319000" cy="4317682"/>
-          </a:xfrm>
-        </p:spPr>
-        <p:txBody>
-          <a:bodyPr/>
-          <a:lstStyle/>
-          <a:p>
-            <a:endParaRPr lang="en-US" dirty="0"/>
-          </a:p>
-          <a:p>
-            <a:endParaRPr lang="en-US" dirty="0"/>
-          </a:p>
-        </p:txBody>
-      </p:sp>
-    </p:spTree>
-    <p:extLst>
-      <p:ext uri="{BB962C8B-B14F-4D97-AF65-F5344CB8AC3E}">
-        <p14:creationId xmlns:p14="http://schemas.microsoft.com/office/powerpoint/2010/main" val="3804092102"/>
-      </p:ext>
-    </p:extLst>
-  </p:cSld>
-  <p:clrMapOvr>
-    <a:masterClrMapping/>
-  </p:clrMapOvr>
-  <p:transition spd="med">
-    <p:fade/>
-  </p:transition>
-</p:sld>
-</file>
-
-<file path=ppt/slides/slide18.xml><?xml version="1.0" encoding="utf-8"?>
-<p:sld xmlns:a="http://schemas.openxmlformats.org/drawingml/2006/main" xmlns:r="http://schemas.openxmlformats.org/officeDocument/2006/relationships" xmlns:p="http://schemas.openxmlformats.org/presentationml/2006/main">
-  <p:cSld>
-    <p:spTree>
-      <p:nvGrpSpPr>
-        <p:cNvPr id="1" name=""/>
-        <p:cNvGrpSpPr/>
-        <p:nvPr/>
-      </p:nvGrpSpPr>
-      <p:grpSpPr>
-        <a:xfrm>
-          <a:off x="0" y="0"/>
-          <a:ext cx="0" cy="0"/>
-          <a:chOff x="0" y="0"/>
-          <a:chExt cx="0" cy="0"/>
-        </a:xfrm>
-      </p:grpSpPr>
-      <p:sp>
-        <p:nvSpPr>
-          <p:cNvPr id="2" name="Title 1"/>
-          <p:cNvSpPr>
-            <a:spLocks noGrp="1"/>
-          </p:cNvSpPr>
-          <p:nvPr>
-            <p:ph type="ctrTitle"/>
-          </p:nvPr>
-        </p:nvSpPr>
-        <p:spPr/>
-        <p:txBody>
-          <a:bodyPr>
-            <a:normAutofit fontScale="90000"/>
-          </a:bodyPr>
-          <a:lstStyle/>
-          <a:p>
-            <a:r>
-              <a:rPr lang="en-US" dirty="0" smtClean="0"/>
-              <a:t>Running Reports</a:t>
-            </a:r>
-            <a:endParaRPr lang="en-US" dirty="0"/>
-          </a:p>
-        </p:txBody>
-      </p:sp>
-      <p:sp>
-        <p:nvSpPr>
-          <p:cNvPr id="3" name="Subtitle 2"/>
-          <p:cNvSpPr>
-            <a:spLocks noGrp="1"/>
-          </p:cNvSpPr>
-          <p:nvPr>
-            <p:ph type="subTitle" idx="1"/>
-          </p:nvPr>
-        </p:nvSpPr>
-        <p:spPr>
-          <a:xfrm>
-            <a:off x="1671638" y="3271838"/>
-            <a:ext cx="12319000" cy="4317682"/>
-          </a:xfrm>
-        </p:spPr>
-        <p:txBody>
-          <a:bodyPr/>
-          <a:lstStyle/>
-          <a:p>
-            <a:r>
-              <a:rPr lang="en-US" dirty="0" smtClean="0"/>
-              <a:t>mmm</a:t>
-            </a:r>
-          </a:p>
-          <a:p>
-            <a:endParaRPr lang="en-US" dirty="0"/>
-          </a:p>
-          <a:p>
-            <a:endParaRPr lang="en-US" dirty="0" smtClean="0"/>
-          </a:p>
-          <a:p>
-            <a:r>
-              <a:rPr lang="en-US" smtClean="0"/>
-              <a:t>IMPORTING NODES</a:t>
-            </a:r>
-          </a:p>
-          <a:p>
-            <a:r>
-              <a:rPr lang="en-US" dirty="0" err="1" smtClean="0"/>
-              <a:t>andrew</a:t>
-            </a:r>
-            <a:r>
-              <a:rPr lang="en-US" dirty="0"/>
-              <a:t>: you can add nodes using the API, e.g. in bulk</a:t>
-            </a:r>
-            <a:r>
-              <a:rPr lang="en-US" dirty="0">
-                <a:hlinkClick r:id="rId3"/>
-              </a:rPr>
-              <a:t>https://github.com/chef/chef-compliance/blob/master/docs/api_compliance.rst#post-bulk</a:t>
-            </a:r>
-            <a:endParaRPr lang="en-US" dirty="0"/>
-          </a:p>
-        </p:txBody>
-      </p:sp>
-    </p:spTree>
-    <p:extLst>
-      <p:ext uri="{BB962C8B-B14F-4D97-AF65-F5344CB8AC3E}">
-        <p14:creationId xmlns:p14="http://schemas.microsoft.com/office/powerpoint/2010/main" val="311788290"/>
-      </p:ext>
-    </p:extLst>
-  </p:cSld>
-  <p:clrMapOvr>
-    <a:masterClrMapping/>
-  </p:clrMapOvr>
-  <p:transition spd="med">
-    <p:fade/>
-  </p:transition>
-</p:sld>
-</file>
-
 <file path=ppt/slides/slide19.xml><?xml version="1.0" encoding="utf-8"?>
 <p:sld xmlns:a="http://schemas.openxmlformats.org/drawingml/2006/main" xmlns:r="http://schemas.openxmlformats.org/officeDocument/2006/relationships" xmlns:p="http://schemas.openxmlformats.org/presentationml/2006/main">
   <p:cSld>
@@ -14692,52 +17031,45 @@
       </p:grpSpPr>
       <p:sp>
         <p:nvSpPr>
-          <p:cNvPr id="2" name="Title 1"/>
-          <p:cNvSpPr>
-            <a:spLocks noGrp="1"/>
-          </p:cNvSpPr>
-          <p:nvPr>
-            <p:ph type="ctrTitle"/>
+          <p:cNvPr id="2" name="Content Placeholder 1"/>
+          <p:cNvSpPr>
+            <a:spLocks noGrp="1"/>
+          </p:cNvSpPr>
+          <p:nvPr>
+            <p:ph sz="quarter" idx="10"/>
           </p:nvPr>
         </p:nvSpPr>
         <p:spPr>
           <a:xfrm>
-            <a:off x="1671637" y="2292126"/>
-            <a:ext cx="12319001" cy="1251174"/>
+            <a:off x="1121104" y="3566159"/>
+            <a:ext cx="14423693" cy="4330283"/>
           </a:xfrm>
         </p:spPr>
         <p:txBody>
-          <a:bodyPr>
-            <a:normAutofit/>
-          </a:bodyPr>
-          <a:lstStyle/>
-          <a:p>
-            <a:r>
-              <a:rPr lang="en-US" dirty="0" smtClean="0"/>
-              <a:t>GE: Creating a Custom Profile</a:t>
-            </a:r>
-            <a:endParaRPr lang="en-US" dirty="0"/>
-          </a:p>
-        </p:txBody>
-      </p:sp>
-      <p:sp>
-        <p:nvSpPr>
-          <p:cNvPr id="3" name="Content Placeholder 2"/>
-          <p:cNvSpPr>
-            <a:spLocks noGrp="1"/>
-          </p:cNvSpPr>
-          <p:nvPr>
-            <p:ph sz="quarter" idx="11"/>
-          </p:nvPr>
-        </p:nvSpPr>
-        <p:spPr/>
-        <p:txBody>
           <a:bodyPr/>
           <a:lstStyle/>
           <a:p>
             <a:r>
-              <a:rPr lang="en-US" dirty="0" smtClean="0"/>
-              <a:t>Creating custom profiles to fit your business needs.</a:t>
+              <a:rPr lang="en-US" dirty="0"/>
+              <a:t> adding: profile_02/ (stored 0%)</a:t>
+            </a:r>
+          </a:p>
+          <a:p>
+            <a:r>
+              <a:rPr lang="en-US" dirty="0"/>
+              <a:t>  adding: profile_02/metadata.rb (deflated 13%)</a:t>
+            </a:r>
+          </a:p>
+          <a:p>
+            <a:r>
+              <a:rPr lang="en-US" dirty="0"/>
+              <a:t>  adding: profile_02/test/ (stored 0%)</a:t>
+            </a:r>
+          </a:p>
+          <a:p>
+            <a:r>
+              <a:rPr lang="en-US" dirty="0"/>
+              <a:t>  adding: profile_02/test/cis31.rb (deflated 20%)</a:t>
             </a:r>
             <a:endParaRPr lang="en-US" dirty="0"/>
           </a:p>
@@ -14745,62 +17077,70 @@
       </p:sp>
       <p:sp>
         <p:nvSpPr>
-          <p:cNvPr id="4" name="Text Placeholder 3"/>
-          <p:cNvSpPr>
-            <a:spLocks noGrp="1"/>
-          </p:cNvSpPr>
-          <p:nvPr>
-            <p:ph type="body" sz="quarter" idx="10"/>
-          </p:nvPr>
-        </p:nvSpPr>
-        <p:spPr/>
+          <p:cNvPr id="3" name="Text Placeholder 2"/>
+          <p:cNvSpPr>
+            <a:spLocks noGrp="1"/>
+          </p:cNvSpPr>
+          <p:nvPr>
+            <p:ph type="body" sz="quarter" idx="11"/>
+          </p:nvPr>
+        </p:nvSpPr>
+        <p:spPr>
+          <a:xfrm>
+            <a:off x="1121104" y="1337149"/>
+            <a:ext cx="14422528" cy="1406051"/>
+          </a:xfrm>
+        </p:spPr>
         <p:txBody>
           <a:bodyPr/>
           <a:lstStyle/>
           <a:p>
-            <a:pPr marL="342900" indent="-342900">
-              <a:buFont typeface="Wingdings" panose="05000000000000000000" pitchFamily="2" charset="2"/>
-              <a:buChar char="q"/>
-            </a:pPr>
-            <a:r>
-              <a:rPr lang="en-US" dirty="0" smtClean="0"/>
-              <a:t>Create a custom profile.</a:t>
-            </a:r>
-          </a:p>
-          <a:p>
-            <a:pPr marL="342900" indent="-342900">
-              <a:buFont typeface="Wingdings" panose="05000000000000000000" pitchFamily="2" charset="2"/>
-              <a:buChar char="q"/>
-            </a:pPr>
-            <a:r>
-              <a:rPr lang="en-US" dirty="0" smtClean="0"/>
-              <a:t>Test your profile with </a:t>
+            <a:r>
+              <a:rPr lang="en-US" dirty="0" smtClean="0"/>
+              <a:t>$</a:t>
+            </a:r>
+            <a:r>
+              <a:rPr lang="en-US" dirty="0"/>
+              <a:t> cd ~/</a:t>
             </a:r>
             <a:r>
               <a:rPr lang="en-US" dirty="0" err="1" smtClean="0"/>
-              <a:t>InSpec</a:t>
+              <a:t>compliance_profiles</a:t>
             </a:r>
             <a:endParaRPr lang="en-US" dirty="0" smtClean="0"/>
           </a:p>
           <a:p>
-            <a:pPr marL="342900" indent="-342900">
-              <a:buFont typeface="Wingdings" panose="05000000000000000000" pitchFamily="2" charset="2"/>
-              <a:buChar char="q"/>
-            </a:pPr>
-            <a:endParaRPr lang="en-US" dirty="0" smtClean="0"/>
-          </a:p>
-          <a:p>
-            <a:pPr marL="342900" indent="-342900">
-              <a:buFont typeface="Wingdings" panose="05000000000000000000" pitchFamily="2" charset="2"/>
-              <a:buChar char="q"/>
-            </a:pPr>
-            <a:endParaRPr lang="en-US" dirty="0" smtClean="0"/>
-          </a:p>
-          <a:p>
-            <a:pPr marL="342900" indent="-342900">
-              <a:buFont typeface="Wingdings" panose="05000000000000000000" pitchFamily="2" charset="2"/>
-              <a:buChar char="q"/>
-            </a:pPr>
+            <a:r>
+              <a:rPr lang="en-US" dirty="0"/>
+              <a:t>$ zip -r </a:t>
+            </a:r>
+            <a:r>
+              <a:rPr lang="en-US" dirty="0" smtClean="0"/>
+              <a:t>profile_02.zip profile_02</a:t>
+            </a:r>
+            <a:endParaRPr lang="en-US" dirty="0"/>
+          </a:p>
+        </p:txBody>
+      </p:sp>
+      <p:sp>
+        <p:nvSpPr>
+          <p:cNvPr id="4" name="Title 3"/>
+          <p:cNvSpPr>
+            <a:spLocks noGrp="1"/>
+          </p:cNvSpPr>
+          <p:nvPr>
+            <p:ph type="title"/>
+          </p:nvPr>
+        </p:nvSpPr>
+        <p:spPr/>
+        <p:txBody>
+          <a:bodyPr/>
+          <a:lstStyle/>
+          <a:p>
+            <a:r>
+              <a:rPr lang="en-US" dirty="0" smtClean="0"/>
+              <a:t>GE: Zip up your New Profile</a:t>
+            </a:r>
             <a:endParaRPr lang="en-US" dirty="0"/>
           </a:p>
         </p:txBody>
@@ -14808,7 +17148,7 @@
     </p:spTree>
     <p:extLst>
       <p:ext uri="{BB962C8B-B14F-4D97-AF65-F5344CB8AC3E}">
-        <p14:creationId xmlns:p14="http://schemas.microsoft.com/office/powerpoint/2010/main" val="1713764854"/>
+        <p14:creationId xmlns:p14="http://schemas.microsoft.com/office/powerpoint/2010/main" val="3411759177"/>
       </p:ext>
     </p:extLst>
   </p:cSld>
@@ -14818,13 +17158,6 @@
   <p:transition spd="med">
     <p:fade/>
   </p:transition>
-  <p:timing>
-    <p:tnLst>
-      <p:par>
-        <p:cTn id="1" dur="indefinite" restart="never" nodeType="tmRoot"/>
-      </p:par>
-    </p:tnLst>
-  </p:timing>
 </p:sld>
 </file>
 
@@ -15029,27 +17362,84 @@
         </p:nvSpPr>
         <p:spPr>
           <a:xfrm>
-            <a:off x="1121104" y="3413050"/>
-            <a:ext cx="14423693" cy="4086978"/>
+            <a:off x="1121104" y="2398235"/>
+            <a:ext cx="14423693" cy="5498208"/>
           </a:xfrm>
         </p:spPr>
         <p:txBody>
           <a:bodyPr/>
           <a:lstStyle/>
           <a:p>
-            <a:pPr defTabSz="1217613" fontAlgn="base">
-              <a:lnSpc>
-                <a:spcPct val="90000"/>
-              </a:lnSpc>
-              <a:spcBef>
-                <a:spcPct val="30000"/>
-              </a:spcBef>
-              <a:spcAft>
-                <a:spcPts val="450"/>
-              </a:spcAft>
-              <a:buSzTx/>
-              <a:defRPr/>
-            </a:pPr>
+            <a:r>
+              <a:rPr lang="en-US" dirty="0"/>
+              <a:t>total 12</a:t>
+            </a:r>
+          </a:p>
+          <a:p>
+            <a:r>
+              <a:rPr lang="en-US" dirty="0" err="1"/>
+              <a:t>drwxrwxr</a:t>
+            </a:r>
+            <a:r>
+              <a:rPr lang="en-US" dirty="0"/>
+              <a:t>-x 3 chef </a:t>
+            </a:r>
+            <a:r>
+              <a:rPr lang="en-US" dirty="0" err="1"/>
+              <a:t>chef</a:t>
+            </a:r>
+            <a:r>
+              <a:rPr lang="en-US" dirty="0"/>
+              <a:t> 4096 Dec 14 16:45 profile_01</a:t>
+            </a:r>
+          </a:p>
+          <a:p>
+            <a:r>
+              <a:rPr lang="en-US" dirty="0" err="1"/>
+              <a:t>drwxrwxr</a:t>
+            </a:r>
+            <a:r>
+              <a:rPr lang="en-US" dirty="0"/>
+              <a:t>-x 3 chef </a:t>
+            </a:r>
+            <a:r>
+              <a:rPr lang="en-US" dirty="0" err="1"/>
+              <a:t>chef</a:t>
+            </a:r>
+            <a:r>
+              <a:rPr lang="en-US" dirty="0"/>
+              <a:t> 4096 Dec 22 17:38 profile_02</a:t>
+            </a:r>
+          </a:p>
+          <a:p>
+            <a:r>
+              <a:rPr lang="en-US" dirty="0"/>
+              <a:t>-</a:t>
+            </a:r>
+            <a:r>
+              <a:rPr lang="en-US" dirty="0" err="1"/>
+              <a:t>rw</a:t>
+            </a:r>
+            <a:r>
+              <a:rPr lang="en-US" dirty="0"/>
+              <a:t>-</a:t>
+            </a:r>
+            <a:r>
+              <a:rPr lang="en-US" dirty="0" err="1"/>
+              <a:t>rw</a:t>
+            </a:r>
+            <a:r>
+              <a:rPr lang="en-US" dirty="0"/>
+              <a:t>-r-- 1 chef </a:t>
+            </a:r>
+            <a:r>
+              <a:rPr lang="en-US" dirty="0" err="1"/>
+              <a:t>chef</a:t>
+            </a:r>
+            <a:r>
+              <a:rPr lang="en-US" dirty="0"/>
+              <a:t>  886 Dec 22 17:46 profile_02.zip</a:t>
+            </a:r>
             <a:endParaRPr lang="en-US" dirty="0"/>
           </a:p>
         </p:txBody>
@@ -15066,8 +17456,8 @@
         </p:nvSpPr>
         <p:spPr>
           <a:xfrm>
-            <a:off x="1121104" y="1239874"/>
-            <a:ext cx="14422528" cy="1630917"/>
+            <a:off x="1121104" y="1337149"/>
+            <a:ext cx="14422528" cy="857411"/>
           </a:xfrm>
         </p:spPr>
         <p:txBody>
@@ -15076,37 +17466,15 @@
           <a:p>
             <a:r>
               <a:rPr lang="en-US" dirty="0" smtClean="0"/>
-              <a:t>$ mkdir </a:t>
+              <a:t>$</a:t>
             </a:r>
             <a:r>
               <a:rPr lang="en-US" dirty="0"/>
-              <a:t>-p ~/</a:t>
-            </a:r>
-            <a:r>
-              <a:rPr lang="en-US" dirty="0" err="1" smtClean="0"/>
-              <a:t>compliance_profiles</a:t>
-            </a:r>
-            <a:r>
-              <a:rPr lang="en-US" dirty="0" smtClean="0"/>
-              <a:t>/profile_01</a:t>
-            </a:r>
-          </a:p>
-          <a:p>
-            <a:r>
-              <a:rPr lang="en-US" dirty="0" smtClean="0"/>
-              <a:t>$ cd </a:t>
-            </a:r>
-            <a:r>
-              <a:rPr lang="en-US" dirty="0"/>
-              <a:t>~/</a:t>
-            </a:r>
-            <a:r>
-              <a:rPr lang="en-US" dirty="0" err="1" smtClean="0"/>
-              <a:t>compliance_profiles</a:t>
-            </a:r>
-            <a:r>
-              <a:rPr lang="en-US" dirty="0" smtClean="0"/>
-              <a:t>/profile_01</a:t>
+              <a:t> </a:t>
+            </a:r>
+            <a:r>
+              <a:rPr lang="en-US" dirty="0" smtClean="0"/>
+              <a:t>ls -l</a:t>
             </a:r>
             <a:endParaRPr lang="en-US" dirty="0"/>
           </a:p>
@@ -15114,7 +17482,7 @@
       </p:sp>
       <p:sp>
         <p:nvSpPr>
-          <p:cNvPr id="5" name="Title 4"/>
+          <p:cNvPr id="4" name="Title 3"/>
           <p:cNvSpPr>
             <a:spLocks noGrp="1"/>
           </p:cNvSpPr>
@@ -15124,18 +17492,12 @@
         </p:nvSpPr>
         <p:spPr/>
         <p:txBody>
-          <a:bodyPr>
-            <a:normAutofit/>
-          </a:bodyPr>
+          <a:bodyPr/>
           <a:lstStyle/>
           <a:p>
             <a:r>
-              <a:rPr lang="en-US" dirty="0"/>
-              <a:t>GE: </a:t>
-            </a:r>
-            <a:r>
-              <a:rPr lang="en-US" dirty="0" smtClean="0"/>
-              <a:t>Create a Directory for your Profile</a:t>
+              <a:rPr lang="en-US" dirty="0" smtClean="0"/>
+              <a:t>GE: Verify the zip File's Creation</a:t>
             </a:r>
             <a:endParaRPr lang="en-US" dirty="0"/>
           </a:p>
@@ -15144,7 +17506,7 @@
     </p:spTree>
     <p:extLst>
       <p:ext uri="{BB962C8B-B14F-4D97-AF65-F5344CB8AC3E}">
-        <p14:creationId xmlns:p14="http://schemas.microsoft.com/office/powerpoint/2010/main" val="3303351184"/>
+        <p14:creationId xmlns:p14="http://schemas.microsoft.com/office/powerpoint/2010/main" val="2304482559"/>
       </p:ext>
     </p:extLst>
   </p:cSld>
@@ -15154,13 +17516,6 @@
   <p:transition spd="med">
     <p:fade/>
   </p:transition>
-  <p:timing>
-    <p:tnLst>
-      <p:par>
-        <p:cTn id="1" dur="indefinite" restart="never" nodeType="tmRoot"/>
-      </p:par>
-    </p:tnLst>
-  </p:timing>
 </p:sld>
 </file>
 
@@ -15183,20 +17538,88 @@
       </p:grpSpPr>
       <p:sp>
         <p:nvSpPr>
-          <p:cNvPr id="2" name="Title 1"/>
-          <p:cNvSpPr>
-            <a:spLocks noGrp="1"/>
-          </p:cNvSpPr>
-          <p:nvPr>
-            <p:ph type="ctrTitle"/>
+          <p:cNvPr id="2" name="Content Placeholder 1"/>
+          <p:cNvSpPr>
+            <a:spLocks noGrp="1"/>
+          </p:cNvSpPr>
+          <p:nvPr>
+            <p:ph sz="quarter" idx="10"/>
           </p:nvPr>
         </p:nvSpPr>
         <p:spPr>
           <a:xfrm>
-            <a:off x="1325881" y="2452145"/>
-            <a:ext cx="12664758" cy="968599"/>
+            <a:off x="1121104" y="2489675"/>
+            <a:ext cx="14423693" cy="5498208"/>
           </a:xfrm>
         </p:spPr>
+        <p:txBody>
+          <a:bodyPr/>
+          <a:lstStyle/>
+          <a:p>
+            <a:r>
+              <a:rPr lang="en-US" sz="2400" dirty="0"/>
+              <a:t>chef@52.90.148.31's password:</a:t>
+            </a:r>
+          </a:p>
+          <a:p>
+            <a:r>
+              <a:rPr lang="en-US" sz="2400" dirty="0"/>
+              <a:t>profile_02.zip                                100%  886     0.9KB/s   00:00</a:t>
+            </a:r>
+            <a:endParaRPr lang="en-US" sz="2400" dirty="0"/>
+          </a:p>
+        </p:txBody>
+      </p:sp>
+      <p:sp>
+        <p:nvSpPr>
+          <p:cNvPr id="3" name="Text Placeholder 2"/>
+          <p:cNvSpPr>
+            <a:spLocks noGrp="1"/>
+          </p:cNvSpPr>
+          <p:nvPr>
+            <p:ph type="body" sz="quarter" idx="11"/>
+          </p:nvPr>
+        </p:nvSpPr>
+        <p:spPr>
+          <a:xfrm>
+            <a:off x="1121104" y="1337149"/>
+            <a:ext cx="14422528" cy="857411"/>
+          </a:xfrm>
+        </p:spPr>
+        <p:txBody>
+          <a:bodyPr/>
+          <a:lstStyle/>
+          <a:p>
+            <a:r>
+              <a:rPr lang="en-US" dirty="0"/>
+              <a:t>C:\tmp&gt;scp chef@52.90.148.31:~/</a:t>
+            </a:r>
+            <a:r>
+              <a:rPr lang="en-US" dirty="0" err="1" smtClean="0"/>
+              <a:t>compliance_profiles</a:t>
+            </a:r>
+            <a:r>
+              <a:rPr lang="en-US" dirty="0" smtClean="0"/>
+              <a:t>/profile_02.zip </a:t>
+            </a:r>
+            <a:r>
+              <a:rPr lang="en-US" dirty="0"/>
+              <a:t>.</a:t>
+            </a:r>
+          </a:p>
+        </p:txBody>
+      </p:sp>
+      <p:sp>
+        <p:nvSpPr>
+          <p:cNvPr id="4" name="Title 3"/>
+          <p:cNvSpPr>
+            <a:spLocks noGrp="1"/>
+          </p:cNvSpPr>
+          <p:nvPr>
+            <p:ph type="title"/>
+          </p:nvPr>
+        </p:nvSpPr>
+        <p:spPr/>
         <p:txBody>
           <a:bodyPr>
             <a:normAutofit fontScale="90000"/>
@@ -15205,93 +17628,16 @@
           <a:p>
             <a:r>
               <a:rPr lang="en-US" dirty="0" smtClean="0"/>
-              <a:t>GE: Uploading the Custom Profile to the Compliance Server </a:t>
-            </a:r>
-            <a:endParaRPr lang="en-US" dirty="0"/>
-          </a:p>
-        </p:txBody>
-      </p:sp>
-      <p:sp>
-        <p:nvSpPr>
-          <p:cNvPr id="3" name="Content Placeholder 2"/>
-          <p:cNvSpPr>
-            <a:spLocks noGrp="1"/>
-          </p:cNvSpPr>
-          <p:nvPr>
-            <p:ph sz="quarter" idx="11"/>
-          </p:nvPr>
-        </p:nvSpPr>
-        <p:spPr>
-          <a:xfrm>
-            <a:off x="1671638" y="3420745"/>
-            <a:ext cx="12319000" cy="1528233"/>
-          </a:xfrm>
-        </p:spPr>
-        <p:txBody>
-          <a:bodyPr/>
-          <a:lstStyle/>
-          <a:p>
-            <a:r>
-              <a:rPr lang="en-US" dirty="0" smtClean="0"/>
-              <a:t>Uploading it so it can be used in scans..</a:t>
-            </a:r>
-            <a:endParaRPr lang="en-US" dirty="0"/>
-          </a:p>
-        </p:txBody>
-      </p:sp>
-      <p:sp>
-        <p:nvSpPr>
-          <p:cNvPr id="4" name="Text Placeholder 3"/>
-          <p:cNvSpPr>
-            <a:spLocks noGrp="1"/>
-          </p:cNvSpPr>
-          <p:nvPr>
-            <p:ph type="body" sz="quarter" idx="10"/>
-          </p:nvPr>
-        </p:nvSpPr>
-        <p:spPr/>
-        <p:txBody>
-          <a:bodyPr/>
-          <a:lstStyle/>
-          <a:p>
-            <a:pPr marL="342900" indent="-342900">
-              <a:buFont typeface="Wingdings" panose="05000000000000000000" pitchFamily="2" charset="2"/>
-              <a:buChar char="q"/>
-            </a:pPr>
-            <a:r>
-              <a:rPr lang="en-US" dirty="0" smtClean="0"/>
-              <a:t>Zip up the new profile.</a:t>
-            </a:r>
-          </a:p>
-          <a:p>
-            <a:pPr marL="342900" indent="-342900">
-              <a:buFont typeface="Wingdings" panose="05000000000000000000" pitchFamily="2" charset="2"/>
-              <a:buChar char="q"/>
-            </a:pPr>
-            <a:r>
-              <a:rPr lang="en-US" dirty="0" smtClean="0"/>
-              <a:t>Upload it to your laptop and then to the Compliance Server.</a:t>
-            </a:r>
-          </a:p>
-          <a:p>
-            <a:pPr marL="342900" indent="-342900">
-              <a:buFont typeface="Wingdings" panose="05000000000000000000" pitchFamily="2" charset="2"/>
-              <a:buChar char="q"/>
-            </a:pPr>
-            <a:endParaRPr lang="en-US" dirty="0" smtClean="0"/>
-          </a:p>
-          <a:p>
-            <a:pPr marL="342900" indent="-342900">
-              <a:buFont typeface="Wingdings" panose="05000000000000000000" pitchFamily="2" charset="2"/>
-              <a:buChar char="q"/>
-            </a:pPr>
-            <a:endParaRPr lang="en-US" dirty="0" smtClean="0"/>
-          </a:p>
-          <a:p>
-            <a:pPr marL="342900" indent="-342900">
-              <a:buFont typeface="Wingdings" panose="05000000000000000000" pitchFamily="2" charset="2"/>
-              <a:buChar char="q"/>
-            </a:pPr>
+              <a:t>GE: From your Laptop Run the </a:t>
+            </a:r>
+            <a:r>
+              <a:rPr lang="en-US" dirty="0" err="1" smtClean="0"/>
+              <a:t>scp</a:t>
+            </a:r>
+            <a:r>
+              <a:rPr lang="en-US" dirty="0" smtClean="0"/>
+              <a:t> Command</a:t>
+            </a:r>
             <a:endParaRPr lang="en-US" dirty="0"/>
           </a:p>
         </p:txBody>
@@ -15299,7 +17645,1095 @@
     </p:spTree>
     <p:extLst>
       <p:ext uri="{BB962C8B-B14F-4D97-AF65-F5344CB8AC3E}">
-        <p14:creationId xmlns:p14="http://schemas.microsoft.com/office/powerpoint/2010/main" val="203882454"/>
+        <p14:creationId xmlns:p14="http://schemas.microsoft.com/office/powerpoint/2010/main" val="4224003325"/>
+      </p:ext>
+    </p:extLst>
+  </p:cSld>
+  <p:clrMapOvr>
+    <a:masterClrMapping/>
+  </p:clrMapOvr>
+  <p:transition spd="med">
+    <p:fade/>
+  </p:transition>
+  <p:timing>
+    <p:tnLst>
+      <p:par>
+        <p:cTn id="1" dur="indefinite" restart="never" nodeType="tmRoot"/>
+      </p:par>
+    </p:tnLst>
+  </p:timing>
+</p:sld>
+</file>
+
+<file path=ppt/slides/slide22.xml><?xml version="1.0" encoding="utf-8"?>
+<p:sld xmlns:a="http://schemas.openxmlformats.org/drawingml/2006/main" xmlns:r="http://schemas.openxmlformats.org/officeDocument/2006/relationships" xmlns:p="http://schemas.openxmlformats.org/presentationml/2006/main">
+  <p:cSld>
+    <p:spTree>
+      <p:nvGrpSpPr>
+        <p:cNvPr id="1" name=""/>
+        <p:cNvGrpSpPr/>
+        <p:nvPr/>
+      </p:nvGrpSpPr>
+      <p:grpSpPr>
+        <a:xfrm>
+          <a:off x="0" y="0"/>
+          <a:ext cx="0" cy="0"/>
+          <a:chOff x="0" y="0"/>
+          <a:chExt cx="0" cy="0"/>
+        </a:xfrm>
+      </p:grpSpPr>
+      <p:sp>
+        <p:nvSpPr>
+          <p:cNvPr id="2" name="Title 1"/>
+          <p:cNvSpPr>
+            <a:spLocks noGrp="1"/>
+          </p:cNvSpPr>
+          <p:nvPr>
+            <p:ph type="title"/>
+          </p:nvPr>
+        </p:nvSpPr>
+        <p:spPr/>
+        <p:txBody>
+          <a:bodyPr>
+            <a:normAutofit/>
+          </a:bodyPr>
+          <a:lstStyle/>
+          <a:p>
+            <a:r>
+              <a:rPr lang="en-US" dirty="0" smtClean="0"/>
+              <a:t>GE: </a:t>
+            </a:r>
+            <a:r>
+              <a:rPr lang="en-US" dirty="0"/>
+              <a:t>Upload the </a:t>
+            </a:r>
+            <a:r>
+              <a:rPr lang="en-US" dirty="0" smtClean="0"/>
+              <a:t>Profile </a:t>
+            </a:r>
+            <a:r>
+              <a:rPr lang="en-US" dirty="0"/>
+              <a:t>to Chef Compliance</a:t>
+            </a:r>
+          </a:p>
+        </p:txBody>
+      </p:sp>
+      <p:sp>
+        <p:nvSpPr>
+          <p:cNvPr id="6" name="Text Placeholder 2"/>
+          <p:cNvSpPr>
+            <a:spLocks noGrp="1"/>
+          </p:cNvSpPr>
+          <p:nvPr>
+            <p:ph type="body" sz="quarter" idx="12"/>
+          </p:nvPr>
+        </p:nvSpPr>
+        <p:spPr/>
+        <p:txBody>
+          <a:bodyPr/>
+          <a:lstStyle/>
+          <a:p>
+            <a:r>
+              <a:rPr lang="en-US" dirty="0" smtClean="0"/>
+              <a:t>From your Compliance Server Dashboard:</a:t>
+            </a:r>
+            <a:br>
+              <a:rPr lang="en-US" dirty="0" smtClean="0"/>
+            </a:br>
+            <a:r>
+              <a:rPr lang="en-US" dirty="0" smtClean="0"/>
+              <a:t>Click the </a:t>
+            </a:r>
+            <a:r>
+              <a:rPr lang="en-US" b="1" dirty="0" smtClean="0"/>
+              <a:t>Compliance</a:t>
+            </a:r>
+            <a:r>
+              <a:rPr lang="en-US" dirty="0" smtClean="0"/>
+              <a:t> button and then click the </a:t>
+            </a:r>
+            <a:r>
+              <a:rPr lang="en-US" b="1" dirty="0" smtClean="0"/>
+              <a:t>Add Profile </a:t>
+            </a:r>
+            <a:r>
+              <a:rPr lang="en-US" dirty="0" smtClean="0"/>
+              <a:t>button.</a:t>
+            </a:r>
+          </a:p>
+          <a:p>
+            <a:pPr marL="457200" indent="-457200">
+              <a:buFont typeface="Arial" panose="020B0604020202020204" pitchFamily="34" charset="0"/>
+              <a:buChar char="•"/>
+            </a:pPr>
+            <a:endParaRPr lang="en-US" dirty="0"/>
+          </a:p>
+          <a:p>
+            <a:endParaRPr lang="en-US" dirty="0" smtClean="0"/>
+          </a:p>
+          <a:p>
+            <a:pPr marL="457200" indent="-457200">
+              <a:buFont typeface="Arial" panose="020B0604020202020204" pitchFamily="34" charset="0"/>
+              <a:buChar char="•"/>
+            </a:pPr>
+            <a:endParaRPr lang="en-US" dirty="0"/>
+          </a:p>
+        </p:txBody>
+      </p:sp>
+      <p:pic>
+        <p:nvPicPr>
+          <p:cNvPr id="3" name="Picture 2"/>
+          <p:cNvPicPr>
+            <a:picLocks noChangeAspect="1"/>
+          </p:cNvPicPr>
+          <p:nvPr/>
+        </p:nvPicPr>
+        <p:blipFill>
+          <a:blip r:embed="rId3"/>
+          <a:stretch>
+            <a:fillRect/>
+          </a:stretch>
+        </p:blipFill>
+        <p:spPr>
+          <a:xfrm>
+            <a:off x="1169053" y="3543300"/>
+            <a:ext cx="13917895" cy="4206240"/>
+          </a:xfrm>
+          <a:prstGeom prst="rect">
+            <a:avLst/>
+          </a:prstGeom>
+          <a:ln>
+            <a:solidFill>
+              <a:schemeClr val="accent1"/>
+            </a:solidFill>
+          </a:ln>
+        </p:spPr>
+      </p:pic>
+      <p:cxnSp>
+        <p:nvCxnSpPr>
+          <p:cNvPr id="5" name="Straight Arrow Connector 4"/>
+          <p:cNvCxnSpPr/>
+          <p:nvPr/>
+        </p:nvCxnSpPr>
+        <p:spPr>
+          <a:xfrm>
+            <a:off x="3177540" y="2994660"/>
+            <a:ext cx="22860" cy="3749040"/>
+          </a:xfrm>
+          <a:prstGeom prst="straightConnector1">
+            <a:avLst/>
+          </a:prstGeom>
+          <a:ln w="38100">
+            <a:solidFill>
+              <a:schemeClr val="accent1"/>
+            </a:solidFill>
+            <a:tailEnd type="triangle"/>
+          </a:ln>
+        </p:spPr>
+        <p:style>
+          <a:lnRef idx="3">
+            <a:schemeClr val="accent1"/>
+          </a:lnRef>
+          <a:fillRef idx="0">
+            <a:schemeClr val="accent1"/>
+          </a:fillRef>
+          <a:effectRef idx="2">
+            <a:schemeClr val="accent1"/>
+          </a:effectRef>
+          <a:fontRef idx="minor">
+            <a:schemeClr val="tx1"/>
+          </a:fontRef>
+        </p:style>
+      </p:cxnSp>
+      <p:cxnSp>
+        <p:nvCxnSpPr>
+          <p:cNvPr id="8" name="Straight Arrow Connector 7"/>
+          <p:cNvCxnSpPr/>
+          <p:nvPr/>
+        </p:nvCxnSpPr>
+        <p:spPr>
+          <a:xfrm>
+            <a:off x="10988040" y="2820577"/>
+            <a:ext cx="2682240" cy="1042763"/>
+          </a:xfrm>
+          <a:prstGeom prst="straightConnector1">
+            <a:avLst/>
+          </a:prstGeom>
+          <a:ln w="38100">
+            <a:solidFill>
+              <a:schemeClr val="accent1"/>
+            </a:solidFill>
+            <a:tailEnd type="triangle"/>
+          </a:ln>
+        </p:spPr>
+        <p:style>
+          <a:lnRef idx="3">
+            <a:schemeClr val="accent1"/>
+          </a:lnRef>
+          <a:fillRef idx="0">
+            <a:schemeClr val="accent1"/>
+          </a:fillRef>
+          <a:effectRef idx="2">
+            <a:schemeClr val="accent1"/>
+          </a:effectRef>
+          <a:fontRef idx="minor">
+            <a:schemeClr val="tx1"/>
+          </a:fontRef>
+        </p:style>
+      </p:cxnSp>
+    </p:spTree>
+    <p:extLst>
+      <p:ext uri="{BB962C8B-B14F-4D97-AF65-F5344CB8AC3E}">
+        <p14:creationId xmlns:p14="http://schemas.microsoft.com/office/powerpoint/2010/main" val="3256934790"/>
+      </p:ext>
+    </p:extLst>
+  </p:cSld>
+  <p:clrMapOvr>
+    <a:masterClrMapping/>
+  </p:clrMapOvr>
+  <p:transition spd="med">
+    <p:fade/>
+  </p:transition>
+  <p:timing>
+    <p:tnLst>
+      <p:par>
+        <p:cTn id="1" dur="indefinite" restart="never" nodeType="tmRoot"/>
+      </p:par>
+    </p:tnLst>
+  </p:timing>
+</p:sld>
+</file>
+
+<file path=ppt/slides/slide23.xml><?xml version="1.0" encoding="utf-8"?>
+<p:sld xmlns:a="http://schemas.openxmlformats.org/drawingml/2006/main" xmlns:r="http://schemas.openxmlformats.org/officeDocument/2006/relationships" xmlns:p="http://schemas.openxmlformats.org/presentationml/2006/main">
+  <p:cSld>
+    <p:spTree>
+      <p:nvGrpSpPr>
+        <p:cNvPr id="1" name=""/>
+        <p:cNvGrpSpPr/>
+        <p:nvPr/>
+      </p:nvGrpSpPr>
+      <p:grpSpPr>
+        <a:xfrm>
+          <a:off x="0" y="0"/>
+          <a:ext cx="0" cy="0"/>
+          <a:chOff x="0" y="0"/>
+          <a:chExt cx="0" cy="0"/>
+        </a:xfrm>
+      </p:grpSpPr>
+      <p:sp>
+        <p:nvSpPr>
+          <p:cNvPr id="2" name="Title 1"/>
+          <p:cNvSpPr>
+            <a:spLocks noGrp="1"/>
+          </p:cNvSpPr>
+          <p:nvPr>
+            <p:ph type="title"/>
+          </p:nvPr>
+        </p:nvSpPr>
+        <p:spPr/>
+        <p:txBody>
+          <a:bodyPr>
+            <a:normAutofit/>
+          </a:bodyPr>
+          <a:lstStyle/>
+          <a:p>
+            <a:r>
+              <a:rPr lang="en-US" dirty="0" smtClean="0"/>
+              <a:t>GE: </a:t>
+            </a:r>
+            <a:r>
+              <a:rPr lang="en-US" dirty="0"/>
+              <a:t>Upload the </a:t>
+            </a:r>
+            <a:r>
+              <a:rPr lang="en-US" dirty="0" smtClean="0"/>
+              <a:t>Profile </a:t>
+            </a:r>
+            <a:r>
+              <a:rPr lang="en-US" dirty="0"/>
+              <a:t>to Chef Compliance</a:t>
+            </a:r>
+          </a:p>
+        </p:txBody>
+      </p:sp>
+      <p:sp>
+        <p:nvSpPr>
+          <p:cNvPr id="6" name="Text Placeholder 2"/>
+          <p:cNvSpPr>
+            <a:spLocks noGrp="1"/>
+          </p:cNvSpPr>
+          <p:nvPr>
+            <p:ph type="body" sz="quarter" idx="12"/>
+          </p:nvPr>
+        </p:nvSpPr>
+        <p:spPr/>
+        <p:txBody>
+          <a:bodyPr/>
+          <a:lstStyle/>
+          <a:p>
+            <a:r>
+              <a:rPr lang="en-US" dirty="0" smtClean="0"/>
+              <a:t>Select the </a:t>
+            </a:r>
+            <a:r>
+              <a:rPr lang="en-US" dirty="0" smtClean="0"/>
+              <a:t>new zip </a:t>
+            </a:r>
+            <a:r>
+              <a:rPr lang="en-US" dirty="0" smtClean="0"/>
+              <a:t>file </a:t>
+            </a:r>
+            <a:r>
+              <a:rPr lang="en-US" dirty="0" smtClean="0"/>
+              <a:t>(profile_02) from </a:t>
+            </a:r>
+            <a:r>
+              <a:rPr lang="en-US" dirty="0" smtClean="0"/>
+              <a:t>your laptop.</a:t>
+            </a:r>
+          </a:p>
+          <a:p>
+            <a:pPr marL="457200" indent="-457200">
+              <a:buFont typeface="Arial" panose="020B0604020202020204" pitchFamily="34" charset="0"/>
+              <a:buChar char="•"/>
+            </a:pPr>
+            <a:endParaRPr lang="en-US" dirty="0"/>
+          </a:p>
+          <a:p>
+            <a:endParaRPr lang="en-US" dirty="0" smtClean="0"/>
+          </a:p>
+          <a:p>
+            <a:pPr marL="457200" indent="-457200">
+              <a:buFont typeface="Arial" panose="020B0604020202020204" pitchFamily="34" charset="0"/>
+              <a:buChar char="•"/>
+            </a:pPr>
+            <a:endParaRPr lang="en-US" dirty="0"/>
+          </a:p>
+        </p:txBody>
+      </p:sp>
+      <p:pic>
+        <p:nvPicPr>
+          <p:cNvPr id="3" name="Picture 2"/>
+          <p:cNvPicPr>
+            <a:picLocks noChangeAspect="1"/>
+          </p:cNvPicPr>
+          <p:nvPr/>
+        </p:nvPicPr>
+        <p:blipFill>
+          <a:blip r:embed="rId3"/>
+          <a:stretch>
+            <a:fillRect/>
+          </a:stretch>
+        </p:blipFill>
+        <p:spPr>
+          <a:xfrm>
+            <a:off x="3689146" y="4790122"/>
+            <a:ext cx="8877709" cy="2136458"/>
+          </a:xfrm>
+          <a:prstGeom prst="rect">
+            <a:avLst/>
+          </a:prstGeom>
+          <a:ln>
+            <a:solidFill>
+              <a:schemeClr val="accent1"/>
+            </a:solidFill>
+          </a:ln>
+        </p:spPr>
+      </p:pic>
+    </p:spTree>
+    <p:extLst>
+      <p:ext uri="{BB962C8B-B14F-4D97-AF65-F5344CB8AC3E}">
+        <p14:creationId xmlns:p14="http://schemas.microsoft.com/office/powerpoint/2010/main" val="1814171085"/>
+      </p:ext>
+    </p:extLst>
+  </p:cSld>
+  <p:clrMapOvr>
+    <a:masterClrMapping/>
+  </p:clrMapOvr>
+  <p:transition spd="med">
+    <p:fade/>
+  </p:transition>
+  <p:timing>
+    <p:tnLst>
+      <p:par>
+        <p:cTn id="1" dur="indefinite" restart="never" nodeType="tmRoot"/>
+      </p:par>
+    </p:tnLst>
+  </p:timing>
+</p:sld>
+</file>
+
+<file path=ppt/slides/slide24.xml><?xml version="1.0" encoding="utf-8"?>
+<p:sld xmlns:a="http://schemas.openxmlformats.org/drawingml/2006/main" xmlns:r="http://schemas.openxmlformats.org/officeDocument/2006/relationships" xmlns:p="http://schemas.openxmlformats.org/presentationml/2006/main">
+  <p:cSld>
+    <p:spTree>
+      <p:nvGrpSpPr>
+        <p:cNvPr id="1" name=""/>
+        <p:cNvGrpSpPr/>
+        <p:nvPr/>
+      </p:nvGrpSpPr>
+      <p:grpSpPr>
+        <a:xfrm>
+          <a:off x="0" y="0"/>
+          <a:ext cx="0" cy="0"/>
+          <a:chOff x="0" y="0"/>
+          <a:chExt cx="0" cy="0"/>
+        </a:xfrm>
+      </p:grpSpPr>
+      <p:sp>
+        <p:nvSpPr>
+          <p:cNvPr id="2" name="Title 1"/>
+          <p:cNvSpPr>
+            <a:spLocks noGrp="1"/>
+          </p:cNvSpPr>
+          <p:nvPr>
+            <p:ph type="title"/>
+          </p:nvPr>
+        </p:nvSpPr>
+        <p:spPr/>
+        <p:txBody>
+          <a:bodyPr>
+            <a:normAutofit/>
+          </a:bodyPr>
+          <a:lstStyle/>
+          <a:p>
+            <a:r>
+              <a:rPr lang="en-US" dirty="0" smtClean="0"/>
+              <a:t>GE: </a:t>
+            </a:r>
+            <a:r>
+              <a:rPr lang="en-US" dirty="0"/>
+              <a:t>Upload the </a:t>
+            </a:r>
+            <a:r>
+              <a:rPr lang="en-US" dirty="0" smtClean="0"/>
+              <a:t>Profile </a:t>
+            </a:r>
+            <a:r>
+              <a:rPr lang="en-US" dirty="0"/>
+              <a:t>to Chef Compliance</a:t>
+            </a:r>
+          </a:p>
+        </p:txBody>
+      </p:sp>
+      <p:sp>
+        <p:nvSpPr>
+          <p:cNvPr id="6" name="Text Placeholder 2"/>
+          <p:cNvSpPr>
+            <a:spLocks noGrp="1"/>
+          </p:cNvSpPr>
+          <p:nvPr>
+            <p:ph type="body" sz="quarter" idx="12"/>
+          </p:nvPr>
+        </p:nvSpPr>
+        <p:spPr/>
+        <p:txBody>
+          <a:bodyPr/>
+          <a:lstStyle/>
+          <a:p>
+            <a:r>
+              <a:rPr lang="en-US" dirty="0"/>
+              <a:t>From </a:t>
+            </a:r>
+            <a:r>
+              <a:rPr lang="en-US" dirty="0" smtClean="0"/>
+              <a:t>the Dashboard</a:t>
+            </a:r>
+            <a:r>
+              <a:rPr lang="en-US" dirty="0"/>
+              <a:t>, </a:t>
+            </a:r>
+            <a:r>
+              <a:rPr lang="en-US" b="1" dirty="0"/>
+              <a:t>select your </a:t>
+            </a:r>
+            <a:r>
+              <a:rPr lang="en-US" b="1" dirty="0" smtClean="0"/>
+              <a:t>node</a:t>
+            </a:r>
+            <a:r>
+              <a:rPr lang="en-US" dirty="0" smtClean="0"/>
+              <a:t> and then click </a:t>
+            </a:r>
+            <a:r>
+              <a:rPr lang="en-US" dirty="0"/>
+              <a:t>the </a:t>
+            </a:r>
+            <a:r>
+              <a:rPr lang="en-US" b="1" dirty="0" smtClean="0"/>
+              <a:t>Scan</a:t>
+            </a:r>
+            <a:r>
+              <a:rPr lang="en-US" dirty="0" smtClean="0"/>
+              <a:t> </a:t>
+            </a:r>
+            <a:r>
+              <a:rPr lang="en-US" dirty="0"/>
+              <a:t>button.</a:t>
+            </a:r>
+            <a:endParaRPr lang="en-US" dirty="0" smtClean="0"/>
+          </a:p>
+          <a:p>
+            <a:pPr marL="457200" indent="-457200">
+              <a:buFont typeface="Arial" panose="020B0604020202020204" pitchFamily="34" charset="0"/>
+              <a:buChar char="•"/>
+            </a:pPr>
+            <a:endParaRPr lang="en-US" dirty="0"/>
+          </a:p>
+          <a:p>
+            <a:endParaRPr lang="en-US" dirty="0" smtClean="0"/>
+          </a:p>
+          <a:p>
+            <a:pPr marL="457200" indent="-457200">
+              <a:buFont typeface="Arial" panose="020B0604020202020204" pitchFamily="34" charset="0"/>
+              <a:buChar char="•"/>
+            </a:pPr>
+            <a:endParaRPr lang="en-US" dirty="0"/>
+          </a:p>
+        </p:txBody>
+      </p:sp>
+      <p:pic>
+        <p:nvPicPr>
+          <p:cNvPr id="3" name="Picture 2"/>
+          <p:cNvPicPr>
+            <a:picLocks noChangeAspect="1"/>
+          </p:cNvPicPr>
+          <p:nvPr/>
+        </p:nvPicPr>
+        <p:blipFill>
+          <a:blip r:embed="rId3"/>
+          <a:stretch>
+            <a:fillRect/>
+          </a:stretch>
+        </p:blipFill>
+        <p:spPr>
+          <a:xfrm>
+            <a:off x="2638777" y="3360420"/>
+            <a:ext cx="10978446" cy="4564454"/>
+          </a:xfrm>
+          <a:prstGeom prst="rect">
+            <a:avLst/>
+          </a:prstGeom>
+          <a:ln>
+            <a:solidFill>
+              <a:schemeClr val="accent1"/>
+            </a:solidFill>
+          </a:ln>
+        </p:spPr>
+      </p:pic>
+    </p:spTree>
+    <p:extLst>
+      <p:ext uri="{BB962C8B-B14F-4D97-AF65-F5344CB8AC3E}">
+        <p14:creationId xmlns:p14="http://schemas.microsoft.com/office/powerpoint/2010/main" val="1421935657"/>
+      </p:ext>
+    </p:extLst>
+  </p:cSld>
+  <p:clrMapOvr>
+    <a:masterClrMapping/>
+  </p:clrMapOvr>
+  <p:transition spd="med">
+    <p:fade/>
+  </p:transition>
+  <p:timing>
+    <p:tnLst>
+      <p:par>
+        <p:cTn id="1" dur="indefinite" restart="never" nodeType="tmRoot"/>
+      </p:par>
+    </p:tnLst>
+  </p:timing>
+</p:sld>
+</file>
+
+<file path=ppt/slides/slide25.xml><?xml version="1.0" encoding="utf-8"?>
+<p:sld xmlns:a="http://schemas.openxmlformats.org/drawingml/2006/main" xmlns:r="http://schemas.openxmlformats.org/officeDocument/2006/relationships" xmlns:p="http://schemas.openxmlformats.org/presentationml/2006/main">
+  <p:cSld>
+    <p:spTree>
+      <p:nvGrpSpPr>
+        <p:cNvPr id="1" name=""/>
+        <p:cNvGrpSpPr/>
+        <p:nvPr/>
+      </p:nvGrpSpPr>
+      <p:grpSpPr>
+        <a:xfrm>
+          <a:off x="0" y="0"/>
+          <a:ext cx="0" cy="0"/>
+          <a:chOff x="0" y="0"/>
+          <a:chExt cx="0" cy="0"/>
+        </a:xfrm>
+      </p:grpSpPr>
+      <p:sp>
+        <p:nvSpPr>
+          <p:cNvPr id="2" name="Title 1"/>
+          <p:cNvSpPr>
+            <a:spLocks noGrp="1"/>
+          </p:cNvSpPr>
+          <p:nvPr>
+            <p:ph type="title"/>
+          </p:nvPr>
+        </p:nvSpPr>
+        <p:spPr/>
+        <p:txBody>
+          <a:bodyPr>
+            <a:normAutofit/>
+          </a:bodyPr>
+          <a:lstStyle/>
+          <a:p>
+            <a:r>
+              <a:rPr lang="en-US" dirty="0" smtClean="0"/>
+              <a:t>GE: Scan Using the New Profile</a:t>
+            </a:r>
+            <a:endParaRPr lang="en-US" dirty="0"/>
+          </a:p>
+        </p:txBody>
+      </p:sp>
+      <p:sp>
+        <p:nvSpPr>
+          <p:cNvPr id="6" name="Text Placeholder 2"/>
+          <p:cNvSpPr>
+            <a:spLocks noGrp="1"/>
+          </p:cNvSpPr>
+          <p:nvPr>
+            <p:ph type="body" sz="quarter" idx="12"/>
+          </p:nvPr>
+        </p:nvSpPr>
+        <p:spPr>
+          <a:xfrm>
+            <a:off x="650040" y="1856198"/>
+            <a:ext cx="5842200" cy="5345953"/>
+          </a:xfrm>
+        </p:spPr>
+        <p:txBody>
+          <a:bodyPr/>
+          <a:lstStyle/>
+          <a:p>
+            <a:r>
+              <a:rPr lang="en-US" dirty="0" smtClean="0"/>
+              <a:t>From the resulting page, select only the new profile (</a:t>
+            </a:r>
+            <a:r>
+              <a:rPr lang="en-US" dirty="0" smtClean="0"/>
+              <a:t>admin/profile-cis-3.1) </a:t>
+            </a:r>
+            <a:r>
+              <a:rPr lang="en-US" dirty="0" smtClean="0"/>
+              <a:t>and then click </a:t>
+            </a:r>
+            <a:r>
+              <a:rPr lang="en-US" b="1" dirty="0" smtClean="0"/>
+              <a:t>Scan now</a:t>
+            </a:r>
+            <a:r>
+              <a:rPr lang="en-US" dirty="0" smtClean="0"/>
+              <a:t>.</a:t>
+            </a:r>
+          </a:p>
+          <a:p>
+            <a:endParaRPr lang="en-US" dirty="0"/>
+          </a:p>
+        </p:txBody>
+      </p:sp>
+      <p:pic>
+        <p:nvPicPr>
+          <p:cNvPr id="4" name="Picture 3"/>
+          <p:cNvPicPr>
+            <a:picLocks noChangeAspect="1"/>
+          </p:cNvPicPr>
+          <p:nvPr/>
+        </p:nvPicPr>
+        <p:blipFill>
+          <a:blip r:embed="rId3"/>
+          <a:stretch>
+            <a:fillRect/>
+          </a:stretch>
+        </p:blipFill>
+        <p:spPr>
+          <a:xfrm>
+            <a:off x="8472708" y="1259455"/>
+            <a:ext cx="6969438" cy="6730431"/>
+          </a:xfrm>
+          <a:prstGeom prst="rect">
+            <a:avLst/>
+          </a:prstGeom>
+          <a:ln>
+            <a:solidFill>
+              <a:schemeClr val="accent1"/>
+            </a:solidFill>
+          </a:ln>
+        </p:spPr>
+      </p:pic>
+    </p:spTree>
+    <p:extLst>
+      <p:ext uri="{BB962C8B-B14F-4D97-AF65-F5344CB8AC3E}">
+        <p14:creationId xmlns:p14="http://schemas.microsoft.com/office/powerpoint/2010/main" val="2791519806"/>
+      </p:ext>
+    </p:extLst>
+  </p:cSld>
+  <p:clrMapOvr>
+    <a:masterClrMapping/>
+  </p:clrMapOvr>
+  <p:transition spd="med">
+    <p:fade/>
+  </p:transition>
+  <p:timing>
+    <p:tnLst>
+      <p:par>
+        <p:cTn id="1" dur="indefinite" restart="never" nodeType="tmRoot"/>
+      </p:par>
+    </p:tnLst>
+  </p:timing>
+</p:sld>
+</file>
+
+<file path=ppt/slides/slide26.xml><?xml version="1.0" encoding="utf-8"?>
+<p:sld xmlns:a="http://schemas.openxmlformats.org/drawingml/2006/main" xmlns:r="http://schemas.openxmlformats.org/officeDocument/2006/relationships" xmlns:p="http://schemas.openxmlformats.org/presentationml/2006/main">
+  <p:cSld>
+    <p:spTree>
+      <p:nvGrpSpPr>
+        <p:cNvPr id="1" name=""/>
+        <p:cNvGrpSpPr/>
+        <p:nvPr/>
+      </p:nvGrpSpPr>
+      <p:grpSpPr>
+        <a:xfrm>
+          <a:off x="0" y="0"/>
+          <a:ext cx="0" cy="0"/>
+          <a:chOff x="0" y="0"/>
+          <a:chExt cx="0" cy="0"/>
+        </a:xfrm>
+      </p:grpSpPr>
+      <p:sp>
+        <p:nvSpPr>
+          <p:cNvPr id="2" name="Title 1"/>
+          <p:cNvSpPr>
+            <a:spLocks noGrp="1"/>
+          </p:cNvSpPr>
+          <p:nvPr>
+            <p:ph type="title"/>
+          </p:nvPr>
+        </p:nvSpPr>
+        <p:spPr/>
+        <p:txBody>
+          <a:bodyPr>
+            <a:normAutofit/>
+          </a:bodyPr>
+          <a:lstStyle/>
+          <a:p>
+            <a:r>
+              <a:rPr lang="en-US" dirty="0" smtClean="0"/>
+              <a:t>GE: Results of the Custom Profile Scan</a:t>
+            </a:r>
+            <a:endParaRPr lang="en-US" dirty="0"/>
+          </a:p>
+        </p:txBody>
+      </p:sp>
+      <p:sp>
+        <p:nvSpPr>
+          <p:cNvPr id="6" name="Text Placeholder 2"/>
+          <p:cNvSpPr>
+            <a:spLocks noGrp="1"/>
+          </p:cNvSpPr>
+          <p:nvPr>
+            <p:ph type="body" sz="quarter" idx="12"/>
+          </p:nvPr>
+        </p:nvSpPr>
+        <p:spPr>
+          <a:xfrm>
+            <a:off x="297180" y="1856198"/>
+            <a:ext cx="2720340" cy="5345953"/>
+          </a:xfrm>
+        </p:spPr>
+        <p:txBody>
+          <a:bodyPr/>
+          <a:lstStyle/>
+          <a:p>
+            <a:r>
+              <a:rPr lang="en-US" dirty="0" smtClean="0"/>
+              <a:t>The results of your scan should look like this example.</a:t>
+            </a:r>
+          </a:p>
+          <a:p>
+            <a:pPr marL="457200" indent="-457200">
+              <a:buFont typeface="Arial" panose="020B0604020202020204" pitchFamily="34" charset="0"/>
+              <a:buChar char="•"/>
+            </a:pPr>
+            <a:endParaRPr lang="en-US" dirty="0"/>
+          </a:p>
+          <a:p>
+            <a:endParaRPr lang="en-US" dirty="0" smtClean="0"/>
+          </a:p>
+          <a:p>
+            <a:pPr marL="457200" indent="-457200">
+              <a:buFont typeface="Arial" panose="020B0604020202020204" pitchFamily="34" charset="0"/>
+              <a:buChar char="•"/>
+            </a:pPr>
+            <a:endParaRPr lang="en-US" dirty="0"/>
+          </a:p>
+        </p:txBody>
+      </p:sp>
+      <p:pic>
+        <p:nvPicPr>
+          <p:cNvPr id="3" name="Picture 2"/>
+          <p:cNvPicPr>
+            <a:picLocks noChangeAspect="1"/>
+          </p:cNvPicPr>
+          <p:nvPr/>
+        </p:nvPicPr>
+        <p:blipFill>
+          <a:blip r:embed="rId3"/>
+          <a:stretch>
+            <a:fillRect/>
+          </a:stretch>
+        </p:blipFill>
+        <p:spPr>
+          <a:xfrm>
+            <a:off x="3510279" y="1575434"/>
+            <a:ext cx="11672047" cy="5374005"/>
+          </a:xfrm>
+          <a:prstGeom prst="rect">
+            <a:avLst/>
+          </a:prstGeom>
+          <a:ln>
+            <a:solidFill>
+              <a:schemeClr val="accent1"/>
+            </a:solidFill>
+          </a:ln>
+        </p:spPr>
+      </p:pic>
+    </p:spTree>
+    <p:extLst>
+      <p:ext uri="{BB962C8B-B14F-4D97-AF65-F5344CB8AC3E}">
+        <p14:creationId xmlns:p14="http://schemas.microsoft.com/office/powerpoint/2010/main" val="2495160734"/>
+      </p:ext>
+    </p:extLst>
+  </p:cSld>
+  <p:clrMapOvr>
+    <a:masterClrMapping/>
+  </p:clrMapOvr>
+  <p:transition spd="med">
+    <p:fade/>
+  </p:transition>
+  <p:timing>
+    <p:tnLst>
+      <p:par>
+        <p:cTn id="1" dur="indefinite" restart="never" nodeType="tmRoot"/>
+      </p:par>
+    </p:tnLst>
+  </p:timing>
+</p:sld>
+</file>
+
+<file path=ppt/slides/slide27.xml><?xml version="1.0" encoding="utf-8"?>
+<p:sld xmlns:a="http://schemas.openxmlformats.org/drawingml/2006/main" xmlns:r="http://schemas.openxmlformats.org/officeDocument/2006/relationships" xmlns:p="http://schemas.openxmlformats.org/presentationml/2006/main">
+  <p:cSld>
+    <p:spTree>
+      <p:nvGrpSpPr>
+        <p:cNvPr id="1" name=""/>
+        <p:cNvGrpSpPr/>
+        <p:nvPr/>
+      </p:nvGrpSpPr>
+      <p:grpSpPr>
+        <a:xfrm>
+          <a:off x="0" y="0"/>
+          <a:ext cx="0" cy="0"/>
+          <a:chOff x="0" y="0"/>
+          <a:chExt cx="0" cy="0"/>
+        </a:xfrm>
+      </p:grpSpPr>
+      <p:sp>
+        <p:nvSpPr>
+          <p:cNvPr id="2" name="Title 1"/>
+          <p:cNvSpPr>
+            <a:spLocks noGrp="1"/>
+          </p:cNvSpPr>
+          <p:nvPr>
+            <p:ph type="title"/>
+          </p:nvPr>
+        </p:nvSpPr>
+        <p:spPr/>
+        <p:txBody>
+          <a:bodyPr>
+            <a:normAutofit/>
+          </a:bodyPr>
+          <a:lstStyle/>
+          <a:p>
+            <a:r>
+              <a:rPr lang="en-US" dirty="0" smtClean="0"/>
+              <a:t>GE: Results of the Custom Profile Scan</a:t>
+            </a:r>
+            <a:endParaRPr lang="en-US" dirty="0"/>
+          </a:p>
+        </p:txBody>
+      </p:sp>
+      <p:sp>
+        <p:nvSpPr>
+          <p:cNvPr id="6" name="Text Placeholder 2"/>
+          <p:cNvSpPr>
+            <a:spLocks noGrp="1"/>
+          </p:cNvSpPr>
+          <p:nvPr>
+            <p:ph type="body" sz="quarter" idx="12"/>
+          </p:nvPr>
+        </p:nvSpPr>
+        <p:spPr>
+          <a:xfrm>
+            <a:off x="297180" y="1856198"/>
+            <a:ext cx="15544800" cy="5345953"/>
+          </a:xfrm>
+        </p:spPr>
+        <p:txBody>
+          <a:bodyPr/>
+          <a:lstStyle/>
+          <a:p>
+            <a:r>
+              <a:rPr lang="en-US" dirty="0" smtClean="0"/>
+              <a:t>You should also be able to see your custom profile from your Compliance page.</a:t>
+            </a:r>
+          </a:p>
+          <a:p>
+            <a:pPr marL="457200" indent="-457200">
+              <a:buFont typeface="Arial" panose="020B0604020202020204" pitchFamily="34" charset="0"/>
+              <a:buChar char="•"/>
+            </a:pPr>
+            <a:endParaRPr lang="en-US" dirty="0"/>
+          </a:p>
+          <a:p>
+            <a:endParaRPr lang="en-US" dirty="0" smtClean="0"/>
+          </a:p>
+          <a:p>
+            <a:pPr marL="457200" indent="-457200">
+              <a:buFont typeface="Arial" panose="020B0604020202020204" pitchFamily="34" charset="0"/>
+              <a:buChar char="•"/>
+            </a:pPr>
+            <a:endParaRPr lang="en-US" dirty="0"/>
+          </a:p>
+        </p:txBody>
+      </p:sp>
+      <p:pic>
+        <p:nvPicPr>
+          <p:cNvPr id="4" name="Picture 3"/>
+          <p:cNvPicPr>
+            <a:picLocks noChangeAspect="1"/>
+          </p:cNvPicPr>
+          <p:nvPr/>
+        </p:nvPicPr>
+        <p:blipFill>
+          <a:blip r:embed="rId3"/>
+          <a:stretch>
+            <a:fillRect/>
+          </a:stretch>
+        </p:blipFill>
+        <p:spPr>
+          <a:xfrm>
+            <a:off x="2410860" y="3772169"/>
+            <a:ext cx="11434280" cy="3663801"/>
+          </a:xfrm>
+          <a:prstGeom prst="rect">
+            <a:avLst/>
+          </a:prstGeom>
+          <a:ln>
+            <a:solidFill>
+              <a:schemeClr val="accent1"/>
+            </a:solidFill>
+          </a:ln>
+        </p:spPr>
+      </p:pic>
+    </p:spTree>
+    <p:extLst>
+      <p:ext uri="{BB962C8B-B14F-4D97-AF65-F5344CB8AC3E}">
+        <p14:creationId xmlns:p14="http://schemas.microsoft.com/office/powerpoint/2010/main" val="807637005"/>
+      </p:ext>
+    </p:extLst>
+  </p:cSld>
+  <p:clrMapOvr>
+    <a:masterClrMapping/>
+  </p:clrMapOvr>
+  <p:transition spd="med">
+    <p:fade/>
+  </p:transition>
+  <p:timing>
+    <p:tnLst>
+      <p:par>
+        <p:cTn id="1" dur="indefinite" restart="never" nodeType="tmRoot"/>
+      </p:par>
+    </p:tnLst>
+  </p:timing>
+</p:sld>
+</file>
+
+<file path=ppt/slides/slide28.xml><?xml version="1.0" encoding="utf-8"?>
+<p:sld xmlns:a="http://schemas.openxmlformats.org/drawingml/2006/main" xmlns:r="http://schemas.openxmlformats.org/officeDocument/2006/relationships" xmlns:p="http://schemas.openxmlformats.org/presentationml/2006/main">
+  <p:cSld>
+    <p:spTree>
+      <p:nvGrpSpPr>
+        <p:cNvPr id="1" name=""/>
+        <p:cNvGrpSpPr/>
+        <p:nvPr/>
+      </p:nvGrpSpPr>
+      <p:grpSpPr>
+        <a:xfrm>
+          <a:off x="0" y="0"/>
+          <a:ext cx="0" cy="0"/>
+          <a:chOff x="0" y="0"/>
+          <a:chExt cx="0" cy="0"/>
+        </a:xfrm>
+      </p:grpSpPr>
+      <p:sp>
+        <p:nvSpPr>
+          <p:cNvPr id="2" name="Title 1"/>
+          <p:cNvSpPr>
+            <a:spLocks noGrp="1"/>
+          </p:cNvSpPr>
+          <p:nvPr>
+            <p:ph type="ctrTitle"/>
+          </p:nvPr>
+        </p:nvSpPr>
+        <p:spPr/>
+        <p:txBody>
+          <a:bodyPr>
+            <a:normAutofit fontScale="90000"/>
+          </a:bodyPr>
+          <a:lstStyle/>
+          <a:p>
+            <a:r>
+              <a:rPr lang="en-US" dirty="0" smtClean="0"/>
+              <a:t>DoD  </a:t>
+            </a:r>
+            <a:endParaRPr lang="en-US" dirty="0"/>
+          </a:p>
+        </p:txBody>
+      </p:sp>
+      <p:sp>
+        <p:nvSpPr>
+          <p:cNvPr id="3" name="Subtitle 2"/>
+          <p:cNvSpPr>
+            <a:spLocks noGrp="1"/>
+          </p:cNvSpPr>
+          <p:nvPr>
+            <p:ph type="subTitle" idx="1"/>
+          </p:nvPr>
+        </p:nvSpPr>
+        <p:spPr>
+          <a:xfrm>
+            <a:off x="1671638" y="3271838"/>
+            <a:ext cx="12319000" cy="4317682"/>
+          </a:xfrm>
+        </p:spPr>
+        <p:txBody>
+          <a:bodyPr/>
+          <a:lstStyle/>
+          <a:p>
+            <a:endParaRPr lang="en-US" dirty="0"/>
+          </a:p>
+          <a:p>
+            <a:endParaRPr lang="en-US" dirty="0"/>
+          </a:p>
+        </p:txBody>
+      </p:sp>
+    </p:spTree>
+    <p:extLst>
+      <p:ext uri="{BB962C8B-B14F-4D97-AF65-F5344CB8AC3E}">
+        <p14:creationId xmlns:p14="http://schemas.microsoft.com/office/powerpoint/2010/main" val="3804092102"/>
       </p:ext>
     </p:extLst>
   </p:cSld>
@@ -15312,7 +18746,7 @@
 </p:sld>
 </file>
 
-<file path=ppt/slides/slide22.xml><?xml version="1.0" encoding="utf-8"?>
+<file path=ppt/slides/slide29.xml><?xml version="1.0" encoding="utf-8"?>
 <p:sld xmlns:a="http://schemas.openxmlformats.org/drawingml/2006/main" xmlns:r="http://schemas.openxmlformats.org/officeDocument/2006/relationships" xmlns:p="http://schemas.openxmlformats.org/presentationml/2006/main">
   <p:cSld>
     <p:bg>
@@ -15492,200 +18926,6 @@
 </p:sld>
 </file>
 
-<file path=ppt/slides/slide23.xml><?xml version="1.0" encoding="utf-8"?>
-<p:sld xmlns:a="http://schemas.openxmlformats.org/drawingml/2006/main" xmlns:r="http://schemas.openxmlformats.org/officeDocument/2006/relationships" xmlns:p="http://schemas.openxmlformats.org/presentationml/2006/main">
-  <p:cSld>
-    <p:spTree>
-      <p:nvGrpSpPr>
-        <p:cNvPr id="1" name=""/>
-        <p:cNvGrpSpPr/>
-        <p:nvPr/>
-      </p:nvGrpSpPr>
-      <p:grpSpPr>
-        <a:xfrm>
-          <a:off x="0" y="0"/>
-          <a:ext cx="0" cy="0"/>
-          <a:chOff x="0" y="0"/>
-          <a:chExt cx="0" cy="0"/>
-        </a:xfrm>
-      </p:grpSpPr>
-      <p:sp>
-        <p:nvSpPr>
-          <p:cNvPr id="2" name="Footer Placeholder 1"/>
-          <p:cNvSpPr txBox="1">
-            <a:spLocks/>
-          </p:cNvSpPr>
-          <p:nvPr/>
-        </p:nvSpPr>
-        <p:spPr>
-          <a:xfrm>
-            <a:off x="324400" y="8579607"/>
-            <a:ext cx="5681953" cy="507556"/>
-          </a:xfrm>
-          <a:prstGeom prst="rect">
-            <a:avLst/>
-          </a:prstGeom>
-        </p:spPr>
-        <p:txBody>
-          <a:bodyPr/>
-          <a:lstStyle>
-            <a:defPPr>
-              <a:defRPr lang="en-US"/>
-            </a:defPPr>
-            <a:lvl1pPr algn="l" defTabSz="1217613" rtl="0" fontAlgn="base">
-              <a:spcBef>
-                <a:spcPct val="0"/>
-              </a:spcBef>
-              <a:spcAft>
-                <a:spcPct val="0"/>
-              </a:spcAft>
-              <a:defRPr sz="2400" kern="1200">
-                <a:solidFill>
-                  <a:schemeClr val="tx1"/>
-                </a:solidFill>
-                <a:latin typeface="Arial" charset="0"/>
-                <a:ea typeface="ＭＳ Ｐゴシック" charset="0"/>
-                <a:cs typeface="ＭＳ Ｐゴシック" charset="0"/>
-              </a:defRPr>
-            </a:lvl1pPr>
-            <a:lvl2pPr marL="608013" indent="-150813" algn="l" defTabSz="1217613" rtl="0" fontAlgn="base">
-              <a:spcBef>
-                <a:spcPct val="0"/>
-              </a:spcBef>
-              <a:spcAft>
-                <a:spcPct val="0"/>
-              </a:spcAft>
-              <a:defRPr sz="2400" kern="1200">
-                <a:solidFill>
-                  <a:schemeClr val="tx1"/>
-                </a:solidFill>
-                <a:latin typeface="Arial" charset="0"/>
-                <a:ea typeface="ＭＳ Ｐゴシック" charset="0"/>
-                <a:cs typeface="ＭＳ Ｐゴシック" charset="0"/>
-              </a:defRPr>
-            </a:lvl2pPr>
-            <a:lvl3pPr marL="1217613" indent="-303213" algn="l" defTabSz="1217613" rtl="0" fontAlgn="base">
-              <a:spcBef>
-                <a:spcPct val="0"/>
-              </a:spcBef>
-              <a:spcAft>
-                <a:spcPct val="0"/>
-              </a:spcAft>
-              <a:defRPr sz="2400" kern="1200">
-                <a:solidFill>
-                  <a:schemeClr val="tx1"/>
-                </a:solidFill>
-                <a:latin typeface="Arial" charset="0"/>
-                <a:ea typeface="ＭＳ Ｐゴシック" charset="0"/>
-                <a:cs typeface="ＭＳ Ｐゴシック" charset="0"/>
-              </a:defRPr>
-            </a:lvl3pPr>
-            <a:lvl4pPr marL="1827213" indent="-455613" algn="l" defTabSz="1217613" rtl="0" fontAlgn="base">
-              <a:spcBef>
-                <a:spcPct val="0"/>
-              </a:spcBef>
-              <a:spcAft>
-                <a:spcPct val="0"/>
-              </a:spcAft>
-              <a:defRPr sz="2400" kern="1200">
-                <a:solidFill>
-                  <a:schemeClr val="tx1"/>
-                </a:solidFill>
-                <a:latin typeface="Arial" charset="0"/>
-                <a:ea typeface="ＭＳ Ｐゴシック" charset="0"/>
-                <a:cs typeface="ＭＳ Ｐゴシック" charset="0"/>
-              </a:defRPr>
-            </a:lvl4pPr>
-            <a:lvl5pPr marL="2436813" indent="-608013" algn="l" defTabSz="1217613" rtl="0" fontAlgn="base">
-              <a:spcBef>
-                <a:spcPct val="0"/>
-              </a:spcBef>
-              <a:spcAft>
-                <a:spcPct val="0"/>
-              </a:spcAft>
-              <a:defRPr sz="2400" kern="1200">
-                <a:solidFill>
-                  <a:schemeClr val="tx1"/>
-                </a:solidFill>
-                <a:latin typeface="Arial" charset="0"/>
-                <a:ea typeface="ＭＳ Ｐゴシック" charset="0"/>
-                <a:cs typeface="ＭＳ Ｐゴシック" charset="0"/>
-              </a:defRPr>
-            </a:lvl5pPr>
-            <a:lvl6pPr marL="2286000" algn="l" defTabSz="457200" rtl="0" eaLnBrk="1" latinLnBrk="0" hangingPunct="1">
-              <a:defRPr sz="2400" kern="1200">
-                <a:solidFill>
-                  <a:schemeClr val="tx1"/>
-                </a:solidFill>
-                <a:latin typeface="Arial" charset="0"/>
-                <a:ea typeface="ＭＳ Ｐゴシック" charset="0"/>
-                <a:cs typeface="ＭＳ Ｐゴシック" charset="0"/>
-              </a:defRPr>
-            </a:lvl6pPr>
-            <a:lvl7pPr marL="2743200" algn="l" defTabSz="457200" rtl="0" eaLnBrk="1" latinLnBrk="0" hangingPunct="1">
-              <a:defRPr sz="2400" kern="1200">
-                <a:solidFill>
-                  <a:schemeClr val="tx1"/>
-                </a:solidFill>
-                <a:latin typeface="Arial" charset="0"/>
-                <a:ea typeface="ＭＳ Ｐゴシック" charset="0"/>
-                <a:cs typeface="ＭＳ Ｐゴシック" charset="0"/>
-              </a:defRPr>
-            </a:lvl7pPr>
-            <a:lvl8pPr marL="3200400" algn="l" defTabSz="457200" rtl="0" eaLnBrk="1" latinLnBrk="0" hangingPunct="1">
-              <a:defRPr sz="2400" kern="1200">
-                <a:solidFill>
-                  <a:schemeClr val="tx1"/>
-                </a:solidFill>
-                <a:latin typeface="Arial" charset="0"/>
-                <a:ea typeface="ＭＳ Ｐゴシック" charset="0"/>
-                <a:cs typeface="ＭＳ Ｐゴシック" charset="0"/>
-              </a:defRPr>
-            </a:lvl8pPr>
-            <a:lvl9pPr marL="3657600" algn="l" defTabSz="457200" rtl="0" eaLnBrk="1" latinLnBrk="0" hangingPunct="1">
-              <a:defRPr sz="2400" kern="1200">
-                <a:solidFill>
-                  <a:schemeClr val="tx1"/>
-                </a:solidFill>
-                <a:latin typeface="Arial" charset="0"/>
-                <a:ea typeface="ＭＳ Ｐゴシック" charset="0"/>
-                <a:cs typeface="ＭＳ Ｐゴシック" charset="0"/>
-              </a:defRPr>
-            </a:lvl9pPr>
-          </a:lstStyle>
-          <a:p>
-            <a:r>
-              <a:rPr lang="en-US" dirty="0" smtClean="0">
-                <a:solidFill>
-                  <a:srgbClr val="7D868C"/>
-                </a:solidFill>
-              </a:rPr>
-              <a:t>©2016 Chef Software Inc</a:t>
-            </a:r>
-            <a:r>
-              <a:rPr lang="en-US" dirty="0" smtClean="0"/>
-              <a:t>.</a:t>
-            </a:r>
-            <a:endParaRPr lang="en-US" dirty="0"/>
-          </a:p>
-        </p:txBody>
-      </p:sp>
-    </p:spTree>
-    <p:extLst>
-      <p:ext uri="{BB962C8B-B14F-4D97-AF65-F5344CB8AC3E}">
-        <p14:creationId xmlns:p14="http://schemas.microsoft.com/office/powerpoint/2010/main" val="522763473"/>
-      </p:ext>
-    </p:extLst>
-  </p:cSld>
-  <p:clrMapOvr>
-    <a:masterClrMapping/>
-  </p:clrMapOvr>
-  <p:transition spd="med">
-    <p:fade/>
-  </p:transition>
-</p:sld>
-</file>
-
 <file path=ppt/slides/slide3.xml><?xml version="1.0" encoding="utf-8"?>
 <p:sld xmlns:a="http://schemas.openxmlformats.org/drawingml/2006/main" xmlns:r="http://schemas.openxmlformats.org/officeDocument/2006/relationships" xmlns:p="http://schemas.openxmlformats.org/presentationml/2006/main">
   <p:cSld>
@@ -15837,6 +19077,340 @@
 </p:sld>
 </file>
 
+<file path=ppt/slides/slide30.xml><?xml version="1.0" encoding="utf-8"?>
+<p:sld xmlns:a="http://schemas.openxmlformats.org/drawingml/2006/main" xmlns:r="http://schemas.openxmlformats.org/officeDocument/2006/relationships" xmlns:p="http://schemas.openxmlformats.org/presentationml/2006/main">
+  <p:cSld>
+    <p:spTree>
+      <p:nvGrpSpPr>
+        <p:cNvPr id="1" name=""/>
+        <p:cNvGrpSpPr/>
+        <p:nvPr/>
+      </p:nvGrpSpPr>
+      <p:grpSpPr>
+        <a:xfrm>
+          <a:off x="0" y="0"/>
+          <a:ext cx="0" cy="0"/>
+          <a:chOff x="0" y="0"/>
+          <a:chExt cx="0" cy="0"/>
+        </a:xfrm>
+      </p:grpSpPr>
+      <p:sp>
+        <p:nvSpPr>
+          <p:cNvPr id="2" name="Title 1"/>
+          <p:cNvSpPr>
+            <a:spLocks noGrp="1"/>
+          </p:cNvSpPr>
+          <p:nvPr>
+            <p:ph type="title"/>
+          </p:nvPr>
+        </p:nvSpPr>
+        <p:spPr/>
+        <p:txBody>
+          <a:bodyPr/>
+          <a:lstStyle/>
+          <a:p>
+            <a:r>
+              <a:rPr lang="en-US" dirty="0" smtClean="0"/>
+              <a:t>Delete </a:t>
+            </a:r>
+            <a:r>
+              <a:rPr lang="en-US" dirty="0" err="1" smtClean="0"/>
+              <a:t>tbd</a:t>
+            </a:r>
+            <a:endParaRPr lang="en-US" dirty="0"/>
+          </a:p>
+        </p:txBody>
+      </p:sp>
+      <p:sp>
+        <p:nvSpPr>
+          <p:cNvPr id="3" name="Text Placeholder 2"/>
+          <p:cNvSpPr>
+            <a:spLocks noGrp="1"/>
+          </p:cNvSpPr>
+          <p:nvPr>
+            <p:ph type="body" sz="quarter" idx="12"/>
+          </p:nvPr>
+        </p:nvSpPr>
+        <p:spPr>
+          <a:xfrm>
+            <a:off x="650040" y="1856198"/>
+            <a:ext cx="10925875" cy="5345953"/>
+          </a:xfrm>
+        </p:spPr>
+        <p:txBody>
+          <a:bodyPr/>
+          <a:lstStyle/>
+          <a:p>
+            <a:r>
+              <a:rPr lang="en-US" dirty="0"/>
+              <a:t> </a:t>
+            </a:r>
+            <a:r>
+              <a:rPr lang="en-US" dirty="0" smtClean="0"/>
+              <a:t>The latest CIS benchmarks in PDF format can be downloaded from here:</a:t>
+            </a:r>
+            <a:endParaRPr lang="en-US" dirty="0">
+              <a:hlinkClick r:id="rId2"/>
+            </a:endParaRPr>
+          </a:p>
+          <a:p>
+            <a:r>
+              <a:rPr lang="en-US" dirty="0" smtClean="0">
+                <a:hlinkClick r:id="rId2"/>
+              </a:rPr>
+              <a:t>https</a:t>
+            </a:r>
+            <a:r>
+              <a:rPr lang="en-US" dirty="0">
+                <a:hlinkClick r:id="rId2"/>
+              </a:rPr>
+              <a:t>://benchmarks.cisecurity.org/downloads/latest/</a:t>
+            </a:r>
+            <a:r>
+              <a:rPr lang="en-US" dirty="0" smtClean="0"/>
+              <a:t> </a:t>
+            </a:r>
+          </a:p>
+          <a:p>
+            <a:r>
+              <a:rPr lang="en-US" dirty="0" smtClean="0"/>
+              <a:t>From that link, scroll down to and download the </a:t>
+            </a:r>
+          </a:p>
+          <a:p>
+            <a:r>
+              <a:rPr lang="pt-BR" dirty="0" smtClean="0"/>
+              <a:t>CIS </a:t>
+            </a:r>
+            <a:r>
+              <a:rPr lang="pt-BR" dirty="0"/>
+              <a:t>CentOS Linux 6 </a:t>
+            </a:r>
+            <a:r>
+              <a:rPr lang="pt-BR" dirty="0" smtClean="0"/>
+              <a:t>Benchmark PDF.</a:t>
+            </a:r>
+            <a:endParaRPr lang="en-US" dirty="0"/>
+          </a:p>
+        </p:txBody>
+      </p:sp>
+    </p:spTree>
+    <p:extLst>
+      <p:ext uri="{BB962C8B-B14F-4D97-AF65-F5344CB8AC3E}">
+        <p14:creationId xmlns:p14="http://schemas.microsoft.com/office/powerpoint/2010/main" val="103202851"/>
+      </p:ext>
+    </p:extLst>
+  </p:cSld>
+  <p:clrMapOvr>
+    <a:masterClrMapping/>
+  </p:clrMapOvr>
+  <p:transition spd="med">
+    <p:fade/>
+  </p:transition>
+  <p:timing>
+    <p:tnLst>
+      <p:par>
+        <p:cTn id="1" dur="indefinite" restart="never" nodeType="tmRoot"/>
+      </p:par>
+    </p:tnLst>
+  </p:timing>
+</p:sld>
+</file>
+
+<file path=ppt/slides/slide31.xml><?xml version="1.0" encoding="utf-8"?>
+<p:sld xmlns:a="http://schemas.openxmlformats.org/drawingml/2006/main" xmlns:r="http://schemas.openxmlformats.org/officeDocument/2006/relationships" xmlns:p="http://schemas.openxmlformats.org/presentationml/2006/main">
+  <p:cSld>
+    <p:spTree>
+      <p:nvGrpSpPr>
+        <p:cNvPr id="1" name=""/>
+        <p:cNvGrpSpPr/>
+        <p:nvPr/>
+      </p:nvGrpSpPr>
+      <p:grpSpPr>
+        <a:xfrm>
+          <a:off x="0" y="0"/>
+          <a:ext cx="0" cy="0"/>
+          <a:chOff x="0" y="0"/>
+          <a:chExt cx="0" cy="0"/>
+        </a:xfrm>
+      </p:grpSpPr>
+      <p:sp>
+        <p:nvSpPr>
+          <p:cNvPr id="2" name="Footer Placeholder 1"/>
+          <p:cNvSpPr txBox="1">
+            <a:spLocks/>
+          </p:cNvSpPr>
+          <p:nvPr/>
+        </p:nvSpPr>
+        <p:spPr>
+          <a:xfrm>
+            <a:off x="324400" y="8579607"/>
+            <a:ext cx="5681953" cy="507556"/>
+          </a:xfrm>
+          <a:prstGeom prst="rect">
+            <a:avLst/>
+          </a:prstGeom>
+        </p:spPr>
+        <p:txBody>
+          <a:bodyPr/>
+          <a:lstStyle>
+            <a:defPPr>
+              <a:defRPr lang="en-US"/>
+            </a:defPPr>
+            <a:lvl1pPr algn="l" defTabSz="1217613" rtl="0" fontAlgn="base">
+              <a:spcBef>
+                <a:spcPct val="0"/>
+              </a:spcBef>
+              <a:spcAft>
+                <a:spcPct val="0"/>
+              </a:spcAft>
+              <a:defRPr sz="2400" kern="1200">
+                <a:solidFill>
+                  <a:schemeClr val="tx1"/>
+                </a:solidFill>
+                <a:latin typeface="Arial" charset="0"/>
+                <a:ea typeface="ＭＳ Ｐゴシック" charset="0"/>
+                <a:cs typeface="ＭＳ Ｐゴシック" charset="0"/>
+              </a:defRPr>
+            </a:lvl1pPr>
+            <a:lvl2pPr marL="608013" indent="-150813" algn="l" defTabSz="1217613" rtl="0" fontAlgn="base">
+              <a:spcBef>
+                <a:spcPct val="0"/>
+              </a:spcBef>
+              <a:spcAft>
+                <a:spcPct val="0"/>
+              </a:spcAft>
+              <a:defRPr sz="2400" kern="1200">
+                <a:solidFill>
+                  <a:schemeClr val="tx1"/>
+                </a:solidFill>
+                <a:latin typeface="Arial" charset="0"/>
+                <a:ea typeface="ＭＳ Ｐゴシック" charset="0"/>
+                <a:cs typeface="ＭＳ Ｐゴシック" charset="0"/>
+              </a:defRPr>
+            </a:lvl2pPr>
+            <a:lvl3pPr marL="1217613" indent="-303213" algn="l" defTabSz="1217613" rtl="0" fontAlgn="base">
+              <a:spcBef>
+                <a:spcPct val="0"/>
+              </a:spcBef>
+              <a:spcAft>
+                <a:spcPct val="0"/>
+              </a:spcAft>
+              <a:defRPr sz="2400" kern="1200">
+                <a:solidFill>
+                  <a:schemeClr val="tx1"/>
+                </a:solidFill>
+                <a:latin typeface="Arial" charset="0"/>
+                <a:ea typeface="ＭＳ Ｐゴシック" charset="0"/>
+                <a:cs typeface="ＭＳ Ｐゴシック" charset="0"/>
+              </a:defRPr>
+            </a:lvl3pPr>
+            <a:lvl4pPr marL="1827213" indent="-455613" algn="l" defTabSz="1217613" rtl="0" fontAlgn="base">
+              <a:spcBef>
+                <a:spcPct val="0"/>
+              </a:spcBef>
+              <a:spcAft>
+                <a:spcPct val="0"/>
+              </a:spcAft>
+              <a:defRPr sz="2400" kern="1200">
+                <a:solidFill>
+                  <a:schemeClr val="tx1"/>
+                </a:solidFill>
+                <a:latin typeface="Arial" charset="0"/>
+                <a:ea typeface="ＭＳ Ｐゴシック" charset="0"/>
+                <a:cs typeface="ＭＳ Ｐゴシック" charset="0"/>
+              </a:defRPr>
+            </a:lvl4pPr>
+            <a:lvl5pPr marL="2436813" indent="-608013" algn="l" defTabSz="1217613" rtl="0" fontAlgn="base">
+              <a:spcBef>
+                <a:spcPct val="0"/>
+              </a:spcBef>
+              <a:spcAft>
+                <a:spcPct val="0"/>
+              </a:spcAft>
+              <a:defRPr sz="2400" kern="1200">
+                <a:solidFill>
+                  <a:schemeClr val="tx1"/>
+                </a:solidFill>
+                <a:latin typeface="Arial" charset="0"/>
+                <a:ea typeface="ＭＳ Ｐゴシック" charset="0"/>
+                <a:cs typeface="ＭＳ Ｐゴシック" charset="0"/>
+              </a:defRPr>
+            </a:lvl5pPr>
+            <a:lvl6pPr marL="2286000" algn="l" defTabSz="457200" rtl="0" eaLnBrk="1" latinLnBrk="0" hangingPunct="1">
+              <a:defRPr sz="2400" kern="1200">
+                <a:solidFill>
+                  <a:schemeClr val="tx1"/>
+                </a:solidFill>
+                <a:latin typeface="Arial" charset="0"/>
+                <a:ea typeface="ＭＳ Ｐゴシック" charset="0"/>
+                <a:cs typeface="ＭＳ Ｐゴシック" charset="0"/>
+              </a:defRPr>
+            </a:lvl6pPr>
+            <a:lvl7pPr marL="2743200" algn="l" defTabSz="457200" rtl="0" eaLnBrk="1" latinLnBrk="0" hangingPunct="1">
+              <a:defRPr sz="2400" kern="1200">
+                <a:solidFill>
+                  <a:schemeClr val="tx1"/>
+                </a:solidFill>
+                <a:latin typeface="Arial" charset="0"/>
+                <a:ea typeface="ＭＳ Ｐゴシック" charset="0"/>
+                <a:cs typeface="ＭＳ Ｐゴシック" charset="0"/>
+              </a:defRPr>
+            </a:lvl7pPr>
+            <a:lvl8pPr marL="3200400" algn="l" defTabSz="457200" rtl="0" eaLnBrk="1" latinLnBrk="0" hangingPunct="1">
+              <a:defRPr sz="2400" kern="1200">
+                <a:solidFill>
+                  <a:schemeClr val="tx1"/>
+                </a:solidFill>
+                <a:latin typeface="Arial" charset="0"/>
+                <a:ea typeface="ＭＳ Ｐゴシック" charset="0"/>
+                <a:cs typeface="ＭＳ Ｐゴシック" charset="0"/>
+              </a:defRPr>
+            </a:lvl8pPr>
+            <a:lvl9pPr marL="3657600" algn="l" defTabSz="457200" rtl="0" eaLnBrk="1" latinLnBrk="0" hangingPunct="1">
+              <a:defRPr sz="2400" kern="1200">
+                <a:solidFill>
+                  <a:schemeClr val="tx1"/>
+                </a:solidFill>
+                <a:latin typeface="Arial" charset="0"/>
+                <a:ea typeface="ＭＳ Ｐゴシック" charset="0"/>
+                <a:cs typeface="ＭＳ Ｐゴシック" charset="0"/>
+              </a:defRPr>
+            </a:lvl9pPr>
+          </a:lstStyle>
+          <a:p>
+            <a:r>
+              <a:rPr lang="en-US" dirty="0" smtClean="0">
+                <a:solidFill>
+                  <a:srgbClr val="7D868C"/>
+                </a:solidFill>
+              </a:rPr>
+              <a:t>©2016 Chef Software Inc</a:t>
+            </a:r>
+            <a:r>
+              <a:rPr lang="en-US" dirty="0" smtClean="0"/>
+              <a:t>.</a:t>
+            </a:r>
+            <a:endParaRPr lang="en-US" dirty="0"/>
+          </a:p>
+        </p:txBody>
+      </p:sp>
+    </p:spTree>
+    <p:extLst>
+      <p:ext uri="{BB962C8B-B14F-4D97-AF65-F5344CB8AC3E}">
+        <p14:creationId xmlns:p14="http://schemas.microsoft.com/office/powerpoint/2010/main" val="522763473"/>
+      </p:ext>
+    </p:extLst>
+  </p:cSld>
+  <p:clrMapOvr>
+    <a:masterClrMapping/>
+  </p:clrMapOvr>
+  <p:transition spd="med">
+    <p:fade/>
+  </p:transition>
+</p:sld>
+</file>
+
 <file path=ppt/slides/slide4.xml><?xml version="1.0" encoding="utf-8"?>
 <p:sld xmlns:a="http://schemas.openxmlformats.org/drawingml/2006/main" xmlns:r="http://schemas.openxmlformats.org/officeDocument/2006/relationships" xmlns:p="http://schemas.openxmlformats.org/presentationml/2006/main">
   <p:cSld>
@@ -15951,11 +19525,7 @@
             </a:r>
             <a:r>
               <a:rPr lang="en-US" dirty="0" smtClean="0"/>
-              <a:t> control and Compliance profile based on CIS benchmark</a:t>
-            </a:r>
-            <a:r>
-              <a:rPr lang="en-US" dirty="0" smtClean="0"/>
-              <a:t>.</a:t>
+              <a:t> control and Compliance profile based on CIS benchmark.</a:t>
             </a:r>
           </a:p>
           <a:p>
@@ -16028,7 +19598,11 @@
           <a:p>
             <a:r>
               <a:rPr lang="en-US" dirty="0" smtClean="0"/>
-              <a:t>GE: Compliance Frameworks</a:t>
+              <a:t>GE: Compliance </a:t>
+            </a:r>
+            <a:r>
+              <a:rPr lang="en-US" dirty="0" smtClean="0"/>
+              <a:t>Frameworks - CIS</a:t>
             </a:r>
             <a:endParaRPr lang="en-US" dirty="0"/>
           </a:p>

--- a/06-compliance-frameworks-inspec.pptx
+++ b/06-compliance-frameworks-inspec.pptx
@@ -302,7 +302,7 @@
               <a:pPr>
                 <a:defRPr/>
               </a:pPr>
-              <a:t>2016-01-29</a:t>
+              <a:t>2016-02-03</a:t>
             </a:fld>
             <a:endParaRPr lang="en-US" dirty="0"/>
           </a:p>
@@ -485,7 +485,7 @@
               <a:pPr>
                 <a:defRPr/>
               </a:pPr>
-              <a:t>2016-01-29</a:t>
+              <a:t>2016-02-03</a:t>
             </a:fld>
             <a:endParaRPr lang="en-US" dirty="0"/>
           </a:p>
@@ -930,9 +930,6 @@
           <a:bodyPr/>
           <a:lstStyle/>
           <a:p>
-            <a:endParaRPr lang="en-US" dirty="0" smtClean="0"/>
-          </a:p>
-          <a:p>
             <a:endParaRPr lang="en-US" dirty="0"/>
           </a:p>
         </p:txBody>
@@ -960,7 +957,7 @@
               <a:pPr>
                 <a:defRPr/>
               </a:pPr>
-              <a:t>2</a:t>
+              <a:t>1</a:t>
             </a:fld>
             <a:endParaRPr lang="en-US" dirty="0"/>
           </a:p>
@@ -1013,7 +1010,7 @@
     </p:spTree>
     <p:extLst>
       <p:ext uri="{BB962C8B-B14F-4D97-AF65-F5344CB8AC3E}">
-        <p14:creationId xmlns:p14="http://schemas.microsoft.com/office/powerpoint/2010/main" val="2320576231"/>
+        <p14:creationId xmlns:p14="http://schemas.microsoft.com/office/powerpoint/2010/main" val="3567678780"/>
       </p:ext>
     </p:extLst>
   </p:cSld>
@@ -1070,7 +1067,11 @@
           <a:lstStyle/>
           <a:p>
             <a:r>
-              <a:rPr lang="en-US" sz="1200" b="0" i="0" u="none" strike="noStrike" kern="1200" baseline="0" dirty="0" smtClean="0">
+              <a:rPr lang="en-US" dirty="0" smtClean="0"/>
+              <a:t>As you can see on that page, the </a:t>
+            </a:r>
+            <a:r>
+              <a:rPr lang="da-DK" sz="1200" b="0" i="1" u="none" strike="noStrike" kern="1200" baseline="0" dirty="0" smtClean="0">
                 <a:solidFill>
                   <a:schemeClr val="tx1"/>
                 </a:solidFill>
@@ -1078,9 +1079,9 @@
                 <a:ea typeface="ＭＳ Ｐゴシック" charset="0"/>
                 <a:cs typeface="Arial" panose="020B0604020202020204" pitchFamily="34" charset="0"/>
               </a:rPr>
-              <a:t>If you scrolled down in that section, you will see a CIS Audit example.</a:t>
-            </a:r>
-            <a:br>
+              <a:t>3.1 Set Daemon umask (Scored) </a:t>
+            </a:r>
+            <a:r>
               <a:rPr lang="en-US" sz="1200" b="0" i="0" u="none" strike="noStrike" kern="1200" baseline="0" dirty="0" smtClean="0">
                 <a:solidFill>
                   <a:schemeClr val="tx1"/>
@@ -1089,86 +1090,11 @@
                 <a:ea typeface="ＭＳ Ｐゴシック" charset="0"/>
                 <a:cs typeface="Arial" panose="020B0604020202020204" pitchFamily="34" charset="0"/>
               </a:rPr>
-            </a:br>
-            <a:r>
-              <a:rPr lang="en-US" sz="1200" b="0" i="0" u="none" strike="noStrike" kern="1200" baseline="0" dirty="0" smtClean="0">
-                <a:solidFill>
-                  <a:schemeClr val="tx1"/>
-                </a:solidFill>
-                <a:latin typeface="Arial" panose="020B0604020202020204" pitchFamily="34" charset="0"/>
-                <a:ea typeface="ＭＳ Ｐゴシック" charset="0"/>
-                <a:cs typeface="Arial" panose="020B0604020202020204" pitchFamily="34" charset="0"/>
-              </a:rPr>
-              <a:t/>
-            </a:r>
-            <a:br>
-              <a:rPr lang="en-US" sz="1200" b="0" i="0" u="none" strike="noStrike" kern="1200" baseline="0" dirty="0" smtClean="0">
-                <a:solidFill>
-                  <a:schemeClr val="tx1"/>
-                </a:solidFill>
-                <a:latin typeface="Arial" panose="020B0604020202020204" pitchFamily="34" charset="0"/>
-                <a:ea typeface="ＭＳ Ｐゴシック" charset="0"/>
-                <a:cs typeface="Arial" panose="020B0604020202020204" pitchFamily="34" charset="0"/>
-              </a:rPr>
-            </a:br>
-            <a:r>
-              <a:rPr lang="en-US" sz="1200" b="0" i="0" u="none" strike="noStrike" kern="1200" baseline="0" dirty="0" smtClean="0">
-                <a:solidFill>
-                  <a:schemeClr val="tx1"/>
-                </a:solidFill>
-                <a:latin typeface="Arial" panose="020B0604020202020204" pitchFamily="34" charset="0"/>
-                <a:ea typeface="ＭＳ Ｐゴシック" charset="0"/>
-                <a:cs typeface="Arial" panose="020B0604020202020204" pitchFamily="34" charset="0"/>
-              </a:rPr>
-              <a:t>So based on this audit example on the left, you could write an </a:t>
-            </a:r>
-            <a:r>
-              <a:rPr lang="en-US" sz="1200" b="0" i="0" u="none" strike="noStrike" kern="1200" baseline="0" dirty="0" err="1" smtClean="0">
-                <a:solidFill>
-                  <a:schemeClr val="tx1"/>
-                </a:solidFill>
-                <a:latin typeface="Arial" panose="020B0604020202020204" pitchFamily="34" charset="0"/>
-                <a:ea typeface="ＭＳ Ｐゴシック" charset="0"/>
-                <a:cs typeface="Arial" panose="020B0604020202020204" pitchFamily="34" charset="0"/>
-              </a:rPr>
-              <a:t>InSpec</a:t>
-            </a:r>
-            <a:r>
-              <a:rPr lang="en-US" sz="1200" b="0" i="0" u="none" strike="noStrike" kern="1200" baseline="0" dirty="0" smtClean="0">
-                <a:solidFill>
-                  <a:schemeClr val="tx1"/>
-                </a:solidFill>
-                <a:latin typeface="Arial" panose="020B0604020202020204" pitchFamily="34" charset="0"/>
-                <a:ea typeface="ＭＳ Ｐゴシック" charset="0"/>
-                <a:cs typeface="Arial" panose="020B0604020202020204" pitchFamily="34" charset="0"/>
-              </a:rPr>
-              <a:t> test as shown on the right and add it to a Chef Compliance custom profile. In this way you can subsequently use the custom profiles to scan nodes for </a:t>
-            </a:r>
-            <a:r>
-              <a:rPr lang="en-US" sz="1200" b="0" i="0" u="none" strike="noStrike" kern="1200" baseline="0" dirty="0" err="1" smtClean="0">
-                <a:solidFill>
-                  <a:schemeClr val="tx1"/>
-                </a:solidFill>
-                <a:latin typeface="Arial" panose="020B0604020202020204" pitchFamily="34" charset="0"/>
-                <a:ea typeface="ＭＳ Ｐゴシック" charset="0"/>
-                <a:cs typeface="Arial" panose="020B0604020202020204" pitchFamily="34" charset="0"/>
-              </a:rPr>
-              <a:t>umask</a:t>
-            </a:r>
-            <a:r>
-              <a:rPr lang="en-US" sz="1200" b="0" i="0" u="none" strike="noStrike" kern="1200" baseline="0" dirty="0" smtClean="0">
-                <a:solidFill>
-                  <a:schemeClr val="tx1"/>
-                </a:solidFill>
-                <a:latin typeface="Arial" panose="020B0604020202020204" pitchFamily="34" charset="0"/>
-                <a:ea typeface="ＭＳ Ｐゴシック" charset="0"/>
-                <a:cs typeface="Arial" panose="020B0604020202020204" pitchFamily="34" charset="0"/>
-              </a:rPr>
-              <a:t> compliance.</a:t>
-            </a:r>
-          </a:p>
-          <a:p>
-            <a:endParaRPr lang="nb-NO" sz="1200" b="0" i="0" u="none" strike="noStrike" kern="1200" baseline="0" dirty="0" smtClean="0">
+              <a:t>section says:</a:t>
+            </a:r>
+          </a:p>
+          <a:p>
+            <a:endParaRPr lang="en-US" sz="1200" b="0" i="0" u="none" strike="noStrike" kern="1200" baseline="0" dirty="0" smtClean="0">
               <a:solidFill>
                 <a:schemeClr val="tx1"/>
               </a:solidFill>
@@ -1178,7 +1104,205 @@
             </a:endParaRPr>
           </a:p>
           <a:p>
-            <a:endParaRPr lang="en-US" dirty="0"/>
+            <a:r>
+              <a:rPr lang="en-US" sz="1200" b="0" i="0" u="none" strike="noStrike" kern="1200" baseline="0" dirty="0" smtClean="0">
+                <a:solidFill>
+                  <a:schemeClr val="tx1"/>
+                </a:solidFill>
+                <a:latin typeface="Arial" panose="020B0604020202020204" pitchFamily="34" charset="0"/>
+                <a:ea typeface="ＭＳ Ｐゴシック" charset="0"/>
+                <a:cs typeface="Arial" panose="020B0604020202020204" pitchFamily="34" charset="0"/>
+              </a:rPr>
+              <a:t>Description:</a:t>
+            </a:r>
+          </a:p>
+          <a:p>
+            <a:endParaRPr lang="en-US" sz="1200" b="0" i="0" u="none" strike="noStrike" kern="1200" baseline="0" dirty="0" smtClean="0">
+              <a:solidFill>
+                <a:schemeClr val="tx1"/>
+              </a:solidFill>
+              <a:latin typeface="Arial" panose="020B0604020202020204" pitchFamily="34" charset="0"/>
+              <a:ea typeface="ＭＳ Ｐゴシック" charset="0"/>
+              <a:cs typeface="Arial" panose="020B0604020202020204" pitchFamily="34" charset="0"/>
+            </a:endParaRPr>
+          </a:p>
+          <a:p>
+            <a:r>
+              <a:rPr lang="en-US" sz="1200" b="0" i="0" u="none" strike="noStrike" kern="1200" baseline="0" dirty="0" smtClean="0">
+                <a:solidFill>
+                  <a:schemeClr val="tx1"/>
+                </a:solidFill>
+                <a:latin typeface="Arial" panose="020B0604020202020204" pitchFamily="34" charset="0"/>
+                <a:ea typeface="ＭＳ Ｐゴシック" charset="0"/>
+                <a:cs typeface="Arial" panose="020B0604020202020204" pitchFamily="34" charset="0"/>
+              </a:rPr>
+              <a:t>Set the default </a:t>
+            </a:r>
+            <a:r>
+              <a:rPr lang="en-US" sz="1200" b="0" i="0" u="none" strike="noStrike" kern="1200" baseline="0" dirty="0" err="1" smtClean="0">
+                <a:solidFill>
+                  <a:schemeClr val="tx1"/>
+                </a:solidFill>
+                <a:latin typeface="Arial" panose="020B0604020202020204" pitchFamily="34" charset="0"/>
+                <a:ea typeface="ＭＳ Ｐゴシック" charset="0"/>
+                <a:cs typeface="Arial" panose="020B0604020202020204" pitchFamily="34" charset="0"/>
+              </a:rPr>
+              <a:t>umask</a:t>
+            </a:r>
+            <a:r>
+              <a:rPr lang="en-US" sz="1200" b="0" i="0" u="none" strike="noStrike" kern="1200" baseline="0" dirty="0" smtClean="0">
+                <a:solidFill>
+                  <a:schemeClr val="tx1"/>
+                </a:solidFill>
+                <a:latin typeface="Arial" panose="020B0604020202020204" pitchFamily="34" charset="0"/>
+                <a:ea typeface="ＭＳ Ｐゴシック" charset="0"/>
+                <a:cs typeface="Arial" panose="020B0604020202020204" pitchFamily="34" charset="0"/>
+              </a:rPr>
+              <a:t> for all processes started at boot time. The settings in </a:t>
+            </a:r>
+            <a:r>
+              <a:rPr lang="en-US" sz="1200" b="0" i="0" u="none" strike="noStrike" kern="1200" baseline="0" dirty="0" err="1" smtClean="0">
+                <a:solidFill>
+                  <a:schemeClr val="tx1"/>
+                </a:solidFill>
+                <a:latin typeface="Arial" panose="020B0604020202020204" pitchFamily="34" charset="0"/>
+                <a:ea typeface="ＭＳ Ｐゴシック" charset="0"/>
+                <a:cs typeface="Arial" panose="020B0604020202020204" pitchFamily="34" charset="0"/>
+              </a:rPr>
+              <a:t>umask</a:t>
+            </a:r>
+            <a:r>
+              <a:rPr lang="en-US" sz="1200" b="0" i="0" u="none" strike="noStrike" kern="1200" baseline="0" dirty="0" smtClean="0">
+                <a:solidFill>
+                  <a:schemeClr val="tx1"/>
+                </a:solidFill>
+                <a:latin typeface="Arial" panose="020B0604020202020204" pitchFamily="34" charset="0"/>
+                <a:ea typeface="ＭＳ Ｐゴシック" charset="0"/>
+                <a:cs typeface="Arial" panose="020B0604020202020204" pitchFamily="34" charset="0"/>
+              </a:rPr>
+              <a:t> selectively turn off default permission when a file is created by a daemon process. </a:t>
+            </a:r>
+            <a:endParaRPr lang="en-US" dirty="0" smtClean="0"/>
+          </a:p>
+          <a:p>
+            <a:endParaRPr lang="en-US" dirty="0" smtClean="0"/>
+          </a:p>
+          <a:p>
+            <a:r>
+              <a:rPr lang="en-US" sz="1200" b="1" i="0" u="none" strike="noStrike" kern="1200" baseline="0" dirty="0" smtClean="0">
+                <a:solidFill>
+                  <a:schemeClr val="tx1"/>
+                </a:solidFill>
+                <a:latin typeface="Arial" panose="020B0604020202020204" pitchFamily="34" charset="0"/>
+                <a:ea typeface="ＭＳ Ｐゴシック" charset="0"/>
+                <a:cs typeface="Arial" panose="020B0604020202020204" pitchFamily="34" charset="0"/>
+              </a:rPr>
+              <a:t>Rationale: </a:t>
+            </a:r>
+            <a:endParaRPr lang="en-US" sz="1200" b="0" i="0" u="none" strike="noStrike" kern="1200" baseline="0" dirty="0" smtClean="0">
+              <a:solidFill>
+                <a:schemeClr val="tx1"/>
+              </a:solidFill>
+              <a:latin typeface="Arial" panose="020B0604020202020204" pitchFamily="34" charset="0"/>
+              <a:ea typeface="ＭＳ Ｐゴシック" charset="0"/>
+              <a:cs typeface="Arial" panose="020B0604020202020204" pitchFamily="34" charset="0"/>
+            </a:endParaRPr>
+          </a:p>
+          <a:p>
+            <a:r>
+              <a:rPr lang="en-US" sz="1200" b="0" i="0" u="none" strike="noStrike" kern="1200" baseline="0" dirty="0" smtClean="0">
+                <a:solidFill>
+                  <a:schemeClr val="tx1"/>
+                </a:solidFill>
+                <a:latin typeface="Arial" panose="020B0604020202020204" pitchFamily="34" charset="0"/>
+                <a:ea typeface="ＭＳ Ｐゴシック" charset="0"/>
+                <a:cs typeface="Arial" panose="020B0604020202020204" pitchFamily="34" charset="0"/>
+              </a:rPr>
+              <a:t>Setting the </a:t>
+            </a:r>
+            <a:r>
+              <a:rPr lang="en-US" sz="1200" b="0" i="0" u="none" strike="noStrike" kern="1200" baseline="0" dirty="0" err="1" smtClean="0">
+                <a:solidFill>
+                  <a:schemeClr val="tx1"/>
+                </a:solidFill>
+                <a:latin typeface="Arial" panose="020B0604020202020204" pitchFamily="34" charset="0"/>
+                <a:ea typeface="ＭＳ Ｐゴシック" charset="0"/>
+                <a:cs typeface="Arial" panose="020B0604020202020204" pitchFamily="34" charset="0"/>
+              </a:rPr>
+              <a:t>umask</a:t>
+            </a:r>
+            <a:r>
+              <a:rPr lang="en-US" sz="1200" b="0" i="0" u="none" strike="noStrike" kern="1200" baseline="0" dirty="0" smtClean="0">
+                <a:solidFill>
+                  <a:schemeClr val="tx1"/>
+                </a:solidFill>
+                <a:latin typeface="Arial" panose="020B0604020202020204" pitchFamily="34" charset="0"/>
+                <a:ea typeface="ＭＳ Ｐゴシック" charset="0"/>
+                <a:cs typeface="Arial" panose="020B0604020202020204" pitchFamily="34" charset="0"/>
+              </a:rPr>
+              <a:t> to 027 will make sure that files created by daemons will not be readable, writable or executable by any other than the group and owner of the daemon process and will not be writable by the group of the daemon process. The daemon process can manually override these settings if these files need additional permission. </a:t>
+            </a:r>
+          </a:p>
+          <a:p>
+            <a:endParaRPr lang="en-US" sz="1200" b="0" i="0" u="none" strike="noStrike" kern="1200" baseline="0" dirty="0" smtClean="0">
+              <a:solidFill>
+                <a:schemeClr val="tx1"/>
+              </a:solidFill>
+              <a:latin typeface="Arial" panose="020B0604020202020204" pitchFamily="34" charset="0"/>
+              <a:ea typeface="ＭＳ Ｐゴシック" charset="0"/>
+              <a:cs typeface="Arial" panose="020B0604020202020204" pitchFamily="34" charset="0"/>
+            </a:endParaRPr>
+          </a:p>
+          <a:p>
+            <a:pPr marL="0" marR="0" indent="0" algn="l" defTabSz="1217613" rtl="0" eaLnBrk="1" fontAlgn="base" latinLnBrk="0" hangingPunct="1">
+              <a:lnSpc>
+                <a:spcPct val="90000"/>
+              </a:lnSpc>
+              <a:spcBef>
+                <a:spcPct val="30000"/>
+              </a:spcBef>
+              <a:spcAft>
+                <a:spcPts val="450"/>
+              </a:spcAft>
+              <a:buClrTx/>
+              <a:buSzTx/>
+              <a:buFontTx/>
+              <a:buNone/>
+              <a:tabLst/>
+              <a:defRPr/>
+            </a:pPr>
+            <a:r>
+              <a:rPr lang="en-US" sz="1200" b="0" i="0" u="none" strike="noStrike" kern="1200" baseline="0" dirty="0" err="1" smtClean="0">
+                <a:solidFill>
+                  <a:schemeClr val="tx1"/>
+                </a:solidFill>
+                <a:latin typeface="Arial" panose="020B0604020202020204" pitchFamily="34" charset="0"/>
+                <a:ea typeface="ＭＳ Ｐゴシック" charset="0"/>
+                <a:cs typeface="Arial" panose="020B0604020202020204" pitchFamily="34" charset="0"/>
+              </a:rPr>
+              <a:t>tbd</a:t>
+            </a:r>
+            <a:r>
+              <a:rPr lang="en-US" sz="1200" b="0" i="0" u="none" strike="noStrike" kern="1200" baseline="0" dirty="0" smtClean="0">
+                <a:solidFill>
+                  <a:schemeClr val="tx1"/>
+                </a:solidFill>
+                <a:latin typeface="Arial" panose="020B0604020202020204" pitchFamily="34" charset="0"/>
+                <a:ea typeface="ＭＳ Ｐゴシック" charset="0"/>
+                <a:cs typeface="Arial" panose="020B0604020202020204" pitchFamily="34" charset="0"/>
+              </a:rPr>
+              <a:t> add `desc` text from this Description text and add to profile on next slide.</a:t>
+            </a:r>
+          </a:p>
+          <a:p>
+            <a:endParaRPr lang="en-US" sz="1200" b="0" i="0" u="none" strike="noStrike" kern="1200" baseline="0" dirty="0" smtClean="0">
+              <a:solidFill>
+                <a:schemeClr val="tx1"/>
+              </a:solidFill>
+              <a:latin typeface="Arial" panose="020B0604020202020204" pitchFamily="34" charset="0"/>
+              <a:ea typeface="ＭＳ Ｐゴシック" charset="0"/>
+              <a:cs typeface="Arial" panose="020B0604020202020204" pitchFamily="34" charset="0"/>
+            </a:endParaRPr>
           </a:p>
         </p:txBody>
       </p:sp>
@@ -1205,7 +1329,7 @@
               <a:pPr>
                 <a:defRPr/>
               </a:pPr>
-              <a:t>12</a:t>
+              <a:t>11</a:t>
             </a:fld>
             <a:endParaRPr lang="en-US" dirty="0"/>
           </a:p>
@@ -1258,7 +1382,7 @@
     </p:spTree>
     <p:extLst>
       <p:ext uri="{BB962C8B-B14F-4D97-AF65-F5344CB8AC3E}">
-        <p14:creationId xmlns:p14="http://schemas.microsoft.com/office/powerpoint/2010/main" val="2338664399"/>
+        <p14:creationId xmlns:p14="http://schemas.microsoft.com/office/powerpoint/2010/main" val="2120048976"/>
       </p:ext>
     </p:extLst>
   </p:cSld>
@@ -1315,40 +1439,146 @@
           <a:lstStyle/>
           <a:p>
             <a:r>
-              <a:rPr lang="en-US" dirty="0" smtClean="0"/>
-              <a:t>After writing the test, in the workplace you should:</a:t>
-            </a:r>
-          </a:p>
-          <a:p>
-            <a:endParaRPr lang="en-US" dirty="0" smtClean="0"/>
-          </a:p>
-          <a:p>
-            <a:pPr marL="0" indent="0">
-              <a:buFont typeface="Arial" panose="020B0604020202020204" pitchFamily="34" charset="0"/>
-              <a:buNone/>
-            </a:pPr>
-            <a:r>
-              <a:rPr lang="en-US" dirty="0" smtClean="0"/>
-              <a:t>Use '</a:t>
-            </a:r>
-            <a:r>
-              <a:rPr lang="en-US" dirty="0" err="1" smtClean="0"/>
-              <a:t>inspec</a:t>
-            </a:r>
-            <a:r>
-              <a:rPr lang="en-US" dirty="0" smtClean="0"/>
-              <a:t> exec' to run the tests against your Linux target node.</a:t>
-            </a:r>
-          </a:p>
-          <a:p>
-            <a:pPr marL="0" indent="0">
-              <a:buFont typeface="Arial" panose="020B0604020202020204" pitchFamily="34" charset="0"/>
-              <a:buNone/>
-            </a:pPr>
-            <a:r>
-              <a:rPr lang="en-US" dirty="0" smtClean="0"/>
-              <a:t>Package the custom profile and upload it to your Compliance server.</a:t>
-            </a:r>
+              <a:rPr lang="en-US" sz="1200" b="0" i="0" u="none" strike="noStrike" kern="1200" baseline="0" dirty="0" smtClean="0">
+                <a:solidFill>
+                  <a:schemeClr val="tx1"/>
+                </a:solidFill>
+                <a:latin typeface="Arial" panose="020B0604020202020204" pitchFamily="34" charset="0"/>
+                <a:ea typeface="ＭＳ Ｐゴシック" charset="0"/>
+                <a:cs typeface="Arial" panose="020B0604020202020204" pitchFamily="34" charset="0"/>
+              </a:rPr>
+              <a:t>If you scrolled down in that section, you will see a CIS Audit example.</a:t>
+            </a:r>
+            <a:br>
+              <a:rPr lang="en-US" sz="1200" b="0" i="0" u="none" strike="noStrike" kern="1200" baseline="0" dirty="0" smtClean="0">
+                <a:solidFill>
+                  <a:schemeClr val="tx1"/>
+                </a:solidFill>
+                <a:latin typeface="Arial" panose="020B0604020202020204" pitchFamily="34" charset="0"/>
+                <a:ea typeface="ＭＳ Ｐゴシック" charset="0"/>
+                <a:cs typeface="Arial" panose="020B0604020202020204" pitchFamily="34" charset="0"/>
+              </a:rPr>
+            </a:br>
+            <a:r>
+              <a:rPr lang="en-US" sz="1200" b="0" i="0" u="none" strike="noStrike" kern="1200" baseline="0" dirty="0" smtClean="0">
+                <a:solidFill>
+                  <a:schemeClr val="tx1"/>
+                </a:solidFill>
+                <a:latin typeface="Arial" panose="020B0604020202020204" pitchFamily="34" charset="0"/>
+                <a:ea typeface="ＭＳ Ｐゴシック" charset="0"/>
+                <a:cs typeface="Arial" panose="020B0604020202020204" pitchFamily="34" charset="0"/>
+              </a:rPr>
+              <a:t/>
+            </a:r>
+            <a:br>
+              <a:rPr lang="en-US" sz="1200" b="0" i="0" u="none" strike="noStrike" kern="1200" baseline="0" dirty="0" smtClean="0">
+                <a:solidFill>
+                  <a:schemeClr val="tx1"/>
+                </a:solidFill>
+                <a:latin typeface="Arial" panose="020B0604020202020204" pitchFamily="34" charset="0"/>
+                <a:ea typeface="ＭＳ Ｐゴシック" charset="0"/>
+                <a:cs typeface="Arial" panose="020B0604020202020204" pitchFamily="34" charset="0"/>
+              </a:rPr>
+            </a:br>
+            <a:r>
+              <a:rPr lang="en-US" sz="1200" b="0" i="0" u="none" strike="noStrike" kern="1200" baseline="0" dirty="0" smtClean="0">
+                <a:solidFill>
+                  <a:schemeClr val="tx1"/>
+                </a:solidFill>
+                <a:latin typeface="Arial" panose="020B0604020202020204" pitchFamily="34" charset="0"/>
+                <a:ea typeface="ＭＳ Ｐゴシック" charset="0"/>
+                <a:cs typeface="Arial" panose="020B0604020202020204" pitchFamily="34" charset="0"/>
+              </a:rPr>
+              <a:t>So based on this audit example on the left, you could write an </a:t>
+            </a:r>
+            <a:r>
+              <a:rPr lang="en-US" sz="1200" b="0" i="0" u="none" strike="noStrike" kern="1200" baseline="0" dirty="0" err="1" smtClean="0">
+                <a:solidFill>
+                  <a:schemeClr val="tx1"/>
+                </a:solidFill>
+                <a:latin typeface="Arial" panose="020B0604020202020204" pitchFamily="34" charset="0"/>
+                <a:ea typeface="ＭＳ Ｐゴシック" charset="0"/>
+                <a:cs typeface="Arial" panose="020B0604020202020204" pitchFamily="34" charset="0"/>
+              </a:rPr>
+              <a:t>InSpec</a:t>
+            </a:r>
+            <a:r>
+              <a:rPr lang="en-US" sz="1200" b="0" i="0" u="none" strike="noStrike" kern="1200" baseline="0" dirty="0" smtClean="0">
+                <a:solidFill>
+                  <a:schemeClr val="tx1"/>
+                </a:solidFill>
+                <a:latin typeface="Arial" panose="020B0604020202020204" pitchFamily="34" charset="0"/>
+                <a:ea typeface="ＭＳ Ｐゴシック" charset="0"/>
+                <a:cs typeface="Arial" panose="020B0604020202020204" pitchFamily="34" charset="0"/>
+              </a:rPr>
+              <a:t> test as shown on the right and add it to a Chef Compliance custom profile. In this way you can subsequently use the custom profiles to scan nodes for </a:t>
+            </a:r>
+            <a:r>
+              <a:rPr lang="en-US" sz="1200" b="0" i="0" u="none" strike="noStrike" kern="1200" baseline="0" dirty="0" err="1" smtClean="0">
+                <a:solidFill>
+                  <a:schemeClr val="tx1"/>
+                </a:solidFill>
+                <a:latin typeface="Arial" panose="020B0604020202020204" pitchFamily="34" charset="0"/>
+                <a:ea typeface="ＭＳ Ｐゴシック" charset="0"/>
+                <a:cs typeface="Arial" panose="020B0604020202020204" pitchFamily="34" charset="0"/>
+              </a:rPr>
+              <a:t>umask</a:t>
+            </a:r>
+            <a:r>
+              <a:rPr lang="en-US" sz="1200" b="0" i="0" u="none" strike="noStrike" kern="1200" baseline="0" dirty="0" smtClean="0">
+                <a:solidFill>
+                  <a:schemeClr val="tx1"/>
+                </a:solidFill>
+                <a:latin typeface="Arial" panose="020B0604020202020204" pitchFamily="34" charset="0"/>
+                <a:ea typeface="ＭＳ Ｐゴシック" charset="0"/>
+                <a:cs typeface="Arial" panose="020B0604020202020204" pitchFamily="34" charset="0"/>
+              </a:rPr>
+              <a:t> compliance.</a:t>
+            </a:r>
+          </a:p>
+          <a:p>
+            <a:endParaRPr lang="en-US" sz="1200" b="0" i="0" u="none" strike="noStrike" kern="1200" baseline="0" dirty="0" smtClean="0">
+              <a:solidFill>
+                <a:schemeClr val="tx1"/>
+              </a:solidFill>
+              <a:latin typeface="Arial" panose="020B0604020202020204" pitchFamily="34" charset="0"/>
+              <a:ea typeface="ＭＳ Ｐゴシック" charset="0"/>
+              <a:cs typeface="Arial" panose="020B0604020202020204" pitchFamily="34" charset="0"/>
+            </a:endParaRPr>
+          </a:p>
+          <a:p>
+            <a:r>
+              <a:rPr lang="en-US" sz="1200" b="0" i="0" u="none" strike="noStrike" kern="1200" baseline="0" dirty="0" err="1" smtClean="0">
+                <a:solidFill>
+                  <a:schemeClr val="tx1"/>
+                </a:solidFill>
+                <a:latin typeface="Arial" panose="020B0604020202020204" pitchFamily="34" charset="0"/>
+                <a:ea typeface="ＭＳ Ｐゴシック" charset="0"/>
+                <a:cs typeface="Arial" panose="020B0604020202020204" pitchFamily="34" charset="0"/>
+              </a:rPr>
+              <a:t>tbd</a:t>
+            </a:r>
+            <a:r>
+              <a:rPr lang="en-US" sz="1200" b="0" i="0" u="none" strike="noStrike" kern="1200" baseline="0" dirty="0" smtClean="0">
+                <a:solidFill>
+                  <a:schemeClr val="tx1"/>
+                </a:solidFill>
+                <a:latin typeface="Arial" panose="020B0604020202020204" pitchFamily="34" charset="0"/>
+                <a:ea typeface="ＭＳ Ｐゴシック" charset="0"/>
+                <a:cs typeface="Arial" panose="020B0604020202020204" pitchFamily="34" charset="0"/>
+              </a:rPr>
+              <a:t> add `desc` </a:t>
+            </a:r>
+          </a:p>
+          <a:p>
+            <a:endParaRPr lang="nb-NO" sz="1200" b="0" i="0" u="none" strike="noStrike" kern="1200" baseline="0" dirty="0" smtClean="0">
+              <a:solidFill>
+                <a:schemeClr val="tx1"/>
+              </a:solidFill>
+              <a:latin typeface="Arial" panose="020B0604020202020204" pitchFamily="34" charset="0"/>
+              <a:ea typeface="ＭＳ Ｐゴシック" charset="0"/>
+              <a:cs typeface="Arial" panose="020B0604020202020204" pitchFamily="34" charset="0"/>
+            </a:endParaRPr>
           </a:p>
           <a:p>
             <a:endParaRPr lang="en-US" dirty="0"/>
@@ -1378,7 +1608,7 @@
               <a:pPr>
                 <a:defRPr/>
               </a:pPr>
-              <a:t>13</a:t>
+              <a:t>12</a:t>
             </a:fld>
             <a:endParaRPr lang="en-US" dirty="0"/>
           </a:p>
@@ -1431,7 +1661,7 @@
     </p:spTree>
     <p:extLst>
       <p:ext uri="{BB962C8B-B14F-4D97-AF65-F5344CB8AC3E}">
-        <p14:creationId xmlns:p14="http://schemas.microsoft.com/office/powerpoint/2010/main" val="3534668070"/>
+        <p14:creationId xmlns:p14="http://schemas.microsoft.com/office/powerpoint/2010/main" val="2338664399"/>
       </p:ext>
     </p:extLst>
   </p:cSld>
@@ -1482,8 +1712,47 @@
         </p:nvSpPr>
         <p:spPr/>
         <p:txBody>
-          <a:bodyPr/>
+          <a:bodyPr>
+            <a:normAutofit/>
+          </a:bodyPr>
           <a:lstStyle/>
+          <a:p>
+            <a:r>
+              <a:rPr lang="en-US" dirty="0" smtClean="0"/>
+              <a:t>After writing the test, in the workplace you should:</a:t>
+            </a:r>
+          </a:p>
+          <a:p>
+            <a:endParaRPr lang="en-US" dirty="0" smtClean="0"/>
+          </a:p>
+          <a:p>
+            <a:pPr marL="0" indent="0">
+              <a:buFont typeface="Arial" panose="020B0604020202020204" pitchFamily="34" charset="0"/>
+              <a:buNone/>
+            </a:pPr>
+            <a:r>
+              <a:rPr lang="en-US" dirty="0" smtClean="0"/>
+              <a:t>Use '</a:t>
+            </a:r>
+            <a:r>
+              <a:rPr lang="en-US" dirty="0" err="1" smtClean="0"/>
+              <a:t>inspec</a:t>
+            </a:r>
+            <a:r>
+              <a:rPr lang="en-US" dirty="0" smtClean="0"/>
+              <a:t> exec' to run the tests against your Linux target node.</a:t>
+            </a:r>
+          </a:p>
+          <a:p>
+            <a:pPr marL="0" indent="0">
+              <a:buFont typeface="Arial" panose="020B0604020202020204" pitchFamily="34" charset="0"/>
+              <a:buNone/>
+            </a:pPr>
+            <a:r>
+              <a:rPr lang="en-US" dirty="0" smtClean="0"/>
+              <a:t>Package the custom profile and upload it to your Compliance server.</a:t>
+            </a:r>
+          </a:p>
           <a:p>
             <a:endParaRPr lang="en-US" dirty="0"/>
           </a:p>
@@ -1512,7 +1781,7 @@
               <a:pPr>
                 <a:defRPr/>
               </a:pPr>
-              <a:t>14</a:t>
+              <a:t>13</a:t>
             </a:fld>
             <a:endParaRPr lang="en-US" dirty="0"/>
           </a:p>
@@ -1565,7 +1834,7 @@
     </p:spTree>
     <p:extLst>
       <p:ext uri="{BB962C8B-B14F-4D97-AF65-F5344CB8AC3E}">
-        <p14:creationId xmlns:p14="http://schemas.microsoft.com/office/powerpoint/2010/main" val="124094557"/>
+        <p14:creationId xmlns:p14="http://schemas.microsoft.com/office/powerpoint/2010/main" val="3534668070"/>
       </p:ext>
     </p:extLst>
   </p:cSld>
@@ -1646,7 +1915,7 @@
               <a:pPr>
                 <a:defRPr/>
               </a:pPr>
-              <a:t>15</a:t>
+              <a:t>14</a:t>
             </a:fld>
             <a:endParaRPr lang="en-US" dirty="0"/>
           </a:p>
@@ -1699,7 +1968,7 @@
     </p:spTree>
     <p:extLst>
       <p:ext uri="{BB962C8B-B14F-4D97-AF65-F5344CB8AC3E}">
-        <p14:creationId xmlns:p14="http://schemas.microsoft.com/office/powerpoint/2010/main" val="2302972674"/>
+        <p14:creationId xmlns:p14="http://schemas.microsoft.com/office/powerpoint/2010/main" val="124094557"/>
       </p:ext>
     </p:extLst>
   </p:cSld>
@@ -1780,7 +2049,7 @@
               <a:pPr>
                 <a:defRPr/>
               </a:pPr>
-              <a:t>16</a:t>
+              <a:t>15</a:t>
             </a:fld>
             <a:endParaRPr lang="en-US" dirty="0"/>
           </a:p>
@@ -1833,7 +2102,7 @@
     </p:spTree>
     <p:extLst>
       <p:ext uri="{BB962C8B-B14F-4D97-AF65-F5344CB8AC3E}">
-        <p14:creationId xmlns:p14="http://schemas.microsoft.com/office/powerpoint/2010/main" val="1833387906"/>
+        <p14:creationId xmlns:p14="http://schemas.microsoft.com/office/powerpoint/2010/main" val="2302972674"/>
       </p:ext>
     </p:extLst>
   </p:cSld>
@@ -1914,7 +2183,7 @@
               <a:pPr>
                 <a:defRPr/>
               </a:pPr>
-              <a:t>17</a:t>
+              <a:t>16</a:t>
             </a:fld>
             <a:endParaRPr lang="en-US" dirty="0"/>
           </a:p>
@@ -1967,7 +2236,7 @@
     </p:spTree>
     <p:extLst>
       <p:ext uri="{BB962C8B-B14F-4D97-AF65-F5344CB8AC3E}">
-        <p14:creationId xmlns:p14="http://schemas.microsoft.com/office/powerpoint/2010/main" val="687106917"/>
+        <p14:creationId xmlns:p14="http://schemas.microsoft.com/office/powerpoint/2010/main" val="1833387906"/>
       </p:ext>
     </p:extLst>
   </p:cSld>
@@ -2018,77 +2287,8 @@
         </p:nvSpPr>
         <p:spPr/>
         <p:txBody>
-          <a:bodyPr>
-            <a:normAutofit/>
-          </a:bodyPr>
+          <a:bodyPr/>
           <a:lstStyle/>
-          <a:p>
-            <a:r>
-              <a:rPr lang="en-US" dirty="0" smtClean="0"/>
-              <a:t>TODO delete? https://chefio.atlassian.net/wiki/pages/viewpage.action?spaceKey=SE&amp;title=Week+2+-+Use+Cases#Week2-UseCases-Exercises-CIS</a:t>
-            </a:r>
-          </a:p>
-          <a:p>
-            <a:endParaRPr lang="en-US" dirty="0" smtClean="0"/>
-          </a:p>
-          <a:p>
-            <a:endParaRPr lang="en-US" dirty="0" smtClean="0"/>
-          </a:p>
-          <a:p>
-            <a:pPr marL="0" marR="0" indent="0" algn="l" defTabSz="1217613" rtl="0" eaLnBrk="1" fontAlgn="base" latinLnBrk="0" hangingPunct="1">
-              <a:lnSpc>
-                <a:spcPct val="90000"/>
-              </a:lnSpc>
-              <a:spcBef>
-                <a:spcPct val="30000"/>
-              </a:spcBef>
-              <a:spcAft>
-                <a:spcPts val="450"/>
-              </a:spcAft>
-              <a:buClrTx/>
-              <a:buSzTx/>
-              <a:buFontTx/>
-              <a:buNone/>
-              <a:tabLst/>
-              <a:defRPr/>
-            </a:pPr>
-            <a:r>
-              <a:rPr lang="en-US" sz="1200" b="0" i="0" kern="1200" dirty="0" smtClean="0">
-                <a:solidFill>
-                  <a:schemeClr val="tx1"/>
-                </a:solidFill>
-                <a:effectLst/>
-                <a:latin typeface="Arial" panose="020B0604020202020204" pitchFamily="34" charset="0"/>
-                <a:ea typeface="ＭＳ Ｐゴシック" charset="0"/>
-                <a:cs typeface="Arial" panose="020B0604020202020204" pitchFamily="34" charset="0"/>
-              </a:rPr>
-              <a:t>Implement Section 1.1 - Password Policy as </a:t>
-            </a:r>
-            <a:r>
-              <a:rPr lang="en-US" sz="1200" b="0" i="0" kern="1200" dirty="0" err="1" smtClean="0">
-                <a:solidFill>
-                  <a:schemeClr val="tx1"/>
-                </a:solidFill>
-                <a:effectLst/>
-                <a:latin typeface="Arial" panose="020B0604020202020204" pitchFamily="34" charset="0"/>
-                <a:ea typeface="ＭＳ Ｐゴシック" charset="0"/>
-                <a:cs typeface="Arial" panose="020B0604020202020204" pitchFamily="34" charset="0"/>
-              </a:rPr>
-              <a:t>InSpec</a:t>
-            </a:r>
-            <a:r>
-              <a:rPr lang="en-US" sz="1200" b="0" i="0" kern="1200" dirty="0" smtClean="0">
-                <a:solidFill>
-                  <a:schemeClr val="tx1"/>
-                </a:solidFill>
-                <a:effectLst/>
-                <a:latin typeface="Arial" panose="020B0604020202020204" pitchFamily="34" charset="0"/>
-                <a:ea typeface="ＭＳ Ｐゴシック" charset="0"/>
-                <a:cs typeface="Arial" panose="020B0604020202020204" pitchFamily="34" charset="0"/>
-              </a:rPr>
-              <a:t> controls with the profile of Level 1 - Member Server.</a:t>
-            </a:r>
-          </a:p>
           <a:p>
             <a:endParaRPr lang="en-US" dirty="0"/>
           </a:p>
@@ -2117,7 +2317,7 @@
               <a:pPr>
                 <a:defRPr/>
               </a:pPr>
-              <a:t>19</a:t>
+              <a:t>17</a:t>
             </a:fld>
             <a:endParaRPr lang="en-US" dirty="0"/>
           </a:p>
@@ -2170,7 +2370,7 @@
     </p:spTree>
     <p:extLst>
       <p:ext uri="{BB962C8B-B14F-4D97-AF65-F5344CB8AC3E}">
-        <p14:creationId xmlns:p14="http://schemas.microsoft.com/office/powerpoint/2010/main" val="2561206576"/>
+        <p14:creationId xmlns:p14="http://schemas.microsoft.com/office/powerpoint/2010/main" val="687106917"/>
       </p:ext>
     </p:extLst>
   </p:cSld>
@@ -2226,91 +2426,6 @@
           </a:bodyPr>
           <a:lstStyle/>
           <a:p>
-            <a:r>
-              <a:rPr lang="en-US" dirty="0" smtClean="0"/>
-              <a:t>As you can see on that page the </a:t>
-            </a:r>
-            <a:r>
-              <a:rPr lang="da-DK" sz="1200" b="0" i="1" u="none" strike="noStrike" kern="1200" baseline="0" dirty="0" smtClean="0">
-                <a:solidFill>
-                  <a:schemeClr val="tx1"/>
-                </a:solidFill>
-                <a:latin typeface="Arial" panose="020B0604020202020204" pitchFamily="34" charset="0"/>
-                <a:ea typeface="ＭＳ Ｐゴシック" charset="0"/>
-                <a:cs typeface="Arial" panose="020B0604020202020204" pitchFamily="34" charset="0"/>
-              </a:rPr>
-              <a:t>1.1 Password Ploicy </a:t>
-            </a:r>
-            <a:r>
-              <a:rPr lang="en-US" sz="1200" b="0" i="0" u="none" strike="noStrike" kern="1200" baseline="0" dirty="0" smtClean="0">
-                <a:solidFill>
-                  <a:schemeClr val="tx1"/>
-                </a:solidFill>
-                <a:latin typeface="Arial" panose="020B0604020202020204" pitchFamily="34" charset="0"/>
-                <a:ea typeface="ＭＳ Ｐゴシック" charset="0"/>
-                <a:cs typeface="Arial" panose="020B0604020202020204" pitchFamily="34" charset="0"/>
-              </a:rPr>
-              <a:t>section says:</a:t>
-            </a:r>
-          </a:p>
-          <a:p>
-            <a:endParaRPr lang="en-US" sz="1200" b="0" i="0" u="none" strike="noStrike" kern="1200" baseline="0" dirty="0" smtClean="0">
-              <a:solidFill>
-                <a:schemeClr val="tx1"/>
-              </a:solidFill>
-              <a:latin typeface="Arial" panose="020B0604020202020204" pitchFamily="34" charset="0"/>
-              <a:ea typeface="ＭＳ Ｐゴシック" charset="0"/>
-              <a:cs typeface="Arial" panose="020B0604020202020204" pitchFamily="34" charset="0"/>
-            </a:endParaRPr>
-          </a:p>
-          <a:p>
-            <a:r>
-              <a:rPr lang="en-US" sz="1200" b="0" i="0" u="none" strike="noStrike" kern="1200" baseline="0" dirty="0" smtClean="0">
-                <a:solidFill>
-                  <a:schemeClr val="tx1"/>
-                </a:solidFill>
-                <a:latin typeface="Arial" panose="020B0604020202020204" pitchFamily="34" charset="0"/>
-                <a:ea typeface="ＭＳ Ｐゴシック" charset="0"/>
-                <a:cs typeface="Arial" panose="020B0604020202020204" pitchFamily="34" charset="0"/>
-              </a:rPr>
-              <a:t>Description:</a:t>
-            </a:r>
-          </a:p>
-          <a:p>
-            <a:endParaRPr lang="en-US" sz="1200" b="0" i="0" u="none" strike="noStrike" kern="1200" baseline="0" dirty="0" smtClean="0">
-              <a:solidFill>
-                <a:schemeClr val="tx1"/>
-              </a:solidFill>
-              <a:latin typeface="Arial" panose="020B0604020202020204" pitchFamily="34" charset="0"/>
-              <a:ea typeface="ＭＳ Ｐゴシック" charset="0"/>
-              <a:cs typeface="Arial" panose="020B0604020202020204" pitchFamily="34" charset="0"/>
-            </a:endParaRPr>
-          </a:p>
-          <a:p>
-            <a:r>
-              <a:rPr lang="en-US" sz="1200" b="0" i="0" u="none" strike="noStrike" kern="1200" baseline="0" dirty="0" smtClean="0">
-                <a:solidFill>
-                  <a:schemeClr val="tx1"/>
-                </a:solidFill>
-                <a:latin typeface="Arial" panose="020B0604020202020204" pitchFamily="34" charset="0"/>
-                <a:ea typeface="ＭＳ Ｐゴシック" charset="0"/>
-                <a:cs typeface="Arial" panose="020B0604020202020204" pitchFamily="34" charset="0"/>
-              </a:rPr>
-              <a:t>This policy setting determines the number of renewed, unique passwords that have to be associated with a user account before you can reuse an old password. The value for this policy setting must be between 0 and 24 passwords. The default value for Windows Vista is 0 passwords, but the default setting in a domain is 24 passwords. To maintain the effectiveness of this policy setting, use the Minimum password age setting to prevent users from repeatedly changing their password. </a:t>
-            </a:r>
-          </a:p>
-          <a:p>
-            <a:r>
-              <a:rPr lang="en-US" sz="1200" b="0" i="0" u="none" strike="noStrike" kern="1200" baseline="0" dirty="0" smtClean="0">
-                <a:solidFill>
-                  <a:schemeClr val="tx1"/>
-                </a:solidFill>
-                <a:latin typeface="Arial" panose="020B0604020202020204" pitchFamily="34" charset="0"/>
-                <a:ea typeface="ＭＳ Ｐゴシック" charset="0"/>
-                <a:cs typeface="Arial" panose="020B0604020202020204" pitchFamily="34" charset="0"/>
-              </a:rPr>
-              <a:t>The recommended state for this setting is: 24 or more password(s). </a:t>
-            </a:r>
             <a:endParaRPr lang="en-US" dirty="0"/>
           </a:p>
         </p:txBody>
@@ -2338,7 +2453,7 @@
               <a:pPr>
                 <a:defRPr/>
               </a:pPr>
-              <a:t>20</a:t>
+              <a:t>19</a:t>
             </a:fld>
             <a:endParaRPr lang="en-US" dirty="0"/>
           </a:p>
@@ -2391,7 +2506,7 @@
     </p:spTree>
     <p:extLst>
       <p:ext uri="{BB962C8B-B14F-4D97-AF65-F5344CB8AC3E}">
-        <p14:creationId xmlns:p14="http://schemas.microsoft.com/office/powerpoint/2010/main" val="2479751477"/>
+        <p14:creationId xmlns:p14="http://schemas.microsoft.com/office/powerpoint/2010/main" val="2561206576"/>
       </p:ext>
     </p:extLst>
   </p:cSld>
@@ -2447,25 +2562,12 @@
           </a:bodyPr>
           <a:lstStyle/>
           <a:p>
-            <a:pPr marL="0" marR="0" indent="0" algn="l" defTabSz="1217613" rtl="0" eaLnBrk="1" fontAlgn="base" latinLnBrk="0" hangingPunct="1">
-              <a:lnSpc>
-                <a:spcPct val="90000"/>
-              </a:lnSpc>
-              <a:spcBef>
-                <a:spcPct val="30000"/>
-              </a:spcBef>
-              <a:spcAft>
-                <a:spcPts val="450"/>
-              </a:spcAft>
-              <a:buClrTx/>
-              <a:buSzTx/>
-              <a:buFontTx/>
-              <a:buNone/>
-              <a:tabLst/>
-              <a:defRPr/>
-            </a:pPr>
-            <a:r>
-              <a:rPr lang="en-US" sz="1200" b="0" i="0" u="none" strike="noStrike" kern="1200" baseline="0" dirty="0" smtClean="0">
+            <a:r>
+              <a:rPr lang="en-US" dirty="0" smtClean="0"/>
+              <a:t>As you can see on that page the </a:t>
+            </a:r>
+            <a:r>
+              <a:rPr lang="da-DK" sz="1200" b="0" i="1" u="none" strike="noStrike" kern="1200" baseline="0" dirty="0" smtClean="0">
                 <a:solidFill>
                   <a:schemeClr val="tx1"/>
                 </a:solidFill>
@@ -2473,9 +2575,22 @@
                 <a:ea typeface="ＭＳ Ｐゴシック" charset="0"/>
                 <a:cs typeface="Arial" panose="020B0604020202020204" pitchFamily="34" charset="0"/>
               </a:rPr>
-              <a:t>If you scroll down in that section, you will see a CIS Audit example. The image at the bottom shows that the Windows node's `Enforce password history' setting is out of compliance. </a:t>
-            </a:r>
-            <a:endParaRPr lang="nb-NO" sz="1200" b="0" i="0" u="none" strike="noStrike" kern="1200" baseline="0" dirty="0" smtClean="0">
+              <a:t>1.1 Password Ploicy </a:t>
+            </a:r>
+            <a:r>
+              <a:rPr lang="en-US" sz="1200" b="0" i="0" u="none" strike="noStrike" kern="1200" baseline="0" dirty="0" smtClean="0">
+                <a:solidFill>
+                  <a:schemeClr val="tx1"/>
+                </a:solidFill>
+                <a:latin typeface="Arial" panose="020B0604020202020204" pitchFamily="34" charset="0"/>
+                <a:ea typeface="ＭＳ Ｐゴシック" charset="0"/>
+                <a:cs typeface="Arial" panose="020B0604020202020204" pitchFamily="34" charset="0"/>
+              </a:rPr>
+              <a:t>section says:</a:t>
+            </a:r>
+          </a:p>
+          <a:p>
+            <a:endParaRPr lang="en-US" sz="1200" b="0" i="0" u="none" strike="noStrike" kern="1200" baseline="0" dirty="0" smtClean="0">
               <a:solidFill>
                 <a:schemeClr val="tx1"/>
               </a:solidFill>
@@ -2485,6 +2600,53 @@
             </a:endParaRPr>
           </a:p>
           <a:p>
+            <a:r>
+              <a:rPr lang="en-US" sz="1200" b="0" i="0" u="none" strike="noStrike" kern="1200" baseline="0" dirty="0" smtClean="0">
+                <a:solidFill>
+                  <a:schemeClr val="tx1"/>
+                </a:solidFill>
+                <a:latin typeface="Arial" panose="020B0604020202020204" pitchFamily="34" charset="0"/>
+                <a:ea typeface="ＭＳ Ｐゴシック" charset="0"/>
+                <a:cs typeface="Arial" panose="020B0604020202020204" pitchFamily="34" charset="0"/>
+              </a:rPr>
+              <a:t>Description:</a:t>
+            </a:r>
+          </a:p>
+          <a:p>
+            <a:endParaRPr lang="en-US" sz="1200" b="0" i="0" u="none" strike="noStrike" kern="1200" baseline="0" dirty="0" smtClean="0">
+              <a:solidFill>
+                <a:schemeClr val="tx1"/>
+              </a:solidFill>
+              <a:latin typeface="Arial" panose="020B0604020202020204" pitchFamily="34" charset="0"/>
+              <a:ea typeface="ＭＳ Ｐゴシック" charset="0"/>
+              <a:cs typeface="Arial" panose="020B0604020202020204" pitchFamily="34" charset="0"/>
+            </a:endParaRPr>
+          </a:p>
+          <a:p>
+            <a:r>
+              <a:rPr lang="en-US" sz="1200" b="0" i="0" u="none" strike="noStrike" kern="1200" baseline="0" dirty="0" smtClean="0">
+                <a:solidFill>
+                  <a:schemeClr val="tx1"/>
+                </a:solidFill>
+                <a:latin typeface="Arial" panose="020B0604020202020204" pitchFamily="34" charset="0"/>
+                <a:ea typeface="ＭＳ Ｐゴシック" charset="0"/>
+                <a:cs typeface="Arial" panose="020B0604020202020204" pitchFamily="34" charset="0"/>
+              </a:rPr>
+              <a:t>This policy setting determines the number of renewed, unique passwords that have to be associated with a user account before you can reuse an old password. The value for this policy setting must be between 0 and 24 passwords. The default value for Windows Vista is 0 passwords, but the default setting in a domain is 24 passwords. To maintain the effectiveness of this policy setting, use the Minimum password age setting to prevent users from repeatedly changing their password. </a:t>
+            </a:r>
+          </a:p>
+          <a:p>
+            <a:r>
+              <a:rPr lang="en-US" sz="1200" b="0" i="0" u="none" strike="noStrike" kern="1200" baseline="0" dirty="0" smtClean="0">
+                <a:solidFill>
+                  <a:schemeClr val="tx1"/>
+                </a:solidFill>
+                <a:latin typeface="Arial" panose="020B0604020202020204" pitchFamily="34" charset="0"/>
+                <a:ea typeface="ＭＳ Ｐゴシック" charset="0"/>
+                <a:cs typeface="Arial" panose="020B0604020202020204" pitchFamily="34" charset="0"/>
+              </a:rPr>
+              <a:t>The recommended state for this setting is: 24 or more password(s). </a:t>
+            </a:r>
             <a:endParaRPr lang="en-US" dirty="0"/>
           </a:p>
         </p:txBody>
@@ -2512,7 +2674,7 @@
               <a:pPr>
                 <a:defRPr/>
               </a:pPr>
-              <a:t>21</a:t>
+              <a:t>20</a:t>
             </a:fld>
             <a:endParaRPr lang="en-US" dirty="0"/>
           </a:p>
@@ -2565,7 +2727,7 @@
     </p:spTree>
     <p:extLst>
       <p:ext uri="{BB962C8B-B14F-4D97-AF65-F5344CB8AC3E}">
-        <p14:creationId xmlns:p14="http://schemas.microsoft.com/office/powerpoint/2010/main" val="3500749848"/>
+        <p14:creationId xmlns:p14="http://schemas.microsoft.com/office/powerpoint/2010/main" val="2479751477"/>
       </p:ext>
     </p:extLst>
   </p:cSld>
@@ -2647,32 +2809,8 @@
                 <a:ea typeface="ＭＳ Ｐゴシック" charset="0"/>
                 <a:cs typeface="Arial" panose="020B0604020202020204" pitchFamily="34" charset="0"/>
               </a:rPr>
-              <a:t>So based on the audit example on the left (and the path to that configuration below that), you could write an </a:t>
-            </a:r>
-            <a:r>
-              <a:rPr lang="en-US" sz="1200" b="0" i="0" u="none" strike="noStrike" kern="1200" baseline="0" dirty="0" err="1" smtClean="0">
-                <a:solidFill>
-                  <a:schemeClr val="tx1"/>
-                </a:solidFill>
-                <a:latin typeface="Arial" panose="020B0604020202020204" pitchFamily="34" charset="0"/>
-                <a:ea typeface="ＭＳ Ｐゴシック" charset="0"/>
-                <a:cs typeface="Arial" panose="020B0604020202020204" pitchFamily="34" charset="0"/>
-              </a:rPr>
-              <a:t>InSpec</a:t>
-            </a:r>
-            <a:r>
-              <a:rPr lang="en-US" sz="1200" b="0" i="0" u="none" strike="noStrike" kern="1200" baseline="0" dirty="0" smtClean="0">
-                <a:solidFill>
-                  <a:schemeClr val="tx1"/>
-                </a:solidFill>
-                <a:latin typeface="Arial" panose="020B0604020202020204" pitchFamily="34" charset="0"/>
-                <a:ea typeface="ＭＳ Ｐゴシック" charset="0"/>
-                <a:cs typeface="Arial" panose="020B0604020202020204" pitchFamily="34" charset="0"/>
-              </a:rPr>
-              <a:t> test, as shown on the right, and add it to a Chef Compliance custom profile. In this way you can subsequently use the custom profiles to scan nodes for password history compliance.</a:t>
-            </a:r>
-          </a:p>
-          <a:p>
+              <a:t>If you scroll down in that section, you will see a CIS Audit example. The image at the bottom shows that the Windows node's `Enforce password history' setting is out of compliance. </a:t>
+            </a:r>
             <a:endParaRPr lang="nb-NO" sz="1200" b="0" i="0" u="none" strike="noStrike" kern="1200" baseline="0" dirty="0" smtClean="0">
               <a:solidFill>
                 <a:schemeClr val="tx1"/>
@@ -2710,7 +2848,7 @@
               <a:pPr>
                 <a:defRPr/>
               </a:pPr>
-              <a:t>22</a:t>
+              <a:t>21</a:t>
             </a:fld>
             <a:endParaRPr lang="en-US" dirty="0"/>
           </a:p>
@@ -2763,7 +2901,7 @@
     </p:spTree>
     <p:extLst>
       <p:ext uri="{BB962C8B-B14F-4D97-AF65-F5344CB8AC3E}">
-        <p14:creationId xmlns:p14="http://schemas.microsoft.com/office/powerpoint/2010/main" val="1317243256"/>
+        <p14:creationId xmlns:p14="http://schemas.microsoft.com/office/powerpoint/2010/main" val="3500749848"/>
       </p:ext>
     </p:extLst>
   </p:cSld>
@@ -2817,6 +2955,9 @@
           <a:bodyPr/>
           <a:lstStyle/>
           <a:p>
+            <a:endParaRPr lang="en-US" dirty="0" smtClean="0"/>
+          </a:p>
+          <a:p>
             <a:endParaRPr lang="en-US" dirty="0"/>
           </a:p>
         </p:txBody>
@@ -2844,7 +2985,7 @@
               <a:pPr>
                 <a:defRPr/>
               </a:pPr>
-              <a:t>3</a:t>
+              <a:t>2</a:t>
             </a:fld>
             <a:endParaRPr lang="en-US" dirty="0"/>
           </a:p>
@@ -2897,7 +3038,7 @@
     </p:spTree>
     <p:extLst>
       <p:ext uri="{BB962C8B-B14F-4D97-AF65-F5344CB8AC3E}">
-        <p14:creationId xmlns:p14="http://schemas.microsoft.com/office/powerpoint/2010/main" val="1935024503"/>
+        <p14:creationId xmlns:p14="http://schemas.microsoft.com/office/powerpoint/2010/main" val="2320576231"/>
       </p:ext>
     </p:extLst>
   </p:cSld>
@@ -2948,13 +3089,187 @@
         </p:nvSpPr>
         <p:spPr/>
         <p:txBody>
-          <a:bodyPr/>
+          <a:bodyPr>
+            <a:normAutofit/>
+          </a:bodyPr>
           <a:lstStyle/>
           <a:p>
-            <a:r>
-              <a:rPr lang="en-US" dirty="0" smtClean="0"/>
-              <a:t>TBD: Do this lab as windows.</a:t>
-            </a:r>
+            <a:pPr marL="0" marR="0" indent="0" algn="l" defTabSz="1217613" rtl="0" eaLnBrk="1" fontAlgn="base" latinLnBrk="0" hangingPunct="1">
+              <a:lnSpc>
+                <a:spcPct val="90000"/>
+              </a:lnSpc>
+              <a:spcBef>
+                <a:spcPct val="30000"/>
+              </a:spcBef>
+              <a:spcAft>
+                <a:spcPts val="450"/>
+              </a:spcAft>
+              <a:buClrTx/>
+              <a:buSzTx/>
+              <a:buFontTx/>
+              <a:buNone/>
+              <a:tabLst/>
+              <a:defRPr/>
+            </a:pPr>
+            <a:r>
+              <a:rPr lang="en-US" sz="1200" b="0" i="0" u="none" strike="noStrike" kern="1200" baseline="0" dirty="0" smtClean="0">
+                <a:solidFill>
+                  <a:schemeClr val="tx1"/>
+                </a:solidFill>
+                <a:latin typeface="Arial" panose="020B0604020202020204" pitchFamily="34" charset="0"/>
+                <a:ea typeface="ＭＳ Ｐゴシック" charset="0"/>
+                <a:cs typeface="Arial" panose="020B0604020202020204" pitchFamily="34" charset="0"/>
+              </a:rPr>
+              <a:t>So based on the audit example on the left (and the path to that configuration below that), you could write an </a:t>
+            </a:r>
+            <a:r>
+              <a:rPr lang="en-US" sz="1200" b="0" i="0" u="none" strike="noStrike" kern="1200" baseline="0" dirty="0" err="1" smtClean="0">
+                <a:solidFill>
+                  <a:schemeClr val="tx1"/>
+                </a:solidFill>
+                <a:latin typeface="Arial" panose="020B0604020202020204" pitchFamily="34" charset="0"/>
+                <a:ea typeface="ＭＳ Ｐゴシック" charset="0"/>
+                <a:cs typeface="Arial" panose="020B0604020202020204" pitchFamily="34" charset="0"/>
+              </a:rPr>
+              <a:t>InSpec</a:t>
+            </a:r>
+            <a:r>
+              <a:rPr lang="en-US" sz="1200" b="0" i="0" u="none" strike="noStrike" kern="1200" baseline="0" dirty="0" smtClean="0">
+                <a:solidFill>
+                  <a:schemeClr val="tx1"/>
+                </a:solidFill>
+                <a:latin typeface="Arial" panose="020B0604020202020204" pitchFamily="34" charset="0"/>
+                <a:ea typeface="ＭＳ Ｐゴシック" charset="0"/>
+                <a:cs typeface="Arial" panose="020B0604020202020204" pitchFamily="34" charset="0"/>
+              </a:rPr>
+              <a:t> test, as shown on the right, and add it to a Chef Compliance custom profile. In this way you can subsequently use the custom profiles to scan nodes for password history compliance.</a:t>
+            </a:r>
+          </a:p>
+          <a:p>
+            <a:pPr marL="0" marR="0" indent="0" algn="l" defTabSz="1217613" rtl="0" eaLnBrk="1" fontAlgn="base" latinLnBrk="0" hangingPunct="1">
+              <a:lnSpc>
+                <a:spcPct val="90000"/>
+              </a:lnSpc>
+              <a:spcBef>
+                <a:spcPct val="30000"/>
+              </a:spcBef>
+              <a:spcAft>
+                <a:spcPts val="450"/>
+              </a:spcAft>
+              <a:buClrTx/>
+              <a:buSzTx/>
+              <a:buFontTx/>
+              <a:buNone/>
+              <a:tabLst/>
+              <a:defRPr/>
+            </a:pPr>
+            <a:endParaRPr lang="en-US" sz="1200" b="0" i="0" u="none" strike="noStrike" kern="1200" baseline="0" dirty="0" smtClean="0">
+              <a:solidFill>
+                <a:schemeClr val="tx1"/>
+              </a:solidFill>
+              <a:latin typeface="Arial" panose="020B0604020202020204" pitchFamily="34" charset="0"/>
+              <a:ea typeface="ＭＳ Ｐゴシック" charset="0"/>
+              <a:cs typeface="Arial" panose="020B0604020202020204" pitchFamily="34" charset="0"/>
+            </a:endParaRPr>
+          </a:p>
+          <a:p>
+            <a:pPr marL="0" marR="0" indent="0" algn="l" defTabSz="1217613" rtl="0" eaLnBrk="1" fontAlgn="base" latinLnBrk="0" hangingPunct="1">
+              <a:lnSpc>
+                <a:spcPct val="90000"/>
+              </a:lnSpc>
+              <a:spcBef>
+                <a:spcPct val="30000"/>
+              </a:spcBef>
+              <a:spcAft>
+                <a:spcPts val="450"/>
+              </a:spcAft>
+              <a:buClrTx/>
+              <a:buSzTx/>
+              <a:buFontTx/>
+              <a:buNone/>
+              <a:tabLst/>
+              <a:defRPr/>
+            </a:pPr>
+            <a:endParaRPr lang="en-US" sz="1200" b="0" i="0" u="none" strike="noStrike" kern="1200" baseline="0" dirty="0" smtClean="0">
+              <a:solidFill>
+                <a:schemeClr val="tx1"/>
+              </a:solidFill>
+              <a:latin typeface="Arial" panose="020B0604020202020204" pitchFamily="34" charset="0"/>
+              <a:ea typeface="ＭＳ Ｐゴシック" charset="0"/>
+              <a:cs typeface="Arial" panose="020B0604020202020204" pitchFamily="34" charset="0"/>
+            </a:endParaRPr>
+          </a:p>
+          <a:p>
+            <a:pPr marL="0" marR="0" indent="0" algn="l" defTabSz="1217613" rtl="0" eaLnBrk="1" fontAlgn="base" latinLnBrk="0" hangingPunct="1">
+              <a:lnSpc>
+                <a:spcPct val="90000"/>
+              </a:lnSpc>
+              <a:spcBef>
+                <a:spcPct val="30000"/>
+              </a:spcBef>
+              <a:spcAft>
+                <a:spcPts val="450"/>
+              </a:spcAft>
+              <a:buClrTx/>
+              <a:buSzTx/>
+              <a:buFontTx/>
+              <a:buNone/>
+              <a:tabLst/>
+              <a:defRPr/>
+            </a:pPr>
+            <a:r>
+              <a:rPr lang="en-US" sz="1200" b="0" i="0" u="none" strike="noStrike" kern="1200" baseline="0" dirty="0" err="1" smtClean="0">
+                <a:solidFill>
+                  <a:schemeClr val="tx1"/>
+                </a:solidFill>
+                <a:latin typeface="Arial" panose="020B0604020202020204" pitchFamily="34" charset="0"/>
+                <a:ea typeface="ＭＳ Ｐゴシック" charset="0"/>
+                <a:cs typeface="Arial" panose="020B0604020202020204" pitchFamily="34" charset="0"/>
+              </a:rPr>
+              <a:t>tbd</a:t>
+            </a:r>
+            <a:r>
+              <a:rPr lang="en-US" sz="1200" b="0" i="0" u="none" strike="noStrike" kern="1200" baseline="0" dirty="0" smtClean="0">
+                <a:solidFill>
+                  <a:schemeClr val="tx1"/>
+                </a:solidFill>
+                <a:latin typeface="Arial" panose="020B0604020202020204" pitchFamily="34" charset="0"/>
+                <a:ea typeface="ＭＳ Ｐゴシック" charset="0"/>
+                <a:cs typeface="Arial" panose="020B0604020202020204" pitchFamily="34" charset="0"/>
+              </a:rPr>
+              <a:t> ask Larry what </a:t>
+            </a:r>
+            <a:r>
+              <a:rPr lang="en-US" sz="1200" b="0" i="0" u="none" strike="noStrike" kern="1200" baseline="0" smtClean="0">
+                <a:solidFill>
+                  <a:schemeClr val="tx1"/>
+                </a:solidFill>
+                <a:latin typeface="Arial" panose="020B0604020202020204" pitchFamily="34" charset="0"/>
+                <a:ea typeface="ＭＳ Ｐゴシック" charset="0"/>
+                <a:cs typeface="Arial" panose="020B0604020202020204" pitchFamily="34" charset="0"/>
+              </a:rPr>
+              <a:t>he wanted me to add here.</a:t>
+            </a:r>
+            <a:endParaRPr lang="en-US" sz="1200" b="0" i="0" u="none" strike="noStrike" kern="1200" baseline="0" dirty="0" smtClean="0">
+              <a:solidFill>
+                <a:schemeClr val="tx1"/>
+              </a:solidFill>
+              <a:latin typeface="Arial" panose="020B0604020202020204" pitchFamily="34" charset="0"/>
+              <a:ea typeface="ＭＳ Ｐゴシック" charset="0"/>
+              <a:cs typeface="Arial" panose="020B0604020202020204" pitchFamily="34" charset="0"/>
+            </a:endParaRPr>
+          </a:p>
+          <a:p>
+            <a:endParaRPr lang="nb-NO" sz="1200" b="0" i="0" u="none" strike="noStrike" kern="1200" baseline="0" dirty="0" smtClean="0">
+              <a:solidFill>
+                <a:schemeClr val="tx1"/>
+              </a:solidFill>
+              <a:latin typeface="Arial" panose="020B0604020202020204" pitchFamily="34" charset="0"/>
+              <a:ea typeface="ＭＳ Ｐゴシック" charset="0"/>
+              <a:cs typeface="Arial" panose="020B0604020202020204" pitchFamily="34" charset="0"/>
+            </a:endParaRPr>
+          </a:p>
+          <a:p>
             <a:endParaRPr lang="en-US" dirty="0"/>
           </a:p>
         </p:txBody>
@@ -2982,7 +3297,7 @@
               <a:pPr>
                 <a:defRPr/>
               </a:pPr>
-              <a:t>23</a:t>
+              <a:t>22</a:t>
             </a:fld>
             <a:endParaRPr lang="en-US" dirty="0"/>
           </a:p>
@@ -3035,7 +3350,7 @@
     </p:spTree>
     <p:extLst>
       <p:ext uri="{BB962C8B-B14F-4D97-AF65-F5344CB8AC3E}">
-        <p14:creationId xmlns:p14="http://schemas.microsoft.com/office/powerpoint/2010/main" val="920071033"/>
+        <p14:creationId xmlns:p14="http://schemas.microsoft.com/office/powerpoint/2010/main" val="1317243256"/>
       </p:ext>
     </p:extLst>
   </p:cSld>
@@ -3089,6 +3404,10 @@
           <a:bodyPr/>
           <a:lstStyle/>
           <a:p>
+            <a:r>
+              <a:rPr lang="en-US" dirty="0" smtClean="0"/>
+              <a:t>TBD</a:t>
+            </a:r>
             <a:endParaRPr lang="en-US" dirty="0"/>
           </a:p>
         </p:txBody>
@@ -3116,7 +3435,7 @@
               <a:pPr>
                 <a:defRPr/>
               </a:pPr>
-              <a:t>24</a:t>
+              <a:t>23</a:t>
             </a:fld>
             <a:endParaRPr lang="en-US" dirty="0"/>
           </a:p>
@@ -3169,7 +3488,7 @@
     </p:spTree>
     <p:extLst>
       <p:ext uri="{BB962C8B-B14F-4D97-AF65-F5344CB8AC3E}">
-        <p14:creationId xmlns:p14="http://schemas.microsoft.com/office/powerpoint/2010/main" val="4127888083"/>
+        <p14:creationId xmlns:p14="http://schemas.microsoft.com/office/powerpoint/2010/main" val="920071033"/>
       </p:ext>
     </p:extLst>
   </p:cSld>
@@ -3250,7 +3569,7 @@
               <a:pPr>
                 <a:defRPr/>
               </a:pPr>
-              <a:t>25</a:t>
+              <a:t>24</a:t>
             </a:fld>
             <a:endParaRPr lang="en-US" dirty="0"/>
           </a:p>
@@ -3303,7 +3622,7 @@
     </p:spTree>
     <p:extLst>
       <p:ext uri="{BB962C8B-B14F-4D97-AF65-F5344CB8AC3E}">
-        <p14:creationId xmlns:p14="http://schemas.microsoft.com/office/powerpoint/2010/main" val="3107302973"/>
+        <p14:creationId xmlns:p14="http://schemas.microsoft.com/office/powerpoint/2010/main" val="4127888083"/>
       </p:ext>
     </p:extLst>
   </p:cSld>
@@ -3354,64 +3673,10 @@
         </p:nvSpPr>
         <p:spPr/>
         <p:txBody>
-          <a:bodyPr>
-            <a:normAutofit/>
-          </a:bodyPr>
+          <a:bodyPr/>
           <a:lstStyle/>
           <a:p>
-            <a:r>
-              <a:rPr lang="en-US" smtClean="0"/>
-              <a:t>TBD </a:t>
-            </a:r>
-            <a:r>
-              <a:rPr lang="en-US" dirty="0" smtClean="0"/>
-              <a:t>finish this DoD section</a:t>
-            </a:r>
-          </a:p>
-          <a:p>
-            <a:endParaRPr lang="en-US" dirty="0" smtClean="0"/>
-          </a:p>
-          <a:p>
-            <a:r>
-              <a:rPr lang="en-US" dirty="0" smtClean="0"/>
-              <a:t>Go to this site...</a:t>
-            </a:r>
-          </a:p>
-          <a:p>
-            <a:r>
-              <a:rPr lang="en-US" dirty="0" smtClean="0">
-                <a:hlinkClick r:id="rId3"/>
-              </a:rPr>
-              <a:t>http://iase.disa.mil/stigs/Pages/stig-viewing-guidance.aspx</a:t>
-            </a:r>
-            <a:endParaRPr lang="en-US" dirty="0" smtClean="0"/>
-          </a:p>
-          <a:p>
-            <a:endParaRPr lang="en-US" dirty="0" smtClean="0"/>
-          </a:p>
-          <a:p>
-            <a:r>
-              <a:rPr lang="en-US" dirty="0" smtClean="0"/>
-              <a:t>...and download the latest version of the STIG Viewer. In this example we are downloading Version 2.1.</a:t>
-            </a:r>
-          </a:p>
-          <a:p>
-            <a:endParaRPr lang="en-US" dirty="0" smtClean="0"/>
-          </a:p>
-          <a:p>
-            <a:r>
-              <a:rPr lang="en-US" dirty="0" smtClean="0"/>
-              <a:t>Try to run the STIG Viewer.</a:t>
-            </a:r>
-          </a:p>
-          <a:p>
-            <a:endParaRPr lang="en-US" dirty="0" smtClean="0"/>
-          </a:p>
-          <a:p>
-            <a:endParaRPr lang="en-US" dirty="0" smtClean="0"/>
-          </a:p>
-          <a:p>
-            <a:endParaRPr lang="en-US" dirty="0" smtClean="0"/>
+            <a:endParaRPr lang="en-US" dirty="0"/>
           </a:p>
         </p:txBody>
       </p:sp>
@@ -3438,7 +3703,7 @@
               <a:pPr>
                 <a:defRPr/>
               </a:pPr>
-              <a:t>26</a:t>
+              <a:t>25</a:t>
             </a:fld>
             <a:endParaRPr lang="en-US" dirty="0"/>
           </a:p>
@@ -3491,7 +3756,7 @@
     </p:spTree>
     <p:extLst>
       <p:ext uri="{BB962C8B-B14F-4D97-AF65-F5344CB8AC3E}">
-        <p14:creationId xmlns:p14="http://schemas.microsoft.com/office/powerpoint/2010/main" val="3280149511"/>
+        <p14:creationId xmlns:p14="http://schemas.microsoft.com/office/powerpoint/2010/main" val="3107302973"/>
       </p:ext>
     </p:extLst>
   </p:cSld>
@@ -3548,29 +3813,193 @@
           <a:lstStyle/>
           <a:p>
             <a:r>
+              <a:rPr lang="en-US" smtClean="0"/>
+              <a:t>TBD </a:t>
+            </a:r>
+            <a:r>
               <a:rPr lang="en-US" dirty="0" smtClean="0"/>
-              <a:t>TBD: ask </a:t>
-            </a:r>
-            <a:r>
-              <a:rPr lang="en-US" dirty="0" err="1" smtClean="0"/>
-              <a:t>sean</a:t>
-            </a:r>
+              <a:t>finish this DoD section</a:t>
+            </a:r>
+          </a:p>
+          <a:p>
+            <a:endParaRPr lang="en-US" dirty="0" smtClean="0"/>
+          </a:p>
+          <a:p>
             <a:r>
               <a:rPr lang="en-US" dirty="0" smtClean="0"/>
-              <a:t> about setting</a:t>
-            </a:r>
-            <a:r>
-              <a:rPr lang="en-US" baseline="0" dirty="0" smtClean="0"/>
-              <a:t> path to </a:t>
-            </a:r>
-            <a:r>
-              <a:rPr lang="en-US" baseline="0" dirty="0" err="1" smtClean="0"/>
-              <a:t>inspec</a:t>
-            </a:r>
-            <a:r>
-              <a:rPr lang="en-US" baseline="0" dirty="0" smtClean="0"/>
-              <a:t>.</a:t>
-            </a:r>
+              <a:t>Go to this site...</a:t>
+            </a:r>
+          </a:p>
+          <a:p>
+            <a:r>
+              <a:rPr lang="en-US" dirty="0" smtClean="0">
+                <a:hlinkClick r:id="rId3"/>
+              </a:rPr>
+              <a:t>http://iase.disa.mil/stigs/Pages/stig-viewing-guidance.aspx</a:t>
+            </a:r>
+            <a:endParaRPr lang="en-US" dirty="0" smtClean="0"/>
+          </a:p>
+          <a:p>
+            <a:endParaRPr lang="en-US" dirty="0" smtClean="0"/>
+          </a:p>
+          <a:p>
+            <a:r>
+              <a:rPr lang="en-US" dirty="0" smtClean="0"/>
+              <a:t>...and download the latest version of the STIG Viewer. In this example we are downloading Version 2.1.</a:t>
+            </a:r>
+          </a:p>
+          <a:p>
+            <a:endParaRPr lang="en-US" dirty="0" smtClean="0"/>
+          </a:p>
+          <a:p>
+            <a:r>
+              <a:rPr lang="en-US" dirty="0" smtClean="0"/>
+              <a:t>Try to run the STIG Viewer.</a:t>
+            </a:r>
+          </a:p>
+          <a:p>
+            <a:endParaRPr lang="en-US" dirty="0" smtClean="0"/>
+          </a:p>
+          <a:p>
+            <a:endParaRPr lang="en-US" dirty="0" smtClean="0"/>
+          </a:p>
+          <a:p>
+            <a:endParaRPr lang="en-US" dirty="0" smtClean="0"/>
+          </a:p>
+        </p:txBody>
+      </p:sp>
+      <p:sp>
+        <p:nvSpPr>
+          <p:cNvPr id="4" name="Slide Number Placeholder 3"/>
+          <p:cNvSpPr>
+            <a:spLocks noGrp="1"/>
+          </p:cNvSpPr>
+          <p:nvPr>
+            <p:ph type="sldNum" sz="quarter" idx="10"/>
+          </p:nvPr>
+        </p:nvSpPr>
+        <p:spPr/>
+        <p:txBody>
+          <a:bodyPr/>
+          <a:lstStyle/>
+          <a:p>
+            <a:pPr>
+              <a:defRPr/>
+            </a:pPr>
+            <a:fld id="{DC3734AA-3150-D947-AC52-2F5DF48BFCD5}" type="slidenum">
+              <a:rPr lang="en-US" smtClean="0"/>
+              <a:pPr>
+                <a:defRPr/>
+              </a:pPr>
+              <a:t>26</a:t>
+            </a:fld>
+            <a:endParaRPr lang="en-US" dirty="0"/>
+          </a:p>
+        </p:txBody>
+      </p:sp>
+      <p:sp>
+        <p:nvSpPr>
+          <p:cNvPr id="5" name="Header Placeholder 4"/>
+          <p:cNvSpPr>
+            <a:spLocks noGrp="1"/>
+          </p:cNvSpPr>
+          <p:nvPr>
+            <p:ph type="hdr" sz="quarter" idx="11"/>
+          </p:nvPr>
+        </p:nvSpPr>
+        <p:spPr/>
+        <p:txBody>
+          <a:bodyPr/>
+          <a:lstStyle/>
+          <a:p>
+            <a:pPr>
+              <a:defRPr/>
+            </a:pPr>
+            <a:endParaRPr lang="en-US"/>
+          </a:p>
+        </p:txBody>
+      </p:sp>
+      <p:sp>
+        <p:nvSpPr>
+          <p:cNvPr id="6" name="Footer Placeholder 5"/>
+          <p:cNvSpPr>
+            <a:spLocks noGrp="1"/>
+          </p:cNvSpPr>
+          <p:nvPr>
+            <p:ph type="ftr" sz="quarter" idx="12"/>
+          </p:nvPr>
+        </p:nvSpPr>
+        <p:spPr/>
+        <p:txBody>
+          <a:bodyPr/>
+          <a:lstStyle/>
+          <a:p>
+            <a:pPr>
+              <a:defRPr/>
+            </a:pPr>
+            <a:endParaRPr lang="en-US"/>
+          </a:p>
+        </p:txBody>
+      </p:sp>
+    </p:spTree>
+    <p:extLst>
+      <p:ext uri="{BB962C8B-B14F-4D97-AF65-F5344CB8AC3E}">
+        <p14:creationId xmlns:p14="http://schemas.microsoft.com/office/powerpoint/2010/main" val="3280149511"/>
+      </p:ext>
+    </p:extLst>
+  </p:cSld>
+  <p:clrMapOvr>
+    <a:masterClrMapping/>
+  </p:clrMapOvr>
+</p:notes>
+</file>
+
+<file path=ppt/notesSlides/notesSlide25.xml><?xml version="1.0" encoding="utf-8"?>
+<p:notes xmlns:a="http://schemas.openxmlformats.org/drawingml/2006/main" xmlns:r="http://schemas.openxmlformats.org/officeDocument/2006/relationships" xmlns:p="http://schemas.openxmlformats.org/presentationml/2006/main">
+  <p:cSld>
+    <p:spTree>
+      <p:nvGrpSpPr>
+        <p:cNvPr id="1" name=""/>
+        <p:cNvGrpSpPr/>
+        <p:nvPr/>
+      </p:nvGrpSpPr>
+      <p:grpSpPr>
+        <a:xfrm>
+          <a:off x="0" y="0"/>
+          <a:ext cx="0" cy="0"/>
+          <a:chOff x="0" y="0"/>
+          <a:chExt cx="0" cy="0"/>
+        </a:xfrm>
+      </p:grpSpPr>
+      <p:sp>
+        <p:nvSpPr>
+          <p:cNvPr id="2" name="Slide Image Placeholder 1"/>
+          <p:cNvSpPr>
+            <a:spLocks noGrp="1" noRot="1" noChangeAspect="1"/>
+          </p:cNvSpPr>
+          <p:nvPr>
+            <p:ph type="sldImg"/>
+          </p:nvPr>
+        </p:nvSpPr>
+        <p:spPr/>
+      </p:sp>
+      <p:sp>
+        <p:nvSpPr>
+          <p:cNvPr id="3" name="Notes Placeholder 2"/>
+          <p:cNvSpPr>
+            <a:spLocks noGrp="1"/>
+          </p:cNvSpPr>
+          <p:nvPr>
+            <p:ph type="body" idx="1"/>
+          </p:nvPr>
+        </p:nvSpPr>
+        <p:spPr/>
+        <p:txBody>
+          <a:bodyPr>
+            <a:normAutofit/>
+          </a:bodyPr>
+          <a:lstStyle/>
+          <a:p>
             <a:endParaRPr lang="en-US" dirty="0" smtClean="0"/>
           </a:p>
         </p:txBody>
@@ -3732,7 +4161,7 @@
               <a:pPr>
                 <a:defRPr/>
               </a:pPr>
-              <a:t>4</a:t>
+              <a:t>3</a:t>
             </a:fld>
             <a:endParaRPr lang="en-US" dirty="0"/>
           </a:p>
@@ -3785,7 +4214,7 @@
     </p:spTree>
     <p:extLst>
       <p:ext uri="{BB962C8B-B14F-4D97-AF65-F5344CB8AC3E}">
-        <p14:creationId xmlns:p14="http://schemas.microsoft.com/office/powerpoint/2010/main" val="2328116393"/>
+        <p14:creationId xmlns:p14="http://schemas.microsoft.com/office/powerpoint/2010/main" val="1935024503"/>
       </p:ext>
     </p:extLst>
   </p:cSld>
@@ -3866,7 +4295,7 @@
               <a:pPr>
                 <a:defRPr/>
               </a:pPr>
-              <a:t>5</a:t>
+              <a:t>4</a:t>
             </a:fld>
             <a:endParaRPr lang="en-US" dirty="0"/>
           </a:p>
@@ -3919,7 +4348,7 @@
     </p:spTree>
     <p:extLst>
       <p:ext uri="{BB962C8B-B14F-4D97-AF65-F5344CB8AC3E}">
-        <p14:creationId xmlns:p14="http://schemas.microsoft.com/office/powerpoint/2010/main" val="1666599264"/>
+        <p14:creationId xmlns:p14="http://schemas.microsoft.com/office/powerpoint/2010/main" val="2328116393"/>
       </p:ext>
     </p:extLst>
   </p:cSld>
@@ -4000,7 +4429,7 @@
               <a:pPr>
                 <a:defRPr/>
               </a:pPr>
-              <a:t>6</a:t>
+              <a:t>5</a:t>
             </a:fld>
             <a:endParaRPr lang="en-US" dirty="0"/>
           </a:p>
@@ -4053,7 +4482,7 @@
     </p:spTree>
     <p:extLst>
       <p:ext uri="{BB962C8B-B14F-4D97-AF65-F5344CB8AC3E}">
-        <p14:creationId xmlns:p14="http://schemas.microsoft.com/office/powerpoint/2010/main" val="3604347069"/>
+        <p14:creationId xmlns:p14="http://schemas.microsoft.com/office/powerpoint/2010/main" val="1666599264"/>
       </p:ext>
     </p:extLst>
   </p:cSld>
@@ -4134,7 +4563,7 @@
               <a:pPr>
                 <a:defRPr/>
               </a:pPr>
-              <a:t>7</a:t>
+              <a:t>6</a:t>
             </a:fld>
             <a:endParaRPr lang="en-US" dirty="0"/>
           </a:p>
@@ -4187,7 +4616,7 @@
     </p:spTree>
     <p:extLst>
       <p:ext uri="{BB962C8B-B14F-4D97-AF65-F5344CB8AC3E}">
-        <p14:creationId xmlns:p14="http://schemas.microsoft.com/office/powerpoint/2010/main" val="376757226"/>
+        <p14:creationId xmlns:p14="http://schemas.microsoft.com/office/powerpoint/2010/main" val="3604347069"/>
       </p:ext>
     </p:extLst>
   </p:cSld>
@@ -4268,7 +4697,7 @@
               <a:pPr>
                 <a:defRPr/>
               </a:pPr>
-              <a:t>8</a:t>
+              <a:t>7</a:t>
             </a:fld>
             <a:endParaRPr lang="en-US" dirty="0"/>
           </a:p>
@@ -4321,7 +4750,7 @@
     </p:spTree>
     <p:extLst>
       <p:ext uri="{BB962C8B-B14F-4D97-AF65-F5344CB8AC3E}">
-        <p14:creationId xmlns:p14="http://schemas.microsoft.com/office/powerpoint/2010/main" val="2835982822"/>
+        <p14:creationId xmlns:p14="http://schemas.microsoft.com/office/powerpoint/2010/main" val="376757226"/>
       </p:ext>
     </p:extLst>
   </p:cSld>
@@ -4372,9 +4801,7 @@
         </p:nvSpPr>
         <p:spPr/>
         <p:txBody>
-          <a:bodyPr>
-            <a:normAutofit/>
-          </a:bodyPr>
+          <a:bodyPr/>
           <a:lstStyle/>
           <a:p>
             <a:endParaRPr lang="en-US" dirty="0"/>
@@ -4404,7 +4831,7 @@
               <a:pPr>
                 <a:defRPr/>
               </a:pPr>
-              <a:t>10</a:t>
+              <a:t>8</a:t>
             </a:fld>
             <a:endParaRPr lang="en-US" dirty="0"/>
           </a:p>
@@ -4457,7 +4884,7 @@
     </p:spTree>
     <p:extLst>
       <p:ext uri="{BB962C8B-B14F-4D97-AF65-F5344CB8AC3E}">
-        <p14:creationId xmlns:p14="http://schemas.microsoft.com/office/powerpoint/2010/main" val="1590986984"/>
+        <p14:creationId xmlns:p14="http://schemas.microsoft.com/office/powerpoint/2010/main" val="2835982822"/>
       </p:ext>
     </p:extLst>
   </p:cSld>
@@ -4513,192 +4940,7 @@
           </a:bodyPr>
           <a:lstStyle/>
           <a:p>
-            <a:r>
-              <a:rPr lang="en-US" dirty="0" smtClean="0"/>
-              <a:t>As you can see on that page, the </a:t>
-            </a:r>
-            <a:r>
-              <a:rPr lang="da-DK" sz="1200" b="0" i="1" u="none" strike="noStrike" kern="1200" baseline="0" dirty="0" smtClean="0">
-                <a:solidFill>
-                  <a:schemeClr val="tx1"/>
-                </a:solidFill>
-                <a:latin typeface="Arial" panose="020B0604020202020204" pitchFamily="34" charset="0"/>
-                <a:ea typeface="ＭＳ Ｐゴシック" charset="0"/>
-                <a:cs typeface="Arial" panose="020B0604020202020204" pitchFamily="34" charset="0"/>
-              </a:rPr>
-              <a:t>3.1 Set Daemon umask (Scored) </a:t>
-            </a:r>
-            <a:r>
-              <a:rPr lang="en-US" sz="1200" b="0" i="0" u="none" strike="noStrike" kern="1200" baseline="0" dirty="0" smtClean="0">
-                <a:solidFill>
-                  <a:schemeClr val="tx1"/>
-                </a:solidFill>
-                <a:latin typeface="Arial" panose="020B0604020202020204" pitchFamily="34" charset="0"/>
-                <a:ea typeface="ＭＳ Ｐゴシック" charset="0"/>
-                <a:cs typeface="Arial" panose="020B0604020202020204" pitchFamily="34" charset="0"/>
-              </a:rPr>
-              <a:t>section says:</a:t>
-            </a:r>
-          </a:p>
-          <a:p>
-            <a:endParaRPr lang="en-US" sz="1200" b="0" i="0" u="none" strike="noStrike" kern="1200" baseline="0" dirty="0" smtClean="0">
-              <a:solidFill>
-                <a:schemeClr val="tx1"/>
-              </a:solidFill>
-              <a:latin typeface="Arial" panose="020B0604020202020204" pitchFamily="34" charset="0"/>
-              <a:ea typeface="ＭＳ Ｐゴシック" charset="0"/>
-              <a:cs typeface="Arial" panose="020B0604020202020204" pitchFamily="34" charset="0"/>
-            </a:endParaRPr>
-          </a:p>
-          <a:p>
-            <a:r>
-              <a:rPr lang="en-US" sz="1200" b="0" i="0" u="none" strike="noStrike" kern="1200" baseline="0" dirty="0" smtClean="0">
-                <a:solidFill>
-                  <a:schemeClr val="tx1"/>
-                </a:solidFill>
-                <a:latin typeface="Arial" panose="020B0604020202020204" pitchFamily="34" charset="0"/>
-                <a:ea typeface="ＭＳ Ｐゴシック" charset="0"/>
-                <a:cs typeface="Arial" panose="020B0604020202020204" pitchFamily="34" charset="0"/>
-              </a:rPr>
-              <a:t>Description:</a:t>
-            </a:r>
-          </a:p>
-          <a:p>
-            <a:endParaRPr lang="en-US" sz="1200" b="0" i="0" u="none" strike="noStrike" kern="1200" baseline="0" dirty="0" smtClean="0">
-              <a:solidFill>
-                <a:schemeClr val="tx1"/>
-              </a:solidFill>
-              <a:latin typeface="Arial" panose="020B0604020202020204" pitchFamily="34" charset="0"/>
-              <a:ea typeface="ＭＳ Ｐゴシック" charset="0"/>
-              <a:cs typeface="Arial" panose="020B0604020202020204" pitchFamily="34" charset="0"/>
-            </a:endParaRPr>
-          </a:p>
-          <a:p>
-            <a:r>
-              <a:rPr lang="en-US" sz="1200" b="0" i="0" u="none" strike="noStrike" kern="1200" baseline="0" dirty="0" smtClean="0">
-                <a:solidFill>
-                  <a:schemeClr val="tx1"/>
-                </a:solidFill>
-                <a:latin typeface="Arial" panose="020B0604020202020204" pitchFamily="34" charset="0"/>
-                <a:ea typeface="ＭＳ Ｐゴシック" charset="0"/>
-                <a:cs typeface="Arial" panose="020B0604020202020204" pitchFamily="34" charset="0"/>
-              </a:rPr>
-              <a:t>Set the default </a:t>
-            </a:r>
-            <a:r>
-              <a:rPr lang="en-US" sz="1200" b="0" i="0" u="none" strike="noStrike" kern="1200" baseline="0" dirty="0" err="1" smtClean="0">
-                <a:solidFill>
-                  <a:schemeClr val="tx1"/>
-                </a:solidFill>
-                <a:latin typeface="Arial" panose="020B0604020202020204" pitchFamily="34" charset="0"/>
-                <a:ea typeface="ＭＳ Ｐゴシック" charset="0"/>
-                <a:cs typeface="Arial" panose="020B0604020202020204" pitchFamily="34" charset="0"/>
-              </a:rPr>
-              <a:t>umask</a:t>
-            </a:r>
-            <a:r>
-              <a:rPr lang="en-US" sz="1200" b="0" i="0" u="none" strike="noStrike" kern="1200" baseline="0" dirty="0" smtClean="0">
-                <a:solidFill>
-                  <a:schemeClr val="tx1"/>
-                </a:solidFill>
-                <a:latin typeface="Arial" panose="020B0604020202020204" pitchFamily="34" charset="0"/>
-                <a:ea typeface="ＭＳ Ｐゴシック" charset="0"/>
-                <a:cs typeface="Arial" panose="020B0604020202020204" pitchFamily="34" charset="0"/>
-              </a:rPr>
-              <a:t> for all processes started at boot time. The settings in </a:t>
-            </a:r>
-            <a:r>
-              <a:rPr lang="en-US" sz="1200" b="0" i="0" u="none" strike="noStrike" kern="1200" baseline="0" dirty="0" err="1" smtClean="0">
-                <a:solidFill>
-                  <a:schemeClr val="tx1"/>
-                </a:solidFill>
-                <a:latin typeface="Arial" panose="020B0604020202020204" pitchFamily="34" charset="0"/>
-                <a:ea typeface="ＭＳ Ｐゴシック" charset="0"/>
-                <a:cs typeface="Arial" panose="020B0604020202020204" pitchFamily="34" charset="0"/>
-              </a:rPr>
-              <a:t>umask</a:t>
-            </a:r>
-            <a:r>
-              <a:rPr lang="en-US" sz="1200" b="0" i="0" u="none" strike="noStrike" kern="1200" baseline="0" dirty="0" smtClean="0">
-                <a:solidFill>
-                  <a:schemeClr val="tx1"/>
-                </a:solidFill>
-                <a:latin typeface="Arial" panose="020B0604020202020204" pitchFamily="34" charset="0"/>
-                <a:ea typeface="ＭＳ Ｐゴシック" charset="0"/>
-                <a:cs typeface="Arial" panose="020B0604020202020204" pitchFamily="34" charset="0"/>
-              </a:rPr>
-              <a:t> selectively turn off default permission when a file is created by a daemon process. </a:t>
-            </a:r>
-            <a:endParaRPr lang="en-US" dirty="0" smtClean="0"/>
-          </a:p>
-          <a:p>
-            <a:endParaRPr lang="en-US" dirty="0" smtClean="0"/>
-          </a:p>
-          <a:p>
-            <a:r>
-              <a:rPr lang="en-US" sz="1200" b="1" i="0" u="none" strike="noStrike" kern="1200" baseline="0" dirty="0" smtClean="0">
-                <a:solidFill>
-                  <a:schemeClr val="tx1"/>
-                </a:solidFill>
-                <a:latin typeface="Arial" panose="020B0604020202020204" pitchFamily="34" charset="0"/>
-                <a:ea typeface="ＭＳ Ｐゴシック" charset="0"/>
-                <a:cs typeface="Arial" panose="020B0604020202020204" pitchFamily="34" charset="0"/>
-              </a:rPr>
-              <a:t>Rationale: </a:t>
-            </a:r>
-            <a:endParaRPr lang="en-US" sz="1200" b="0" i="0" u="none" strike="noStrike" kern="1200" baseline="0" dirty="0" smtClean="0">
-              <a:solidFill>
-                <a:schemeClr val="tx1"/>
-              </a:solidFill>
-              <a:latin typeface="Arial" panose="020B0604020202020204" pitchFamily="34" charset="0"/>
-              <a:ea typeface="ＭＳ Ｐゴシック" charset="0"/>
-              <a:cs typeface="Arial" panose="020B0604020202020204" pitchFamily="34" charset="0"/>
-            </a:endParaRPr>
-          </a:p>
-          <a:p>
-            <a:r>
-              <a:rPr lang="en-US" sz="1200" b="0" i="0" u="none" strike="noStrike" kern="1200" baseline="0" dirty="0" smtClean="0">
-                <a:solidFill>
-                  <a:schemeClr val="tx1"/>
-                </a:solidFill>
-                <a:latin typeface="Arial" panose="020B0604020202020204" pitchFamily="34" charset="0"/>
-                <a:ea typeface="ＭＳ Ｐゴシック" charset="0"/>
-                <a:cs typeface="Arial" panose="020B0604020202020204" pitchFamily="34" charset="0"/>
-              </a:rPr>
-              <a:t>Setting the </a:t>
-            </a:r>
-            <a:r>
-              <a:rPr lang="en-US" sz="1200" b="0" i="0" u="none" strike="noStrike" kern="1200" baseline="0" dirty="0" err="1" smtClean="0">
-                <a:solidFill>
-                  <a:schemeClr val="tx1"/>
-                </a:solidFill>
-                <a:latin typeface="Arial" panose="020B0604020202020204" pitchFamily="34" charset="0"/>
-                <a:ea typeface="ＭＳ Ｐゴシック" charset="0"/>
-                <a:cs typeface="Arial" panose="020B0604020202020204" pitchFamily="34" charset="0"/>
-              </a:rPr>
-              <a:t>umask</a:t>
-            </a:r>
-            <a:r>
-              <a:rPr lang="en-US" sz="1200" b="0" i="0" u="none" strike="noStrike" kern="1200" baseline="0" dirty="0" smtClean="0">
-                <a:solidFill>
-                  <a:schemeClr val="tx1"/>
-                </a:solidFill>
-                <a:latin typeface="Arial" panose="020B0604020202020204" pitchFamily="34" charset="0"/>
-                <a:ea typeface="ＭＳ Ｐゴシック" charset="0"/>
-                <a:cs typeface="Arial" panose="020B0604020202020204" pitchFamily="34" charset="0"/>
-              </a:rPr>
-              <a:t> to 027 will make sure that files created by daemons will not be readable, writable or executable by any other than the group and owner of the daemon process and will not be writable by the group of the daemon process. The daemon process can manually override these settings if these files need additional permission. </a:t>
-            </a:r>
-          </a:p>
-          <a:p>
-            <a:endParaRPr lang="en-US" sz="1200" b="0" i="0" u="none" strike="noStrike" kern="1200" baseline="0" dirty="0" smtClean="0">
-              <a:solidFill>
-                <a:schemeClr val="tx1"/>
-              </a:solidFill>
-              <a:latin typeface="Arial" panose="020B0604020202020204" pitchFamily="34" charset="0"/>
-              <a:ea typeface="ＭＳ Ｐゴシック" charset="0"/>
-              <a:cs typeface="Arial" panose="020B0604020202020204" pitchFamily="34" charset="0"/>
-            </a:endParaRPr>
+            <a:endParaRPr lang="en-US" dirty="0"/>
           </a:p>
         </p:txBody>
       </p:sp>
@@ -4725,7 +4967,7 @@
               <a:pPr>
                 <a:defRPr/>
               </a:pPr>
-              <a:t>11</a:t>
+              <a:t>10</a:t>
             </a:fld>
             <a:endParaRPr lang="en-US" dirty="0"/>
           </a:p>
@@ -4778,7 +5020,7 @@
     </p:spTree>
     <p:extLst>
       <p:ext uri="{BB962C8B-B14F-4D97-AF65-F5344CB8AC3E}">
-        <p14:creationId xmlns:p14="http://schemas.microsoft.com/office/powerpoint/2010/main" val="2120048976"/>
+        <p14:creationId xmlns:p14="http://schemas.microsoft.com/office/powerpoint/2010/main" val="1590986984"/>
       </p:ext>
     </p:extLst>
   </p:cSld>
@@ -5353,14 +5595,14 @@
           </a:ln>
           <a:extLst>
             <a:ext uri="{909E8E84-426E-40dd-AFC4-6F175D3DCCD1}">
-              <a14:hiddenFill xmlns:a14="http://schemas.microsoft.com/office/drawing/2010/main" xmlns="">
+              <a14:hiddenFill xmlns="" xmlns:a14="http://schemas.microsoft.com/office/drawing/2010/main">
                 <a:solidFill>
                   <a:srgbClr val="FFFFFF"/>
                 </a:solidFill>
               </a14:hiddenFill>
             </a:ext>
             <a:ext uri="{91240B29-F687-4f45-9708-019B960494DF}">
-              <a14:hiddenLine xmlns:a14="http://schemas.microsoft.com/office/drawing/2010/main" xmlns="" w="9525">
+              <a14:hiddenLine xmlns="" xmlns:a14="http://schemas.microsoft.com/office/drawing/2010/main" w="9525">
                 <a:solidFill>
                   <a:srgbClr val="000000"/>
                 </a:solidFill>
@@ -5508,14 +5750,14 @@
           </a:ln>
           <a:extLst>
             <a:ext uri="{909E8E84-426E-40dd-AFC4-6F175D3DCCD1}">
-              <a14:hiddenFill xmlns:a14="http://schemas.microsoft.com/office/drawing/2010/main" xmlns="">
+              <a14:hiddenFill xmlns="" xmlns:a14="http://schemas.microsoft.com/office/drawing/2010/main">
                 <a:solidFill>
                   <a:srgbClr val="FFFFFF"/>
                 </a:solidFill>
               </a14:hiddenFill>
             </a:ext>
             <a:ext uri="{91240B29-F687-4f45-9708-019B960494DF}">
-              <a14:hiddenLine xmlns:a14="http://schemas.microsoft.com/office/drawing/2010/main" xmlns="" w="9525">
+              <a14:hiddenLine xmlns="" xmlns:a14="http://schemas.microsoft.com/office/drawing/2010/main" w="9525">
                 <a:solidFill>
                   <a:srgbClr val="000000"/>
                 </a:solidFill>
@@ -6006,14 +6248,14 @@
           </a:ln>
           <a:extLst>
             <a:ext uri="{909E8E84-426E-40dd-AFC4-6F175D3DCCD1}">
-              <a14:hiddenFill xmlns:a14="http://schemas.microsoft.com/office/drawing/2010/main" xmlns="">
+              <a14:hiddenFill xmlns="" xmlns:a14="http://schemas.microsoft.com/office/drawing/2010/main">
                 <a:solidFill>
                   <a:srgbClr val="FFFFFF"/>
                 </a:solidFill>
               </a14:hiddenFill>
             </a:ext>
             <a:ext uri="{91240B29-F687-4f45-9708-019B960494DF}">
-              <a14:hiddenLine xmlns:a14="http://schemas.microsoft.com/office/drawing/2010/main" xmlns="" w="9525">
+              <a14:hiddenLine xmlns="" xmlns:a14="http://schemas.microsoft.com/office/drawing/2010/main" w="9525">
                 <a:solidFill>
                   <a:srgbClr val="000000"/>
                 </a:solidFill>
@@ -6539,14 +6781,14 @@
           </a:ln>
           <a:extLst>
             <a:ext uri="{909E8E84-426E-40dd-AFC4-6F175D3DCCD1}">
-              <a14:hiddenFill xmlns:a14="http://schemas.microsoft.com/office/drawing/2010/main" xmlns="">
+              <a14:hiddenFill xmlns="" xmlns:a14="http://schemas.microsoft.com/office/drawing/2010/main">
                 <a:solidFill>
                   <a:srgbClr val="FFFFFF"/>
                 </a:solidFill>
               </a14:hiddenFill>
             </a:ext>
             <a:ext uri="{91240B29-F687-4f45-9708-019B960494DF}">
-              <a14:hiddenLine xmlns:a14="http://schemas.microsoft.com/office/drawing/2010/main" xmlns="" w="9525">
+              <a14:hiddenLine xmlns="" xmlns:a14="http://schemas.microsoft.com/office/drawing/2010/main" w="9525">
                 <a:solidFill>
                   <a:srgbClr val="000000"/>
                 </a:solidFill>
@@ -8170,14 +8412,14 @@
           </a:ln>
           <a:extLst>
             <a:ext uri="{909E8E84-426E-40dd-AFC4-6F175D3DCCD1}">
-              <a14:hiddenFill xmlns:a14="http://schemas.microsoft.com/office/drawing/2010/main" xmlns="">
+              <a14:hiddenFill xmlns="" xmlns:a14="http://schemas.microsoft.com/office/drawing/2010/main">
                 <a:solidFill>
                   <a:srgbClr val="FFFFFF"/>
                 </a:solidFill>
               </a14:hiddenFill>
             </a:ext>
             <a:ext uri="{91240B29-F687-4f45-9708-019B960494DF}">
-              <a14:hiddenLine xmlns:a14="http://schemas.microsoft.com/office/drawing/2010/main" xmlns="" w="9525">
+              <a14:hiddenLine xmlns="" xmlns:a14="http://schemas.microsoft.com/office/drawing/2010/main" w="9525">
                 <a:solidFill>
                   <a:srgbClr val="000000"/>
                 </a:solidFill>
@@ -9711,14 +9953,14 @@
           </a:ln>
           <a:extLst>
             <a:ext uri="{909E8E84-426E-40dd-AFC4-6F175D3DCCD1}">
-              <a14:hiddenFill xmlns:a14="http://schemas.microsoft.com/office/drawing/2010/main" xmlns="">
+              <a14:hiddenFill xmlns="" xmlns:a14="http://schemas.microsoft.com/office/drawing/2010/main">
                 <a:solidFill>
                   <a:srgbClr val="FFFFFF"/>
                 </a:solidFill>
               </a14:hiddenFill>
             </a:ext>
             <a:ext uri="{91240B29-F687-4f45-9708-019B960494DF}">
-              <a14:hiddenLine xmlns:a14="http://schemas.microsoft.com/office/drawing/2010/main" xmlns="" w="9525">
+              <a14:hiddenLine xmlns="" xmlns:a14="http://schemas.microsoft.com/office/drawing/2010/main" w="9525">
                 <a:solidFill>
                   <a:srgbClr val="000000"/>
                 </a:solidFill>
@@ -10224,14 +10466,14 @@
           </a:ln>
           <a:extLst>
             <a:ext uri="{909E8E84-426E-40dd-AFC4-6F175D3DCCD1}">
-              <a14:hiddenFill xmlns:a14="http://schemas.microsoft.com/office/drawing/2010/main" xmlns="">
+              <a14:hiddenFill xmlns="" xmlns:a14="http://schemas.microsoft.com/office/drawing/2010/main">
                 <a:solidFill>
                   <a:srgbClr val="FFFFFF"/>
                 </a:solidFill>
               </a14:hiddenFill>
             </a:ext>
             <a:ext uri="{91240B29-F687-4f45-9708-019B960494DF}">
-              <a14:hiddenLine xmlns:a14="http://schemas.microsoft.com/office/drawing/2010/main" xmlns="" w="9525">
+              <a14:hiddenLine xmlns="" xmlns:a14="http://schemas.microsoft.com/office/drawing/2010/main" w="9525">
                 <a:solidFill>
                   <a:srgbClr val="000000"/>
                 </a:solidFill>
@@ -10798,14 +11040,14 @@
           </a:ln>
           <a:extLst>
             <a:ext uri="{909E8E84-426E-40dd-AFC4-6F175D3DCCD1}">
-              <a14:hiddenFill xmlns:a14="http://schemas.microsoft.com/office/drawing/2010/main" xmlns="">
+              <a14:hiddenFill xmlns="" xmlns:a14="http://schemas.microsoft.com/office/drawing/2010/main">
                 <a:solidFill>
                   <a:srgbClr val="FFFFFF"/>
                 </a:solidFill>
               </a14:hiddenFill>
             </a:ext>
             <a:ext uri="{91240B29-F687-4f45-9708-019B960494DF}">
-              <a14:hiddenLine xmlns:a14="http://schemas.microsoft.com/office/drawing/2010/main" xmlns="" w="9525">
+              <a14:hiddenLine xmlns="" xmlns:a14="http://schemas.microsoft.com/office/drawing/2010/main" w="9525">
                 <a:solidFill>
                   <a:srgbClr val="000000"/>
                 </a:solidFill>
@@ -11745,14 +11987,14 @@
           </a:ln>
           <a:extLst>
             <a:ext uri="{909E8E84-426E-40dd-AFC4-6F175D3DCCD1}">
-              <a14:hiddenFill xmlns:a14="http://schemas.microsoft.com/office/drawing/2010/main" xmlns="">
+              <a14:hiddenFill xmlns="" xmlns:a14="http://schemas.microsoft.com/office/drawing/2010/main">
                 <a:solidFill>
                   <a:srgbClr val="FFFFFF"/>
                 </a:solidFill>
               </a14:hiddenFill>
             </a:ext>
             <a:ext uri="{91240B29-F687-4f45-9708-019B960494DF}">
-              <a14:hiddenLine xmlns:a14="http://schemas.microsoft.com/office/drawing/2010/main" xmlns="" w="9525">
+              <a14:hiddenLine xmlns="" xmlns:a14="http://schemas.microsoft.com/office/drawing/2010/main" w="9525">
                 <a:solidFill>
                   <a:srgbClr val="000000"/>
                 </a:solidFill>
@@ -11919,7 +12161,7 @@
                 <a:ea typeface="+mn-ea"/>
                 <a:cs typeface="+mn-cs"/>
               </a:rPr>
-              <a:t>7-</a:t>
+              <a:t>6-</a:t>
             </a:r>
             <a:fld id="{F0B79B2F-E1DD-4D43-95B3-EA08C411D807}" type="slidenum">
               <a:rPr lang="en-US" smtClean="0">
@@ -12505,14 +12747,14 @@
           </a:ln>
           <a:extLst>
             <a:ext uri="{909E8E84-426E-40dd-AFC4-6F175D3DCCD1}">
-              <a14:hiddenFill xmlns:a14="http://schemas.microsoft.com/office/drawing/2010/main" xmlns="">
+              <a14:hiddenFill xmlns="" xmlns:a14="http://schemas.microsoft.com/office/drawing/2010/main">
                 <a:solidFill>
                   <a:srgbClr val="FFFFFF"/>
                 </a:solidFill>
               </a14:hiddenFill>
             </a:ext>
             <a:ext uri="{91240B29-F687-4f45-9708-019B960494DF}">
-              <a14:hiddenLine xmlns:a14="http://schemas.microsoft.com/office/drawing/2010/main" xmlns="" w="9525">
+              <a14:hiddenLine xmlns="" xmlns:a14="http://schemas.microsoft.com/office/drawing/2010/main" w="9525">
                 <a:solidFill>
                   <a:srgbClr val="000000"/>
                 </a:solidFill>
@@ -12679,7 +12921,7 @@
                 <a:ea typeface="+mn-ea"/>
                 <a:cs typeface="+mn-cs"/>
               </a:rPr>
-              <a:t>7-</a:t>
+              <a:t>6-</a:t>
             </a:r>
             <a:fld id="{F0B79B2F-E1DD-4D43-95B3-EA08C411D807}" type="slidenum">
               <a:rPr lang="en-US" smtClean="0">
@@ -13271,13 +13513,16 @@
           <a:p>
             <a:r>
               <a:rPr lang="en-US" dirty="0"/>
-              <a:t>Applying Compliance Frameworks using </a:t>
-            </a:r>
-            <a:r>
-              <a:rPr lang="en-US" dirty="0" err="1"/>
+              <a:t>Applying Compliance Frameworks </a:t>
+            </a:r>
+            <a:r>
+              <a:rPr lang="en-US" dirty="0" smtClean="0"/>
+              <a:t>Using </a:t>
+            </a:r>
+            <a:r>
+              <a:rPr lang="en-US" dirty="0"/>
               <a:t>InSpec</a:t>
             </a:r>
-            <a:endParaRPr lang="en-US" dirty="0"/>
           </a:p>
         </p:txBody>
       </p:sp>
@@ -14914,7 +15159,11 @@
             </a:br>
             <a:r>
               <a:rPr lang="pt-BR" b="1" dirty="0"/>
-              <a:t>CIS Microsoft Windows Server 2012 R2 Benchmark</a:t>
+              <a:t>CIS Microsoft Windows Server 2012 R2 </a:t>
+            </a:r>
+            <a:r>
+              <a:rPr lang="pt-BR" b="1" dirty="0" smtClean="0"/>
+              <a:t>Benchmark </a:t>
             </a:r>
             <a:r>
               <a:rPr lang="pt-BR" dirty="0" smtClean="0"/>
@@ -16479,7 +16728,7 @@
           <a:p>
             <a:r>
               <a:rPr lang="en-US" dirty="0" smtClean="0"/>
-              <a:t>DoD Compliance Frameworks</a:t>
+              <a:t>TBD DoD Compliance Frameworks</a:t>
             </a:r>
             <a:endParaRPr lang="en-US" dirty="0"/>
           </a:p>
@@ -17900,54 +18149,6 @@
             <a:r>
               <a:rPr lang="en-US" dirty="0" smtClean="0"/>
               <a:t>controls.</a:t>
-            </a:r>
-          </a:p>
-          <a:p>
-            <a:pPr marL="342900" indent="-342900">
-              <a:buFont typeface="Wingdings" panose="05000000000000000000" pitchFamily="2" charset="2"/>
-              <a:buChar char="q"/>
-            </a:pPr>
-            <a:r>
-              <a:rPr lang="en-US" dirty="0" smtClean="0"/>
-              <a:t>Use </a:t>
-            </a:r>
-            <a:r>
-              <a:rPr lang="en-US" dirty="0"/>
-              <a:t>`</a:t>
-            </a:r>
-            <a:r>
-              <a:rPr lang="en-US" dirty="0" err="1"/>
-              <a:t>inspec</a:t>
-            </a:r>
-            <a:r>
-              <a:rPr lang="en-US" dirty="0"/>
-              <a:t> exec` to run the tests against your Linux </a:t>
-            </a:r>
-            <a:r>
-              <a:rPr lang="en-US" dirty="0" smtClean="0"/>
-              <a:t>target.</a:t>
-            </a:r>
-          </a:p>
-          <a:p>
-            <a:pPr marL="342900" indent="-342900">
-              <a:buFont typeface="Wingdings" panose="05000000000000000000" pitchFamily="2" charset="2"/>
-              <a:buChar char="q"/>
-            </a:pPr>
-            <a:r>
-              <a:rPr lang="en-US" dirty="0" smtClean="0"/>
-              <a:t>Package the profile </a:t>
-            </a:r>
-            <a:r>
-              <a:rPr lang="en-US" dirty="0"/>
-              <a:t>and upload </a:t>
-            </a:r>
-            <a:r>
-              <a:rPr lang="en-US" dirty="0" smtClean="0"/>
-              <a:t>it to </a:t>
-            </a:r>
-            <a:r>
-              <a:rPr lang="en-US" dirty="0"/>
-              <a:t>your Compliance server.</a:t>
             </a:r>
           </a:p>
           <a:p>
@@ -20286,61 +20487,6 @@
 </file>
 
 <file path=customXml/item1.xml><?xml version="1.0" encoding="utf-8"?>
-<?mso-contentType ?>
-<FormTemplates xmlns="http://schemas.microsoft.com/sharepoint/v3/contenttype/forms">
-  <Display>DocumentLibraryForm</Display>
-  <Edit>DocumentLibraryForm</Edit>
-  <New>DocumentLibraryForm</New>
-</FormTemplates>
-</file>
-
-<file path=customXml/item2.xml><?xml version="1.0" encoding="utf-8"?>
-<?mso-contentType ?>
-<spe:Receivers xmlns:spe="http://schemas.microsoft.com/sharepoint/events">
-  <Receiver>
-    <Name>Document ID Generator</Name>
-    <Synchronization>Synchronous</Synchronization>
-    <Type>10001</Type>
-    <SequenceNumber>1000</SequenceNumber>
-    <Assembly>Microsoft.Office.DocumentManagement, Version=14.0.0.0, Culture=neutral, PublicKeyToken=71e9bce111e9429c</Assembly>
-    <Class>Microsoft.Office.DocumentManagement.Internal.DocIdHandler</Class>
-    <Data/>
-    <Filter/>
-  </Receiver>
-  <Receiver>
-    <Name>Document ID Generator</Name>
-    <Synchronization>Synchronous</Synchronization>
-    <Type>10002</Type>
-    <SequenceNumber>1001</SequenceNumber>
-    <Assembly>Microsoft.Office.DocumentManagement, Version=14.0.0.0, Culture=neutral, PublicKeyToken=71e9bce111e9429c</Assembly>
-    <Class>Microsoft.Office.DocumentManagement.Internal.DocIdHandler</Class>
-    <Data/>
-    <Filter/>
-  </Receiver>
-  <Receiver>
-    <Name>Document ID Generator</Name>
-    <Synchronization>Synchronous</Synchronization>
-    <Type>10004</Type>
-    <SequenceNumber>1002</SequenceNumber>
-    <Assembly>Microsoft.Office.DocumentManagement, Version=14.0.0.0, Culture=neutral, PublicKeyToken=71e9bce111e9429c</Assembly>
-    <Class>Microsoft.Office.DocumentManagement.Internal.DocIdHandler</Class>
-    <Data/>
-    <Filter/>
-  </Receiver>
-  <Receiver>
-    <Name>Document ID Generator</Name>
-    <Synchronization>Synchronous</Synchronization>
-    <Type>10006</Type>
-    <SequenceNumber>1003</SequenceNumber>
-    <Assembly>Microsoft.Office.DocumentManagement, Version=14.0.0.0, Culture=neutral, PublicKeyToken=71e9bce111e9429c</Assembly>
-    <Class>Microsoft.Office.DocumentManagement.Internal.DocIdHandler</Class>
-    <Data/>
-    <Filter/>
-  </Receiver>
-</spe:Receivers>
-</file>
-
-<file path=customXml/item3.xml><?xml version="1.0" encoding="utf-8"?>
 <ct:contentTypeSchema xmlns:ct="http://schemas.microsoft.com/office/2006/metadata/contentType" xmlns:ma="http://schemas.microsoft.com/office/2006/metadata/properties/metaAttributes" ct:_="" ma:_="" ma:contentTypeName="Document" ma:contentTypeID="0x0101000812F700BE7F874999720E88173FE491" ma:contentTypeVersion="0" ma:contentTypeDescription="Create a new document." ma:contentTypeScope="" ma:versionID="3f79f408e2ca720b7aba6e0e32464d0c">
   <xsd:schema xmlns:xsd="http://www.w3.org/2001/XMLSchema" xmlns:xs="http://www.w3.org/2001/XMLSchema" xmlns:p="http://schemas.microsoft.com/office/2006/metadata/properties" xmlns:ns2="7bb5d761-a2ea-4873-95f7-7a6658fb3ef0" targetNamespace="http://schemas.microsoft.com/office/2006/metadata/properties" ma:root="true" ma:fieldsID="1e062cd38ba31e406bfc4340fbc7f87a" ns2:_="">
     <xsd:import namespace="7bb5d761-a2ea-4873-95f7-7a6658fb3ef0"/>
@@ -20485,6 +20631,61 @@
 </ct:contentTypeSchema>
 </file>
 
+<file path=customXml/item2.xml><?xml version="1.0" encoding="utf-8"?>
+<?mso-contentType ?>
+<spe:Receivers xmlns:spe="http://schemas.microsoft.com/sharepoint/events">
+  <Receiver>
+    <Name>Document ID Generator</Name>
+    <Synchronization>Synchronous</Synchronization>
+    <Type>10001</Type>
+    <SequenceNumber>1000</SequenceNumber>
+    <Assembly>Microsoft.Office.DocumentManagement, Version=14.0.0.0, Culture=neutral, PublicKeyToken=71e9bce111e9429c</Assembly>
+    <Class>Microsoft.Office.DocumentManagement.Internal.DocIdHandler</Class>
+    <Data/>
+    <Filter/>
+  </Receiver>
+  <Receiver>
+    <Name>Document ID Generator</Name>
+    <Synchronization>Synchronous</Synchronization>
+    <Type>10002</Type>
+    <SequenceNumber>1001</SequenceNumber>
+    <Assembly>Microsoft.Office.DocumentManagement, Version=14.0.0.0, Culture=neutral, PublicKeyToken=71e9bce111e9429c</Assembly>
+    <Class>Microsoft.Office.DocumentManagement.Internal.DocIdHandler</Class>
+    <Data/>
+    <Filter/>
+  </Receiver>
+  <Receiver>
+    <Name>Document ID Generator</Name>
+    <Synchronization>Synchronous</Synchronization>
+    <Type>10004</Type>
+    <SequenceNumber>1002</SequenceNumber>
+    <Assembly>Microsoft.Office.DocumentManagement, Version=14.0.0.0, Culture=neutral, PublicKeyToken=71e9bce111e9429c</Assembly>
+    <Class>Microsoft.Office.DocumentManagement.Internal.DocIdHandler</Class>
+    <Data/>
+    <Filter/>
+  </Receiver>
+  <Receiver>
+    <Name>Document ID Generator</Name>
+    <Synchronization>Synchronous</Synchronization>
+    <Type>10006</Type>
+    <SequenceNumber>1003</SequenceNumber>
+    <Assembly>Microsoft.Office.DocumentManagement, Version=14.0.0.0, Culture=neutral, PublicKeyToken=71e9bce111e9429c</Assembly>
+    <Class>Microsoft.Office.DocumentManagement.Internal.DocIdHandler</Class>
+    <Data/>
+    <Filter/>
+  </Receiver>
+</spe:Receivers>
+</file>
+
+<file path=customXml/item3.xml><?xml version="1.0" encoding="utf-8"?>
+<?mso-contentType ?>
+<FormTemplates xmlns="http://schemas.microsoft.com/sharepoint/v3/contenttype/forms">
+  <Display>DocumentLibraryForm</Display>
+  <Edit>DocumentLibraryForm</Edit>
+  <New>DocumentLibraryForm</New>
+</FormTemplates>
+</file>
+
 <file path=customXml/item4.xml><?xml version="1.0" encoding="utf-8"?>
 <p:properties xmlns:p="http://schemas.microsoft.com/office/2006/metadata/properties" xmlns:xsi="http://www.w3.org/2001/XMLSchema-instance" xmlns:pc="http://schemas.microsoft.com/office/infopath/2007/PartnerControls">
   <documentManagement>
@@ -20498,9 +20699,19 @@
 </file>
 
 <file path=customXml/itemProps1.xml><?xml version="1.0" encoding="utf-8"?>
-<ds:datastoreItem xmlns:ds="http://schemas.openxmlformats.org/officeDocument/2006/customXml" ds:itemID="{5CDEB364-43EC-4510-9881-539C2A3FCE9E}">
+<ds:datastoreItem xmlns:ds="http://schemas.openxmlformats.org/officeDocument/2006/customXml" ds:itemID="{164479E5-0B02-49AC-B79E-EC1D6164DDD3}">
   <ds:schemaRefs>
-    <ds:schemaRef ds:uri="http://schemas.microsoft.com/sharepoint/v3/contenttype/forms"/>
+    <ds:schemaRef ds:uri="http://schemas.microsoft.com/office/2006/metadata/contentType"/>
+    <ds:schemaRef ds:uri="http://schemas.microsoft.com/office/2006/metadata/properties/metaAttributes"/>
+    <ds:schemaRef ds:uri="http://www.w3.org/2001/XMLSchema"/>
+    <ds:schemaRef ds:uri="http://schemas.microsoft.com/office/2006/metadata/properties"/>
+    <ds:schemaRef ds:uri="7bb5d761-a2ea-4873-95f7-7a6658fb3ef0"/>
+    <ds:schemaRef ds:uri="http://schemas.microsoft.com/office/2006/documentManagement/types"/>
+    <ds:schemaRef ds:uri="http://schemas.microsoft.com/office/infopath/2007/PartnerControls"/>
+    <ds:schemaRef ds:uri="http://schemas.openxmlformats.org/package/2006/metadata/core-properties"/>
+    <ds:schemaRef ds:uri="http://purl.org/dc/elements/1.1/"/>
+    <ds:schemaRef ds:uri="http://purl.org/dc/terms/"/>
+    <ds:schemaRef ds:uri="http://schemas.microsoft.com/internal/obd"/>
   </ds:schemaRefs>
 </ds:datastoreItem>
 </file>
@@ -20514,19 +20725,9 @@
 </file>
 
 <file path=customXml/itemProps3.xml><?xml version="1.0" encoding="utf-8"?>
-<ds:datastoreItem xmlns:ds="http://schemas.openxmlformats.org/officeDocument/2006/customXml" ds:itemID="{164479E5-0B02-49AC-B79E-EC1D6164DDD3}">
+<ds:datastoreItem xmlns:ds="http://schemas.openxmlformats.org/officeDocument/2006/customXml" ds:itemID="{5CDEB364-43EC-4510-9881-539C2A3FCE9E}">
   <ds:schemaRefs>
-    <ds:schemaRef ds:uri="http://schemas.microsoft.com/office/2006/metadata/contentType"/>
-    <ds:schemaRef ds:uri="http://schemas.microsoft.com/office/2006/metadata/properties/metaAttributes"/>
-    <ds:schemaRef ds:uri="http://www.w3.org/2001/XMLSchema"/>
-    <ds:schemaRef ds:uri="http://schemas.microsoft.com/office/2006/metadata/properties"/>
-    <ds:schemaRef ds:uri="7bb5d761-a2ea-4873-95f7-7a6658fb3ef0"/>
-    <ds:schemaRef ds:uri="http://schemas.microsoft.com/office/2006/documentManagement/types"/>
-    <ds:schemaRef ds:uri="http://schemas.microsoft.com/office/infopath/2007/PartnerControls"/>
-    <ds:schemaRef ds:uri="http://schemas.openxmlformats.org/package/2006/metadata/core-properties"/>
-    <ds:schemaRef ds:uri="http://purl.org/dc/elements/1.1/"/>
-    <ds:schemaRef ds:uri="http://purl.org/dc/terms/"/>
-    <ds:schemaRef ds:uri="http://schemas.microsoft.com/internal/obd"/>
+    <ds:schemaRef ds:uri="http://schemas.microsoft.com/sharepoint/v3/contenttype/forms"/>
   </ds:schemaRefs>
 </ds:datastoreItem>
 </file>

--- a/06-compliance-frameworks-inspec.pptx
+++ b/06-compliance-frameworks-inspec.pptx
@@ -6,10 +6,10 @@
     <p:sldMasterId id="2147483847" r:id="rId6"/>
   </p:sldMasterIdLst>
   <p:notesMasterIdLst>
-    <p:notesMasterId r:id="rId48"/>
+    <p:notesMasterId r:id="rId49"/>
   </p:notesMasterIdLst>
   <p:handoutMasterIdLst>
-    <p:handoutMasterId r:id="rId49"/>
+    <p:handoutMasterId r:id="rId50"/>
   </p:handoutMasterIdLst>
   <p:sldIdLst>
     <p:sldId id="256" r:id="rId7"/>
@@ -49,10 +49,11 @@
     <p:sldId id="383" r:id="rId41"/>
     <p:sldId id="384" r:id="rId42"/>
     <p:sldId id="385" r:id="rId43"/>
-    <p:sldId id="380" r:id="rId44"/>
-    <p:sldId id="276" r:id="rId45"/>
-    <p:sldId id="376" r:id="rId46"/>
-    <p:sldId id="267" r:id="rId47"/>
+    <p:sldId id="387" r:id="rId44"/>
+    <p:sldId id="386" r:id="rId45"/>
+    <p:sldId id="276" r:id="rId46"/>
+    <p:sldId id="376" r:id="rId47"/>
+    <p:sldId id="267" r:id="rId48"/>
   </p:sldIdLst>
   <p:sldSz cx="16256000" cy="9144000"/>
   <p:notesSz cx="6858000" cy="9144000"/>
@@ -314,7 +315,7 @@
               <a:pPr>
                 <a:defRPr/>
               </a:pPr>
-              <a:t>2016-02-09</a:t>
+              <a:t>2016-02-10</a:t>
             </a:fld>
             <a:endParaRPr lang="en-US" dirty="0"/>
           </a:p>
@@ -497,7 +498,7 @@
               <a:pPr>
                 <a:defRPr/>
               </a:pPr>
-              <a:t>2016-02-09</a:t>
+              <a:t>2016-02-10</a:t>
             </a:fld>
             <a:endParaRPr lang="en-US" dirty="0"/>
           </a:p>
@@ -4101,10 +4102,6 @@
           <a:bodyPr/>
           <a:lstStyle/>
           <a:p>
-            <a:r>
-              <a:rPr lang="en-US" dirty="0" smtClean="0"/>
-              <a:t>TBD</a:t>
-            </a:r>
             <a:endParaRPr lang="en-US" dirty="0"/>
           </a:p>
         </p:txBody>
@@ -4680,7 +4677,7 @@
           <a:p>
             <a:r>
               <a:rPr lang="en-US" dirty="0" smtClean="0"/>
-              <a:t>Try to run the STIG Viewer. If it fails due to a Java error, </a:t>
+              <a:t>Try to run the STIG Viewer. If it fails due to a Java error, you may need to install the latest Java Runtime Environment (JRE) as indicated on the next slide.</a:t>
             </a:r>
           </a:p>
           <a:p>
@@ -5508,7 +5505,6 @@
               <a:rPr lang="en-US" dirty="0" smtClean="0"/>
               <a:t>TBD SCAP Roadmap.</a:t>
             </a:r>
-            <a:endParaRPr lang="en-US" dirty="0" smtClean="0"/>
           </a:p>
         </p:txBody>
       </p:sp>
@@ -5675,7 +5671,7 @@
           <a:p>
             <a:r>
               <a:rPr lang="en-US" baseline="0" dirty="0" smtClean="0"/>
-              <a:t>The image on the left shows a Chef Compliance Profile that was written based on the details of  this </a:t>
+              <a:t>The image on the left shows a Chef Compliance Profile that was written based on the details of this </a:t>
             </a:r>
             <a:r>
               <a:rPr lang="en-US" dirty="0" smtClean="0"/>
@@ -5701,7 +5697,6 @@
               <a:rPr lang="en-US" baseline="0" dirty="0" smtClean="0"/>
               <a:t>rules.</a:t>
             </a:r>
-            <a:endParaRPr lang="en-US" baseline="0" dirty="0" smtClean="0"/>
           </a:p>
         </p:txBody>
       </p:sp>
@@ -5977,7 +5972,6 @@
               <a:rPr lang="en-US" dirty="0" smtClean="0"/>
               <a:t>TBD SCAP Roadmap.</a:t>
             </a:r>
-            <a:endParaRPr lang="en-US" dirty="0" smtClean="0"/>
           </a:p>
         </p:txBody>
       </p:sp>
@@ -6004,7 +5998,7 @@
               <a:pPr>
                 <a:defRPr/>
               </a:pPr>
-              <a:t>38</a:t>
+              <a:t>39</a:t>
             </a:fld>
             <a:endParaRPr lang="en-US" dirty="0"/>
           </a:p>
@@ -6057,7 +6051,7 @@
     </p:spTree>
     <p:extLst>
       <p:ext uri="{BB962C8B-B14F-4D97-AF65-F5344CB8AC3E}">
-        <p14:creationId xmlns:p14="http://schemas.microsoft.com/office/powerpoint/2010/main" val="239676535"/>
+        <p14:creationId xmlns:p14="http://schemas.microsoft.com/office/powerpoint/2010/main" val="56818537"/>
       </p:ext>
     </p:extLst>
   </p:cSld>
@@ -6115,6 +6109,74 @@
           <a:p>
             <a:endParaRPr lang="en-US" dirty="0" smtClean="0"/>
           </a:p>
+          <a:p>
+            <a:endParaRPr lang="en-US" dirty="0" smtClean="0"/>
+          </a:p>
+          <a:p>
+            <a:r>
+              <a:rPr lang="en-US" sz="1200" u="sng" kern="1200" dirty="0" smtClean="0">
+                <a:solidFill>
+                  <a:schemeClr val="tx1"/>
+                </a:solidFill>
+                <a:effectLst/>
+                <a:latin typeface="Arial" panose="020B0604020202020204" pitchFamily="34" charset="0"/>
+                <a:ea typeface="ＭＳ Ｐゴシック" charset="0"/>
+                <a:cs typeface="Arial" panose="020B0604020202020204" pitchFamily="34" charset="0"/>
+                <a:hlinkClick r:id="rId3"/>
+              </a:rPr>
+              <a:t>https://chefio.atlassian.net/wiki/pages/viewpage.action?spaceKey=SE&amp;title=Week+1#Week1-Exercises.1</a:t>
+            </a:r>
+            <a:endParaRPr lang="en-US" sz="1200" kern="1200" dirty="0" smtClean="0">
+              <a:solidFill>
+                <a:schemeClr val="tx1"/>
+              </a:solidFill>
+              <a:effectLst/>
+              <a:latin typeface="Arial" panose="020B0604020202020204" pitchFamily="34" charset="0"/>
+              <a:ea typeface="ＭＳ Ｐゴシック" charset="0"/>
+              <a:cs typeface="Arial" panose="020B0604020202020204" pitchFamily="34" charset="0"/>
+            </a:endParaRPr>
+          </a:p>
+          <a:p>
+            <a:r>
+              <a:rPr lang="en-US" sz="1200" kern="1200" dirty="0" smtClean="0">
+                <a:solidFill>
+                  <a:schemeClr val="tx1"/>
+                </a:solidFill>
+                <a:effectLst/>
+                <a:latin typeface="Arial" panose="020B0604020202020204" pitchFamily="34" charset="0"/>
+                <a:ea typeface="ＭＳ Ｐゴシック" charset="0"/>
+                <a:cs typeface="Arial" panose="020B0604020202020204" pitchFamily="34" charset="0"/>
+              </a:rPr>
+              <a:t> </a:t>
+            </a:r>
+          </a:p>
+          <a:p>
+            <a:r>
+              <a:rPr lang="en-US" sz="1200" u="sng" kern="1200" dirty="0" smtClean="0">
+                <a:solidFill>
+                  <a:schemeClr val="tx1"/>
+                </a:solidFill>
+                <a:effectLst/>
+                <a:latin typeface="Arial" panose="020B0604020202020204" pitchFamily="34" charset="0"/>
+                <a:ea typeface="ＭＳ Ｐゴシック" charset="0"/>
+                <a:cs typeface="Arial" panose="020B0604020202020204" pitchFamily="34" charset="0"/>
+                <a:hlinkClick r:id="rId4"/>
+              </a:rPr>
+              <a:t>https://chefio.atlassian.net/wiki/display/SE/Week+2+-+Use+Cases#Week2-UseCases-Exercises-CIS</a:t>
+            </a:r>
+            <a:endParaRPr lang="en-US" sz="1200" kern="1200" dirty="0" smtClean="0">
+              <a:solidFill>
+                <a:schemeClr val="tx1"/>
+              </a:solidFill>
+              <a:effectLst/>
+              <a:latin typeface="Arial" panose="020B0604020202020204" pitchFamily="34" charset="0"/>
+              <a:ea typeface="ＭＳ Ｐゴシック" charset="0"/>
+              <a:cs typeface="Arial" panose="020B0604020202020204" pitchFamily="34" charset="0"/>
+            </a:endParaRPr>
+          </a:p>
+          <a:p>
+            <a:endParaRPr lang="en-US" dirty="0" smtClean="0"/>
+          </a:p>
         </p:txBody>
       </p:sp>
       <p:sp>
@@ -6140,7 +6202,7 @@
               <a:pPr>
                 <a:defRPr/>
               </a:pPr>
-              <a:t>40</a:t>
+              <a:t>41</a:t>
             </a:fld>
             <a:endParaRPr lang="en-US" dirty="0"/>
           </a:p>
@@ -17541,15 +17603,7 @@
             </a:br>
             <a:r>
               <a:rPr lang="en-US" dirty="0" smtClean="0"/>
-              <a:t>Compliance </a:t>
-            </a:r>
-            <a:r>
-              <a:rPr lang="en-US" dirty="0" smtClean="0"/>
-              <a:t>Frameworks - CIS </a:t>
-            </a:r>
-            <a:r>
-              <a:rPr lang="en-US" dirty="0" smtClean="0"/>
-              <a:t>Windows</a:t>
+              <a:t>Compliance Frameworks - CIS Windows</a:t>
             </a:r>
             <a:endParaRPr lang="en-US" dirty="0"/>
           </a:p>
@@ -21676,11 +21730,7 @@
             </a:r>
             <a:r>
               <a:rPr lang="en-US" dirty="0" smtClean="0"/>
-              <a:t>Rules </a:t>
-            </a:r>
-            <a:r>
-              <a:rPr lang="en-US" dirty="0" smtClean="0"/>
-              <a:t>for </a:t>
+              <a:t>Rules for </a:t>
             </a:r>
             <a:r>
               <a:rPr lang="en-US" dirty="0"/>
@@ -22851,17 +22901,12 @@
           <a:p>
             <a:r>
               <a:rPr lang="en-US" dirty="0" smtClean="0"/>
-              <a:t>GL: </a:t>
-            </a:r>
-            <a:r>
-              <a:rPr lang="en-US" dirty="0" smtClean="0"/>
-              <a:t>STIG </a:t>
+              <a:t>GL: STIG </a:t>
             </a:r>
             <a:r>
               <a:rPr lang="en-US" dirty="0"/>
               <a:t>Profiles for Red Hat 6</a:t>
             </a:r>
-            <a:endParaRPr lang="en-US" dirty="0"/>
           </a:p>
         </p:txBody>
       </p:sp>
@@ -22887,11 +22932,7 @@
           <a:p>
             <a:r>
               <a:rPr lang="en-US" dirty="0" smtClean="0"/>
-              <a:t>Your STIG viewer should now be populated with </a:t>
-            </a:r>
-            <a:r>
-              <a:rPr lang="en-US" dirty="0" smtClean="0"/>
-              <a:t>DoD </a:t>
+              <a:t>Your STIG viewer should now be populated with DoD </a:t>
             </a:r>
             <a:r>
               <a:rPr lang="en-US" dirty="0"/>
@@ -22899,15 +22940,7 @@
             </a:r>
             <a:r>
               <a:rPr lang="en-US" dirty="0" smtClean="0"/>
-              <a:t>Rule </a:t>
-            </a:r>
-            <a:r>
-              <a:rPr lang="en-US" dirty="0" smtClean="0"/>
-              <a:t>profiles</a:t>
-            </a:r>
-            <a:r>
-              <a:rPr lang="en-US" dirty="0" smtClean="0"/>
-              <a:t>.</a:t>
+              <a:t>Rule profiles.</a:t>
             </a:r>
           </a:p>
           <a:p>
@@ -23048,15 +23081,7 @@
           <a:p>
             <a:r>
               <a:rPr lang="en-US" dirty="0" smtClean="0"/>
-              <a:t>GL: </a:t>
-            </a:r>
-            <a:r>
-              <a:rPr lang="en-US" dirty="0" smtClean="0"/>
-              <a:t>Filter </a:t>
-            </a:r>
-            <a:r>
-              <a:rPr lang="en-US" dirty="0" smtClean="0"/>
-              <a:t>STIG Profiles</a:t>
+              <a:t>GL: Filter STIG Profiles</a:t>
             </a:r>
             <a:endParaRPr lang="en-US" dirty="0"/>
           </a:p>
@@ -23101,11 +23126,7 @@
           <a:p>
             <a:r>
               <a:rPr lang="en-US" dirty="0" smtClean="0"/>
-              <a:t>Notice how the center pane now lists only one </a:t>
-            </a:r>
-            <a:r>
-              <a:rPr lang="en-US" dirty="0" smtClean="0"/>
-              <a:t>DoD </a:t>
+              <a:t>Notice how the center pane now lists only one DoD </a:t>
             </a:r>
             <a:r>
               <a:rPr lang="en-US" dirty="0"/>
@@ -23303,11 +23324,7 @@
           <a:p>
             <a:r>
               <a:rPr lang="en-US" dirty="0" smtClean="0"/>
-              <a:t>GL: </a:t>
-            </a:r>
-            <a:r>
-              <a:rPr lang="en-US" dirty="0" smtClean="0"/>
-              <a:t>Writing Compliance Profiles from DoD Rules</a:t>
+              <a:t>GL: Writing Compliance Profiles from DoD Rules</a:t>
             </a:r>
             <a:endParaRPr lang="en-US" dirty="0"/>
           </a:p>
@@ -23540,10 +23557,6 @@
               </a:rPr>
               <a:t>end</a:t>
             </a:r>
-            <a:endParaRPr lang="en-US" sz="2000" b="1" dirty="0">
-              <a:latin typeface="Courier New" panose="02070309020205020404" pitchFamily="49" charset="0"/>
-              <a:cs typeface="Courier New" panose="02070309020205020404" pitchFamily="49" charset="0"/>
-            </a:endParaRPr>
           </a:p>
           <a:p>
             <a:r>
@@ -23693,11 +23706,7 @@
           <a:p>
             <a:r>
               <a:rPr lang="en-US" dirty="0" smtClean="0"/>
-              <a:t>GL: </a:t>
-            </a:r>
-            <a:r>
-              <a:rPr lang="en-US" dirty="0" smtClean="0"/>
-              <a:t>Writing Compliance Profiles from DoD Rules</a:t>
+              <a:t>GL: Writing Compliance Profiles from DoD Rules</a:t>
             </a:r>
             <a:endParaRPr lang="en-US" dirty="0"/>
           </a:p>
@@ -23930,10 +23939,6 @@
               </a:rPr>
               <a:t>end</a:t>
             </a:r>
-            <a:endParaRPr lang="en-US" sz="2000" b="1" dirty="0">
-              <a:latin typeface="Courier New" panose="02070309020205020404" pitchFamily="49" charset="0"/>
-              <a:cs typeface="Courier New" panose="02070309020205020404" pitchFamily="49" charset="0"/>
-            </a:endParaRPr>
           </a:p>
           <a:p>
             <a:r>
@@ -24236,54 +24241,139 @@
         </p:nvSpPr>
         <p:spPr/>
         <p:txBody>
-          <a:bodyPr>
-            <a:normAutofit fontScale="90000"/>
-          </a:bodyPr>
-          <a:lstStyle/>
-          <a:p>
-            <a:r>
-              <a:rPr lang="en-US" dirty="0" smtClean="0"/>
-              <a:t>GL: </a:t>
-            </a:r>
-            <a:r>
-              <a:rPr lang="en-US" dirty="0"/>
-              <a:t>TBD SCAP Roadmap.</a:t>
-            </a:r>
-            <a:br>
-              <a:rPr lang="en-US" dirty="0"/>
-            </a:br>
-            <a:endParaRPr lang="en-US" dirty="0"/>
-          </a:p>
-        </p:txBody>
-      </p:sp>
-      <p:sp>
-        <p:nvSpPr>
-          <p:cNvPr id="6" name="Text Placeholder 2"/>
-          <p:cNvSpPr>
-            <a:spLocks noGrp="1"/>
-          </p:cNvSpPr>
-          <p:nvPr>
-            <p:ph type="body" sz="quarter" idx="12"/>
-          </p:nvPr>
-        </p:nvSpPr>
-        <p:spPr>
-          <a:xfrm>
-            <a:off x="650040" y="1133476"/>
-            <a:ext cx="15461687" cy="6068676"/>
-          </a:xfrm>
-        </p:spPr>
-        <p:txBody>
           <a:bodyPr/>
           <a:lstStyle/>
           <a:p>
-            <a:endParaRPr lang="en-US" sz="2000" dirty="0" smtClean="0"/>
+            <a:r>
+              <a:rPr lang="en-US" dirty="0" smtClean="0"/>
+              <a:t>DoD </a:t>
+            </a:r>
+            <a:r>
+              <a:rPr lang="en-US" dirty="0"/>
+              <a:t>STIG References</a:t>
+            </a:r>
+          </a:p>
+        </p:txBody>
+      </p:sp>
+      <p:sp>
+        <p:nvSpPr>
+          <p:cNvPr id="3" name="Text Placeholder 2"/>
+          <p:cNvSpPr>
+            <a:spLocks noGrp="1"/>
+          </p:cNvSpPr>
+          <p:nvPr>
+            <p:ph type="body" sz="quarter" idx="12"/>
+          </p:nvPr>
+        </p:nvSpPr>
+        <p:spPr/>
+        <p:txBody>
+          <a:bodyPr/>
+          <a:lstStyle/>
+          <a:p>
+            <a:r>
+              <a:rPr lang="en-US" b="1" dirty="0"/>
+              <a:t>Windows 2012 </a:t>
+            </a:r>
+            <a:r>
+              <a:rPr lang="en-US" dirty="0"/>
+              <a:t>- </a:t>
+            </a:r>
+            <a:r>
+              <a:rPr lang="en-US" dirty="0">
+                <a:hlinkClick r:id="rId2"/>
+              </a:rPr>
+              <a:t>http://</a:t>
+            </a:r>
+            <a:r>
+              <a:rPr lang="en-US" dirty="0" smtClean="0">
+                <a:hlinkClick r:id="rId2"/>
+              </a:rPr>
+              <a:t>iase.disa.mil/stigs/os/windows/Pages/2012.aspx</a:t>
+            </a:r>
+            <a:endParaRPr lang="en-US" dirty="0" smtClean="0"/>
+          </a:p>
+          <a:p>
+            <a:endParaRPr lang="en-US" dirty="0" smtClean="0"/>
+          </a:p>
+          <a:p>
+            <a:r>
+              <a:rPr lang="en-US" b="1" dirty="0" smtClean="0"/>
+              <a:t>Unix/Linux </a:t>
+            </a:r>
+            <a:r>
+              <a:rPr lang="en-US" b="1" dirty="0"/>
+              <a:t>(Red Hat</a:t>
+            </a:r>
+            <a:r>
+              <a:rPr lang="en-US" b="1" dirty="0" smtClean="0"/>
+              <a:t>) </a:t>
+            </a:r>
+            <a:r>
+              <a:rPr lang="en-US" dirty="0" smtClean="0"/>
+              <a:t>- </a:t>
+            </a:r>
+            <a:r>
+              <a:rPr lang="en-US" dirty="0" smtClean="0">
+                <a:hlinkClick r:id="rId3"/>
+              </a:rPr>
+              <a:t>http</a:t>
+            </a:r>
+            <a:r>
+              <a:rPr lang="en-US" dirty="0">
+                <a:hlinkClick r:id="rId3"/>
+              </a:rPr>
+              <a:t>://</a:t>
+            </a:r>
+            <a:r>
+              <a:rPr lang="en-US" dirty="0" smtClean="0">
+                <a:hlinkClick r:id="rId3"/>
+              </a:rPr>
+              <a:t>iase.disa.mil/stigs/os/unix-linux/Pages/red-hat.aspx</a:t>
+            </a:r>
+            <a:endParaRPr lang="en-US" dirty="0" smtClean="0"/>
+          </a:p>
+          <a:p>
+            <a:endParaRPr lang="en-US" dirty="0"/>
+          </a:p>
+          <a:p>
+            <a:r>
+              <a:rPr lang="en-US" b="1" dirty="0" smtClean="0"/>
+              <a:t>All </a:t>
+            </a:r>
+            <a:r>
+              <a:rPr lang="en-US" b="1" dirty="0"/>
+              <a:t>Operating Systems </a:t>
+            </a:r>
+            <a:r>
+              <a:rPr lang="en-US" dirty="0"/>
+              <a:t>- </a:t>
+            </a:r>
+            <a:r>
+              <a:rPr lang="en-US" dirty="0">
+                <a:hlinkClick r:id="rId4"/>
+              </a:rPr>
+              <a:t>http://</a:t>
+            </a:r>
+            <a:r>
+              <a:rPr lang="en-US" dirty="0" smtClean="0">
+                <a:hlinkClick r:id="rId4"/>
+              </a:rPr>
+              <a:t>iase.disa.mil/stigs/os/Pages/index.aspx</a:t>
+            </a:r>
+            <a:endParaRPr lang="en-US" dirty="0" smtClean="0"/>
+          </a:p>
+          <a:p>
+            <a:endParaRPr lang="en-US" dirty="0"/>
+          </a:p>
+          <a:p>
+            <a:endParaRPr lang="en-US" dirty="0"/>
           </a:p>
         </p:txBody>
       </p:sp>
     </p:spTree>
     <p:extLst>
       <p:ext uri="{BB962C8B-B14F-4D97-AF65-F5344CB8AC3E}">
-        <p14:creationId xmlns:p14="http://schemas.microsoft.com/office/powerpoint/2010/main" val="774166730"/>
+        <p14:creationId xmlns:p14="http://schemas.microsoft.com/office/powerpoint/2010/main" val="2079614084"/>
       </p:ext>
     </p:extLst>
   </p:cSld>
@@ -24306,22 +24396,6 @@
 <file path=ppt/slides/slide39.xml><?xml version="1.0" encoding="utf-8"?>
 <p:sld xmlns:a="http://schemas.openxmlformats.org/drawingml/2006/main" xmlns:r="http://schemas.openxmlformats.org/officeDocument/2006/relationships" xmlns:p="http://schemas.openxmlformats.org/presentationml/2006/main">
   <p:cSld>
-    <p:bg>
-      <p:bgPr>
-        <a:gradFill rotWithShape="0">
-          <a:gsLst>
-            <a:gs pos="0">
-              <a:srgbClr val="F0F0F0"/>
-            </a:gs>
-            <a:gs pos="100000">
-              <a:schemeClr val="bg2"/>
-            </a:gs>
-          </a:gsLst>
-          <a:lin ang="5400000" scaled="1"/>
-        </a:gradFill>
-        <a:effectLst/>
-      </p:bgPr>
-    </p:bg>
     <p:spTree>
       <p:nvGrpSpPr>
         <p:cNvPr id="1" name=""/>
@@ -24348,129 +24422,57 @@
         </p:nvSpPr>
         <p:spPr/>
         <p:txBody>
+          <a:bodyPr>
+            <a:normAutofit fontScale="90000"/>
+          </a:bodyPr>
+          <a:lstStyle/>
+          <a:p>
+            <a:r>
+              <a:rPr lang="en-US" dirty="0" smtClean="0"/>
+              <a:t>GL: </a:t>
+            </a:r>
+            <a:r>
+              <a:rPr lang="en-US" dirty="0"/>
+              <a:t>TBD SCAP Roadmap.</a:t>
+            </a:r>
+            <a:br>
+              <a:rPr lang="en-US" dirty="0"/>
+            </a:br>
+            <a:endParaRPr lang="en-US" dirty="0"/>
+          </a:p>
+        </p:txBody>
+      </p:sp>
+      <p:sp>
+        <p:nvSpPr>
+          <p:cNvPr id="6" name="Text Placeholder 2"/>
+          <p:cNvSpPr>
+            <a:spLocks noGrp="1"/>
+          </p:cNvSpPr>
+          <p:nvPr>
+            <p:ph type="body" sz="quarter" idx="12"/>
+          </p:nvPr>
+        </p:nvSpPr>
+        <p:spPr>
+          <a:xfrm>
+            <a:off x="650040" y="1133476"/>
+            <a:ext cx="15461687" cy="6068676"/>
+          </a:xfrm>
+        </p:spPr>
+        <p:txBody>
           <a:bodyPr/>
           <a:lstStyle/>
           <a:p>
-            <a:r>
-              <a:rPr lang="en-US" dirty="0" smtClean="0"/>
-              <a:t>Review Questions</a:t>
-            </a:r>
-            <a:endParaRPr lang="en-US" dirty="0"/>
-          </a:p>
-        </p:txBody>
-      </p:sp>
-      <p:sp>
-        <p:nvSpPr>
-          <p:cNvPr id="3" name="Text Placeholder 2"/>
-          <p:cNvSpPr>
-            <a:spLocks noGrp="1"/>
-          </p:cNvSpPr>
-          <p:nvPr>
-            <p:ph type="body" sz="quarter" idx="12"/>
-          </p:nvPr>
-        </p:nvSpPr>
-        <p:spPr/>
-        <p:txBody>
-          <a:bodyPr/>
-          <a:lstStyle/>
-          <a:p>
-            <a:pPr marL="514350" indent="-514350">
-              <a:buFont typeface="+mj-lt"/>
-              <a:buAutoNum type="arabicPeriod"/>
-            </a:pPr>
-            <a:r>
-              <a:rPr lang="en-US" dirty="0" smtClean="0"/>
-              <a:t>What is ...?</a:t>
-            </a:r>
-            <a:br>
-              <a:rPr lang="en-US" dirty="0" smtClean="0"/>
-            </a:br>
-            <a:r>
-              <a:rPr lang="en-US" dirty="0" smtClean="0"/>
-              <a:t>______________________________</a:t>
-            </a:r>
-          </a:p>
-          <a:p>
-            <a:pPr marL="514350" indent="-514350">
-              <a:buFont typeface="+mj-lt"/>
-              <a:buAutoNum type="arabicPeriod"/>
-            </a:pPr>
-            <a:r>
-              <a:rPr lang="en-US" dirty="0" smtClean="0"/>
-              <a:t>Which is the correct answer?  </a:t>
-            </a:r>
-          </a:p>
-          <a:p>
-            <a:pPr marL="822325" lvl="1" indent="-514350">
-              <a:buFont typeface="+mj-lt"/>
-              <a:buAutoNum type="alphaLcPeriod"/>
-            </a:pPr>
-            <a:r>
-              <a:rPr lang="en-US" dirty="0" smtClean="0"/>
-              <a:t>answer</a:t>
-            </a:r>
-          </a:p>
-          <a:p>
-            <a:pPr marL="822325" lvl="1" indent="-514350">
-              <a:buFont typeface="+mj-lt"/>
-              <a:buAutoNum type="alphaLcPeriod"/>
-            </a:pPr>
-            <a:r>
-              <a:rPr lang="en-US" dirty="0" smtClean="0"/>
-              <a:t>answer</a:t>
-            </a:r>
-          </a:p>
-          <a:p>
-            <a:pPr marL="822325" lvl="1" indent="-514350">
-              <a:buFont typeface="+mj-lt"/>
-              <a:buAutoNum type="alphaLcPeriod"/>
-            </a:pPr>
-            <a:r>
-              <a:rPr lang="en-US" dirty="0" smtClean="0"/>
-              <a:t>answer</a:t>
-            </a:r>
-          </a:p>
-          <a:p>
-            <a:pPr marL="822325" lvl="1" indent="-514350">
-              <a:buFont typeface="+mj-lt"/>
-              <a:buAutoNum type="alphaLcPeriod"/>
-            </a:pPr>
-            <a:r>
-              <a:rPr lang="en-US" dirty="0" smtClean="0"/>
-              <a:t>answer</a:t>
-            </a:r>
-            <a:br>
-              <a:rPr lang="en-US" dirty="0" smtClean="0"/>
-            </a:br>
-            <a:endParaRPr lang="en-US" dirty="0" smtClean="0"/>
-          </a:p>
-          <a:p>
-            <a:pPr marL="514350" indent="-514350">
-              <a:buFont typeface="+mj-lt"/>
-              <a:buAutoNum type="arabicPeriod"/>
-            </a:pPr>
-            <a:r>
-              <a:rPr lang="en-US" dirty="0" smtClean="0"/>
-              <a:t>Capable of carrying on a conversation</a:t>
-            </a:r>
-          </a:p>
-          <a:p>
-            <a:pPr marL="514350" indent="-514350">
-              <a:buFont typeface="+mj-lt"/>
-              <a:buAutoNum type="arabicPeriod"/>
-            </a:pPr>
-            <a:r>
-              <a:rPr lang="en-US" dirty="0" smtClean="0"/>
-              <a:t>Explain</a:t>
-            </a:r>
-            <a:endParaRPr lang="en-US" dirty="0"/>
+            <a:endParaRPr lang="en-US" sz="2000" dirty="0" smtClean="0"/>
+          </a:p>
+          <a:p>
+            <a:endParaRPr lang="en-US" sz="2000" dirty="0" smtClean="0"/>
           </a:p>
         </p:txBody>
       </p:sp>
     </p:spTree>
     <p:extLst>
       <p:ext uri="{BB962C8B-B14F-4D97-AF65-F5344CB8AC3E}">
-        <p14:creationId xmlns:p14="http://schemas.microsoft.com/office/powerpoint/2010/main" val="321457963"/>
+        <p14:creationId xmlns:p14="http://schemas.microsoft.com/office/powerpoint/2010/main" val="3892361897"/>
       </p:ext>
     </p:extLst>
   </p:cSld>
@@ -24677,6 +24679,193 @@
 </file>
 
 <file path=ppt/slides/slide40.xml><?xml version="1.0" encoding="utf-8"?>
+<p:sld xmlns:a="http://schemas.openxmlformats.org/drawingml/2006/main" xmlns:r="http://schemas.openxmlformats.org/officeDocument/2006/relationships" xmlns:p="http://schemas.openxmlformats.org/presentationml/2006/main">
+  <p:cSld>
+    <p:bg>
+      <p:bgPr>
+        <a:gradFill rotWithShape="0">
+          <a:gsLst>
+            <a:gs pos="0">
+              <a:srgbClr val="F0F0F0"/>
+            </a:gs>
+            <a:gs pos="100000">
+              <a:schemeClr val="bg2"/>
+            </a:gs>
+          </a:gsLst>
+          <a:lin ang="5400000" scaled="1"/>
+        </a:gradFill>
+        <a:effectLst/>
+      </p:bgPr>
+    </p:bg>
+    <p:spTree>
+      <p:nvGrpSpPr>
+        <p:cNvPr id="1" name=""/>
+        <p:cNvGrpSpPr/>
+        <p:nvPr/>
+      </p:nvGrpSpPr>
+      <p:grpSpPr>
+        <a:xfrm>
+          <a:off x="0" y="0"/>
+          <a:ext cx="0" cy="0"/>
+          <a:chOff x="0" y="0"/>
+          <a:chExt cx="0" cy="0"/>
+        </a:xfrm>
+      </p:grpSpPr>
+      <p:sp>
+        <p:nvSpPr>
+          <p:cNvPr id="2" name="Title 1"/>
+          <p:cNvSpPr>
+            <a:spLocks noGrp="1"/>
+          </p:cNvSpPr>
+          <p:nvPr>
+            <p:ph type="title"/>
+          </p:nvPr>
+        </p:nvSpPr>
+        <p:spPr/>
+        <p:txBody>
+          <a:bodyPr/>
+          <a:lstStyle/>
+          <a:p>
+            <a:r>
+              <a:rPr lang="en-US" dirty="0" smtClean="0"/>
+              <a:t>Review Questions</a:t>
+            </a:r>
+            <a:endParaRPr lang="en-US" dirty="0"/>
+          </a:p>
+        </p:txBody>
+      </p:sp>
+      <p:sp>
+        <p:nvSpPr>
+          <p:cNvPr id="3" name="Text Placeholder 2"/>
+          <p:cNvSpPr>
+            <a:spLocks noGrp="1"/>
+          </p:cNvSpPr>
+          <p:nvPr>
+            <p:ph type="body" sz="quarter" idx="12"/>
+          </p:nvPr>
+        </p:nvSpPr>
+        <p:spPr/>
+        <p:txBody>
+          <a:bodyPr/>
+          <a:lstStyle/>
+          <a:p>
+            <a:pPr marL="514350" indent="-514350">
+              <a:buFont typeface="+mj-lt"/>
+              <a:buAutoNum type="arabicPeriod"/>
+            </a:pPr>
+            <a:r>
+              <a:rPr lang="en-US" dirty="0" smtClean="0"/>
+              <a:t>What is ...?</a:t>
+            </a:r>
+            <a:br>
+              <a:rPr lang="en-US" dirty="0" smtClean="0"/>
+            </a:br>
+            <a:r>
+              <a:rPr lang="en-US" dirty="0" smtClean="0"/>
+              <a:t>______________________________</a:t>
+            </a:r>
+          </a:p>
+          <a:p>
+            <a:pPr marL="514350" indent="-514350">
+              <a:buFont typeface="+mj-lt"/>
+              <a:buAutoNum type="arabicPeriod"/>
+            </a:pPr>
+            <a:r>
+              <a:rPr lang="en-US" dirty="0" smtClean="0"/>
+              <a:t>Which is the correct answer?  </a:t>
+            </a:r>
+          </a:p>
+          <a:p>
+            <a:pPr marL="822325" lvl="1" indent="-514350">
+              <a:buFont typeface="+mj-lt"/>
+              <a:buAutoNum type="alphaLcPeriod"/>
+            </a:pPr>
+            <a:r>
+              <a:rPr lang="en-US" dirty="0" smtClean="0"/>
+              <a:t>answer</a:t>
+            </a:r>
+          </a:p>
+          <a:p>
+            <a:pPr marL="822325" lvl="1" indent="-514350">
+              <a:buFont typeface="+mj-lt"/>
+              <a:buAutoNum type="alphaLcPeriod"/>
+            </a:pPr>
+            <a:r>
+              <a:rPr lang="en-US" dirty="0" smtClean="0"/>
+              <a:t>answer</a:t>
+            </a:r>
+          </a:p>
+          <a:p>
+            <a:pPr marL="822325" lvl="1" indent="-514350">
+              <a:buFont typeface="+mj-lt"/>
+              <a:buAutoNum type="alphaLcPeriod"/>
+            </a:pPr>
+            <a:r>
+              <a:rPr lang="en-US" dirty="0" smtClean="0"/>
+              <a:t>answer</a:t>
+            </a:r>
+          </a:p>
+          <a:p>
+            <a:pPr marL="822325" lvl="1" indent="-514350">
+              <a:buFont typeface="+mj-lt"/>
+              <a:buAutoNum type="alphaLcPeriod"/>
+            </a:pPr>
+            <a:r>
+              <a:rPr lang="en-US" dirty="0" smtClean="0"/>
+              <a:t>answer</a:t>
+            </a:r>
+            <a:br>
+              <a:rPr lang="en-US" dirty="0" smtClean="0"/>
+            </a:br>
+            <a:endParaRPr lang="en-US" dirty="0" smtClean="0"/>
+          </a:p>
+          <a:p>
+            <a:pPr marL="514350" indent="-514350">
+              <a:buFont typeface="+mj-lt"/>
+              <a:buAutoNum type="arabicPeriod"/>
+            </a:pPr>
+            <a:r>
+              <a:rPr lang="en-US" dirty="0" smtClean="0"/>
+              <a:t>Capable of carrying on a conversation</a:t>
+            </a:r>
+          </a:p>
+          <a:p>
+            <a:pPr marL="514350" indent="-514350">
+              <a:buFont typeface="+mj-lt"/>
+              <a:buAutoNum type="arabicPeriod"/>
+            </a:pPr>
+            <a:r>
+              <a:rPr lang="en-US" dirty="0" smtClean="0"/>
+              <a:t>Explain</a:t>
+            </a:r>
+            <a:endParaRPr lang="en-US" dirty="0"/>
+          </a:p>
+        </p:txBody>
+      </p:sp>
+    </p:spTree>
+    <p:extLst>
+      <p:ext uri="{BB962C8B-B14F-4D97-AF65-F5344CB8AC3E}">
+        <p14:creationId xmlns:p14="http://schemas.microsoft.com/office/powerpoint/2010/main" val="321457963"/>
+      </p:ext>
+    </p:extLst>
+  </p:cSld>
+  <p:clrMapOvr>
+    <a:masterClrMapping/>
+  </p:clrMapOvr>
+  <p:transition spd="med">
+    <p:fade/>
+  </p:transition>
+  <p:timing>
+    <p:tnLst>
+      <p:par>
+        <p:cTn id="1" dur="indefinite" restart="never" nodeType="tmRoot"/>
+      </p:par>
+    </p:tnLst>
+  </p:timing>
+</p:sld>
+</file>
+
+<file path=ppt/slides/slide41.xml><?xml version="1.0" encoding="utf-8"?>
 <p:sld xmlns:a="http://schemas.openxmlformats.org/drawingml/2006/main" xmlns:r="http://schemas.openxmlformats.org/officeDocument/2006/relationships" xmlns:p="http://schemas.openxmlformats.org/presentationml/2006/main">
   <p:cSld>
     <p:spTree>
@@ -24851,7 +25040,7 @@
 </p:sld>
 </file>
 
-<file path=ppt/slides/slide41.xml><?xml version="1.0" encoding="utf-8"?>
+<file path=ppt/slides/slide42.xml><?xml version="1.0" encoding="utf-8"?>
 <p:sld xmlns:a="http://schemas.openxmlformats.org/drawingml/2006/main" xmlns:r="http://schemas.openxmlformats.org/officeDocument/2006/relationships" xmlns:p="http://schemas.openxmlformats.org/presentationml/2006/main">
   <p:cSld>
     <p:spTree>

--- a/06-compliance-frameworks-inspec.pptx
+++ b/06-compliance-frameworks-inspec.pptx
@@ -6,10 +6,10 @@
     <p:sldMasterId id="2147483847" r:id="rId6"/>
   </p:sldMasterIdLst>
   <p:notesMasterIdLst>
-    <p:notesMasterId r:id="rId49"/>
+    <p:notesMasterId r:id="rId48"/>
   </p:notesMasterIdLst>
   <p:handoutMasterIdLst>
-    <p:handoutMasterId r:id="rId50"/>
+    <p:handoutMasterId r:id="rId49"/>
   </p:handoutMasterIdLst>
   <p:sldIdLst>
     <p:sldId id="256" r:id="rId7"/>
@@ -52,8 +52,7 @@
     <p:sldId id="387" r:id="rId44"/>
     <p:sldId id="386" r:id="rId45"/>
     <p:sldId id="276" r:id="rId46"/>
-    <p:sldId id="376" r:id="rId47"/>
-    <p:sldId id="267" r:id="rId48"/>
+    <p:sldId id="267" r:id="rId47"/>
   </p:sldIdLst>
   <p:sldSz cx="16256000" cy="9144000"/>
   <p:notesSz cx="6858000" cy="9144000"/>
@@ -315,7 +314,7 @@
               <a:pPr>
                 <a:defRPr/>
               </a:pPr>
-              <a:t>2016-02-10</a:t>
+              <a:t>2016-02-12</a:t>
             </a:fld>
             <a:endParaRPr lang="en-US" dirty="0"/>
           </a:p>
@@ -498,7 +497,7 @@
               <a:pPr>
                 <a:defRPr/>
               </a:pPr>
-              <a:t>2016-02-10</a:t>
+              <a:t>2016-02-12</a:t>
             </a:fld>
             <a:endParaRPr lang="en-US" dirty="0"/>
           </a:p>
@@ -6102,9 +6101,7 @@
         </p:nvSpPr>
         <p:spPr/>
         <p:txBody>
-          <a:bodyPr>
-            <a:normAutofit/>
-          </a:bodyPr>
+          <a:bodyPr/>
           <a:lstStyle/>
           <a:p>
             <a:endParaRPr lang="en-US" dirty="0" smtClean="0"/>
@@ -6113,69 +6110,30 @@
             <a:endParaRPr lang="en-US" dirty="0" smtClean="0"/>
           </a:p>
           <a:p>
-            <a:r>
-              <a:rPr lang="en-US" sz="1200" u="sng" kern="1200" dirty="0" smtClean="0">
-                <a:solidFill>
-                  <a:schemeClr val="tx1"/>
-                </a:solidFill>
-                <a:effectLst/>
-                <a:latin typeface="Arial" panose="020B0604020202020204" pitchFamily="34" charset="0"/>
-                <a:ea typeface="ＭＳ Ｐゴシック" charset="0"/>
-                <a:cs typeface="Arial" panose="020B0604020202020204" pitchFamily="34" charset="0"/>
-                <a:hlinkClick r:id="rId3"/>
-              </a:rPr>
-              <a:t>https://chefio.atlassian.net/wiki/pages/viewpage.action?spaceKey=SE&amp;title=Week+1#Week1-Exercises.1</a:t>
-            </a:r>
-            <a:endParaRPr lang="en-US" sz="1200" kern="1200" dirty="0" smtClean="0">
-              <a:solidFill>
-                <a:schemeClr val="tx1"/>
-              </a:solidFill>
-              <a:effectLst/>
-              <a:latin typeface="Arial" panose="020B0604020202020204" pitchFamily="34" charset="0"/>
-              <a:ea typeface="ＭＳ Ｐゴシック" charset="0"/>
-              <a:cs typeface="Arial" panose="020B0604020202020204" pitchFamily="34" charset="0"/>
-            </a:endParaRPr>
-          </a:p>
-          <a:p>
-            <a:r>
-              <a:rPr lang="en-US" sz="1200" kern="1200" dirty="0" smtClean="0">
-                <a:solidFill>
-                  <a:schemeClr val="tx1"/>
-                </a:solidFill>
-                <a:effectLst/>
-                <a:latin typeface="Arial" panose="020B0604020202020204" pitchFamily="34" charset="0"/>
-                <a:ea typeface="ＭＳ Ｐゴシック" charset="0"/>
-                <a:cs typeface="Arial" panose="020B0604020202020204" pitchFamily="34" charset="0"/>
-              </a:rPr>
-              <a:t> </a:t>
-            </a:r>
-          </a:p>
-          <a:p>
-            <a:r>
-              <a:rPr lang="en-US" sz="1200" u="sng" kern="1200" dirty="0" smtClean="0">
-                <a:solidFill>
-                  <a:schemeClr val="tx1"/>
-                </a:solidFill>
-                <a:effectLst/>
-                <a:latin typeface="Arial" panose="020B0604020202020204" pitchFamily="34" charset="0"/>
-                <a:ea typeface="ＭＳ Ｐゴシック" charset="0"/>
-                <a:cs typeface="Arial" panose="020B0604020202020204" pitchFamily="34" charset="0"/>
-                <a:hlinkClick r:id="rId4"/>
-              </a:rPr>
-              <a:t>https://chefio.atlassian.net/wiki/display/SE/Week+2+-+Use+Cases#Week2-UseCases-Exercises-CIS</a:t>
-            </a:r>
-            <a:endParaRPr lang="en-US" sz="1200" kern="1200" dirty="0" smtClean="0">
-              <a:solidFill>
-                <a:schemeClr val="tx1"/>
-              </a:solidFill>
-              <a:effectLst/>
-              <a:latin typeface="Arial" panose="020B0604020202020204" pitchFamily="34" charset="0"/>
-              <a:ea typeface="ＭＳ Ｐゴシック" charset="0"/>
-              <a:cs typeface="Arial" panose="020B0604020202020204" pitchFamily="34" charset="0"/>
-            </a:endParaRPr>
-          </a:p>
-          <a:p>
             <a:endParaRPr lang="en-US" dirty="0" smtClean="0"/>
+          </a:p>
+          <a:p>
+            <a:pPr marL="457200" indent="-457200">
+              <a:buFont typeface="Wingdings" charset="2"/>
+              <a:buChar char="Ø"/>
+            </a:pPr>
+            <a:r>
+              <a:rPr lang="en-US" dirty="0" smtClean="0"/>
+              <a:t>Translate CIS (Center for Internet Security) specifications into InSpec tests.</a:t>
+            </a:r>
+          </a:p>
+          <a:p>
+            <a:pPr marL="457200" indent="-457200">
+              <a:buFont typeface="Wingdings" charset="2"/>
+              <a:buChar char="Ø"/>
+            </a:pPr>
+            <a:r>
+              <a:rPr lang="en-US" dirty="0" smtClean="0"/>
+              <a:t>Translate DoD (Department of Defense) specifications into InSpec tests.</a:t>
+            </a:r>
+          </a:p>
+          <a:p>
+            <a:endParaRPr lang="en-US" dirty="0"/>
           </a:p>
         </p:txBody>
       </p:sp>
@@ -6202,7 +6160,7 @@
               <a:pPr>
                 <a:defRPr/>
               </a:pPr>
-              <a:t>41</a:t>
+              <a:t>40</a:t>
             </a:fld>
             <a:endParaRPr lang="en-US" dirty="0"/>
           </a:p>
@@ -6255,7 +6213,7 @@
     </p:spTree>
     <p:extLst>
       <p:ext uri="{BB962C8B-B14F-4D97-AF65-F5344CB8AC3E}">
-        <p14:creationId xmlns:p14="http://schemas.microsoft.com/office/powerpoint/2010/main" val="3744597745"/>
+        <p14:creationId xmlns:p14="http://schemas.microsoft.com/office/powerpoint/2010/main" val="2886181649"/>
       </p:ext>
     </p:extLst>
   </p:cSld>
@@ -24866,181 +24824,6 @@
 </file>
 
 <file path=ppt/slides/slide41.xml><?xml version="1.0" encoding="utf-8"?>
-<p:sld xmlns:a="http://schemas.openxmlformats.org/drawingml/2006/main" xmlns:r="http://schemas.openxmlformats.org/officeDocument/2006/relationships" xmlns:p="http://schemas.openxmlformats.org/presentationml/2006/main">
-  <p:cSld>
-    <p:spTree>
-      <p:nvGrpSpPr>
-        <p:cNvPr id="1" name=""/>
-        <p:cNvGrpSpPr/>
-        <p:nvPr/>
-      </p:nvGrpSpPr>
-      <p:grpSpPr>
-        <a:xfrm>
-          <a:off x="0" y="0"/>
-          <a:ext cx="0" cy="0"/>
-          <a:chOff x="0" y="0"/>
-          <a:chExt cx="0" cy="0"/>
-        </a:xfrm>
-      </p:grpSpPr>
-      <p:sp>
-        <p:nvSpPr>
-          <p:cNvPr id="2" name="Title 1"/>
-          <p:cNvSpPr>
-            <a:spLocks noGrp="1"/>
-          </p:cNvSpPr>
-          <p:nvPr>
-            <p:ph type="title"/>
-          </p:nvPr>
-        </p:nvSpPr>
-        <p:spPr/>
-        <p:txBody>
-          <a:bodyPr>
-            <a:normAutofit/>
-          </a:bodyPr>
-          <a:lstStyle/>
-          <a:p>
-            <a:r>
-              <a:rPr lang="en-US" dirty="0" smtClean="0"/>
-              <a:t>GL: </a:t>
-            </a:r>
-            <a:r>
-              <a:rPr lang="en-US" dirty="0"/>
-              <a:t>Download </a:t>
-            </a:r>
-            <a:r>
-              <a:rPr lang="en-US" dirty="0" smtClean="0"/>
-              <a:t>Java JRE if Necessary </a:t>
-            </a:r>
-            <a:endParaRPr lang="en-US" dirty="0"/>
-          </a:p>
-        </p:txBody>
-      </p:sp>
-      <p:sp>
-        <p:nvSpPr>
-          <p:cNvPr id="6" name="Text Placeholder 2"/>
-          <p:cNvSpPr>
-            <a:spLocks noGrp="1"/>
-          </p:cNvSpPr>
-          <p:nvPr>
-            <p:ph type="body" sz="quarter" idx="12"/>
-          </p:nvPr>
-        </p:nvSpPr>
-        <p:spPr>
-          <a:xfrm>
-            <a:off x="650040" y="1856198"/>
-            <a:ext cx="6012017" cy="5345953"/>
-          </a:xfrm>
-        </p:spPr>
-        <p:txBody>
-          <a:bodyPr/>
-          <a:lstStyle/>
-          <a:p>
-            <a:r>
-              <a:rPr lang="en-US" dirty="0"/>
-              <a:t>Download STIG profiles for RHEL 6 and Windows 2012 MS (Member Server).</a:t>
-            </a:r>
-          </a:p>
-          <a:p>
-            <a:pPr lvl="1"/>
-            <a:r>
-              <a:rPr lang="en-US" dirty="0"/>
-              <a:t>RHEL 6 - </a:t>
-            </a:r>
-            <a:r>
-              <a:rPr lang="en-US" dirty="0">
-                <a:hlinkClick r:id="rId3"/>
-              </a:rPr>
-              <a:t>http://iase.disa.mil/stigs/os/unix-linux/Pages/red-hat.aspx</a:t>
-            </a:r>
-            <a:endParaRPr lang="en-US" dirty="0"/>
-          </a:p>
-          <a:p>
-            <a:pPr lvl="1"/>
-            <a:r>
-              <a:rPr lang="en-US" dirty="0"/>
-              <a:t>Windows 2012 - </a:t>
-            </a:r>
-            <a:r>
-              <a:rPr lang="en-US" dirty="0">
-                <a:hlinkClick r:id="rId4"/>
-              </a:rPr>
-              <a:t>http://iase.disa.mil/stigs/os/windows/Pages/2012.aspx</a:t>
-            </a:r>
-            <a:endParaRPr lang="en-US" dirty="0"/>
-          </a:p>
-          <a:p>
-            <a:r>
-              <a:rPr lang="en-US" dirty="0"/>
-              <a:t>Write a compliance profile for RHEL 6 Category 1 benchmarks.</a:t>
-            </a:r>
-          </a:p>
-          <a:p>
-            <a:r>
-              <a:rPr lang="en-US" dirty="0"/>
-              <a:t>Implement the following Windows 2012 controls: V-1073, V-2374</a:t>
-            </a:r>
-          </a:p>
-          <a:p>
-            <a:endParaRPr lang="en-US" dirty="0"/>
-          </a:p>
-          <a:p>
-            <a:endParaRPr lang="en-US" dirty="0" smtClean="0"/>
-          </a:p>
-        </p:txBody>
-      </p:sp>
-      <p:pic>
-        <p:nvPicPr>
-          <p:cNvPr id="5" name="Picture 4"/>
-          <p:cNvPicPr>
-            <a:picLocks noChangeAspect="1"/>
-          </p:cNvPicPr>
-          <p:nvPr/>
-        </p:nvPicPr>
-        <p:blipFill>
-          <a:blip r:embed="rId5"/>
-          <a:stretch>
-            <a:fillRect/>
-          </a:stretch>
-        </p:blipFill>
-        <p:spPr>
-          <a:xfrm>
-            <a:off x="7233330" y="2009811"/>
-            <a:ext cx="8856274" cy="5038725"/>
-          </a:xfrm>
-          <a:prstGeom prst="rect">
-            <a:avLst/>
-          </a:prstGeom>
-          <a:ln>
-            <a:solidFill>
-              <a:schemeClr val="accent1"/>
-            </a:solidFill>
-          </a:ln>
-        </p:spPr>
-      </p:pic>
-    </p:spTree>
-    <p:extLst>
-      <p:ext uri="{BB962C8B-B14F-4D97-AF65-F5344CB8AC3E}">
-        <p14:creationId xmlns:p14="http://schemas.microsoft.com/office/powerpoint/2010/main" val="3949413052"/>
-      </p:ext>
-    </p:extLst>
-  </p:cSld>
-  <p:clrMapOvr>
-    <a:masterClrMapping/>
-  </p:clrMapOvr>
-  <p:transition spd="med">
-    <p:fade/>
-  </p:transition>
-  <p:timing>
-    <p:tnLst>
-      <p:par>
-        <p:cTn id="1" dur="indefinite" restart="never" nodeType="tmRoot"/>
-      </p:par>
-    </p:tnLst>
-  </p:timing>
-</p:sld>
-</file>
-
-<file path=ppt/slides/slide42.xml><?xml version="1.0" encoding="utf-8"?>
 <p:sld xmlns:a="http://schemas.openxmlformats.org/drawingml/2006/main" xmlns:r="http://schemas.openxmlformats.org/officeDocument/2006/relationships" xmlns:p="http://schemas.openxmlformats.org/presentationml/2006/main">
   <p:cSld>
     <p:spTree>

--- a/06-compliance-frameworks-inspec.pptx
+++ b/06-compliance-frameworks-inspec.pptx
@@ -6,10 +6,10 @@
     <p:sldMasterId id="2147483847" r:id="rId6"/>
   </p:sldMasterIdLst>
   <p:notesMasterIdLst>
-    <p:notesMasterId r:id="rId48"/>
+    <p:notesMasterId r:id="rId46"/>
   </p:notesMasterIdLst>
   <p:handoutMasterIdLst>
-    <p:handoutMasterId r:id="rId49"/>
+    <p:handoutMasterId r:id="rId47"/>
   </p:handoutMasterIdLst>
   <p:sldIdLst>
     <p:sldId id="256" r:id="rId7"/>
@@ -25,34 +25,32 @@
     <p:sldId id="354" r:id="rId17"/>
     <p:sldId id="363" r:id="rId18"/>
     <p:sldId id="362" r:id="rId19"/>
-    <p:sldId id="368" r:id="rId20"/>
-    <p:sldId id="381" r:id="rId21"/>
-    <p:sldId id="358" r:id="rId22"/>
-    <p:sldId id="359" r:id="rId23"/>
-    <p:sldId id="355" r:id="rId24"/>
-    <p:sldId id="356" r:id="rId25"/>
-    <p:sldId id="357" r:id="rId26"/>
-    <p:sldId id="360" r:id="rId27"/>
-    <p:sldId id="361" r:id="rId28"/>
-    <p:sldId id="373" r:id="rId29"/>
-    <p:sldId id="374" r:id="rId30"/>
-    <p:sldId id="372" r:id="rId31"/>
-    <p:sldId id="348" r:id="rId32"/>
-    <p:sldId id="349" r:id="rId33"/>
-    <p:sldId id="350" r:id="rId34"/>
-    <p:sldId id="351" r:id="rId35"/>
-    <p:sldId id="378" r:id="rId36"/>
-    <p:sldId id="352" r:id="rId37"/>
-    <p:sldId id="375" r:id="rId38"/>
-    <p:sldId id="377" r:id="rId39"/>
-    <p:sldId id="379" r:id="rId40"/>
-    <p:sldId id="383" r:id="rId41"/>
-    <p:sldId id="384" r:id="rId42"/>
-    <p:sldId id="385" r:id="rId43"/>
-    <p:sldId id="387" r:id="rId44"/>
-    <p:sldId id="386" r:id="rId45"/>
-    <p:sldId id="276" r:id="rId46"/>
-    <p:sldId id="267" r:id="rId47"/>
+    <p:sldId id="381" r:id="rId20"/>
+    <p:sldId id="358" r:id="rId21"/>
+    <p:sldId id="359" r:id="rId22"/>
+    <p:sldId id="355" r:id="rId23"/>
+    <p:sldId id="356" r:id="rId24"/>
+    <p:sldId id="357" r:id="rId25"/>
+    <p:sldId id="360" r:id="rId26"/>
+    <p:sldId id="361" r:id="rId27"/>
+    <p:sldId id="373" r:id="rId28"/>
+    <p:sldId id="374" r:id="rId29"/>
+    <p:sldId id="372" r:id="rId30"/>
+    <p:sldId id="348" r:id="rId31"/>
+    <p:sldId id="349" r:id="rId32"/>
+    <p:sldId id="350" r:id="rId33"/>
+    <p:sldId id="351" r:id="rId34"/>
+    <p:sldId id="378" r:id="rId35"/>
+    <p:sldId id="352" r:id="rId36"/>
+    <p:sldId id="375" r:id="rId37"/>
+    <p:sldId id="377" r:id="rId38"/>
+    <p:sldId id="379" r:id="rId39"/>
+    <p:sldId id="383" r:id="rId40"/>
+    <p:sldId id="384" r:id="rId41"/>
+    <p:sldId id="385" r:id="rId42"/>
+    <p:sldId id="387" r:id="rId43"/>
+    <p:sldId id="386" r:id="rId44"/>
+    <p:sldId id="267" r:id="rId45"/>
   </p:sldIdLst>
   <p:sldSz cx="16256000" cy="9144000"/>
   <p:notesSz cx="6858000" cy="9144000"/>
@@ -314,7 +312,7 @@
               <a:pPr>
                 <a:defRPr/>
               </a:pPr>
-              <a:t>2016-02-12</a:t>
+              <a:t>2016-03-01</a:t>
             </a:fld>
             <a:endParaRPr lang="en-US" dirty="0"/>
           </a:p>
@@ -497,7 +495,7 @@
               <a:pPr>
                 <a:defRPr/>
               </a:pPr>
-              <a:t>2016-02-12</a:t>
+              <a:t>2016-03-01</a:t>
             </a:fld>
             <a:endParaRPr lang="en-US" dirty="0"/>
           </a:p>
@@ -2020,7 +2018,7 @@
               <a:pPr>
                 <a:defRPr/>
               </a:pPr>
-              <a:t>15</a:t>
+              <a:t>14</a:t>
             </a:fld>
             <a:endParaRPr lang="en-US" dirty="0"/>
           </a:p>
@@ -2154,7 +2152,7 @@
               <a:pPr>
                 <a:defRPr/>
               </a:pPr>
-              <a:t>16</a:t>
+              <a:t>15</a:t>
             </a:fld>
             <a:endParaRPr lang="en-US" dirty="0"/>
           </a:p>
@@ -2288,7 +2286,7 @@
               <a:pPr>
                 <a:defRPr/>
               </a:pPr>
-              <a:t>17</a:t>
+              <a:t>16</a:t>
             </a:fld>
             <a:endParaRPr lang="en-US" dirty="0"/>
           </a:p>
@@ -2422,7 +2420,7 @@
               <a:pPr>
                 <a:defRPr/>
               </a:pPr>
-              <a:t>18</a:t>
+              <a:t>17</a:t>
             </a:fld>
             <a:endParaRPr lang="en-US" dirty="0"/>
           </a:p>
@@ -2556,7 +2554,7 @@
               <a:pPr>
                 <a:defRPr/>
               </a:pPr>
-              <a:t>19</a:t>
+              <a:t>18</a:t>
             </a:fld>
             <a:endParaRPr lang="en-US" dirty="0"/>
           </a:p>
@@ -2692,7 +2690,7 @@
               <a:pPr>
                 <a:defRPr/>
               </a:pPr>
-              <a:t>21</a:t>
+              <a:t>20</a:t>
             </a:fld>
             <a:endParaRPr lang="en-US" dirty="0"/>
           </a:p>
@@ -2907,7 +2905,7 @@
               <a:pPr>
                 <a:defRPr/>
               </a:pPr>
-              <a:t>22</a:t>
+              <a:t>21</a:t>
             </a:fld>
             <a:endParaRPr lang="en-US" dirty="0"/>
           </a:p>
@@ -3446,7 +3444,7 @@
               <a:pPr>
                 <a:defRPr/>
               </a:pPr>
-              <a:t>23</a:t>
+              <a:t>22</a:t>
             </a:fld>
             <a:endParaRPr lang="en-US" dirty="0"/>
           </a:p>
@@ -3858,7 +3856,7 @@
               <a:pPr>
                 <a:defRPr/>
               </a:pPr>
-              <a:t>24</a:t>
+              <a:t>23</a:t>
             </a:fld>
             <a:endParaRPr lang="en-US" dirty="0"/>
           </a:p>
@@ -3994,7 +3992,7 @@
               <a:pPr>
                 <a:defRPr/>
               </a:pPr>
-              <a:t>25</a:t>
+              <a:t>24</a:t>
             </a:fld>
             <a:endParaRPr lang="en-US" dirty="0"/>
           </a:p>
@@ -4128,7 +4126,7 @@
               <a:pPr>
                 <a:defRPr/>
               </a:pPr>
-              <a:t>26</a:t>
+              <a:t>25</a:t>
             </a:fld>
             <a:endParaRPr lang="en-US" dirty="0"/>
           </a:p>
@@ -4262,7 +4260,7 @@
               <a:pPr>
                 <a:defRPr/>
               </a:pPr>
-              <a:t>27</a:t>
+              <a:t>26</a:t>
             </a:fld>
             <a:endParaRPr lang="en-US" dirty="0"/>
           </a:p>
@@ -4396,7 +4394,7 @@
               <a:pPr>
                 <a:defRPr/>
               </a:pPr>
-              <a:t>28</a:t>
+              <a:t>27</a:t>
             </a:fld>
             <a:endParaRPr lang="en-US" dirty="0"/>
           </a:p>
@@ -4565,7 +4563,7 @@
               <a:pPr>
                 <a:defRPr/>
               </a:pPr>
-              <a:t>29</a:t>
+              <a:t>28</a:t>
             </a:fld>
             <a:endParaRPr lang="en-US" dirty="0"/>
           </a:p>
@@ -4713,7 +4711,7 @@
               <a:pPr>
                 <a:defRPr/>
               </a:pPr>
-              <a:t>30</a:t>
+              <a:t>29</a:t>
             </a:fld>
             <a:endParaRPr lang="en-US" dirty="0"/>
           </a:p>
@@ -4849,7 +4847,7 @@
               <a:pPr>
                 <a:defRPr/>
               </a:pPr>
-              <a:t>31</a:t>
+              <a:t>30</a:t>
             </a:fld>
             <a:endParaRPr lang="en-US" dirty="0"/>
           </a:p>
@@ -4985,7 +4983,7 @@
               <a:pPr>
                 <a:defRPr/>
               </a:pPr>
-              <a:t>32</a:t>
+              <a:t>31</a:t>
             </a:fld>
             <a:endParaRPr lang="en-US" dirty="0"/>
           </a:p>
@@ -5255,7 +5253,7 @@
               <a:pPr>
                 <a:defRPr/>
               </a:pPr>
-              <a:t>33</a:t>
+              <a:t>32</a:t>
             </a:fld>
             <a:endParaRPr lang="en-US" dirty="0"/>
           </a:p>
@@ -5391,7 +5389,7 @@
               <a:pPr>
                 <a:defRPr/>
               </a:pPr>
-              <a:t>34</a:t>
+              <a:t>33</a:t>
             </a:fld>
             <a:endParaRPr lang="en-US" dirty="0"/>
           </a:p>
@@ -5530,7 +5528,7 @@
               <a:pPr>
                 <a:defRPr/>
               </a:pPr>
-              <a:t>35</a:t>
+              <a:t>34</a:t>
             </a:fld>
             <a:endParaRPr lang="en-US" dirty="0"/>
           </a:p>
@@ -5722,7 +5720,7 @@
               <a:pPr>
                 <a:defRPr/>
               </a:pPr>
-              <a:t>36</a:t>
+              <a:t>35</a:t>
             </a:fld>
             <a:endParaRPr lang="en-US" dirty="0"/>
           </a:p>
@@ -5858,7 +5856,7 @@
               <a:pPr>
                 <a:defRPr/>
               </a:pPr>
-              <a:t>37</a:t>
+              <a:t>36</a:t>
             </a:fld>
             <a:endParaRPr lang="en-US" dirty="0"/>
           </a:p>
@@ -5997,7 +5995,7 @@
               <a:pPr>
                 <a:defRPr/>
               </a:pPr>
-              <a:t>39</a:t>
+              <a:t>38</a:t>
             </a:fld>
             <a:endParaRPr lang="en-US" dirty="0"/>
           </a:p>
@@ -6051,169 +6049,6 @@
     <p:extLst>
       <p:ext uri="{BB962C8B-B14F-4D97-AF65-F5344CB8AC3E}">
         <p14:creationId xmlns:p14="http://schemas.microsoft.com/office/powerpoint/2010/main" val="56818537"/>
-      </p:ext>
-    </p:extLst>
-  </p:cSld>
-  <p:clrMapOvr>
-    <a:masterClrMapping/>
-  </p:clrMapOvr>
-</p:notes>
-</file>
-
-<file path=ppt/notesSlides/notesSlide36.xml><?xml version="1.0" encoding="utf-8"?>
-<p:notes xmlns:a="http://schemas.openxmlformats.org/drawingml/2006/main" xmlns:r="http://schemas.openxmlformats.org/officeDocument/2006/relationships" xmlns:p="http://schemas.openxmlformats.org/presentationml/2006/main">
-  <p:cSld>
-    <p:spTree>
-      <p:nvGrpSpPr>
-        <p:cNvPr id="1" name=""/>
-        <p:cNvGrpSpPr/>
-        <p:nvPr/>
-      </p:nvGrpSpPr>
-      <p:grpSpPr>
-        <a:xfrm>
-          <a:off x="0" y="0"/>
-          <a:ext cx="0" cy="0"/>
-          <a:chOff x="0" y="0"/>
-          <a:chExt cx="0" cy="0"/>
-        </a:xfrm>
-      </p:grpSpPr>
-      <p:sp>
-        <p:nvSpPr>
-          <p:cNvPr id="2" name="Slide Image Placeholder 1"/>
-          <p:cNvSpPr>
-            <a:spLocks noGrp="1" noRot="1" noChangeAspect="1"/>
-          </p:cNvSpPr>
-          <p:nvPr>
-            <p:ph type="sldImg"/>
-          </p:nvPr>
-        </p:nvSpPr>
-        <p:spPr/>
-      </p:sp>
-      <p:sp>
-        <p:nvSpPr>
-          <p:cNvPr id="3" name="Notes Placeholder 2"/>
-          <p:cNvSpPr>
-            <a:spLocks noGrp="1"/>
-          </p:cNvSpPr>
-          <p:nvPr>
-            <p:ph type="body" idx="1"/>
-          </p:nvPr>
-        </p:nvSpPr>
-        <p:spPr/>
-        <p:txBody>
-          <a:bodyPr/>
-          <a:lstStyle/>
-          <a:p>
-            <a:endParaRPr lang="en-US" dirty="0" smtClean="0"/>
-          </a:p>
-          <a:p>
-            <a:endParaRPr lang="en-US" dirty="0" smtClean="0"/>
-          </a:p>
-          <a:p>
-            <a:endParaRPr lang="en-US" dirty="0" smtClean="0"/>
-          </a:p>
-          <a:p>
-            <a:pPr marL="457200" indent="-457200">
-              <a:buFont typeface="Wingdings" charset="2"/>
-              <a:buChar char="Ø"/>
-            </a:pPr>
-            <a:r>
-              <a:rPr lang="en-US" dirty="0" smtClean="0"/>
-              <a:t>Translate CIS (Center for Internet Security) specifications into InSpec tests.</a:t>
-            </a:r>
-          </a:p>
-          <a:p>
-            <a:pPr marL="457200" indent="-457200">
-              <a:buFont typeface="Wingdings" charset="2"/>
-              <a:buChar char="Ø"/>
-            </a:pPr>
-            <a:r>
-              <a:rPr lang="en-US" dirty="0" smtClean="0"/>
-              <a:t>Translate DoD (Department of Defense) specifications into InSpec tests.</a:t>
-            </a:r>
-          </a:p>
-          <a:p>
-            <a:endParaRPr lang="en-US" dirty="0"/>
-          </a:p>
-        </p:txBody>
-      </p:sp>
-      <p:sp>
-        <p:nvSpPr>
-          <p:cNvPr id="4" name="Slide Number Placeholder 3"/>
-          <p:cNvSpPr>
-            <a:spLocks noGrp="1"/>
-          </p:cNvSpPr>
-          <p:nvPr>
-            <p:ph type="sldNum" sz="quarter" idx="10"/>
-          </p:nvPr>
-        </p:nvSpPr>
-        <p:spPr/>
-        <p:txBody>
-          <a:bodyPr/>
-          <a:lstStyle/>
-          <a:p>
-            <a:pPr>
-              <a:defRPr/>
-            </a:pPr>
-            <a:fld id="{DC3734AA-3150-D947-AC52-2F5DF48BFCD5}" type="slidenum">
-              <a:rPr lang="en-US" smtClean="0"/>
-              <a:pPr>
-                <a:defRPr/>
-              </a:pPr>
-              <a:t>40</a:t>
-            </a:fld>
-            <a:endParaRPr lang="en-US" dirty="0"/>
-          </a:p>
-        </p:txBody>
-      </p:sp>
-      <p:sp>
-        <p:nvSpPr>
-          <p:cNvPr id="5" name="Header Placeholder 4"/>
-          <p:cNvSpPr>
-            <a:spLocks noGrp="1"/>
-          </p:cNvSpPr>
-          <p:nvPr>
-            <p:ph type="hdr" sz="quarter" idx="11"/>
-          </p:nvPr>
-        </p:nvSpPr>
-        <p:spPr/>
-        <p:txBody>
-          <a:bodyPr/>
-          <a:lstStyle/>
-          <a:p>
-            <a:pPr>
-              <a:defRPr/>
-            </a:pPr>
-            <a:endParaRPr lang="en-US"/>
-          </a:p>
-        </p:txBody>
-      </p:sp>
-      <p:sp>
-        <p:nvSpPr>
-          <p:cNvPr id="6" name="Footer Placeholder 5"/>
-          <p:cNvSpPr>
-            <a:spLocks noGrp="1"/>
-          </p:cNvSpPr>
-          <p:nvPr>
-            <p:ph type="ftr" sz="quarter" idx="12"/>
-          </p:nvPr>
-        </p:nvSpPr>
-        <p:spPr/>
-        <p:txBody>
-          <a:bodyPr/>
-          <a:lstStyle/>
-          <a:p>
-            <a:pPr>
-              <a:defRPr/>
-            </a:pPr>
-            <a:endParaRPr lang="en-US"/>
-          </a:p>
-        </p:txBody>
-      </p:sp>
-    </p:spTree>
-    <p:extLst>
-      <p:ext uri="{BB962C8B-B14F-4D97-AF65-F5344CB8AC3E}">
-        <p14:creationId xmlns:p14="http://schemas.microsoft.com/office/powerpoint/2010/main" val="2886181649"/>
       </p:ext>
     </p:extLst>
   </p:cSld>
@@ -17159,389 +16994,6 @@
         </p:nvSpPr>
         <p:spPr>
           <a:xfrm>
-            <a:off x="1660525" y="2294619"/>
-            <a:ext cx="11838500" cy="852712"/>
-          </a:xfrm>
-        </p:spPr>
-        <p:txBody>
-          <a:bodyPr>
-            <a:normAutofit fontScale="90000"/>
-          </a:bodyPr>
-          <a:lstStyle/>
-          <a:p>
-            <a:r>
-              <a:rPr lang="en-US" dirty="0" smtClean="0"/>
-              <a:t>Lab: </a:t>
-            </a:r>
-            <a:r>
-              <a:rPr lang="en-US" sz="6600" dirty="0" smtClean="0"/>
-              <a:t>Write a Linux InSpec </a:t>
-            </a:r>
-            <a:r>
-              <a:rPr lang="en-US" sz="6600" dirty="0"/>
-              <a:t>Test for </a:t>
-            </a:r>
-            <a:r>
-              <a:rPr lang="en-US" sz="6600" dirty="0" smtClean="0"/>
-              <a:t>CIS Linux - TBD Really?</a:t>
-            </a:r>
-            <a:endParaRPr lang="en-US" dirty="0"/>
-          </a:p>
-        </p:txBody>
-      </p:sp>
-      <p:sp>
-        <p:nvSpPr>
-          <p:cNvPr id="3" name="Subtitle 2"/>
-          <p:cNvSpPr>
-            <a:spLocks noGrp="1"/>
-          </p:cNvSpPr>
-          <p:nvPr>
-            <p:ph type="subTitle" idx="1"/>
-          </p:nvPr>
-        </p:nvSpPr>
-        <p:spPr>
-          <a:xfrm>
-            <a:off x="1737360" y="3641725"/>
-            <a:ext cx="12253278" cy="2132685"/>
-          </a:xfrm>
-        </p:spPr>
-        <p:txBody>
-          <a:bodyPr/>
-          <a:lstStyle/>
-          <a:p>
-            <a:r>
-              <a:rPr lang="en-US" dirty="0" smtClean="0"/>
-              <a:t>Use the CIS document to </a:t>
-            </a:r>
-            <a:r>
-              <a:rPr lang="en-US" dirty="0"/>
-              <a:t>write your own Compliance </a:t>
-            </a:r>
-            <a:r>
-              <a:rPr lang="en-US" dirty="0" err="1"/>
-              <a:t>Inspec</a:t>
-            </a:r>
-            <a:r>
-              <a:rPr lang="en-US" dirty="0"/>
-              <a:t> </a:t>
-            </a:r>
-            <a:r>
-              <a:rPr lang="en-US" dirty="0" smtClean="0"/>
-              <a:t>control for CIS.</a:t>
-            </a:r>
-            <a:br>
-              <a:rPr lang="en-US" dirty="0" smtClean="0"/>
-            </a:br>
-            <a:endParaRPr lang="en-US" dirty="0" smtClean="0"/>
-          </a:p>
-          <a:p>
-            <a:r>
-              <a:rPr lang="en-US" dirty="0" smtClean="0"/>
-              <a:t>You can use </a:t>
-            </a:r>
-            <a:r>
-              <a:rPr lang="en-US" dirty="0"/>
-              <a:t>the Compliance </a:t>
-            </a:r>
-            <a:r>
-              <a:rPr lang="en-US" dirty="0" smtClean="0"/>
-              <a:t>DSL link below as a guide to write your own Compliance </a:t>
-            </a:r>
-            <a:r>
-              <a:rPr lang="en-US" dirty="0" err="1" smtClean="0"/>
-              <a:t>Inspec</a:t>
-            </a:r>
-            <a:r>
-              <a:rPr lang="en-US" dirty="0" smtClean="0"/>
-              <a:t> test if you like.</a:t>
-            </a:r>
-            <a:br>
-              <a:rPr lang="en-US" dirty="0" smtClean="0"/>
-            </a:br>
-            <a:endParaRPr lang="en-US" dirty="0" smtClean="0"/>
-          </a:p>
-          <a:p>
-            <a:r>
-              <a:rPr lang="en-US" dirty="0" smtClean="0"/>
-              <a:t>Compare your results with the class. </a:t>
-            </a:r>
-          </a:p>
-          <a:p>
-            <a:endParaRPr lang="en-US" dirty="0"/>
-          </a:p>
-        </p:txBody>
-      </p:sp>
-      <p:sp>
-        <p:nvSpPr>
-          <p:cNvPr id="4" name="Subtitle 2"/>
-          <p:cNvSpPr txBox="1">
-            <a:spLocks/>
-          </p:cNvSpPr>
-          <p:nvPr/>
-        </p:nvSpPr>
-        <p:spPr bwMode="white">
-          <a:xfrm>
-            <a:off x="1737360" y="6697074"/>
-            <a:ext cx="12253278" cy="709566"/>
-          </a:xfrm>
-          <a:prstGeom prst="rect">
-            <a:avLst/>
-          </a:prstGeom>
-        </p:spPr>
-        <p:txBody>
-          <a:bodyPr lIns="91440" tIns="91440" rIns="91440" bIns="91440">
-            <a:noAutofit/>
-          </a:bodyPr>
-          <a:lstStyle>
-            <a:lvl1pPr marL="571500" indent="-571500" algn="l" defTabSz="1217613" rtl="0" eaLnBrk="1" fontAlgn="base" hangingPunct="1">
-              <a:lnSpc>
-                <a:spcPct val="100000"/>
-              </a:lnSpc>
-              <a:spcBef>
-                <a:spcPts val="0"/>
-              </a:spcBef>
-              <a:spcAft>
-                <a:spcPct val="0"/>
-              </a:spcAft>
-              <a:buSzPct val="90000"/>
-              <a:buFont typeface="Wingdings" charset="2"/>
-              <a:buChar char="q"/>
-              <a:defRPr sz="2800" kern="1200" baseline="0">
-                <a:solidFill>
-                  <a:schemeClr val="accent3">
-                    <a:lumMod val="50000"/>
-                  </a:schemeClr>
-                </a:solidFill>
-                <a:latin typeface="+mn-lt"/>
-                <a:ea typeface="ＭＳ Ｐゴシック" charset="0"/>
-                <a:cs typeface="ＭＳ Ｐゴシック" charset="0"/>
-              </a:defRPr>
-            </a:lvl1pPr>
-            <a:lvl2pPr marL="609561" indent="0" algn="ctr" defTabSz="1217613" rtl="0" eaLnBrk="1" fontAlgn="base" hangingPunct="1">
-              <a:spcBef>
-                <a:spcPts val="800"/>
-              </a:spcBef>
-              <a:spcAft>
-                <a:spcPct val="0"/>
-              </a:spcAft>
-              <a:buSzPct val="90000"/>
-              <a:buFont typeface="Arial" charset="0"/>
-              <a:buNone/>
-              <a:defRPr sz="2800" kern="1200">
-                <a:solidFill>
-                  <a:schemeClr val="tx1">
-                    <a:tint val="75000"/>
-                  </a:schemeClr>
-                </a:solidFill>
-                <a:latin typeface="+mn-lt"/>
-                <a:ea typeface="ＭＳ Ｐゴシック" charset="0"/>
-                <a:cs typeface="+mn-cs"/>
-              </a:defRPr>
-            </a:lvl2pPr>
-            <a:lvl3pPr marL="1219120" indent="0" algn="ctr" defTabSz="1217613" rtl="0" eaLnBrk="1" fontAlgn="base" hangingPunct="1">
-              <a:spcBef>
-                <a:spcPts val="800"/>
-              </a:spcBef>
-              <a:spcAft>
-                <a:spcPct val="0"/>
-              </a:spcAft>
-              <a:buSzPct val="90000"/>
-              <a:buFont typeface="Arial" charset="0"/>
-              <a:buNone/>
-              <a:defRPr sz="2400" kern="1200">
-                <a:solidFill>
-                  <a:schemeClr val="tx1">
-                    <a:tint val="75000"/>
-                  </a:schemeClr>
-                </a:solidFill>
-                <a:latin typeface="+mn-lt"/>
-                <a:ea typeface="ＭＳ Ｐゴシック" charset="0"/>
-                <a:cs typeface="+mn-cs"/>
-              </a:defRPr>
-            </a:lvl3pPr>
-            <a:lvl4pPr marL="1828681" indent="0" algn="ctr" defTabSz="1217613" rtl="0" eaLnBrk="1" fontAlgn="base" hangingPunct="1">
-              <a:spcBef>
-                <a:spcPts val="800"/>
-              </a:spcBef>
-              <a:spcAft>
-                <a:spcPct val="0"/>
-              </a:spcAft>
-              <a:buSzPct val="90000"/>
-              <a:buFont typeface="Arial" charset="0"/>
-              <a:buNone/>
-              <a:defRPr sz="2400" kern="1200">
-                <a:solidFill>
-                  <a:schemeClr val="tx1">
-                    <a:tint val="75000"/>
-                  </a:schemeClr>
-                </a:solidFill>
-                <a:latin typeface="+mn-lt"/>
-                <a:ea typeface="ＭＳ Ｐゴシック" charset="0"/>
-                <a:cs typeface="+mn-cs"/>
-              </a:defRPr>
-            </a:lvl4pPr>
-            <a:lvl5pPr marL="2438242" indent="0" algn="ctr" defTabSz="1217613" rtl="0" eaLnBrk="1" fontAlgn="base" hangingPunct="1">
-              <a:spcBef>
-                <a:spcPts val="800"/>
-              </a:spcBef>
-              <a:spcAft>
-                <a:spcPct val="0"/>
-              </a:spcAft>
-              <a:buSzPct val="90000"/>
-              <a:buFont typeface="Arial" charset="0"/>
-              <a:buNone/>
-              <a:defRPr sz="2000" kern="1200">
-                <a:solidFill>
-                  <a:schemeClr val="tx1">
-                    <a:tint val="75000"/>
-                  </a:schemeClr>
-                </a:solidFill>
-                <a:latin typeface="+mn-lt"/>
-                <a:ea typeface="ＭＳ Ｐゴシック" charset="0"/>
-                <a:cs typeface="+mn-cs"/>
-              </a:defRPr>
-            </a:lvl5pPr>
-            <a:lvl6pPr marL="3047802" indent="0" algn="ctr" defTabSz="1219120" rtl="0" eaLnBrk="1" latinLnBrk="0" hangingPunct="1">
-              <a:spcBef>
-                <a:spcPct val="20000"/>
-              </a:spcBef>
-              <a:buFont typeface="Arial" pitchFamily="34" charset="0"/>
-              <a:buNone/>
-              <a:defRPr sz="2667" kern="1200">
-                <a:solidFill>
-                  <a:schemeClr val="tx1">
-                    <a:tint val="75000"/>
-                  </a:schemeClr>
-                </a:solidFill>
-                <a:latin typeface="+mn-lt"/>
-                <a:ea typeface="+mn-ea"/>
-                <a:cs typeface="+mn-cs"/>
-              </a:defRPr>
-            </a:lvl6pPr>
-            <a:lvl7pPr marL="3657362" indent="0" algn="ctr" defTabSz="1219120" rtl="0" eaLnBrk="1" latinLnBrk="0" hangingPunct="1">
-              <a:spcBef>
-                <a:spcPct val="20000"/>
-              </a:spcBef>
-              <a:buFont typeface="Arial" pitchFamily="34" charset="0"/>
-              <a:buNone/>
-              <a:defRPr sz="2667" kern="1200">
-                <a:solidFill>
-                  <a:schemeClr val="tx1">
-                    <a:tint val="75000"/>
-                  </a:schemeClr>
-                </a:solidFill>
-                <a:latin typeface="+mn-lt"/>
-                <a:ea typeface="+mn-ea"/>
-                <a:cs typeface="+mn-cs"/>
-              </a:defRPr>
-            </a:lvl7pPr>
-            <a:lvl8pPr marL="4266923" indent="0" algn="ctr" defTabSz="1219120" rtl="0" eaLnBrk="1" latinLnBrk="0" hangingPunct="1">
-              <a:spcBef>
-                <a:spcPct val="20000"/>
-              </a:spcBef>
-              <a:buFont typeface="Arial" pitchFamily="34" charset="0"/>
-              <a:buNone/>
-              <a:defRPr sz="2667" kern="1200">
-                <a:solidFill>
-                  <a:schemeClr val="tx1">
-                    <a:tint val="75000"/>
-                  </a:schemeClr>
-                </a:solidFill>
-                <a:latin typeface="+mn-lt"/>
-                <a:ea typeface="+mn-ea"/>
-                <a:cs typeface="+mn-cs"/>
-              </a:defRPr>
-            </a:lvl8pPr>
-            <a:lvl9pPr marL="4876483" indent="0" algn="ctr" defTabSz="1219120" rtl="0" eaLnBrk="1" latinLnBrk="0" hangingPunct="1">
-              <a:spcBef>
-                <a:spcPct val="20000"/>
-              </a:spcBef>
-              <a:buFont typeface="Arial" pitchFamily="34" charset="0"/>
-              <a:buNone/>
-              <a:defRPr sz="2667" kern="1200">
-                <a:solidFill>
-                  <a:schemeClr val="tx1">
-                    <a:tint val="75000"/>
-                  </a:schemeClr>
-                </a:solidFill>
-                <a:latin typeface="+mn-lt"/>
-                <a:ea typeface="+mn-ea"/>
-                <a:cs typeface="+mn-cs"/>
-              </a:defRPr>
-            </a:lvl9pPr>
-          </a:lstStyle>
-          <a:p>
-            <a:pPr marL="0" indent="0">
-              <a:buNone/>
-            </a:pPr>
-            <a:r>
-              <a:rPr lang="en-US" dirty="0" smtClean="0">
-                <a:hlinkClick r:id="rId2"/>
-              </a:rPr>
-              <a:t>https://docs.chef.io/release/compliance_1-0/dsl_compliance.html</a:t>
-            </a:r>
-            <a:endParaRPr lang="en-US" dirty="0" smtClean="0"/>
-          </a:p>
-          <a:p>
-            <a:pPr marL="0" indent="0">
-              <a:buNone/>
-            </a:pPr>
-            <a:endParaRPr lang="en-US" dirty="0"/>
-          </a:p>
-        </p:txBody>
-      </p:sp>
-    </p:spTree>
-    <p:extLst>
-      <p:ext uri="{BB962C8B-B14F-4D97-AF65-F5344CB8AC3E}">
-        <p14:creationId xmlns:p14="http://schemas.microsoft.com/office/powerpoint/2010/main" val="3866591058"/>
-      </p:ext>
-    </p:extLst>
-  </p:cSld>
-  <p:clrMapOvr>
-    <a:masterClrMapping/>
-  </p:clrMapOvr>
-  <p:transition spd="med">
-    <p:fade/>
-  </p:transition>
-  <p:timing>
-    <p:tnLst>
-      <p:par>
-        <p:cTn id="1" dur="indefinite" restart="never" nodeType="tmRoot"/>
-      </p:par>
-    </p:tnLst>
-  </p:timing>
-</p:sld>
-</file>
-
-<file path=ppt/slides/slide15.xml><?xml version="1.0" encoding="utf-8"?>
-<p:sld xmlns:a="http://schemas.openxmlformats.org/drawingml/2006/main" xmlns:r="http://schemas.openxmlformats.org/officeDocument/2006/relationships" xmlns:p="http://schemas.openxmlformats.org/presentationml/2006/main">
-  <p:cSld>
-    <p:spTree>
-      <p:nvGrpSpPr>
-        <p:cNvPr id="1" name=""/>
-        <p:cNvGrpSpPr/>
-        <p:nvPr/>
-      </p:nvGrpSpPr>
-      <p:grpSpPr>
-        <a:xfrm>
-          <a:off x="0" y="0"/>
-          <a:ext cx="0" cy="0"/>
-          <a:chOff x="0" y="0"/>
-          <a:chExt cx="0" cy="0"/>
-        </a:xfrm>
-      </p:grpSpPr>
-      <p:sp>
-        <p:nvSpPr>
-          <p:cNvPr id="2" name="Title 1"/>
-          <p:cNvSpPr>
-            <a:spLocks noGrp="1"/>
-          </p:cNvSpPr>
-          <p:nvPr>
-            <p:ph type="ctrTitle"/>
-          </p:nvPr>
-        </p:nvSpPr>
-        <p:spPr>
-          <a:xfrm>
             <a:off x="1671637" y="2292125"/>
             <a:ext cx="14584363" cy="968599"/>
           </a:xfrm>
@@ -17699,7 +17151,7 @@
 </p:sld>
 </file>
 
-<file path=ppt/slides/slide16.xml><?xml version="1.0" encoding="utf-8"?>
+<file path=ppt/slides/slide15.xml><?xml version="1.0" encoding="utf-8"?>
 <p:sld xmlns:a="http://schemas.openxmlformats.org/drawingml/2006/main" xmlns:r="http://schemas.openxmlformats.org/officeDocument/2006/relationships" xmlns:p="http://schemas.openxmlformats.org/presentationml/2006/main">
   <p:cSld>
     <p:spTree>
@@ -17934,7 +17386,7 @@
 </p:sld>
 </file>
 
-<file path=ppt/slides/slide17.xml><?xml version="1.0" encoding="utf-8"?>
+<file path=ppt/slides/slide16.xml><?xml version="1.0" encoding="utf-8"?>
 <p:sld xmlns:a="http://schemas.openxmlformats.org/drawingml/2006/main" xmlns:r="http://schemas.openxmlformats.org/officeDocument/2006/relationships" xmlns:p="http://schemas.openxmlformats.org/presentationml/2006/main">
   <p:cSld>
     <p:spTree>
@@ -18107,7 +17559,7 @@
 </p:sld>
 </file>
 
-<file path=ppt/slides/slide18.xml><?xml version="1.0" encoding="utf-8"?>
+<file path=ppt/slides/slide17.xml><?xml version="1.0" encoding="utf-8"?>
 <p:sld xmlns:a="http://schemas.openxmlformats.org/drawingml/2006/main" xmlns:r="http://schemas.openxmlformats.org/officeDocument/2006/relationships" xmlns:p="http://schemas.openxmlformats.org/presentationml/2006/main">
   <p:cSld>
     <p:spTree>
@@ -18283,7 +17735,7 @@
 </p:sld>
 </file>
 
-<file path=ppt/slides/slide19.xml><?xml version="1.0" encoding="utf-8"?>
+<file path=ppt/slides/slide18.xml><?xml version="1.0" encoding="utf-8"?>
 <p:sld xmlns:a="http://schemas.openxmlformats.org/drawingml/2006/main" xmlns:r="http://schemas.openxmlformats.org/officeDocument/2006/relationships" xmlns:p="http://schemas.openxmlformats.org/presentationml/2006/main">
   <p:cSld>
     <p:spTree>
@@ -18551,6 +18003,131 @@
 </p:sld>
 </file>
 
+<file path=ppt/slides/slide19.xml><?xml version="1.0" encoding="utf-8"?>
+<p:sld xmlns:a="http://schemas.openxmlformats.org/drawingml/2006/main" xmlns:r="http://schemas.openxmlformats.org/officeDocument/2006/relationships" xmlns:p="http://schemas.openxmlformats.org/presentationml/2006/main">
+  <p:cSld>
+    <p:spTree>
+      <p:nvGrpSpPr>
+        <p:cNvPr id="1" name=""/>
+        <p:cNvGrpSpPr/>
+        <p:nvPr/>
+      </p:nvGrpSpPr>
+      <p:grpSpPr>
+        <a:xfrm>
+          <a:off x="0" y="0"/>
+          <a:ext cx="0" cy="0"/>
+          <a:chOff x="0" y="0"/>
+          <a:chExt cx="0" cy="0"/>
+        </a:xfrm>
+      </p:grpSpPr>
+      <p:sp>
+        <p:nvSpPr>
+          <p:cNvPr id="2" name="Title 1"/>
+          <p:cNvSpPr>
+            <a:spLocks noGrp="1"/>
+          </p:cNvSpPr>
+          <p:nvPr>
+            <p:ph type="title"/>
+          </p:nvPr>
+        </p:nvSpPr>
+        <p:spPr/>
+        <p:txBody>
+          <a:bodyPr>
+            <a:normAutofit/>
+          </a:bodyPr>
+          <a:lstStyle/>
+          <a:p>
+            <a:r>
+              <a:rPr lang="en-US" sz="4400" dirty="0" smtClean="0"/>
+              <a:t>GL: </a:t>
+            </a:r>
+            <a:r>
+              <a:rPr lang="en-US" sz="4400" dirty="0"/>
+              <a:t>Downloading the CIS Benchmarks for Windows </a:t>
+            </a:r>
+          </a:p>
+        </p:txBody>
+      </p:sp>
+      <p:pic>
+        <p:nvPicPr>
+          <p:cNvPr id="5" name="Picture 4"/>
+          <p:cNvPicPr>
+            <a:picLocks noChangeAspect="1"/>
+          </p:cNvPicPr>
+          <p:nvPr/>
+        </p:nvPicPr>
+        <p:blipFill>
+          <a:blip r:embed="rId2"/>
+          <a:stretch>
+            <a:fillRect/>
+          </a:stretch>
+        </p:blipFill>
+        <p:spPr>
+          <a:xfrm>
+            <a:off x="2521515" y="4260716"/>
+            <a:ext cx="11212971" cy="3109102"/>
+          </a:xfrm>
+          <a:prstGeom prst="rect">
+            <a:avLst/>
+          </a:prstGeom>
+          <a:ln>
+            <a:solidFill>
+              <a:schemeClr val="accent1"/>
+            </a:solidFill>
+          </a:ln>
+        </p:spPr>
+      </p:pic>
+      <p:sp>
+        <p:nvSpPr>
+          <p:cNvPr id="7" name="Text Placeholder 2"/>
+          <p:cNvSpPr>
+            <a:spLocks noGrp="1"/>
+          </p:cNvSpPr>
+          <p:nvPr>
+            <p:ph type="body" sz="quarter" idx="12"/>
+          </p:nvPr>
+        </p:nvSpPr>
+        <p:spPr>
+          <a:xfrm>
+            <a:off x="650040" y="1856198"/>
+            <a:ext cx="8669058" cy="5345953"/>
+          </a:xfrm>
+        </p:spPr>
+        <p:txBody>
+          <a:bodyPr/>
+          <a:lstStyle/>
+          <a:p>
+            <a:r>
+              <a:rPr lang="en-US" dirty="0" smtClean="0"/>
+              <a:t>Save the PDF to your laptop. If a Save icon is not obvious, you should be able to save the PDF by right-clicking it.</a:t>
+            </a:r>
+            <a:endParaRPr lang="en-US" dirty="0"/>
+          </a:p>
+        </p:txBody>
+      </p:sp>
+    </p:spTree>
+    <p:extLst>
+      <p:ext uri="{BB962C8B-B14F-4D97-AF65-F5344CB8AC3E}">
+        <p14:creationId xmlns:p14="http://schemas.microsoft.com/office/powerpoint/2010/main" val="885810407"/>
+      </p:ext>
+    </p:extLst>
+  </p:cSld>
+  <p:clrMapOvr>
+    <a:masterClrMapping/>
+  </p:clrMapOvr>
+  <p:transition spd="med">
+    <p:fade/>
+  </p:transition>
+  <p:timing>
+    <p:tnLst>
+      <p:par>
+        <p:cTn id="1" dur="indefinite" restart="never" nodeType="tmRoot"/>
+      </p:par>
+    </p:tnLst>
+  </p:timing>
+</p:sld>
+</file>
+
 <file path=ppt/slides/slide2.xml><?xml version="1.0" encoding="utf-8"?>
 <p:sld xmlns:a="http://schemas.openxmlformats.org/drawingml/2006/main" xmlns:r="http://schemas.openxmlformats.org/officeDocument/2006/relationships" xmlns:p="http://schemas.openxmlformats.org/presentationml/2006/main">
   <p:cSld>
@@ -18721,131 +18298,6 @@
 </file>
 
 <file path=ppt/slides/slide20.xml><?xml version="1.0" encoding="utf-8"?>
-<p:sld xmlns:a="http://schemas.openxmlformats.org/drawingml/2006/main" xmlns:r="http://schemas.openxmlformats.org/officeDocument/2006/relationships" xmlns:p="http://schemas.openxmlformats.org/presentationml/2006/main">
-  <p:cSld>
-    <p:spTree>
-      <p:nvGrpSpPr>
-        <p:cNvPr id="1" name=""/>
-        <p:cNvGrpSpPr/>
-        <p:nvPr/>
-      </p:nvGrpSpPr>
-      <p:grpSpPr>
-        <a:xfrm>
-          <a:off x="0" y="0"/>
-          <a:ext cx="0" cy="0"/>
-          <a:chOff x="0" y="0"/>
-          <a:chExt cx="0" cy="0"/>
-        </a:xfrm>
-      </p:grpSpPr>
-      <p:sp>
-        <p:nvSpPr>
-          <p:cNvPr id="2" name="Title 1"/>
-          <p:cNvSpPr>
-            <a:spLocks noGrp="1"/>
-          </p:cNvSpPr>
-          <p:nvPr>
-            <p:ph type="title"/>
-          </p:nvPr>
-        </p:nvSpPr>
-        <p:spPr/>
-        <p:txBody>
-          <a:bodyPr>
-            <a:normAutofit/>
-          </a:bodyPr>
-          <a:lstStyle/>
-          <a:p>
-            <a:r>
-              <a:rPr lang="en-US" sz="4400" dirty="0" smtClean="0"/>
-              <a:t>GL: </a:t>
-            </a:r>
-            <a:r>
-              <a:rPr lang="en-US" sz="4400" dirty="0"/>
-              <a:t>Downloading the CIS Benchmarks for Windows </a:t>
-            </a:r>
-          </a:p>
-        </p:txBody>
-      </p:sp>
-      <p:pic>
-        <p:nvPicPr>
-          <p:cNvPr id="5" name="Picture 4"/>
-          <p:cNvPicPr>
-            <a:picLocks noChangeAspect="1"/>
-          </p:cNvPicPr>
-          <p:nvPr/>
-        </p:nvPicPr>
-        <p:blipFill>
-          <a:blip r:embed="rId2"/>
-          <a:stretch>
-            <a:fillRect/>
-          </a:stretch>
-        </p:blipFill>
-        <p:spPr>
-          <a:xfrm>
-            <a:off x="2521515" y="4260716"/>
-            <a:ext cx="11212971" cy="3109102"/>
-          </a:xfrm>
-          <a:prstGeom prst="rect">
-            <a:avLst/>
-          </a:prstGeom>
-          <a:ln>
-            <a:solidFill>
-              <a:schemeClr val="accent1"/>
-            </a:solidFill>
-          </a:ln>
-        </p:spPr>
-      </p:pic>
-      <p:sp>
-        <p:nvSpPr>
-          <p:cNvPr id="7" name="Text Placeholder 2"/>
-          <p:cNvSpPr>
-            <a:spLocks noGrp="1"/>
-          </p:cNvSpPr>
-          <p:nvPr>
-            <p:ph type="body" sz="quarter" idx="12"/>
-          </p:nvPr>
-        </p:nvSpPr>
-        <p:spPr>
-          <a:xfrm>
-            <a:off x="650040" y="1856198"/>
-            <a:ext cx="8669058" cy="5345953"/>
-          </a:xfrm>
-        </p:spPr>
-        <p:txBody>
-          <a:bodyPr/>
-          <a:lstStyle/>
-          <a:p>
-            <a:r>
-              <a:rPr lang="en-US" dirty="0" smtClean="0"/>
-              <a:t>Save the PDF to your laptop. If a Save icon is not obvious, you should be able to save the PDF by right-clicking it.</a:t>
-            </a:r>
-            <a:endParaRPr lang="en-US" dirty="0"/>
-          </a:p>
-        </p:txBody>
-      </p:sp>
-    </p:spTree>
-    <p:extLst>
-      <p:ext uri="{BB962C8B-B14F-4D97-AF65-F5344CB8AC3E}">
-        <p14:creationId xmlns:p14="http://schemas.microsoft.com/office/powerpoint/2010/main" val="885810407"/>
-      </p:ext>
-    </p:extLst>
-  </p:cSld>
-  <p:clrMapOvr>
-    <a:masterClrMapping/>
-  </p:clrMapOvr>
-  <p:transition spd="med">
-    <p:fade/>
-  </p:transition>
-  <p:timing>
-    <p:tnLst>
-      <p:par>
-        <p:cTn id="1" dur="indefinite" restart="never" nodeType="tmRoot"/>
-      </p:par>
-    </p:tnLst>
-  </p:timing>
-</p:sld>
-</file>
-
-<file path=ppt/slides/slide21.xml><?xml version="1.0" encoding="utf-8"?>
 <p:sld xmlns:a="http://schemas.openxmlformats.org/drawingml/2006/main" xmlns:r="http://schemas.openxmlformats.org/officeDocument/2006/relationships" xmlns:p="http://schemas.openxmlformats.org/presentationml/2006/main">
   <p:cSld>
     <p:spTree>
@@ -19048,7 +18500,7 @@
 </p:sld>
 </file>
 
-<file path=ppt/slides/slide22.xml><?xml version="1.0" encoding="utf-8"?>
+<file path=ppt/slides/slide21.xml><?xml version="1.0" encoding="utf-8"?>
 <p:sld xmlns:a="http://schemas.openxmlformats.org/drawingml/2006/main" xmlns:r="http://schemas.openxmlformats.org/officeDocument/2006/relationships" xmlns:p="http://schemas.openxmlformats.org/presentationml/2006/main">
   <p:cSld>
     <p:spTree>
@@ -19538,7 +18990,7 @@
 </p:sld>
 </file>
 
-<file path=ppt/slides/slide23.xml><?xml version="1.0" encoding="utf-8"?>
+<file path=ppt/slides/slide22.xml><?xml version="1.0" encoding="utf-8"?>
 <p:sld xmlns:a="http://schemas.openxmlformats.org/drawingml/2006/main" xmlns:r="http://schemas.openxmlformats.org/officeDocument/2006/relationships" xmlns:p="http://schemas.openxmlformats.org/presentationml/2006/main">
   <p:cSld>
     <p:spTree>
@@ -19984,6 +19436,879 @@
 </p:sld>
 </file>
 
+<file path=ppt/slides/slide23.xml><?xml version="1.0" encoding="utf-8"?>
+<p:sld xmlns:a="http://schemas.openxmlformats.org/drawingml/2006/main" xmlns:r="http://schemas.openxmlformats.org/officeDocument/2006/relationships" xmlns:p="http://schemas.openxmlformats.org/presentationml/2006/main">
+  <p:cSld>
+    <p:spTree>
+      <p:nvGrpSpPr>
+        <p:cNvPr id="1" name=""/>
+        <p:cNvGrpSpPr/>
+        <p:nvPr/>
+      </p:nvGrpSpPr>
+      <p:grpSpPr>
+        <a:xfrm>
+          <a:off x="0" y="0"/>
+          <a:ext cx="0" cy="0"/>
+          <a:chOff x="0" y="0"/>
+          <a:chExt cx="0" cy="0"/>
+        </a:xfrm>
+      </p:grpSpPr>
+      <p:sp>
+        <p:nvSpPr>
+          <p:cNvPr id="2" name="Title 1"/>
+          <p:cNvSpPr>
+            <a:spLocks noGrp="1"/>
+          </p:cNvSpPr>
+          <p:nvPr>
+            <p:ph type="title"/>
+          </p:nvPr>
+        </p:nvSpPr>
+        <p:spPr/>
+        <p:txBody>
+          <a:bodyPr>
+            <a:normAutofit/>
+          </a:bodyPr>
+          <a:lstStyle/>
+          <a:p>
+            <a:r>
+              <a:rPr lang="en-US" sz="3600" dirty="0" smtClean="0"/>
+              <a:t>GL: Writing an InSpec Test for a Windows CIS Benchmark (3 of 3) </a:t>
+            </a:r>
+            <a:endParaRPr lang="en-US" sz="3600" dirty="0"/>
+          </a:p>
+        </p:txBody>
+      </p:sp>
+      <p:sp>
+        <p:nvSpPr>
+          <p:cNvPr id="6" name="Text Placeholder 2"/>
+          <p:cNvSpPr txBox="1">
+            <a:spLocks/>
+          </p:cNvSpPr>
+          <p:nvPr/>
+        </p:nvSpPr>
+        <p:spPr bwMode="white">
+          <a:xfrm>
+            <a:off x="9010184" y="1551997"/>
+            <a:ext cx="7007299" cy="4855618"/>
+          </a:xfrm>
+          <a:prstGeom prst="rect">
+            <a:avLst/>
+          </a:prstGeom>
+          <a:ln>
+            <a:solidFill>
+              <a:schemeClr val="accent1"/>
+            </a:solidFill>
+          </a:ln>
+        </p:spPr>
+        <p:txBody>
+          <a:bodyPr vert="horz" wrap="square" lIns="0" tIns="0" rIns="0" bIns="0" rtlCol="0">
+            <a:noAutofit/>
+          </a:bodyPr>
+          <a:lstStyle>
+            <a:lvl1pPr algn="l" defTabSz="1217613" rtl="0" eaLnBrk="1" fontAlgn="base" hangingPunct="1">
+              <a:spcBef>
+                <a:spcPts val="800"/>
+              </a:spcBef>
+              <a:spcAft>
+                <a:spcPts val="800"/>
+              </a:spcAft>
+              <a:buSzPct val="90000"/>
+              <a:buFont typeface="Arial" charset="0"/>
+              <a:defRPr sz="3200" kern="1200" baseline="0">
+                <a:solidFill>
+                  <a:schemeClr val="accent3">
+                    <a:lumMod val="50000"/>
+                  </a:schemeClr>
+                </a:solidFill>
+                <a:latin typeface="+mn-lt"/>
+                <a:ea typeface="ＭＳ Ｐゴシック" charset="0"/>
+                <a:cs typeface="ＭＳ Ｐゴシック" charset="0"/>
+              </a:defRPr>
+            </a:lvl1pPr>
+            <a:lvl2pPr marL="307975" algn="l" defTabSz="1217613" rtl="0" eaLnBrk="1" fontAlgn="base" hangingPunct="1">
+              <a:spcBef>
+                <a:spcPts val="800"/>
+              </a:spcBef>
+              <a:spcAft>
+                <a:spcPts val="800"/>
+              </a:spcAft>
+              <a:buSzPct val="90000"/>
+              <a:buFont typeface="Arial" charset="0"/>
+              <a:defRPr sz="2800" kern="1200" baseline="0">
+                <a:solidFill>
+                  <a:schemeClr val="accent3">
+                    <a:lumMod val="50000"/>
+                  </a:schemeClr>
+                </a:solidFill>
+                <a:latin typeface="+mn-lt"/>
+                <a:ea typeface="ＭＳ Ｐゴシック" charset="0"/>
+                <a:cs typeface="+mn-cs"/>
+              </a:defRPr>
+            </a:lvl2pPr>
+            <a:lvl3pPr marL="608013" algn="l" defTabSz="1217613" rtl="0" eaLnBrk="1" fontAlgn="base" hangingPunct="1">
+              <a:spcBef>
+                <a:spcPts val="800"/>
+              </a:spcBef>
+              <a:spcAft>
+                <a:spcPts val="800"/>
+              </a:spcAft>
+              <a:buSzPct val="90000"/>
+              <a:buFont typeface="Arial" charset="0"/>
+              <a:defRPr sz="2400" kern="1200" baseline="0">
+                <a:solidFill>
+                  <a:schemeClr val="accent3">
+                    <a:lumMod val="50000"/>
+                  </a:schemeClr>
+                </a:solidFill>
+                <a:latin typeface="+mn-lt"/>
+                <a:ea typeface="ＭＳ Ｐゴシック" charset="0"/>
+                <a:cs typeface="+mn-cs"/>
+              </a:defRPr>
+            </a:lvl3pPr>
+            <a:lvl4pPr marL="839788" algn="l" defTabSz="1217613" rtl="0" eaLnBrk="1" fontAlgn="base" hangingPunct="1">
+              <a:spcBef>
+                <a:spcPts val="800"/>
+              </a:spcBef>
+              <a:spcAft>
+                <a:spcPts val="800"/>
+              </a:spcAft>
+              <a:buSzPct val="90000"/>
+              <a:buFont typeface="Arial" charset="0"/>
+              <a:defRPr sz="2400" kern="1200" baseline="0">
+                <a:solidFill>
+                  <a:schemeClr val="accent3">
+                    <a:lumMod val="50000"/>
+                  </a:schemeClr>
+                </a:solidFill>
+                <a:latin typeface="+mn-lt"/>
+                <a:ea typeface="ＭＳ Ｐゴシック" charset="0"/>
+                <a:cs typeface="+mn-cs"/>
+              </a:defRPr>
+            </a:lvl4pPr>
+            <a:lvl5pPr marL="1068388" algn="l" defTabSz="1217613" rtl="0" eaLnBrk="1" fontAlgn="base" hangingPunct="1">
+              <a:spcBef>
+                <a:spcPts val="800"/>
+              </a:spcBef>
+              <a:spcAft>
+                <a:spcPts val="800"/>
+              </a:spcAft>
+              <a:buSzPct val="90000"/>
+              <a:buFont typeface="Arial" charset="0"/>
+              <a:defRPr sz="2000" kern="1200" baseline="0">
+                <a:solidFill>
+                  <a:schemeClr val="accent3">
+                    <a:lumMod val="50000"/>
+                  </a:schemeClr>
+                </a:solidFill>
+                <a:latin typeface="+mn-lt"/>
+                <a:ea typeface="ＭＳ Ｐゴシック" charset="0"/>
+                <a:cs typeface="+mn-cs"/>
+              </a:defRPr>
+            </a:lvl5pPr>
+            <a:lvl6pPr marL="3352582" indent="-304780" algn="l" defTabSz="1219120" rtl="0" eaLnBrk="1" latinLnBrk="0" hangingPunct="1">
+              <a:spcBef>
+                <a:spcPct val="20000"/>
+              </a:spcBef>
+              <a:buFont typeface="Arial" pitchFamily="34" charset="0"/>
+              <a:buChar char="•"/>
+              <a:defRPr sz="2667" kern="1200">
+                <a:solidFill>
+                  <a:schemeClr val="tx1"/>
+                </a:solidFill>
+                <a:latin typeface="+mn-lt"/>
+                <a:ea typeface="+mn-ea"/>
+                <a:cs typeface="+mn-cs"/>
+              </a:defRPr>
+            </a:lvl6pPr>
+            <a:lvl7pPr marL="3962142" indent="-304780" algn="l" defTabSz="1219120" rtl="0" eaLnBrk="1" latinLnBrk="0" hangingPunct="1">
+              <a:spcBef>
+                <a:spcPct val="20000"/>
+              </a:spcBef>
+              <a:buFont typeface="Arial" pitchFamily="34" charset="0"/>
+              <a:buChar char="•"/>
+              <a:defRPr sz="2667" kern="1200">
+                <a:solidFill>
+                  <a:schemeClr val="tx1"/>
+                </a:solidFill>
+                <a:latin typeface="+mn-lt"/>
+                <a:ea typeface="+mn-ea"/>
+                <a:cs typeface="+mn-cs"/>
+              </a:defRPr>
+            </a:lvl7pPr>
+            <a:lvl8pPr marL="4571703" indent="-304780" algn="l" defTabSz="1219120" rtl="0" eaLnBrk="1" latinLnBrk="0" hangingPunct="1">
+              <a:spcBef>
+                <a:spcPct val="20000"/>
+              </a:spcBef>
+              <a:buFont typeface="Arial" pitchFamily="34" charset="0"/>
+              <a:buChar char="•"/>
+              <a:defRPr sz="2667" kern="1200">
+                <a:solidFill>
+                  <a:schemeClr val="tx1"/>
+                </a:solidFill>
+                <a:latin typeface="+mn-lt"/>
+                <a:ea typeface="+mn-ea"/>
+                <a:cs typeface="+mn-cs"/>
+              </a:defRPr>
+            </a:lvl8pPr>
+            <a:lvl9pPr marL="5181264" indent="-304780" algn="l" defTabSz="1219120" rtl="0" eaLnBrk="1" latinLnBrk="0" hangingPunct="1">
+              <a:spcBef>
+                <a:spcPct val="20000"/>
+              </a:spcBef>
+              <a:buFont typeface="Arial" pitchFamily="34" charset="0"/>
+              <a:buChar char="•"/>
+              <a:defRPr sz="2667" kern="1200">
+                <a:solidFill>
+                  <a:schemeClr val="tx1"/>
+                </a:solidFill>
+                <a:latin typeface="+mn-lt"/>
+                <a:ea typeface="+mn-ea"/>
+                <a:cs typeface="+mn-cs"/>
+              </a:defRPr>
+            </a:lvl9pPr>
+          </a:lstStyle>
+          <a:p>
+            <a:r>
+              <a:rPr lang="en-US" sz="2000" b="1" dirty="0" smtClean="0"/>
+              <a:t>control </a:t>
+            </a:r>
+            <a:r>
+              <a:rPr lang="en-US" sz="2000" b="1" dirty="0"/>
+              <a:t>'cis-enforce-password-history-1.1.1' do</a:t>
+            </a:r>
+          </a:p>
+          <a:p>
+            <a:r>
+              <a:rPr lang="en-US" sz="2000" b="1" dirty="0"/>
+              <a:t> </a:t>
+            </a:r>
+            <a:r>
+              <a:rPr lang="en-US" sz="2000" b="1" dirty="0" smtClean="0"/>
+              <a:t> impact </a:t>
+            </a:r>
+            <a:r>
+              <a:rPr lang="en-US" sz="2000" b="1" dirty="0"/>
+              <a:t>0.7</a:t>
+            </a:r>
+          </a:p>
+          <a:p>
+            <a:r>
+              <a:rPr lang="en-US" sz="2000" b="1" dirty="0"/>
+              <a:t> </a:t>
+            </a:r>
+            <a:r>
+              <a:rPr lang="en-US" sz="2000" b="1" dirty="0" smtClean="0"/>
+              <a:t> title </a:t>
+            </a:r>
+            <a:r>
+              <a:rPr lang="en-US" sz="2000" b="1" dirty="0"/>
+              <a:t>'1.1.1 Set Enforce password history to 24 or more passwords'</a:t>
+            </a:r>
+          </a:p>
+          <a:p>
+            <a:r>
+              <a:rPr lang="en-US" sz="2000" b="1" dirty="0"/>
+              <a:t> </a:t>
+            </a:r>
+            <a:r>
+              <a:rPr lang="en-US" sz="2000" b="1" dirty="0" smtClean="0"/>
+              <a:t> </a:t>
+            </a:r>
+            <a:r>
+              <a:rPr lang="en-US" sz="2000" b="1" dirty="0" err="1" smtClean="0"/>
+              <a:t>desc</a:t>
+            </a:r>
+            <a:r>
+              <a:rPr lang="en-US" sz="2000" b="1" dirty="0" smtClean="0"/>
+              <a:t> </a:t>
+            </a:r>
+            <a:r>
+              <a:rPr lang="en-US" sz="2000" b="1" dirty="0"/>
+              <a:t>'Set Enforce password history to 24 or </a:t>
+            </a:r>
+            <a:r>
+              <a:rPr lang="en-US" sz="2000" b="1" dirty="0" smtClean="0"/>
+              <a:t>more passwords</a:t>
+            </a:r>
+            <a:r>
+              <a:rPr lang="en-US" sz="2000" b="1" dirty="0"/>
+              <a:t>'</a:t>
+            </a:r>
+          </a:p>
+          <a:p>
+            <a:r>
+              <a:rPr lang="en-US" sz="2000" b="1" dirty="0"/>
+              <a:t> </a:t>
+            </a:r>
+            <a:r>
+              <a:rPr lang="en-US" sz="2000" b="1" dirty="0" smtClean="0"/>
+              <a:t> describe </a:t>
+            </a:r>
+            <a:r>
+              <a:rPr lang="en-US" sz="2000" b="1" dirty="0" err="1"/>
+              <a:t>security_policy</a:t>
+            </a:r>
+            <a:r>
+              <a:rPr lang="en-US" sz="2000" b="1" dirty="0"/>
+              <a:t> do</a:t>
+            </a:r>
+          </a:p>
+          <a:p>
+            <a:r>
+              <a:rPr lang="en-US" sz="2000" b="1" dirty="0"/>
+              <a:t> </a:t>
+            </a:r>
+            <a:r>
+              <a:rPr lang="en-US" sz="2000" b="1" dirty="0" smtClean="0"/>
+              <a:t>   its</a:t>
+            </a:r>
+            <a:r>
+              <a:rPr lang="en-US" sz="2000" b="1" dirty="0"/>
+              <a:t>('</a:t>
+            </a:r>
+            <a:r>
+              <a:rPr lang="en-US" sz="2000" b="1" dirty="0" err="1"/>
+              <a:t>PasswordHistorySize</a:t>
+            </a:r>
+            <a:r>
+              <a:rPr lang="en-US" sz="2000" b="1" dirty="0"/>
+              <a:t>') { should be &gt;= 24 }</a:t>
+            </a:r>
+          </a:p>
+          <a:p>
+            <a:r>
+              <a:rPr lang="en-US" sz="2000" b="1" dirty="0"/>
+              <a:t> </a:t>
+            </a:r>
+            <a:r>
+              <a:rPr lang="en-US" sz="2000" b="1" dirty="0" smtClean="0"/>
+              <a:t> end</a:t>
+            </a:r>
+            <a:endParaRPr lang="en-US" sz="2000" b="1" dirty="0"/>
+          </a:p>
+          <a:p>
+            <a:r>
+              <a:rPr lang="en-US" sz="2000" b="1" dirty="0" smtClean="0"/>
+              <a:t>end</a:t>
+            </a:r>
+            <a:endParaRPr lang="en-US" sz="2000" b="1" dirty="0"/>
+          </a:p>
+        </p:txBody>
+      </p:sp>
+      <p:sp>
+        <p:nvSpPr>
+          <p:cNvPr id="9" name="Text Placeholder 2"/>
+          <p:cNvSpPr>
+            <a:spLocks noGrp="1"/>
+          </p:cNvSpPr>
+          <p:nvPr>
+            <p:ph type="body" sz="quarter" idx="12"/>
+          </p:nvPr>
+        </p:nvSpPr>
+        <p:spPr>
+          <a:xfrm>
+            <a:off x="650040" y="1133476"/>
+            <a:ext cx="7780282" cy="6068676"/>
+          </a:xfrm>
+        </p:spPr>
+        <p:txBody>
+          <a:bodyPr/>
+          <a:lstStyle/>
+          <a:p>
+            <a:r>
+              <a:rPr lang="en-US" dirty="0"/>
+              <a:t> </a:t>
+            </a:r>
+            <a:r>
+              <a:rPr lang="en-US" dirty="0" smtClean="0"/>
+              <a:t>This </a:t>
+            </a:r>
+            <a:r>
+              <a:rPr lang="en-US" dirty="0" err="1" smtClean="0"/>
+              <a:t>inspec</a:t>
+            </a:r>
+            <a:r>
+              <a:rPr lang="en-US" dirty="0" smtClean="0"/>
+              <a:t> code below shows how </a:t>
+            </a:r>
+            <a:r>
+              <a:rPr lang="en-US" dirty="0" err="1" smtClean="0"/>
+              <a:t>inspec</a:t>
+            </a:r>
+            <a:r>
+              <a:rPr lang="en-US" dirty="0" smtClean="0"/>
+              <a:t> can scan for security policy compliance by parsing </a:t>
+            </a:r>
+            <a:r>
+              <a:rPr lang="en-US" b="1" dirty="0" err="1">
+                <a:latin typeface="Courier New" panose="02070309020205020404" pitchFamily="49" charset="0"/>
+                <a:cs typeface="Courier New" panose="02070309020205020404" pitchFamily="49" charset="0"/>
+              </a:rPr>
+              <a:t>secedit</a:t>
+            </a:r>
+            <a:r>
+              <a:rPr lang="en-US" b="1" dirty="0">
+                <a:latin typeface="Courier New" panose="02070309020205020404" pitchFamily="49" charset="0"/>
+                <a:cs typeface="Courier New" panose="02070309020205020404" pitchFamily="49" charset="0"/>
+              </a:rPr>
+              <a:t> /export /</a:t>
+            </a:r>
+            <a:r>
+              <a:rPr lang="en-US" b="1" dirty="0" err="1">
+                <a:latin typeface="Courier New" panose="02070309020205020404" pitchFamily="49" charset="0"/>
+                <a:cs typeface="Courier New" panose="02070309020205020404" pitchFamily="49" charset="0"/>
+              </a:rPr>
+              <a:t>cfg</a:t>
+            </a:r>
+            <a:r>
+              <a:rPr lang="en-US" b="1" dirty="0">
+                <a:latin typeface="Courier New" panose="02070309020205020404" pitchFamily="49" charset="0"/>
+                <a:cs typeface="Courier New" panose="02070309020205020404" pitchFamily="49" charset="0"/>
+              </a:rPr>
+              <a:t> </a:t>
+            </a:r>
+            <a:r>
+              <a:rPr lang="en-US" b="1" dirty="0" err="1" smtClean="0">
+                <a:latin typeface="Courier New" panose="02070309020205020404" pitchFamily="49" charset="0"/>
+                <a:cs typeface="Courier New" panose="02070309020205020404" pitchFamily="49" charset="0"/>
+              </a:rPr>
+              <a:t>win_secpol.cfg</a:t>
+            </a:r>
+            <a:r>
+              <a:rPr lang="en-US" dirty="0" smtClean="0"/>
+              <a:t>.</a:t>
+            </a:r>
+          </a:p>
+          <a:p>
+            <a:endParaRPr lang="en-US" dirty="0" smtClean="0"/>
+          </a:p>
+          <a:p>
+            <a:r>
+              <a:rPr lang="en-US" sz="2800" b="1" dirty="0" smtClean="0">
+                <a:latin typeface="Courier New" panose="02070309020205020404" pitchFamily="49" charset="0"/>
+                <a:cs typeface="Courier New" panose="02070309020205020404" pitchFamily="49" charset="0"/>
+              </a:rPr>
+              <a:t># </a:t>
+            </a:r>
+            <a:r>
+              <a:rPr lang="en-US" sz="2800" b="1" dirty="0">
+                <a:latin typeface="Courier New" panose="02070309020205020404" pitchFamily="49" charset="0"/>
+                <a:cs typeface="Courier New" panose="02070309020205020404" pitchFamily="49" charset="0"/>
+              </a:rPr>
+              <a:t>load security content</a:t>
+            </a:r>
+          </a:p>
+          <a:p>
+            <a:r>
+              <a:rPr lang="en-US" sz="2800" b="1" dirty="0">
+                <a:latin typeface="Courier New" panose="02070309020205020404" pitchFamily="49" charset="0"/>
+                <a:cs typeface="Courier New" panose="02070309020205020404" pitchFamily="49" charset="0"/>
+              </a:rPr>
+              <a:t>  </a:t>
+            </a:r>
+            <a:r>
+              <a:rPr lang="en-US" sz="2800" b="1" dirty="0" err="1">
+                <a:latin typeface="Courier New" panose="02070309020205020404" pitchFamily="49" charset="0"/>
+                <a:cs typeface="Courier New" panose="02070309020205020404" pitchFamily="49" charset="0"/>
+              </a:rPr>
+              <a:t>def</a:t>
+            </a:r>
+            <a:r>
+              <a:rPr lang="en-US" sz="2800" b="1" dirty="0">
+                <a:latin typeface="Courier New" panose="02070309020205020404" pitchFamily="49" charset="0"/>
+                <a:cs typeface="Courier New" panose="02070309020205020404" pitchFamily="49" charset="0"/>
+              </a:rPr>
+              <a:t> load</a:t>
+            </a:r>
+          </a:p>
+          <a:p>
+            <a:r>
+              <a:rPr lang="en-US" sz="2800" b="1" dirty="0">
+                <a:latin typeface="Courier New" panose="02070309020205020404" pitchFamily="49" charset="0"/>
+                <a:cs typeface="Courier New" panose="02070309020205020404" pitchFamily="49" charset="0"/>
+              </a:rPr>
+              <a:t>    # export the security policy</a:t>
+            </a:r>
+          </a:p>
+          <a:p>
+            <a:r>
+              <a:rPr lang="en-US" sz="2800" b="1" dirty="0">
+                <a:latin typeface="Courier New" panose="02070309020205020404" pitchFamily="49" charset="0"/>
+                <a:cs typeface="Courier New" panose="02070309020205020404" pitchFamily="49" charset="0"/>
+              </a:rPr>
+              <a:t>    </a:t>
+            </a:r>
+            <a:r>
+              <a:rPr lang="en-US" sz="2800" b="1" dirty="0" err="1">
+                <a:solidFill>
+                  <a:schemeClr val="accent1"/>
+                </a:solidFill>
+                <a:latin typeface="Courier New" panose="02070309020205020404" pitchFamily="49" charset="0"/>
+                <a:cs typeface="Courier New" panose="02070309020205020404" pitchFamily="49" charset="0"/>
+              </a:rPr>
+              <a:t>cmd</a:t>
+            </a:r>
+            <a:r>
+              <a:rPr lang="en-US" sz="2800" b="1" dirty="0">
+                <a:solidFill>
+                  <a:schemeClr val="accent1"/>
+                </a:solidFill>
+                <a:latin typeface="Courier New" panose="02070309020205020404" pitchFamily="49" charset="0"/>
+                <a:cs typeface="Courier New" panose="02070309020205020404" pitchFamily="49" charset="0"/>
+              </a:rPr>
+              <a:t> = </a:t>
+            </a:r>
+            <a:r>
+              <a:rPr lang="en-US" sz="2800" b="1" dirty="0" err="1">
+                <a:solidFill>
+                  <a:schemeClr val="accent1"/>
+                </a:solidFill>
+                <a:latin typeface="Courier New" panose="02070309020205020404" pitchFamily="49" charset="0"/>
+                <a:cs typeface="Courier New" panose="02070309020205020404" pitchFamily="49" charset="0"/>
+              </a:rPr>
+              <a:t>inspec.command</a:t>
+            </a:r>
+            <a:r>
+              <a:rPr lang="en-US" sz="2800" b="1" dirty="0">
+                <a:solidFill>
+                  <a:schemeClr val="accent1"/>
+                </a:solidFill>
+                <a:latin typeface="Courier New" panose="02070309020205020404" pitchFamily="49" charset="0"/>
+                <a:cs typeface="Courier New" panose="02070309020205020404" pitchFamily="49" charset="0"/>
+              </a:rPr>
+              <a:t>('</a:t>
+            </a:r>
+            <a:r>
+              <a:rPr lang="en-US" sz="2800" b="1" dirty="0" err="1">
+                <a:solidFill>
+                  <a:schemeClr val="accent1"/>
+                </a:solidFill>
+                <a:latin typeface="Courier New" panose="02070309020205020404" pitchFamily="49" charset="0"/>
+                <a:cs typeface="Courier New" panose="02070309020205020404" pitchFamily="49" charset="0"/>
+              </a:rPr>
+              <a:t>secedit</a:t>
+            </a:r>
+            <a:r>
+              <a:rPr lang="en-US" sz="2800" b="1" dirty="0">
+                <a:solidFill>
+                  <a:schemeClr val="accent1"/>
+                </a:solidFill>
+                <a:latin typeface="Courier New" panose="02070309020205020404" pitchFamily="49" charset="0"/>
+                <a:cs typeface="Courier New" panose="02070309020205020404" pitchFamily="49" charset="0"/>
+              </a:rPr>
+              <a:t> /export /</a:t>
+            </a:r>
+            <a:r>
+              <a:rPr lang="en-US" sz="2800" b="1" dirty="0" err="1">
+                <a:solidFill>
+                  <a:schemeClr val="accent1"/>
+                </a:solidFill>
+                <a:latin typeface="Courier New" panose="02070309020205020404" pitchFamily="49" charset="0"/>
+                <a:cs typeface="Courier New" panose="02070309020205020404" pitchFamily="49" charset="0"/>
+              </a:rPr>
+              <a:t>cfg</a:t>
+            </a:r>
+            <a:r>
+              <a:rPr lang="en-US" sz="2800" b="1" dirty="0">
+                <a:solidFill>
+                  <a:schemeClr val="accent1"/>
+                </a:solidFill>
+                <a:latin typeface="Courier New" panose="02070309020205020404" pitchFamily="49" charset="0"/>
+                <a:cs typeface="Courier New" panose="02070309020205020404" pitchFamily="49" charset="0"/>
+              </a:rPr>
+              <a:t> </a:t>
+            </a:r>
+            <a:r>
+              <a:rPr lang="en-US" sz="2800" b="1" dirty="0" err="1">
+                <a:solidFill>
+                  <a:schemeClr val="accent1"/>
+                </a:solidFill>
+                <a:latin typeface="Courier New" panose="02070309020205020404" pitchFamily="49" charset="0"/>
+                <a:cs typeface="Courier New" panose="02070309020205020404" pitchFamily="49" charset="0"/>
+              </a:rPr>
+              <a:t>win_secpol.cfg</a:t>
+            </a:r>
+            <a:r>
+              <a:rPr lang="en-US" sz="2800" b="1" dirty="0">
+                <a:solidFill>
+                  <a:schemeClr val="accent1"/>
+                </a:solidFill>
+                <a:latin typeface="Courier New" panose="02070309020205020404" pitchFamily="49" charset="0"/>
+                <a:cs typeface="Courier New" panose="02070309020205020404" pitchFamily="49" charset="0"/>
+              </a:rPr>
+              <a:t>')</a:t>
+            </a:r>
+          </a:p>
+          <a:p>
+            <a:r>
+              <a:rPr lang="en-US" sz="2800" b="1" dirty="0">
+                <a:latin typeface="Courier New" panose="02070309020205020404" pitchFamily="49" charset="0"/>
+                <a:cs typeface="Courier New" panose="02070309020205020404" pitchFamily="49" charset="0"/>
+              </a:rPr>
+              <a:t>    return nil if </a:t>
+            </a:r>
+            <a:r>
+              <a:rPr lang="en-US" sz="2800" b="1" dirty="0" err="1">
+                <a:latin typeface="Courier New" panose="02070309020205020404" pitchFamily="49" charset="0"/>
+                <a:cs typeface="Courier New" panose="02070309020205020404" pitchFamily="49" charset="0"/>
+              </a:rPr>
+              <a:t>cmd.exit_status.to_i</a:t>
+            </a:r>
+            <a:r>
+              <a:rPr lang="en-US" sz="2800" b="1" dirty="0">
+                <a:latin typeface="Courier New" panose="02070309020205020404" pitchFamily="49" charset="0"/>
+                <a:cs typeface="Courier New" panose="02070309020205020404" pitchFamily="49" charset="0"/>
+              </a:rPr>
+              <a:t> != </a:t>
+            </a:r>
+            <a:r>
+              <a:rPr lang="en-US" sz="2800" b="1" dirty="0" smtClean="0">
+                <a:latin typeface="Courier New" panose="02070309020205020404" pitchFamily="49" charset="0"/>
+                <a:cs typeface="Courier New" panose="02070309020205020404" pitchFamily="49" charset="0"/>
+              </a:rPr>
+              <a:t>0</a:t>
+            </a:r>
+          </a:p>
+          <a:p>
+            <a:endParaRPr lang="en-US" dirty="0"/>
+          </a:p>
+          <a:p>
+            <a:endParaRPr lang="en-US" dirty="0"/>
+          </a:p>
+        </p:txBody>
+      </p:sp>
+      <p:sp>
+        <p:nvSpPr>
+          <p:cNvPr id="10" name="Text Placeholder 2"/>
+          <p:cNvSpPr txBox="1">
+            <a:spLocks/>
+          </p:cNvSpPr>
+          <p:nvPr/>
+        </p:nvSpPr>
+        <p:spPr bwMode="white">
+          <a:xfrm>
+            <a:off x="8470762" y="6826137"/>
+            <a:ext cx="6961907" cy="1257879"/>
+          </a:xfrm>
+          <a:prstGeom prst="rect">
+            <a:avLst/>
+          </a:prstGeom>
+        </p:spPr>
+        <p:txBody>
+          <a:bodyPr vert="horz" wrap="square" lIns="0" tIns="0" rIns="0" bIns="0" rtlCol="0">
+            <a:noAutofit/>
+          </a:bodyPr>
+          <a:lstStyle>
+            <a:lvl1pPr algn="l" defTabSz="1217613" rtl="0" eaLnBrk="1" fontAlgn="base" hangingPunct="1">
+              <a:spcBef>
+                <a:spcPts val="800"/>
+              </a:spcBef>
+              <a:spcAft>
+                <a:spcPts val="800"/>
+              </a:spcAft>
+              <a:buSzPct val="90000"/>
+              <a:buFont typeface="Arial" charset="0"/>
+              <a:defRPr sz="3200" kern="1200" baseline="0">
+                <a:solidFill>
+                  <a:schemeClr val="accent3">
+                    <a:lumMod val="50000"/>
+                  </a:schemeClr>
+                </a:solidFill>
+                <a:latin typeface="+mn-lt"/>
+                <a:ea typeface="ＭＳ Ｐゴシック" charset="0"/>
+                <a:cs typeface="ＭＳ Ｐゴシック" charset="0"/>
+              </a:defRPr>
+            </a:lvl1pPr>
+            <a:lvl2pPr marL="307975" algn="l" defTabSz="1217613" rtl="0" eaLnBrk="1" fontAlgn="base" hangingPunct="1">
+              <a:spcBef>
+                <a:spcPts val="800"/>
+              </a:spcBef>
+              <a:spcAft>
+                <a:spcPts val="800"/>
+              </a:spcAft>
+              <a:buSzPct val="90000"/>
+              <a:buFont typeface="Arial" charset="0"/>
+              <a:defRPr sz="2800" kern="1200" baseline="0">
+                <a:solidFill>
+                  <a:schemeClr val="accent3">
+                    <a:lumMod val="50000"/>
+                  </a:schemeClr>
+                </a:solidFill>
+                <a:latin typeface="+mn-lt"/>
+                <a:ea typeface="ＭＳ Ｐゴシック" charset="0"/>
+                <a:cs typeface="+mn-cs"/>
+              </a:defRPr>
+            </a:lvl2pPr>
+            <a:lvl3pPr marL="608013" algn="l" defTabSz="1217613" rtl="0" eaLnBrk="1" fontAlgn="base" hangingPunct="1">
+              <a:spcBef>
+                <a:spcPts val="800"/>
+              </a:spcBef>
+              <a:spcAft>
+                <a:spcPts val="800"/>
+              </a:spcAft>
+              <a:buSzPct val="90000"/>
+              <a:buFont typeface="Arial" charset="0"/>
+              <a:defRPr sz="2400" kern="1200" baseline="0">
+                <a:solidFill>
+                  <a:schemeClr val="accent3">
+                    <a:lumMod val="50000"/>
+                  </a:schemeClr>
+                </a:solidFill>
+                <a:latin typeface="+mn-lt"/>
+                <a:ea typeface="ＭＳ Ｐゴシック" charset="0"/>
+                <a:cs typeface="+mn-cs"/>
+              </a:defRPr>
+            </a:lvl3pPr>
+            <a:lvl4pPr marL="839788" algn="l" defTabSz="1217613" rtl="0" eaLnBrk="1" fontAlgn="base" hangingPunct="1">
+              <a:spcBef>
+                <a:spcPts val="800"/>
+              </a:spcBef>
+              <a:spcAft>
+                <a:spcPts val="800"/>
+              </a:spcAft>
+              <a:buSzPct val="90000"/>
+              <a:buFont typeface="Arial" charset="0"/>
+              <a:defRPr sz="2400" kern="1200" baseline="0">
+                <a:solidFill>
+                  <a:schemeClr val="accent3">
+                    <a:lumMod val="50000"/>
+                  </a:schemeClr>
+                </a:solidFill>
+                <a:latin typeface="+mn-lt"/>
+                <a:ea typeface="ＭＳ Ｐゴシック" charset="0"/>
+                <a:cs typeface="+mn-cs"/>
+              </a:defRPr>
+            </a:lvl4pPr>
+            <a:lvl5pPr marL="1068388" algn="l" defTabSz="1217613" rtl="0" eaLnBrk="1" fontAlgn="base" hangingPunct="1">
+              <a:spcBef>
+                <a:spcPts val="800"/>
+              </a:spcBef>
+              <a:spcAft>
+                <a:spcPts val="800"/>
+              </a:spcAft>
+              <a:buSzPct val="90000"/>
+              <a:buFont typeface="Arial" charset="0"/>
+              <a:defRPr sz="2000" kern="1200" baseline="0">
+                <a:solidFill>
+                  <a:schemeClr val="accent3">
+                    <a:lumMod val="50000"/>
+                  </a:schemeClr>
+                </a:solidFill>
+                <a:latin typeface="+mn-lt"/>
+                <a:ea typeface="ＭＳ Ｐゴシック" charset="0"/>
+                <a:cs typeface="+mn-cs"/>
+              </a:defRPr>
+            </a:lvl5pPr>
+            <a:lvl6pPr marL="3352582" indent="-304780" algn="l" defTabSz="1219120" rtl="0" eaLnBrk="1" latinLnBrk="0" hangingPunct="1">
+              <a:spcBef>
+                <a:spcPct val="20000"/>
+              </a:spcBef>
+              <a:buFont typeface="Arial" pitchFamily="34" charset="0"/>
+              <a:buChar char="•"/>
+              <a:defRPr sz="2667" kern="1200">
+                <a:solidFill>
+                  <a:schemeClr val="tx1"/>
+                </a:solidFill>
+                <a:latin typeface="+mn-lt"/>
+                <a:ea typeface="+mn-ea"/>
+                <a:cs typeface="+mn-cs"/>
+              </a:defRPr>
+            </a:lvl6pPr>
+            <a:lvl7pPr marL="3962142" indent="-304780" algn="l" defTabSz="1219120" rtl="0" eaLnBrk="1" latinLnBrk="0" hangingPunct="1">
+              <a:spcBef>
+                <a:spcPct val="20000"/>
+              </a:spcBef>
+              <a:buFont typeface="Arial" pitchFamily="34" charset="0"/>
+              <a:buChar char="•"/>
+              <a:defRPr sz="2667" kern="1200">
+                <a:solidFill>
+                  <a:schemeClr val="tx1"/>
+                </a:solidFill>
+                <a:latin typeface="+mn-lt"/>
+                <a:ea typeface="+mn-ea"/>
+                <a:cs typeface="+mn-cs"/>
+              </a:defRPr>
+            </a:lvl7pPr>
+            <a:lvl8pPr marL="4571703" indent="-304780" algn="l" defTabSz="1219120" rtl="0" eaLnBrk="1" latinLnBrk="0" hangingPunct="1">
+              <a:spcBef>
+                <a:spcPct val="20000"/>
+              </a:spcBef>
+              <a:buFont typeface="Arial" pitchFamily="34" charset="0"/>
+              <a:buChar char="•"/>
+              <a:defRPr sz="2667" kern="1200">
+                <a:solidFill>
+                  <a:schemeClr val="tx1"/>
+                </a:solidFill>
+                <a:latin typeface="+mn-lt"/>
+                <a:ea typeface="+mn-ea"/>
+                <a:cs typeface="+mn-cs"/>
+              </a:defRPr>
+            </a:lvl8pPr>
+            <a:lvl9pPr marL="5181264" indent="-304780" algn="l" defTabSz="1219120" rtl="0" eaLnBrk="1" latinLnBrk="0" hangingPunct="1">
+              <a:spcBef>
+                <a:spcPct val="20000"/>
+              </a:spcBef>
+              <a:buFont typeface="Arial" pitchFamily="34" charset="0"/>
+              <a:buChar char="•"/>
+              <a:defRPr sz="2667" kern="1200">
+                <a:solidFill>
+                  <a:schemeClr val="tx1"/>
+                </a:solidFill>
+                <a:latin typeface="+mn-lt"/>
+                <a:ea typeface="+mn-ea"/>
+                <a:cs typeface="+mn-cs"/>
+              </a:defRPr>
+            </a:lvl9pPr>
+          </a:lstStyle>
+          <a:p>
+            <a:r>
+              <a:rPr lang="en-US" dirty="0">
+                <a:hlinkClick r:id="rId3"/>
+              </a:rPr>
+              <a:t>https://</a:t>
+            </a:r>
+            <a:r>
+              <a:rPr lang="en-US" dirty="0" smtClean="0">
+                <a:hlinkClick r:id="rId3"/>
+              </a:rPr>
+              <a:t>github.com/chef/inspec/blob/master/lib/resources/security_policy.rb</a:t>
+            </a:r>
+            <a:endParaRPr lang="en-US" dirty="0" smtClean="0"/>
+          </a:p>
+          <a:p>
+            <a:endParaRPr lang="en-US" dirty="0" smtClean="0"/>
+          </a:p>
+          <a:p>
+            <a:r>
+              <a:rPr lang="en-US" dirty="0" smtClean="0"/>
+              <a:t>  </a:t>
+            </a:r>
+            <a:endParaRPr lang="en-US" dirty="0"/>
+          </a:p>
+        </p:txBody>
+      </p:sp>
+    </p:spTree>
+    <p:extLst>
+      <p:ext uri="{BB962C8B-B14F-4D97-AF65-F5344CB8AC3E}">
+        <p14:creationId xmlns:p14="http://schemas.microsoft.com/office/powerpoint/2010/main" val="1296793942"/>
+      </p:ext>
+    </p:extLst>
+  </p:cSld>
+  <p:clrMapOvr>
+    <a:masterClrMapping/>
+  </p:clrMapOvr>
+  <p:transition spd="med">
+    <p:fade/>
+  </p:transition>
+  <p:timing>
+    <p:tnLst>
+      <p:par>
+        <p:cTn id="1" dur="indefinite" restart="never" nodeType="tmRoot"/>
+      </p:par>
+    </p:tnLst>
+  </p:timing>
+</p:sld>
+</file>
+
 <file path=ppt/slides/slide24.xml><?xml version="1.0" encoding="utf-8"?>
 <p:sld xmlns:a="http://schemas.openxmlformats.org/drawingml/2006/main" xmlns:r="http://schemas.openxmlformats.org/officeDocument/2006/relationships" xmlns:p="http://schemas.openxmlformats.org/presentationml/2006/main">
   <p:cSld>
@@ -20019,16 +20344,84 @@
           <a:lstStyle/>
           <a:p>
             <a:r>
-              <a:rPr lang="en-US" sz="3600" dirty="0" smtClean="0"/>
-              <a:t>GL: Writing an InSpec Test for a Windows CIS Benchmark (3 of 3) </a:t>
-            </a:r>
-            <a:endParaRPr lang="en-US" sz="3600" dirty="0"/>
-          </a:p>
-        </p:txBody>
-      </p:sp>
-      <p:sp>
-        <p:nvSpPr>
-          <p:cNvPr id="6" name="Text Placeholder 2"/>
+              <a:rPr lang="en-US" dirty="0" smtClean="0"/>
+              <a:t>GL: CIS Benchmarks for Windows</a:t>
+            </a:r>
+            <a:endParaRPr lang="en-US" dirty="0">
+              <a:solidFill>
+                <a:srgbClr val="FF0000"/>
+              </a:solidFill>
+            </a:endParaRPr>
+          </a:p>
+        </p:txBody>
+      </p:sp>
+      <p:sp>
+        <p:nvSpPr>
+          <p:cNvPr id="3" name="Text Placeholder 2"/>
+          <p:cNvSpPr>
+            <a:spLocks noGrp="1"/>
+          </p:cNvSpPr>
+          <p:nvPr>
+            <p:ph type="body" sz="quarter" idx="12"/>
+          </p:nvPr>
+        </p:nvSpPr>
+        <p:spPr>
+          <a:xfrm>
+            <a:off x="650040" y="1856198"/>
+            <a:ext cx="6567883" cy="5345953"/>
+          </a:xfrm>
+        </p:spPr>
+        <p:txBody>
+          <a:bodyPr/>
+          <a:lstStyle/>
+          <a:p>
+            <a:r>
+              <a:rPr lang="en-US" dirty="0" smtClean="0"/>
+              <a:t>After writing such a Compliance policy, in a production environment you would use </a:t>
+            </a:r>
+            <a:r>
+              <a:rPr lang="en-US" dirty="0"/>
+              <a:t>'</a:t>
+            </a:r>
+            <a:r>
+              <a:rPr lang="en-US" dirty="0" err="1"/>
+              <a:t>inspec</a:t>
+            </a:r>
+            <a:r>
+              <a:rPr lang="en-US" dirty="0"/>
+              <a:t> exec' to test the control</a:t>
+            </a:r>
+            <a:r>
+              <a:rPr lang="en-US" dirty="0" smtClean="0"/>
+              <a:t>.</a:t>
+            </a:r>
+          </a:p>
+          <a:p>
+            <a:r>
+              <a:rPr lang="en-US" dirty="0" smtClean="0"/>
+              <a:t>Then you could package the profile </a:t>
+            </a:r>
+            <a:r>
+              <a:rPr lang="en-US" dirty="0"/>
+              <a:t>and upload </a:t>
+            </a:r>
+            <a:r>
+              <a:rPr lang="en-US" dirty="0" smtClean="0"/>
+              <a:t>it to </a:t>
+            </a:r>
+            <a:r>
+              <a:rPr lang="en-US" dirty="0"/>
+              <a:t>your Compliance server.</a:t>
+            </a:r>
+          </a:p>
+          <a:p>
+            <a:endParaRPr lang="en-US" dirty="0"/>
+          </a:p>
+        </p:txBody>
+      </p:sp>
+      <p:sp>
+        <p:nvSpPr>
+          <p:cNvPr id="8" name="Text Placeholder 2"/>
           <p:cNvSpPr txBox="1">
             <a:spLocks/>
           </p:cNvSpPr>
@@ -20342,502 +20735,10 @@
           </a:p>
         </p:txBody>
       </p:sp>
-      <p:sp>
-        <p:nvSpPr>
-          <p:cNvPr id="9" name="Text Placeholder 2"/>
-          <p:cNvSpPr>
-            <a:spLocks noGrp="1"/>
-          </p:cNvSpPr>
-          <p:nvPr>
-            <p:ph type="body" sz="quarter" idx="12"/>
-          </p:nvPr>
-        </p:nvSpPr>
-        <p:spPr>
-          <a:xfrm>
-            <a:off x="650040" y="1133476"/>
-            <a:ext cx="7780282" cy="6068676"/>
-          </a:xfrm>
-        </p:spPr>
-        <p:txBody>
-          <a:bodyPr/>
-          <a:lstStyle/>
-          <a:p>
-            <a:r>
-              <a:rPr lang="en-US" dirty="0"/>
-              <a:t> </a:t>
-            </a:r>
-            <a:r>
-              <a:rPr lang="en-US" dirty="0" smtClean="0"/>
-              <a:t>This </a:t>
-            </a:r>
-            <a:r>
-              <a:rPr lang="en-US" dirty="0" err="1" smtClean="0"/>
-              <a:t>inspec</a:t>
-            </a:r>
-            <a:r>
-              <a:rPr lang="en-US" dirty="0" smtClean="0"/>
-              <a:t> code below shows how </a:t>
-            </a:r>
-            <a:r>
-              <a:rPr lang="en-US" dirty="0" err="1" smtClean="0"/>
-              <a:t>inspec</a:t>
-            </a:r>
-            <a:r>
-              <a:rPr lang="en-US" dirty="0" smtClean="0"/>
-              <a:t> can scan for security policy compliance by parsing </a:t>
-            </a:r>
-            <a:r>
-              <a:rPr lang="en-US" b="1" dirty="0" err="1">
-                <a:latin typeface="Courier New" panose="02070309020205020404" pitchFamily="49" charset="0"/>
-                <a:cs typeface="Courier New" panose="02070309020205020404" pitchFamily="49" charset="0"/>
-              </a:rPr>
-              <a:t>secedit</a:t>
-            </a:r>
-            <a:r>
-              <a:rPr lang="en-US" b="1" dirty="0">
-                <a:latin typeface="Courier New" panose="02070309020205020404" pitchFamily="49" charset="0"/>
-                <a:cs typeface="Courier New" panose="02070309020205020404" pitchFamily="49" charset="0"/>
-              </a:rPr>
-              <a:t> /export /</a:t>
-            </a:r>
-            <a:r>
-              <a:rPr lang="en-US" b="1" dirty="0" err="1">
-                <a:latin typeface="Courier New" panose="02070309020205020404" pitchFamily="49" charset="0"/>
-                <a:cs typeface="Courier New" panose="02070309020205020404" pitchFamily="49" charset="0"/>
-              </a:rPr>
-              <a:t>cfg</a:t>
-            </a:r>
-            <a:r>
-              <a:rPr lang="en-US" b="1" dirty="0">
-                <a:latin typeface="Courier New" panose="02070309020205020404" pitchFamily="49" charset="0"/>
-                <a:cs typeface="Courier New" panose="02070309020205020404" pitchFamily="49" charset="0"/>
-              </a:rPr>
-              <a:t> </a:t>
-            </a:r>
-            <a:r>
-              <a:rPr lang="en-US" b="1" dirty="0" err="1" smtClean="0">
-                <a:latin typeface="Courier New" panose="02070309020205020404" pitchFamily="49" charset="0"/>
-                <a:cs typeface="Courier New" panose="02070309020205020404" pitchFamily="49" charset="0"/>
-              </a:rPr>
-              <a:t>win_secpol.cfg</a:t>
-            </a:r>
-            <a:r>
-              <a:rPr lang="en-US" dirty="0" smtClean="0"/>
-              <a:t>.</a:t>
-            </a:r>
-          </a:p>
-          <a:p>
-            <a:endParaRPr lang="en-US" dirty="0" smtClean="0"/>
-          </a:p>
-          <a:p>
-            <a:r>
-              <a:rPr lang="en-US" sz="2800" b="1" dirty="0" smtClean="0">
-                <a:latin typeface="Courier New" panose="02070309020205020404" pitchFamily="49" charset="0"/>
-                <a:cs typeface="Courier New" panose="02070309020205020404" pitchFamily="49" charset="0"/>
-              </a:rPr>
-              <a:t># </a:t>
-            </a:r>
-            <a:r>
-              <a:rPr lang="en-US" sz="2800" b="1" dirty="0">
-                <a:latin typeface="Courier New" panose="02070309020205020404" pitchFamily="49" charset="0"/>
-                <a:cs typeface="Courier New" panose="02070309020205020404" pitchFamily="49" charset="0"/>
-              </a:rPr>
-              <a:t>load security content</a:t>
-            </a:r>
-          </a:p>
-          <a:p>
-            <a:r>
-              <a:rPr lang="en-US" sz="2800" b="1" dirty="0">
-                <a:latin typeface="Courier New" panose="02070309020205020404" pitchFamily="49" charset="0"/>
-                <a:cs typeface="Courier New" panose="02070309020205020404" pitchFamily="49" charset="0"/>
-              </a:rPr>
-              <a:t>  </a:t>
-            </a:r>
-            <a:r>
-              <a:rPr lang="en-US" sz="2800" b="1" dirty="0" err="1">
-                <a:latin typeface="Courier New" panose="02070309020205020404" pitchFamily="49" charset="0"/>
-                <a:cs typeface="Courier New" panose="02070309020205020404" pitchFamily="49" charset="0"/>
-              </a:rPr>
-              <a:t>def</a:t>
-            </a:r>
-            <a:r>
-              <a:rPr lang="en-US" sz="2800" b="1" dirty="0">
-                <a:latin typeface="Courier New" panose="02070309020205020404" pitchFamily="49" charset="0"/>
-                <a:cs typeface="Courier New" panose="02070309020205020404" pitchFamily="49" charset="0"/>
-              </a:rPr>
-              <a:t> load</a:t>
-            </a:r>
-          </a:p>
-          <a:p>
-            <a:r>
-              <a:rPr lang="en-US" sz="2800" b="1" dirty="0">
-                <a:latin typeface="Courier New" panose="02070309020205020404" pitchFamily="49" charset="0"/>
-                <a:cs typeface="Courier New" panose="02070309020205020404" pitchFamily="49" charset="0"/>
-              </a:rPr>
-              <a:t>    # export the security policy</a:t>
-            </a:r>
-          </a:p>
-          <a:p>
-            <a:r>
-              <a:rPr lang="en-US" sz="2800" b="1" dirty="0">
-                <a:latin typeface="Courier New" panose="02070309020205020404" pitchFamily="49" charset="0"/>
-                <a:cs typeface="Courier New" panose="02070309020205020404" pitchFamily="49" charset="0"/>
-              </a:rPr>
-              <a:t>    </a:t>
-            </a:r>
-            <a:r>
-              <a:rPr lang="en-US" sz="2800" b="1" dirty="0" err="1">
-                <a:solidFill>
-                  <a:schemeClr val="accent1"/>
-                </a:solidFill>
-                <a:latin typeface="Courier New" panose="02070309020205020404" pitchFamily="49" charset="0"/>
-                <a:cs typeface="Courier New" panose="02070309020205020404" pitchFamily="49" charset="0"/>
-              </a:rPr>
-              <a:t>cmd</a:t>
-            </a:r>
-            <a:r>
-              <a:rPr lang="en-US" sz="2800" b="1" dirty="0">
-                <a:solidFill>
-                  <a:schemeClr val="accent1"/>
-                </a:solidFill>
-                <a:latin typeface="Courier New" panose="02070309020205020404" pitchFamily="49" charset="0"/>
-                <a:cs typeface="Courier New" panose="02070309020205020404" pitchFamily="49" charset="0"/>
-              </a:rPr>
-              <a:t> = </a:t>
-            </a:r>
-            <a:r>
-              <a:rPr lang="en-US" sz="2800" b="1" dirty="0" err="1">
-                <a:solidFill>
-                  <a:schemeClr val="accent1"/>
-                </a:solidFill>
-                <a:latin typeface="Courier New" panose="02070309020205020404" pitchFamily="49" charset="0"/>
-                <a:cs typeface="Courier New" panose="02070309020205020404" pitchFamily="49" charset="0"/>
-              </a:rPr>
-              <a:t>inspec.command</a:t>
-            </a:r>
-            <a:r>
-              <a:rPr lang="en-US" sz="2800" b="1" dirty="0">
-                <a:solidFill>
-                  <a:schemeClr val="accent1"/>
-                </a:solidFill>
-                <a:latin typeface="Courier New" panose="02070309020205020404" pitchFamily="49" charset="0"/>
-                <a:cs typeface="Courier New" panose="02070309020205020404" pitchFamily="49" charset="0"/>
-              </a:rPr>
-              <a:t>('</a:t>
-            </a:r>
-            <a:r>
-              <a:rPr lang="en-US" sz="2800" b="1" dirty="0" err="1">
-                <a:solidFill>
-                  <a:schemeClr val="accent1"/>
-                </a:solidFill>
-                <a:latin typeface="Courier New" panose="02070309020205020404" pitchFamily="49" charset="0"/>
-                <a:cs typeface="Courier New" panose="02070309020205020404" pitchFamily="49" charset="0"/>
-              </a:rPr>
-              <a:t>secedit</a:t>
-            </a:r>
-            <a:r>
-              <a:rPr lang="en-US" sz="2800" b="1" dirty="0">
-                <a:solidFill>
-                  <a:schemeClr val="accent1"/>
-                </a:solidFill>
-                <a:latin typeface="Courier New" panose="02070309020205020404" pitchFamily="49" charset="0"/>
-                <a:cs typeface="Courier New" panose="02070309020205020404" pitchFamily="49" charset="0"/>
-              </a:rPr>
-              <a:t> /export /</a:t>
-            </a:r>
-            <a:r>
-              <a:rPr lang="en-US" sz="2800" b="1" dirty="0" err="1">
-                <a:solidFill>
-                  <a:schemeClr val="accent1"/>
-                </a:solidFill>
-                <a:latin typeface="Courier New" panose="02070309020205020404" pitchFamily="49" charset="0"/>
-                <a:cs typeface="Courier New" panose="02070309020205020404" pitchFamily="49" charset="0"/>
-              </a:rPr>
-              <a:t>cfg</a:t>
-            </a:r>
-            <a:r>
-              <a:rPr lang="en-US" sz="2800" b="1" dirty="0">
-                <a:solidFill>
-                  <a:schemeClr val="accent1"/>
-                </a:solidFill>
-                <a:latin typeface="Courier New" panose="02070309020205020404" pitchFamily="49" charset="0"/>
-                <a:cs typeface="Courier New" panose="02070309020205020404" pitchFamily="49" charset="0"/>
-              </a:rPr>
-              <a:t> </a:t>
-            </a:r>
-            <a:r>
-              <a:rPr lang="en-US" sz="2800" b="1" dirty="0" err="1">
-                <a:solidFill>
-                  <a:schemeClr val="accent1"/>
-                </a:solidFill>
-                <a:latin typeface="Courier New" panose="02070309020205020404" pitchFamily="49" charset="0"/>
-                <a:cs typeface="Courier New" panose="02070309020205020404" pitchFamily="49" charset="0"/>
-              </a:rPr>
-              <a:t>win_secpol.cfg</a:t>
-            </a:r>
-            <a:r>
-              <a:rPr lang="en-US" sz="2800" b="1" dirty="0">
-                <a:solidFill>
-                  <a:schemeClr val="accent1"/>
-                </a:solidFill>
-                <a:latin typeface="Courier New" panose="02070309020205020404" pitchFamily="49" charset="0"/>
-                <a:cs typeface="Courier New" panose="02070309020205020404" pitchFamily="49" charset="0"/>
-              </a:rPr>
-              <a:t>')</a:t>
-            </a:r>
-          </a:p>
-          <a:p>
-            <a:r>
-              <a:rPr lang="en-US" sz="2800" b="1" dirty="0">
-                <a:latin typeface="Courier New" panose="02070309020205020404" pitchFamily="49" charset="0"/>
-                <a:cs typeface="Courier New" panose="02070309020205020404" pitchFamily="49" charset="0"/>
-              </a:rPr>
-              <a:t>    return nil if </a:t>
-            </a:r>
-            <a:r>
-              <a:rPr lang="en-US" sz="2800" b="1" dirty="0" err="1">
-                <a:latin typeface="Courier New" panose="02070309020205020404" pitchFamily="49" charset="0"/>
-                <a:cs typeface="Courier New" panose="02070309020205020404" pitchFamily="49" charset="0"/>
-              </a:rPr>
-              <a:t>cmd.exit_status.to_i</a:t>
-            </a:r>
-            <a:r>
-              <a:rPr lang="en-US" sz="2800" b="1" dirty="0">
-                <a:latin typeface="Courier New" panose="02070309020205020404" pitchFamily="49" charset="0"/>
-                <a:cs typeface="Courier New" panose="02070309020205020404" pitchFamily="49" charset="0"/>
-              </a:rPr>
-              <a:t> != </a:t>
-            </a:r>
-            <a:r>
-              <a:rPr lang="en-US" sz="2800" b="1" dirty="0" smtClean="0">
-                <a:latin typeface="Courier New" panose="02070309020205020404" pitchFamily="49" charset="0"/>
-                <a:cs typeface="Courier New" panose="02070309020205020404" pitchFamily="49" charset="0"/>
-              </a:rPr>
-              <a:t>0</a:t>
-            </a:r>
-          </a:p>
-          <a:p>
-            <a:endParaRPr lang="en-US" dirty="0"/>
-          </a:p>
-          <a:p>
-            <a:endParaRPr lang="en-US" dirty="0"/>
-          </a:p>
-        </p:txBody>
-      </p:sp>
-      <p:sp>
-        <p:nvSpPr>
-          <p:cNvPr id="10" name="Text Placeholder 2"/>
-          <p:cNvSpPr txBox="1">
-            <a:spLocks/>
-          </p:cNvSpPr>
-          <p:nvPr/>
-        </p:nvSpPr>
-        <p:spPr bwMode="white">
-          <a:xfrm>
-            <a:off x="8470762" y="6826137"/>
-            <a:ext cx="6961907" cy="1257879"/>
-          </a:xfrm>
-          <a:prstGeom prst="rect">
-            <a:avLst/>
-          </a:prstGeom>
-        </p:spPr>
-        <p:txBody>
-          <a:bodyPr vert="horz" wrap="square" lIns="0" tIns="0" rIns="0" bIns="0" rtlCol="0">
-            <a:noAutofit/>
-          </a:bodyPr>
-          <a:lstStyle>
-            <a:lvl1pPr algn="l" defTabSz="1217613" rtl="0" eaLnBrk="1" fontAlgn="base" hangingPunct="1">
-              <a:spcBef>
-                <a:spcPts val="800"/>
-              </a:spcBef>
-              <a:spcAft>
-                <a:spcPts val="800"/>
-              </a:spcAft>
-              <a:buSzPct val="90000"/>
-              <a:buFont typeface="Arial" charset="0"/>
-              <a:defRPr sz="3200" kern="1200" baseline="0">
-                <a:solidFill>
-                  <a:schemeClr val="accent3">
-                    <a:lumMod val="50000"/>
-                  </a:schemeClr>
-                </a:solidFill>
-                <a:latin typeface="+mn-lt"/>
-                <a:ea typeface="ＭＳ Ｐゴシック" charset="0"/>
-                <a:cs typeface="ＭＳ Ｐゴシック" charset="0"/>
-              </a:defRPr>
-            </a:lvl1pPr>
-            <a:lvl2pPr marL="307975" algn="l" defTabSz="1217613" rtl="0" eaLnBrk="1" fontAlgn="base" hangingPunct="1">
-              <a:spcBef>
-                <a:spcPts val="800"/>
-              </a:spcBef>
-              <a:spcAft>
-                <a:spcPts val="800"/>
-              </a:spcAft>
-              <a:buSzPct val="90000"/>
-              <a:buFont typeface="Arial" charset="0"/>
-              <a:defRPr sz="2800" kern="1200" baseline="0">
-                <a:solidFill>
-                  <a:schemeClr val="accent3">
-                    <a:lumMod val="50000"/>
-                  </a:schemeClr>
-                </a:solidFill>
-                <a:latin typeface="+mn-lt"/>
-                <a:ea typeface="ＭＳ Ｐゴシック" charset="0"/>
-                <a:cs typeface="+mn-cs"/>
-              </a:defRPr>
-            </a:lvl2pPr>
-            <a:lvl3pPr marL="608013" algn="l" defTabSz="1217613" rtl="0" eaLnBrk="1" fontAlgn="base" hangingPunct="1">
-              <a:spcBef>
-                <a:spcPts val="800"/>
-              </a:spcBef>
-              <a:spcAft>
-                <a:spcPts val="800"/>
-              </a:spcAft>
-              <a:buSzPct val="90000"/>
-              <a:buFont typeface="Arial" charset="0"/>
-              <a:defRPr sz="2400" kern="1200" baseline="0">
-                <a:solidFill>
-                  <a:schemeClr val="accent3">
-                    <a:lumMod val="50000"/>
-                  </a:schemeClr>
-                </a:solidFill>
-                <a:latin typeface="+mn-lt"/>
-                <a:ea typeface="ＭＳ Ｐゴシック" charset="0"/>
-                <a:cs typeface="+mn-cs"/>
-              </a:defRPr>
-            </a:lvl3pPr>
-            <a:lvl4pPr marL="839788" algn="l" defTabSz="1217613" rtl="0" eaLnBrk="1" fontAlgn="base" hangingPunct="1">
-              <a:spcBef>
-                <a:spcPts val="800"/>
-              </a:spcBef>
-              <a:spcAft>
-                <a:spcPts val="800"/>
-              </a:spcAft>
-              <a:buSzPct val="90000"/>
-              <a:buFont typeface="Arial" charset="0"/>
-              <a:defRPr sz="2400" kern="1200" baseline="0">
-                <a:solidFill>
-                  <a:schemeClr val="accent3">
-                    <a:lumMod val="50000"/>
-                  </a:schemeClr>
-                </a:solidFill>
-                <a:latin typeface="+mn-lt"/>
-                <a:ea typeface="ＭＳ Ｐゴシック" charset="0"/>
-                <a:cs typeface="+mn-cs"/>
-              </a:defRPr>
-            </a:lvl4pPr>
-            <a:lvl5pPr marL="1068388" algn="l" defTabSz="1217613" rtl="0" eaLnBrk="1" fontAlgn="base" hangingPunct="1">
-              <a:spcBef>
-                <a:spcPts val="800"/>
-              </a:spcBef>
-              <a:spcAft>
-                <a:spcPts val="800"/>
-              </a:spcAft>
-              <a:buSzPct val="90000"/>
-              <a:buFont typeface="Arial" charset="0"/>
-              <a:defRPr sz="2000" kern="1200" baseline="0">
-                <a:solidFill>
-                  <a:schemeClr val="accent3">
-                    <a:lumMod val="50000"/>
-                  </a:schemeClr>
-                </a:solidFill>
-                <a:latin typeface="+mn-lt"/>
-                <a:ea typeface="ＭＳ Ｐゴシック" charset="0"/>
-                <a:cs typeface="+mn-cs"/>
-              </a:defRPr>
-            </a:lvl5pPr>
-            <a:lvl6pPr marL="3352582" indent="-304780" algn="l" defTabSz="1219120" rtl="0" eaLnBrk="1" latinLnBrk="0" hangingPunct="1">
-              <a:spcBef>
-                <a:spcPct val="20000"/>
-              </a:spcBef>
-              <a:buFont typeface="Arial" pitchFamily="34" charset="0"/>
-              <a:buChar char="•"/>
-              <a:defRPr sz="2667" kern="1200">
-                <a:solidFill>
-                  <a:schemeClr val="tx1"/>
-                </a:solidFill>
-                <a:latin typeface="+mn-lt"/>
-                <a:ea typeface="+mn-ea"/>
-                <a:cs typeface="+mn-cs"/>
-              </a:defRPr>
-            </a:lvl6pPr>
-            <a:lvl7pPr marL="3962142" indent="-304780" algn="l" defTabSz="1219120" rtl="0" eaLnBrk="1" latinLnBrk="0" hangingPunct="1">
-              <a:spcBef>
-                <a:spcPct val="20000"/>
-              </a:spcBef>
-              <a:buFont typeface="Arial" pitchFamily="34" charset="0"/>
-              <a:buChar char="•"/>
-              <a:defRPr sz="2667" kern="1200">
-                <a:solidFill>
-                  <a:schemeClr val="tx1"/>
-                </a:solidFill>
-                <a:latin typeface="+mn-lt"/>
-                <a:ea typeface="+mn-ea"/>
-                <a:cs typeface="+mn-cs"/>
-              </a:defRPr>
-            </a:lvl7pPr>
-            <a:lvl8pPr marL="4571703" indent="-304780" algn="l" defTabSz="1219120" rtl="0" eaLnBrk="1" latinLnBrk="0" hangingPunct="1">
-              <a:spcBef>
-                <a:spcPct val="20000"/>
-              </a:spcBef>
-              <a:buFont typeface="Arial" pitchFamily="34" charset="0"/>
-              <a:buChar char="•"/>
-              <a:defRPr sz="2667" kern="1200">
-                <a:solidFill>
-                  <a:schemeClr val="tx1"/>
-                </a:solidFill>
-                <a:latin typeface="+mn-lt"/>
-                <a:ea typeface="+mn-ea"/>
-                <a:cs typeface="+mn-cs"/>
-              </a:defRPr>
-            </a:lvl8pPr>
-            <a:lvl9pPr marL="5181264" indent="-304780" algn="l" defTabSz="1219120" rtl="0" eaLnBrk="1" latinLnBrk="0" hangingPunct="1">
-              <a:spcBef>
-                <a:spcPct val="20000"/>
-              </a:spcBef>
-              <a:buFont typeface="Arial" pitchFamily="34" charset="0"/>
-              <a:buChar char="•"/>
-              <a:defRPr sz="2667" kern="1200">
-                <a:solidFill>
-                  <a:schemeClr val="tx1"/>
-                </a:solidFill>
-                <a:latin typeface="+mn-lt"/>
-                <a:ea typeface="+mn-ea"/>
-                <a:cs typeface="+mn-cs"/>
-              </a:defRPr>
-            </a:lvl9pPr>
-          </a:lstStyle>
-          <a:p>
-            <a:r>
-              <a:rPr lang="en-US" dirty="0">
-                <a:hlinkClick r:id="rId3"/>
-              </a:rPr>
-              <a:t>https://</a:t>
-            </a:r>
-            <a:r>
-              <a:rPr lang="en-US" dirty="0" smtClean="0">
-                <a:hlinkClick r:id="rId3"/>
-              </a:rPr>
-              <a:t>github.com/chef/inspec/blob/master/lib/resources/security_policy.rb</a:t>
-            </a:r>
-            <a:endParaRPr lang="en-US" dirty="0" smtClean="0"/>
-          </a:p>
-          <a:p>
-            <a:endParaRPr lang="en-US" dirty="0" smtClean="0"/>
-          </a:p>
-          <a:p>
-            <a:r>
-              <a:rPr lang="en-US" dirty="0" smtClean="0"/>
-              <a:t>  </a:t>
-            </a:r>
-            <a:endParaRPr lang="en-US" dirty="0"/>
-          </a:p>
-        </p:txBody>
-      </p:sp>
     </p:spTree>
     <p:extLst>
       <p:ext uri="{BB962C8B-B14F-4D97-AF65-F5344CB8AC3E}">
-        <p14:creationId xmlns:p14="http://schemas.microsoft.com/office/powerpoint/2010/main" val="1296793942"/>
+        <p14:creationId xmlns:p14="http://schemas.microsoft.com/office/powerpoint/2010/main" val="2016937290"/>
       </p:ext>
     </p:extLst>
   </p:cSld>
@@ -20881,42 +20782,38 @@
             <a:spLocks noGrp="1"/>
           </p:cNvSpPr>
           <p:nvPr>
-            <p:ph type="title"/>
+            <p:ph type="ctrTitle"/>
           </p:nvPr>
         </p:nvSpPr>
         <p:spPr/>
         <p:txBody>
           <a:bodyPr>
-            <a:normAutofit/>
+            <a:normAutofit fontScale="90000"/>
           </a:bodyPr>
           <a:lstStyle/>
           <a:p>
             <a:r>
               <a:rPr lang="en-US" dirty="0" smtClean="0"/>
-              <a:t>GL: CIS Benchmarks for Windows</a:t>
-            </a:r>
-            <a:endParaRPr lang="en-US" dirty="0">
-              <a:solidFill>
-                <a:srgbClr val="FF0000"/>
-              </a:solidFill>
-            </a:endParaRPr>
-          </a:p>
-        </p:txBody>
-      </p:sp>
-      <p:sp>
-        <p:nvSpPr>
-          <p:cNvPr id="3" name="Text Placeholder 2"/>
-          <p:cNvSpPr>
-            <a:spLocks noGrp="1"/>
-          </p:cNvSpPr>
-          <p:nvPr>
-            <p:ph type="body" sz="quarter" idx="12"/>
+              <a:t>DoD Compliance Frameworks</a:t>
+            </a:r>
+            <a:endParaRPr lang="en-US" dirty="0"/>
+          </a:p>
+        </p:txBody>
+      </p:sp>
+      <p:sp>
+        <p:nvSpPr>
+          <p:cNvPr id="3" name="Subtitle 2"/>
+          <p:cNvSpPr>
+            <a:spLocks noGrp="1"/>
+          </p:cNvSpPr>
+          <p:nvPr>
+            <p:ph type="subTitle" idx="1"/>
           </p:nvPr>
         </p:nvSpPr>
         <p:spPr>
           <a:xfrm>
-            <a:off x="650040" y="1856198"/>
-            <a:ext cx="6567883" cy="5345953"/>
+            <a:off x="1671638" y="3271838"/>
+            <a:ext cx="12319000" cy="4317682"/>
           </a:xfrm>
         </p:spPr>
         <p:txBody>
@@ -20925,368 +20822,36 @@
           <a:p>
             <a:r>
               <a:rPr lang="en-US" dirty="0" smtClean="0"/>
-              <a:t>After writing such a Compliance policy, in a production environment you would use </a:t>
+              <a:t>Department of Defense (DoD) STIGs</a:t>
+            </a:r>
+            <a:endParaRPr lang="en-US" dirty="0"/>
+          </a:p>
+          <a:p>
+            <a:endParaRPr lang="en-US" dirty="0" smtClean="0"/>
+          </a:p>
+          <a:p>
+            <a:r>
+              <a:rPr lang="en-US" dirty="0" smtClean="0"/>
+              <a:t>The </a:t>
             </a:r>
             <a:r>
               <a:rPr lang="en-US" dirty="0"/>
-              <a:t>'</a:t>
-            </a:r>
-            <a:r>
-              <a:rPr lang="en-US" dirty="0" err="1"/>
-              <a:t>inspec</a:t>
-            </a:r>
-            <a:r>
-              <a:rPr lang="en-US" dirty="0"/>
-              <a:t> exec' to test the control</a:t>
-            </a:r>
-            <a:r>
-              <a:rPr lang="en-US" dirty="0" smtClean="0"/>
-              <a:t>.</a:t>
-            </a:r>
-          </a:p>
-          <a:p>
-            <a:r>
-              <a:rPr lang="en-US" dirty="0" smtClean="0"/>
-              <a:t>Then you could package the profile </a:t>
-            </a:r>
-            <a:r>
-              <a:rPr lang="en-US" dirty="0"/>
-              <a:t>and upload </a:t>
-            </a:r>
-            <a:r>
-              <a:rPr lang="en-US" dirty="0" smtClean="0"/>
-              <a:t>it to </a:t>
-            </a:r>
-            <a:r>
-              <a:rPr lang="en-US" dirty="0"/>
-              <a:t>your Compliance server.</a:t>
-            </a:r>
+              <a:t>Security Technical Implementation Guides (STIGs) and the NSA Guides are the configuration standards for DOD IA and IA-enabled devices/systems. </a:t>
+            </a:r>
+            <a:endParaRPr lang="en-US" dirty="0" smtClean="0"/>
           </a:p>
           <a:p>
             <a:endParaRPr lang="en-US" dirty="0"/>
           </a:p>
-        </p:txBody>
-      </p:sp>
-      <p:sp>
-        <p:nvSpPr>
-          <p:cNvPr id="8" name="Text Placeholder 2"/>
-          <p:cNvSpPr txBox="1">
-            <a:spLocks/>
-          </p:cNvSpPr>
-          <p:nvPr/>
-        </p:nvSpPr>
-        <p:spPr bwMode="white">
-          <a:xfrm>
-            <a:off x="9010184" y="1551997"/>
-            <a:ext cx="7007299" cy="4855618"/>
-          </a:xfrm>
-          <a:prstGeom prst="rect">
-            <a:avLst/>
-          </a:prstGeom>
-          <a:ln>
-            <a:solidFill>
-              <a:schemeClr val="accent1"/>
-            </a:solidFill>
-          </a:ln>
-        </p:spPr>
-        <p:txBody>
-          <a:bodyPr vert="horz" wrap="square" lIns="0" tIns="0" rIns="0" bIns="0" rtlCol="0">
-            <a:noAutofit/>
-          </a:bodyPr>
-          <a:lstStyle>
-            <a:lvl1pPr algn="l" defTabSz="1217613" rtl="0" eaLnBrk="1" fontAlgn="base" hangingPunct="1">
-              <a:spcBef>
-                <a:spcPts val="800"/>
-              </a:spcBef>
-              <a:spcAft>
-                <a:spcPts val="800"/>
-              </a:spcAft>
-              <a:buSzPct val="90000"/>
-              <a:buFont typeface="Arial" charset="0"/>
-              <a:defRPr sz="3200" kern="1200" baseline="0">
-                <a:solidFill>
-                  <a:schemeClr val="accent3">
-                    <a:lumMod val="50000"/>
-                  </a:schemeClr>
-                </a:solidFill>
-                <a:latin typeface="+mn-lt"/>
-                <a:ea typeface="ＭＳ Ｐゴシック" charset="0"/>
-                <a:cs typeface="ＭＳ Ｐゴシック" charset="0"/>
-              </a:defRPr>
-            </a:lvl1pPr>
-            <a:lvl2pPr marL="307975" algn="l" defTabSz="1217613" rtl="0" eaLnBrk="1" fontAlgn="base" hangingPunct="1">
-              <a:spcBef>
-                <a:spcPts val="800"/>
-              </a:spcBef>
-              <a:spcAft>
-                <a:spcPts val="800"/>
-              </a:spcAft>
-              <a:buSzPct val="90000"/>
-              <a:buFont typeface="Arial" charset="0"/>
-              <a:defRPr sz="2800" kern="1200" baseline="0">
-                <a:solidFill>
-                  <a:schemeClr val="accent3">
-                    <a:lumMod val="50000"/>
-                  </a:schemeClr>
-                </a:solidFill>
-                <a:latin typeface="+mn-lt"/>
-                <a:ea typeface="ＭＳ Ｐゴシック" charset="0"/>
-                <a:cs typeface="+mn-cs"/>
-              </a:defRPr>
-            </a:lvl2pPr>
-            <a:lvl3pPr marL="608013" algn="l" defTabSz="1217613" rtl="0" eaLnBrk="1" fontAlgn="base" hangingPunct="1">
-              <a:spcBef>
-                <a:spcPts val="800"/>
-              </a:spcBef>
-              <a:spcAft>
-                <a:spcPts val="800"/>
-              </a:spcAft>
-              <a:buSzPct val="90000"/>
-              <a:buFont typeface="Arial" charset="0"/>
-              <a:defRPr sz="2400" kern="1200" baseline="0">
-                <a:solidFill>
-                  <a:schemeClr val="accent3">
-                    <a:lumMod val="50000"/>
-                  </a:schemeClr>
-                </a:solidFill>
-                <a:latin typeface="+mn-lt"/>
-                <a:ea typeface="ＭＳ Ｐゴシック" charset="0"/>
-                <a:cs typeface="+mn-cs"/>
-              </a:defRPr>
-            </a:lvl3pPr>
-            <a:lvl4pPr marL="839788" algn="l" defTabSz="1217613" rtl="0" eaLnBrk="1" fontAlgn="base" hangingPunct="1">
-              <a:spcBef>
-                <a:spcPts val="800"/>
-              </a:spcBef>
-              <a:spcAft>
-                <a:spcPts val="800"/>
-              </a:spcAft>
-              <a:buSzPct val="90000"/>
-              <a:buFont typeface="Arial" charset="0"/>
-              <a:defRPr sz="2400" kern="1200" baseline="0">
-                <a:solidFill>
-                  <a:schemeClr val="accent3">
-                    <a:lumMod val="50000"/>
-                  </a:schemeClr>
-                </a:solidFill>
-                <a:latin typeface="+mn-lt"/>
-                <a:ea typeface="ＭＳ Ｐゴシック" charset="0"/>
-                <a:cs typeface="+mn-cs"/>
-              </a:defRPr>
-            </a:lvl4pPr>
-            <a:lvl5pPr marL="1068388" algn="l" defTabSz="1217613" rtl="0" eaLnBrk="1" fontAlgn="base" hangingPunct="1">
-              <a:spcBef>
-                <a:spcPts val="800"/>
-              </a:spcBef>
-              <a:spcAft>
-                <a:spcPts val="800"/>
-              </a:spcAft>
-              <a:buSzPct val="90000"/>
-              <a:buFont typeface="Arial" charset="0"/>
-              <a:defRPr sz="2000" kern="1200" baseline="0">
-                <a:solidFill>
-                  <a:schemeClr val="accent3">
-                    <a:lumMod val="50000"/>
-                  </a:schemeClr>
-                </a:solidFill>
-                <a:latin typeface="+mn-lt"/>
-                <a:ea typeface="ＭＳ Ｐゴシック" charset="0"/>
-                <a:cs typeface="+mn-cs"/>
-              </a:defRPr>
-            </a:lvl5pPr>
-            <a:lvl6pPr marL="3352582" indent="-304780" algn="l" defTabSz="1219120" rtl="0" eaLnBrk="1" latinLnBrk="0" hangingPunct="1">
-              <a:spcBef>
-                <a:spcPct val="20000"/>
-              </a:spcBef>
-              <a:buFont typeface="Arial" pitchFamily="34" charset="0"/>
-              <a:buChar char="•"/>
-              <a:defRPr sz="2667" kern="1200">
-                <a:solidFill>
-                  <a:schemeClr val="tx1"/>
-                </a:solidFill>
-                <a:latin typeface="+mn-lt"/>
-                <a:ea typeface="+mn-ea"/>
-                <a:cs typeface="+mn-cs"/>
-              </a:defRPr>
-            </a:lvl6pPr>
-            <a:lvl7pPr marL="3962142" indent="-304780" algn="l" defTabSz="1219120" rtl="0" eaLnBrk="1" latinLnBrk="0" hangingPunct="1">
-              <a:spcBef>
-                <a:spcPct val="20000"/>
-              </a:spcBef>
-              <a:buFont typeface="Arial" pitchFamily="34" charset="0"/>
-              <a:buChar char="•"/>
-              <a:defRPr sz="2667" kern="1200">
-                <a:solidFill>
-                  <a:schemeClr val="tx1"/>
-                </a:solidFill>
-                <a:latin typeface="+mn-lt"/>
-                <a:ea typeface="+mn-ea"/>
-                <a:cs typeface="+mn-cs"/>
-              </a:defRPr>
-            </a:lvl7pPr>
-            <a:lvl8pPr marL="4571703" indent="-304780" algn="l" defTabSz="1219120" rtl="0" eaLnBrk="1" latinLnBrk="0" hangingPunct="1">
-              <a:spcBef>
-                <a:spcPct val="20000"/>
-              </a:spcBef>
-              <a:buFont typeface="Arial" pitchFamily="34" charset="0"/>
-              <a:buChar char="•"/>
-              <a:defRPr sz="2667" kern="1200">
-                <a:solidFill>
-                  <a:schemeClr val="tx1"/>
-                </a:solidFill>
-                <a:latin typeface="+mn-lt"/>
-                <a:ea typeface="+mn-ea"/>
-                <a:cs typeface="+mn-cs"/>
-              </a:defRPr>
-            </a:lvl8pPr>
-            <a:lvl9pPr marL="5181264" indent="-304780" algn="l" defTabSz="1219120" rtl="0" eaLnBrk="1" latinLnBrk="0" hangingPunct="1">
-              <a:spcBef>
-                <a:spcPct val="20000"/>
-              </a:spcBef>
-              <a:buFont typeface="Arial" pitchFamily="34" charset="0"/>
-              <a:buChar char="•"/>
-              <a:defRPr sz="2667" kern="1200">
-                <a:solidFill>
-                  <a:schemeClr val="tx1"/>
-                </a:solidFill>
-                <a:latin typeface="+mn-lt"/>
-                <a:ea typeface="+mn-ea"/>
-                <a:cs typeface="+mn-cs"/>
-              </a:defRPr>
-            </a:lvl9pPr>
-          </a:lstStyle>
-          <a:p>
-            <a:r>
-              <a:rPr lang="en-US" sz="2000" b="1" dirty="0" smtClean="0"/>
-              <a:t>control </a:t>
-            </a:r>
-            <a:r>
-              <a:rPr lang="en-US" sz="2000" b="1" dirty="0"/>
-              <a:t>'cis-enforce-password-history-1.1.1' do</a:t>
-            </a:r>
-          </a:p>
-          <a:p>
-            <a:r>
-              <a:rPr lang="en-US" sz="2000" b="1" dirty="0"/>
-              <a:t> </a:t>
-            </a:r>
-            <a:r>
-              <a:rPr lang="en-US" sz="2000" b="1" dirty="0" smtClean="0"/>
-              <a:t> impact </a:t>
-            </a:r>
-            <a:r>
-              <a:rPr lang="en-US" sz="2000" b="1" dirty="0"/>
-              <a:t>0.7</a:t>
-            </a:r>
-          </a:p>
-          <a:p>
-            <a:r>
-              <a:rPr lang="en-US" sz="2000" b="1" dirty="0"/>
-              <a:t> </a:t>
-            </a:r>
-            <a:r>
-              <a:rPr lang="en-US" sz="2000" b="1" dirty="0" smtClean="0"/>
-              <a:t> title </a:t>
-            </a:r>
-            <a:r>
-              <a:rPr lang="en-US" sz="2000" b="1" dirty="0"/>
-              <a:t>'1.1.1 Set Enforce password history to 24 or more passwords'</a:t>
-            </a:r>
-          </a:p>
-          <a:p>
-            <a:r>
-              <a:rPr lang="en-US" sz="2000" b="1" dirty="0"/>
-              <a:t> </a:t>
-            </a:r>
-            <a:r>
-              <a:rPr lang="en-US" sz="2000" b="1" dirty="0" smtClean="0"/>
-              <a:t> </a:t>
-            </a:r>
-            <a:r>
-              <a:rPr lang="en-US" sz="2000" b="1" dirty="0" err="1" smtClean="0"/>
-              <a:t>desc</a:t>
-            </a:r>
-            <a:r>
-              <a:rPr lang="en-US" sz="2000" b="1" dirty="0" smtClean="0"/>
-              <a:t> </a:t>
-            </a:r>
-            <a:r>
-              <a:rPr lang="en-US" sz="2000" b="1" dirty="0"/>
-              <a:t>'Set Enforce password history to 24 or </a:t>
-            </a:r>
-            <a:r>
-              <a:rPr lang="en-US" sz="2000" b="1" dirty="0" smtClean="0"/>
-              <a:t>more passwords</a:t>
-            </a:r>
-            <a:r>
-              <a:rPr lang="en-US" sz="2000" b="1" dirty="0"/>
-              <a:t>'</a:t>
-            </a:r>
-          </a:p>
-          <a:p>
-            <a:r>
-              <a:rPr lang="en-US" sz="2000" b="1" dirty="0"/>
-              <a:t> </a:t>
-            </a:r>
-            <a:r>
-              <a:rPr lang="en-US" sz="2000" b="1" dirty="0" smtClean="0"/>
-              <a:t> describe </a:t>
-            </a:r>
-            <a:r>
-              <a:rPr lang="en-US" sz="2000" b="1" dirty="0" err="1"/>
-              <a:t>security_policy</a:t>
-            </a:r>
-            <a:r>
-              <a:rPr lang="en-US" sz="2000" b="1" dirty="0"/>
-              <a:t> do</a:t>
-            </a:r>
-          </a:p>
-          <a:p>
-            <a:r>
-              <a:rPr lang="en-US" sz="2000" b="1" dirty="0"/>
-              <a:t> </a:t>
-            </a:r>
-            <a:r>
-              <a:rPr lang="en-US" sz="2000" b="1" dirty="0" smtClean="0"/>
-              <a:t>   its</a:t>
-            </a:r>
-            <a:r>
-              <a:rPr lang="en-US" sz="2000" b="1" dirty="0"/>
-              <a:t>('</a:t>
-            </a:r>
-            <a:r>
-              <a:rPr lang="en-US" sz="2000" b="1" dirty="0" err="1"/>
-              <a:t>PasswordHistorySize</a:t>
-            </a:r>
-            <a:r>
-              <a:rPr lang="en-US" sz="2000" b="1" dirty="0"/>
-              <a:t>') { should be &gt;= 24 }</a:t>
-            </a:r>
-          </a:p>
-          <a:p>
-            <a:r>
-              <a:rPr lang="en-US" sz="2000" b="1" dirty="0"/>
-              <a:t> </a:t>
-            </a:r>
-            <a:r>
-              <a:rPr lang="en-US" sz="2000" b="1" dirty="0" smtClean="0"/>
-              <a:t> end</a:t>
-            </a:r>
-            <a:endParaRPr lang="en-US" sz="2000" b="1" dirty="0"/>
-          </a:p>
-          <a:p>
-            <a:r>
-              <a:rPr lang="en-US" sz="2000" b="1" dirty="0" smtClean="0"/>
-              <a:t>end</a:t>
-            </a:r>
-            <a:endParaRPr lang="en-US" sz="2000" b="1" dirty="0"/>
+          <a:p>
+            <a:endParaRPr lang="en-US" dirty="0"/>
           </a:p>
         </p:txBody>
       </p:sp>
     </p:spTree>
     <p:extLst>
       <p:ext uri="{BB962C8B-B14F-4D97-AF65-F5344CB8AC3E}">
-        <p14:creationId xmlns:p14="http://schemas.microsoft.com/office/powerpoint/2010/main" val="2016937290"/>
+        <p14:creationId xmlns:p14="http://schemas.microsoft.com/office/powerpoint/2010/main" val="2951886090"/>
       </p:ext>
     </p:extLst>
   </p:cSld>
@@ -21380,15 +20945,50 @@
           <a:p>
             <a:r>
               <a:rPr lang="en-US" dirty="0" smtClean="0"/>
+              <a:t>Since </a:t>
+            </a:r>
+            <a:r>
+              <a:rPr lang="en-US" dirty="0"/>
+              <a:t>1998, DISA has played a critical role enhancing the security posture of DoD's security systems by providing the Security Technical Implementation Guides (STIGs). </a:t>
+            </a:r>
+            <a:endParaRPr lang="en-US" dirty="0" smtClean="0"/>
+          </a:p>
+          <a:p>
+            <a:endParaRPr lang="en-US" dirty="0"/>
+          </a:p>
+          <a:p>
+            <a:r>
+              <a:rPr lang="en-US" dirty="0" smtClean="0"/>
               <a:t>The </a:t>
             </a:r>
             <a:r>
               <a:rPr lang="en-US" dirty="0"/>
-              <a:t>Security Technical Implementation Guides (STIGs) and the NSA Guides are the configuration standards for DOD IA and IA-enabled devices/systems. </a:t>
+              <a:t>STIGs contain technical guidance to "lock down" information systems/software that might otherwise be vulnerable to a malicious computer attack</a:t>
+            </a:r>
+            <a:r>
+              <a:rPr lang="en-US" dirty="0" smtClean="0"/>
+              <a:t>.</a:t>
+            </a:r>
+            <a:endParaRPr lang="en-US" dirty="0"/>
+          </a:p>
+          <a:p>
+            <a:pPr algn="ctr"/>
+            <a:r>
+              <a:rPr lang="en-US" dirty="0">
+                <a:hlinkClick r:id="rId3"/>
+              </a:rPr>
+              <a:t>http://</a:t>
+            </a:r>
+            <a:r>
+              <a:rPr lang="en-US" dirty="0" smtClean="0">
+                <a:hlinkClick r:id="rId3"/>
+              </a:rPr>
+              <a:t>iase.disa.mil/stigs/Pages/index.aspx</a:t>
             </a:r>
             <a:endParaRPr lang="en-US" dirty="0" smtClean="0"/>
           </a:p>
           <a:p>
+            <a:pPr algn="ctr"/>
             <a:endParaRPr lang="en-US" dirty="0"/>
           </a:p>
           <a:p>
@@ -21399,7 +20999,7 @@
     </p:spTree>
     <p:extLst>
       <p:ext uri="{BB962C8B-B14F-4D97-AF65-F5344CB8AC3E}">
-        <p14:creationId xmlns:p14="http://schemas.microsoft.com/office/powerpoint/2010/main" val="2951886090"/>
+        <p14:creationId xmlns:p14="http://schemas.microsoft.com/office/powerpoint/2010/main" val="1097838391"/>
       </p:ext>
     </p:extLst>
   </p:cSld>
@@ -21446,154 +21046,6 @@
             <p:ph type="ctrTitle"/>
           </p:nvPr>
         </p:nvSpPr>
-        <p:spPr/>
-        <p:txBody>
-          <a:bodyPr>
-            <a:normAutofit fontScale="90000"/>
-          </a:bodyPr>
-          <a:lstStyle/>
-          <a:p>
-            <a:r>
-              <a:rPr lang="en-US" dirty="0" smtClean="0"/>
-              <a:t>DoD Compliance Frameworks</a:t>
-            </a:r>
-            <a:endParaRPr lang="en-US" dirty="0"/>
-          </a:p>
-        </p:txBody>
-      </p:sp>
-      <p:sp>
-        <p:nvSpPr>
-          <p:cNvPr id="3" name="Subtitle 2"/>
-          <p:cNvSpPr>
-            <a:spLocks noGrp="1"/>
-          </p:cNvSpPr>
-          <p:nvPr>
-            <p:ph type="subTitle" idx="1"/>
-          </p:nvPr>
-        </p:nvSpPr>
-        <p:spPr>
-          <a:xfrm>
-            <a:off x="1671638" y="3271838"/>
-            <a:ext cx="12319000" cy="4317682"/>
-          </a:xfrm>
-        </p:spPr>
-        <p:txBody>
-          <a:bodyPr/>
-          <a:lstStyle/>
-          <a:p>
-            <a:r>
-              <a:rPr lang="en-US" dirty="0" smtClean="0"/>
-              <a:t>Department of Defense (DoD) STIGs</a:t>
-            </a:r>
-            <a:endParaRPr lang="en-US" dirty="0"/>
-          </a:p>
-          <a:p>
-            <a:endParaRPr lang="en-US" dirty="0" smtClean="0"/>
-          </a:p>
-          <a:p>
-            <a:r>
-              <a:rPr lang="en-US" dirty="0" smtClean="0"/>
-              <a:t>Since </a:t>
-            </a:r>
-            <a:r>
-              <a:rPr lang="en-US" dirty="0"/>
-              <a:t>1998, DISA has played a critical role enhancing the security posture of DoD's security systems by providing the Security Technical Implementation Guides (STIGs). </a:t>
-            </a:r>
-            <a:endParaRPr lang="en-US" dirty="0" smtClean="0"/>
-          </a:p>
-          <a:p>
-            <a:endParaRPr lang="en-US" dirty="0"/>
-          </a:p>
-          <a:p>
-            <a:r>
-              <a:rPr lang="en-US" dirty="0" smtClean="0"/>
-              <a:t>The </a:t>
-            </a:r>
-            <a:r>
-              <a:rPr lang="en-US" dirty="0"/>
-              <a:t>STIGs contain technical guidance to "lock down" information systems/software that might otherwise be vulnerable to a malicious computer attack</a:t>
-            </a:r>
-            <a:r>
-              <a:rPr lang="en-US" dirty="0" smtClean="0"/>
-              <a:t>.</a:t>
-            </a:r>
-            <a:endParaRPr lang="en-US" dirty="0"/>
-          </a:p>
-          <a:p>
-            <a:pPr algn="ctr"/>
-            <a:r>
-              <a:rPr lang="en-US" dirty="0">
-                <a:hlinkClick r:id="rId3"/>
-              </a:rPr>
-              <a:t>http://</a:t>
-            </a:r>
-            <a:r>
-              <a:rPr lang="en-US" dirty="0" smtClean="0">
-                <a:hlinkClick r:id="rId3"/>
-              </a:rPr>
-              <a:t>iase.disa.mil/stigs/Pages/index.aspx</a:t>
-            </a:r>
-            <a:endParaRPr lang="en-US" dirty="0" smtClean="0"/>
-          </a:p>
-          <a:p>
-            <a:pPr algn="ctr"/>
-            <a:endParaRPr lang="en-US" dirty="0"/>
-          </a:p>
-          <a:p>
-            <a:endParaRPr lang="en-US" dirty="0"/>
-          </a:p>
-        </p:txBody>
-      </p:sp>
-    </p:spTree>
-    <p:extLst>
-      <p:ext uri="{BB962C8B-B14F-4D97-AF65-F5344CB8AC3E}">
-        <p14:creationId xmlns:p14="http://schemas.microsoft.com/office/powerpoint/2010/main" val="1097838391"/>
-      </p:ext>
-    </p:extLst>
-  </p:cSld>
-  <p:clrMapOvr>
-    <a:masterClrMapping/>
-  </p:clrMapOvr>
-  <p:transition spd="med">
-    <p:fade/>
-  </p:transition>
-  <p:timing>
-    <p:tnLst>
-      <p:par>
-        <p:cTn id="1" dur="indefinite" restart="never" nodeType="tmRoot"/>
-      </p:par>
-    </p:tnLst>
-  </p:timing>
-</p:sld>
-</file>
-
-<file path=ppt/slides/slide28.xml><?xml version="1.0" encoding="utf-8"?>
-<p:sld xmlns:a="http://schemas.openxmlformats.org/drawingml/2006/main" xmlns:r="http://schemas.openxmlformats.org/officeDocument/2006/relationships" xmlns:p="http://schemas.openxmlformats.org/presentationml/2006/main">
-  <p:cSld>
-    <p:spTree>
-      <p:nvGrpSpPr>
-        <p:cNvPr id="1" name=""/>
-        <p:cNvGrpSpPr/>
-        <p:nvPr/>
-      </p:nvGrpSpPr>
-      <p:grpSpPr>
-        <a:xfrm>
-          <a:off x="0" y="0"/>
-          <a:ext cx="0" cy="0"/>
-          <a:chOff x="0" y="0"/>
-          <a:chExt cx="0" cy="0"/>
-        </a:xfrm>
-      </p:grpSpPr>
-      <p:sp>
-        <p:nvSpPr>
-          <p:cNvPr id="2" name="Title 1"/>
-          <p:cNvSpPr>
-            <a:spLocks noGrp="1"/>
-          </p:cNvSpPr>
-          <p:nvPr>
-            <p:ph type="ctrTitle"/>
-          </p:nvPr>
-        </p:nvSpPr>
         <p:spPr>
           <a:xfrm>
             <a:off x="920521" y="2292126"/>
@@ -21751,7 +21203,7 @@
 </p:sld>
 </file>
 
-<file path=ppt/slides/slide29.xml><?xml version="1.0" encoding="utf-8"?>
+<file path=ppt/slides/slide28.xml><?xml version="1.0" encoding="utf-8"?>
 <p:sld xmlns:a="http://schemas.openxmlformats.org/drawingml/2006/main" xmlns:r="http://schemas.openxmlformats.org/officeDocument/2006/relationships" xmlns:p="http://schemas.openxmlformats.org/presentationml/2006/main">
   <p:cSld>
     <p:spTree>
@@ -21913,154 +21365,7 @@
 </p:sld>
 </file>
 
-<file path=ppt/slides/slide3.xml><?xml version="1.0" encoding="utf-8"?>
-<p:sld xmlns:a="http://schemas.openxmlformats.org/drawingml/2006/main" xmlns:r="http://schemas.openxmlformats.org/officeDocument/2006/relationships" xmlns:p="http://schemas.openxmlformats.org/presentationml/2006/main">
-  <p:cSld>
-    <p:spTree>
-      <p:nvGrpSpPr>
-        <p:cNvPr id="1" name=""/>
-        <p:cNvGrpSpPr/>
-        <p:nvPr/>
-      </p:nvGrpSpPr>
-      <p:grpSpPr>
-        <a:xfrm>
-          <a:off x="0" y="0"/>
-          <a:ext cx="0" cy="0"/>
-          <a:chOff x="0" y="0"/>
-          <a:chExt cx="0" cy="0"/>
-        </a:xfrm>
-      </p:grpSpPr>
-      <p:sp>
-        <p:nvSpPr>
-          <p:cNvPr id="2" name="Title 1"/>
-          <p:cNvSpPr>
-            <a:spLocks noGrp="1"/>
-          </p:cNvSpPr>
-          <p:nvPr>
-            <p:ph type="ctrTitle"/>
-          </p:nvPr>
-        </p:nvSpPr>
-        <p:spPr/>
-        <p:txBody>
-          <a:bodyPr>
-            <a:normAutofit fontScale="90000"/>
-          </a:bodyPr>
-          <a:lstStyle/>
-          <a:p>
-            <a:r>
-              <a:rPr lang="en-US" dirty="0" smtClean="0"/>
-              <a:t>CIS Compliance Frameworks</a:t>
-            </a:r>
-            <a:endParaRPr lang="en-US" dirty="0"/>
-          </a:p>
-        </p:txBody>
-      </p:sp>
-      <p:sp>
-        <p:nvSpPr>
-          <p:cNvPr id="3" name="Subtitle 2"/>
-          <p:cNvSpPr>
-            <a:spLocks noGrp="1"/>
-          </p:cNvSpPr>
-          <p:nvPr>
-            <p:ph type="subTitle" idx="1"/>
-          </p:nvPr>
-        </p:nvSpPr>
-        <p:spPr>
-          <a:xfrm>
-            <a:off x="1671638" y="3271838"/>
-            <a:ext cx="12319000" cy="4317682"/>
-          </a:xfrm>
-        </p:spPr>
-        <p:txBody>
-          <a:bodyPr/>
-          <a:lstStyle/>
-          <a:p>
-            <a:r>
-              <a:rPr lang="en-US" dirty="0" smtClean="0"/>
-              <a:t>The </a:t>
-            </a:r>
-            <a:r>
-              <a:rPr lang="en-US" dirty="0"/>
-              <a:t>CIS </a:t>
-            </a:r>
-            <a:r>
-              <a:rPr lang="en-US" dirty="0" smtClean="0"/>
-              <a:t>Security </a:t>
-            </a:r>
-            <a:r>
-              <a:rPr lang="en-US" dirty="0"/>
-              <a:t>Benchmarks program provides well-defined, un-biased and consensus-based industry best practices to help organizations assess and improve their security. </a:t>
-            </a:r>
-            <a:endParaRPr lang="en-US" dirty="0" smtClean="0"/>
-          </a:p>
-          <a:p>
-            <a:endParaRPr lang="en-US" dirty="0"/>
-          </a:p>
-          <a:p>
-            <a:r>
-              <a:rPr lang="en-US" dirty="0" smtClean="0"/>
-              <a:t>Resources </a:t>
-            </a:r>
-            <a:r>
-              <a:rPr lang="en-US" dirty="0"/>
-              <a:t>include secure configuration benchmarks, automated configuration assessment tools and content, security metrics and security software product certifications</a:t>
-            </a:r>
-            <a:r>
-              <a:rPr lang="en-US" dirty="0" smtClean="0"/>
-              <a:t>.</a:t>
-            </a:r>
-          </a:p>
-          <a:p>
-            <a:endParaRPr lang="en-US" dirty="0"/>
-          </a:p>
-          <a:p>
-            <a:pPr algn="ctr"/>
-            <a:r>
-              <a:rPr lang="en-US" dirty="0">
-                <a:hlinkClick r:id="rId3"/>
-              </a:rPr>
-              <a:t>https://benchmarks.cisecurity.org</a:t>
-            </a:r>
-            <a:r>
-              <a:rPr lang="en-US" dirty="0" smtClean="0">
-                <a:hlinkClick r:id="rId3"/>
-              </a:rPr>
-              <a:t>/</a:t>
-            </a:r>
-            <a:endParaRPr lang="en-US" dirty="0" smtClean="0"/>
-          </a:p>
-          <a:p>
-            <a:endParaRPr lang="en-US" dirty="0"/>
-          </a:p>
-          <a:p>
-            <a:endParaRPr lang="en-US" dirty="0"/>
-          </a:p>
-        </p:txBody>
-      </p:sp>
-    </p:spTree>
-    <p:extLst>
-      <p:ext uri="{BB962C8B-B14F-4D97-AF65-F5344CB8AC3E}">
-        <p14:creationId xmlns:p14="http://schemas.microsoft.com/office/powerpoint/2010/main" val="2733593429"/>
-      </p:ext>
-    </p:extLst>
-  </p:cSld>
-  <p:clrMapOvr>
-    <a:masterClrMapping/>
-  </p:clrMapOvr>
-  <p:transition spd="med">
-    <p:fade/>
-  </p:transition>
-  <p:timing>
-    <p:tnLst>
-      <p:par>
-        <p:cTn id="1" dur="indefinite" restart="never" nodeType="tmRoot"/>
-      </p:par>
-    </p:tnLst>
-  </p:timing>
-</p:sld>
-</file>
-
-<file path=ppt/slides/slide30.xml><?xml version="1.0" encoding="utf-8"?>
+<file path=ppt/slides/slide29.xml><?xml version="1.0" encoding="utf-8"?>
 <p:sld xmlns:a="http://schemas.openxmlformats.org/drawingml/2006/main" xmlns:r="http://schemas.openxmlformats.org/officeDocument/2006/relationships" xmlns:p="http://schemas.openxmlformats.org/presentationml/2006/main">
   <p:cSld>
     <p:spTree>
@@ -22227,7 +21532,154 @@
 </p:sld>
 </file>
 
-<file path=ppt/slides/slide31.xml><?xml version="1.0" encoding="utf-8"?>
+<file path=ppt/slides/slide3.xml><?xml version="1.0" encoding="utf-8"?>
+<p:sld xmlns:a="http://schemas.openxmlformats.org/drawingml/2006/main" xmlns:r="http://schemas.openxmlformats.org/officeDocument/2006/relationships" xmlns:p="http://schemas.openxmlformats.org/presentationml/2006/main">
+  <p:cSld>
+    <p:spTree>
+      <p:nvGrpSpPr>
+        <p:cNvPr id="1" name=""/>
+        <p:cNvGrpSpPr/>
+        <p:nvPr/>
+      </p:nvGrpSpPr>
+      <p:grpSpPr>
+        <a:xfrm>
+          <a:off x="0" y="0"/>
+          <a:ext cx="0" cy="0"/>
+          <a:chOff x="0" y="0"/>
+          <a:chExt cx="0" cy="0"/>
+        </a:xfrm>
+      </p:grpSpPr>
+      <p:sp>
+        <p:nvSpPr>
+          <p:cNvPr id="2" name="Title 1"/>
+          <p:cNvSpPr>
+            <a:spLocks noGrp="1"/>
+          </p:cNvSpPr>
+          <p:nvPr>
+            <p:ph type="ctrTitle"/>
+          </p:nvPr>
+        </p:nvSpPr>
+        <p:spPr/>
+        <p:txBody>
+          <a:bodyPr>
+            <a:normAutofit fontScale="90000"/>
+          </a:bodyPr>
+          <a:lstStyle/>
+          <a:p>
+            <a:r>
+              <a:rPr lang="en-US" dirty="0" smtClean="0"/>
+              <a:t>CIS Compliance Frameworks</a:t>
+            </a:r>
+            <a:endParaRPr lang="en-US" dirty="0"/>
+          </a:p>
+        </p:txBody>
+      </p:sp>
+      <p:sp>
+        <p:nvSpPr>
+          <p:cNvPr id="3" name="Subtitle 2"/>
+          <p:cNvSpPr>
+            <a:spLocks noGrp="1"/>
+          </p:cNvSpPr>
+          <p:nvPr>
+            <p:ph type="subTitle" idx="1"/>
+          </p:nvPr>
+        </p:nvSpPr>
+        <p:spPr>
+          <a:xfrm>
+            <a:off x="1671638" y="3271838"/>
+            <a:ext cx="12319000" cy="4317682"/>
+          </a:xfrm>
+        </p:spPr>
+        <p:txBody>
+          <a:bodyPr/>
+          <a:lstStyle/>
+          <a:p>
+            <a:r>
+              <a:rPr lang="en-US" dirty="0" smtClean="0"/>
+              <a:t>The </a:t>
+            </a:r>
+            <a:r>
+              <a:rPr lang="en-US" dirty="0"/>
+              <a:t>CIS </a:t>
+            </a:r>
+            <a:r>
+              <a:rPr lang="en-US" dirty="0" smtClean="0"/>
+              <a:t>Security </a:t>
+            </a:r>
+            <a:r>
+              <a:rPr lang="en-US" dirty="0"/>
+              <a:t>Benchmarks program provides well-defined, un-biased and consensus-based industry best practices to help organizations assess and improve their security. </a:t>
+            </a:r>
+            <a:endParaRPr lang="en-US" dirty="0" smtClean="0"/>
+          </a:p>
+          <a:p>
+            <a:endParaRPr lang="en-US" dirty="0"/>
+          </a:p>
+          <a:p>
+            <a:r>
+              <a:rPr lang="en-US" dirty="0" smtClean="0"/>
+              <a:t>Resources </a:t>
+            </a:r>
+            <a:r>
+              <a:rPr lang="en-US" dirty="0"/>
+              <a:t>include secure configuration benchmarks, automated configuration assessment tools and content, security metrics and security software product certifications</a:t>
+            </a:r>
+            <a:r>
+              <a:rPr lang="en-US" dirty="0" smtClean="0"/>
+              <a:t>.</a:t>
+            </a:r>
+          </a:p>
+          <a:p>
+            <a:endParaRPr lang="en-US" dirty="0"/>
+          </a:p>
+          <a:p>
+            <a:pPr algn="ctr"/>
+            <a:r>
+              <a:rPr lang="en-US" dirty="0">
+                <a:hlinkClick r:id="rId3"/>
+              </a:rPr>
+              <a:t>https://benchmarks.cisecurity.org</a:t>
+            </a:r>
+            <a:r>
+              <a:rPr lang="en-US" dirty="0" smtClean="0">
+                <a:hlinkClick r:id="rId3"/>
+              </a:rPr>
+              <a:t>/</a:t>
+            </a:r>
+            <a:endParaRPr lang="en-US" dirty="0" smtClean="0"/>
+          </a:p>
+          <a:p>
+            <a:endParaRPr lang="en-US" dirty="0"/>
+          </a:p>
+          <a:p>
+            <a:endParaRPr lang="en-US" dirty="0"/>
+          </a:p>
+        </p:txBody>
+      </p:sp>
+    </p:spTree>
+    <p:extLst>
+      <p:ext uri="{BB962C8B-B14F-4D97-AF65-F5344CB8AC3E}">
+        <p14:creationId xmlns:p14="http://schemas.microsoft.com/office/powerpoint/2010/main" val="2733593429"/>
+      </p:ext>
+    </p:extLst>
+  </p:cSld>
+  <p:clrMapOvr>
+    <a:masterClrMapping/>
+  </p:clrMapOvr>
+  <p:transition spd="med">
+    <p:fade/>
+  </p:transition>
+  <p:timing>
+    <p:tnLst>
+      <p:par>
+        <p:cTn id="1" dur="indefinite" restart="never" nodeType="tmRoot"/>
+      </p:par>
+    </p:tnLst>
+  </p:timing>
+</p:sld>
+</file>
+
+<file path=ppt/slides/slide30.xml><?xml version="1.0" encoding="utf-8"?>
 <p:sld xmlns:a="http://schemas.openxmlformats.org/drawingml/2006/main" xmlns:r="http://schemas.openxmlformats.org/officeDocument/2006/relationships" xmlns:p="http://schemas.openxmlformats.org/presentationml/2006/main">
   <p:cSld>
     <p:spTree>
@@ -22396,7 +21848,7 @@
 </p:sld>
 </file>
 
-<file path=ppt/slides/slide32.xml><?xml version="1.0" encoding="utf-8"?>
+<file path=ppt/slides/slide31.xml><?xml version="1.0" encoding="utf-8"?>
 <p:sld xmlns:a="http://schemas.openxmlformats.org/drawingml/2006/main" xmlns:r="http://schemas.openxmlformats.org/officeDocument/2006/relationships" xmlns:p="http://schemas.openxmlformats.org/presentationml/2006/main">
   <p:cSld>
     <p:spTree>
@@ -22554,7 +22006,7 @@
 </p:sld>
 </file>
 
-<file path=ppt/slides/slide33.xml><?xml version="1.0" encoding="utf-8"?>
+<file path=ppt/slides/slide32.xml><?xml version="1.0" encoding="utf-8"?>
 <p:sld xmlns:a="http://schemas.openxmlformats.org/drawingml/2006/main" xmlns:r="http://schemas.openxmlformats.org/officeDocument/2006/relationships" xmlns:p="http://schemas.openxmlformats.org/presentationml/2006/main">
   <p:cSld>
     <p:spTree>
@@ -22823,7 +22275,7 @@
 </p:sld>
 </file>
 
-<file path=ppt/slides/slide34.xml><?xml version="1.0" encoding="utf-8"?>
+<file path=ppt/slides/slide33.xml><?xml version="1.0" encoding="utf-8"?>
 <p:sld xmlns:a="http://schemas.openxmlformats.org/drawingml/2006/main" xmlns:r="http://schemas.openxmlformats.org/officeDocument/2006/relationships" xmlns:p="http://schemas.openxmlformats.org/presentationml/2006/main">
   <p:cSld>
     <p:spTree>
@@ -22974,7 +22426,7 @@
 </p:sld>
 </file>
 
-<file path=ppt/slides/slide35.xml><?xml version="1.0" encoding="utf-8"?>
+<file path=ppt/slides/slide34.xml><?xml version="1.0" encoding="utf-8"?>
 <p:sld xmlns:a="http://schemas.openxmlformats.org/drawingml/2006/main" xmlns:r="http://schemas.openxmlformats.org/officeDocument/2006/relationships" xmlns:p="http://schemas.openxmlformats.org/presentationml/2006/main">
   <p:cSld>
     <p:spTree>
@@ -23241,7 +22693,7 @@
 </p:sld>
 </file>
 
-<file path=ppt/slides/slide36.xml><?xml version="1.0" encoding="utf-8"?>
+<file path=ppt/slides/slide35.xml><?xml version="1.0" encoding="utf-8"?>
 <p:sld xmlns:a="http://schemas.openxmlformats.org/drawingml/2006/main" xmlns:r="http://schemas.openxmlformats.org/officeDocument/2006/relationships" xmlns:p="http://schemas.openxmlformats.org/presentationml/2006/main">
   <p:cSld>
     <p:spTree>
@@ -23623,6 +23075,553 @@
 </p:sld>
 </file>
 
+<file path=ppt/slides/slide36.xml><?xml version="1.0" encoding="utf-8"?>
+<p:sld xmlns:a="http://schemas.openxmlformats.org/drawingml/2006/main" xmlns:r="http://schemas.openxmlformats.org/officeDocument/2006/relationships" xmlns:p="http://schemas.openxmlformats.org/presentationml/2006/main">
+  <p:cSld>
+    <p:spTree>
+      <p:nvGrpSpPr>
+        <p:cNvPr id="1" name=""/>
+        <p:cNvGrpSpPr/>
+        <p:nvPr/>
+      </p:nvGrpSpPr>
+      <p:grpSpPr>
+        <a:xfrm>
+          <a:off x="0" y="0"/>
+          <a:ext cx="0" cy="0"/>
+          <a:chOff x="0" y="0"/>
+          <a:chExt cx="0" cy="0"/>
+        </a:xfrm>
+      </p:grpSpPr>
+      <p:sp>
+        <p:nvSpPr>
+          <p:cNvPr id="2" name="Title 1"/>
+          <p:cNvSpPr>
+            <a:spLocks noGrp="1"/>
+          </p:cNvSpPr>
+          <p:nvPr>
+            <p:ph type="title"/>
+          </p:nvPr>
+        </p:nvSpPr>
+        <p:spPr>
+          <a:xfrm>
+            <a:off x="609599" y="304800"/>
+            <a:ext cx="15574263" cy="828675"/>
+          </a:xfrm>
+        </p:spPr>
+        <p:txBody>
+          <a:bodyPr>
+            <a:normAutofit fontScale="90000"/>
+          </a:bodyPr>
+          <a:lstStyle/>
+          <a:p>
+            <a:r>
+              <a:rPr lang="en-US" dirty="0" smtClean="0"/>
+              <a:t>GL: Writing Compliance Profiles from DoD Rules</a:t>
+            </a:r>
+            <a:endParaRPr lang="en-US" dirty="0"/>
+          </a:p>
+        </p:txBody>
+      </p:sp>
+      <p:sp>
+        <p:nvSpPr>
+          <p:cNvPr id="9" name="Text Placeholder 2"/>
+          <p:cNvSpPr>
+            <a:spLocks noGrp="1"/>
+          </p:cNvSpPr>
+          <p:nvPr>
+            <p:ph type="body" sz="quarter" idx="12"/>
+          </p:nvPr>
+        </p:nvSpPr>
+        <p:spPr>
+          <a:xfrm>
+            <a:off x="9540041" y="1172464"/>
+            <a:ext cx="6075880" cy="6766560"/>
+          </a:xfrm>
+          <a:ln>
+            <a:solidFill>
+              <a:schemeClr val="accent1"/>
+            </a:solidFill>
+          </a:ln>
+        </p:spPr>
+        <p:txBody>
+          <a:bodyPr/>
+          <a:lstStyle/>
+          <a:p>
+            <a:r>
+              <a:rPr lang="en-US" sz="2000" b="1" dirty="0" smtClean="0">
+                <a:latin typeface="Courier New" panose="02070309020205020404" pitchFamily="49" charset="0"/>
+                <a:cs typeface="Courier New" panose="02070309020205020404" pitchFamily="49" charset="0"/>
+              </a:rPr>
+              <a:t>#</a:t>
+            </a:r>
+            <a:r>
+              <a:rPr lang="en-US" sz="2000" b="1" dirty="0">
+                <a:latin typeface="Courier New" panose="02070309020205020404" pitchFamily="49" charset="0"/>
+                <a:cs typeface="Courier New" panose="02070309020205020404" pitchFamily="49" charset="0"/>
+              </a:rPr>
+              <a:t>The /etc/</a:t>
+            </a:r>
+            <a:r>
+              <a:rPr lang="en-US" sz="2000" b="1" dirty="0" err="1">
+                <a:latin typeface="Courier New" panose="02070309020205020404" pitchFamily="49" charset="0"/>
+                <a:cs typeface="Courier New" panose="02070309020205020404" pitchFamily="49" charset="0"/>
+              </a:rPr>
+              <a:t>gshadow</a:t>
+            </a:r>
+            <a:r>
+              <a:rPr lang="en-US" sz="2000" b="1" dirty="0">
+                <a:latin typeface="Courier New" panose="02070309020205020404" pitchFamily="49" charset="0"/>
+                <a:cs typeface="Courier New" panose="02070309020205020404" pitchFamily="49" charset="0"/>
+              </a:rPr>
+              <a:t> file must be owned by root</a:t>
+            </a:r>
+            <a:r>
+              <a:rPr lang="en-US" sz="2000" b="1" dirty="0" smtClean="0">
+                <a:latin typeface="Courier New" panose="02070309020205020404" pitchFamily="49" charset="0"/>
+                <a:cs typeface="Courier New" panose="02070309020205020404" pitchFamily="49" charset="0"/>
+              </a:rPr>
+              <a:t>.</a:t>
+            </a:r>
+            <a:endParaRPr lang="en-US" sz="2000" b="1" dirty="0">
+              <a:latin typeface="Courier New" panose="02070309020205020404" pitchFamily="49" charset="0"/>
+              <a:cs typeface="Courier New" panose="02070309020205020404" pitchFamily="49" charset="0"/>
+            </a:endParaRPr>
+          </a:p>
+          <a:p>
+            <a:r>
+              <a:rPr lang="en-US" sz="2000" b="1" dirty="0">
+                <a:latin typeface="Courier New" panose="02070309020205020404" pitchFamily="49" charset="0"/>
+                <a:cs typeface="Courier New" panose="02070309020205020404" pitchFamily="49" charset="0"/>
+              </a:rPr>
+              <a:t>#Severity: </a:t>
+            </a:r>
+            <a:r>
+              <a:rPr lang="en-US" sz="2000" b="1" dirty="0" smtClean="0">
+                <a:latin typeface="Courier New" panose="02070309020205020404" pitchFamily="49" charset="0"/>
+                <a:cs typeface="Courier New" panose="02070309020205020404" pitchFamily="49" charset="0"/>
+              </a:rPr>
+              <a:t>Medium</a:t>
+            </a:r>
+            <a:endParaRPr lang="en-US" sz="2000" b="1" dirty="0">
+              <a:latin typeface="Courier New" panose="02070309020205020404" pitchFamily="49" charset="0"/>
+              <a:cs typeface="Courier New" panose="02070309020205020404" pitchFamily="49" charset="0"/>
+            </a:endParaRPr>
+          </a:p>
+          <a:p>
+            <a:r>
+              <a:rPr lang="en-US" sz="2000" b="1" dirty="0">
+                <a:latin typeface="Courier New" panose="02070309020205020404" pitchFamily="49" charset="0"/>
+                <a:cs typeface="Courier New" panose="02070309020205020404" pitchFamily="49" charset="0"/>
+              </a:rPr>
+              <a:t>#The "/etc/</a:t>
+            </a:r>
+            <a:r>
+              <a:rPr lang="en-US" sz="2000" b="1" dirty="0" err="1">
+                <a:latin typeface="Courier New" panose="02070309020205020404" pitchFamily="49" charset="0"/>
+                <a:cs typeface="Courier New" panose="02070309020205020404" pitchFamily="49" charset="0"/>
+              </a:rPr>
+              <a:t>gshadow</a:t>
+            </a:r>
+            <a:r>
+              <a:rPr lang="en-US" sz="2000" b="1" dirty="0">
+                <a:latin typeface="Courier New" panose="02070309020205020404" pitchFamily="49" charset="0"/>
+                <a:cs typeface="Courier New" panose="02070309020205020404" pitchFamily="49" charset="0"/>
+              </a:rPr>
+              <a:t>" file contains group password hashes. Protection of this</a:t>
+            </a:r>
+          </a:p>
+          <a:p>
+            <a:r>
+              <a:rPr lang="en-US" sz="2000" b="1" dirty="0">
+                <a:latin typeface="Courier New" panose="02070309020205020404" pitchFamily="49" charset="0"/>
+                <a:cs typeface="Courier New" panose="02070309020205020404" pitchFamily="49" charset="0"/>
+              </a:rPr>
+              <a:t>#file is critical for system security.</a:t>
+            </a:r>
+          </a:p>
+          <a:p>
+            <a:endParaRPr lang="en-US" sz="2000" b="1" dirty="0">
+              <a:latin typeface="Courier New" panose="02070309020205020404" pitchFamily="49" charset="0"/>
+              <a:cs typeface="Courier New" panose="02070309020205020404" pitchFamily="49" charset="0"/>
+            </a:endParaRPr>
+          </a:p>
+          <a:p>
+            <a:r>
+              <a:rPr lang="en-US" sz="2000" b="1" dirty="0">
+                <a:latin typeface="Courier New" panose="02070309020205020404" pitchFamily="49" charset="0"/>
+                <a:cs typeface="Courier New" panose="02070309020205020404" pitchFamily="49" charset="0"/>
+              </a:rPr>
+              <a:t>control 'v-38443-gshadow' do</a:t>
+            </a:r>
+          </a:p>
+          <a:p>
+            <a:r>
+              <a:rPr lang="en-US" sz="2000" b="1" dirty="0">
+                <a:latin typeface="Courier New" panose="02070309020205020404" pitchFamily="49" charset="0"/>
+                <a:cs typeface="Courier New" panose="02070309020205020404" pitchFamily="49" charset="0"/>
+              </a:rPr>
+              <a:t>  impact 0.5</a:t>
+            </a:r>
+          </a:p>
+          <a:p>
+            <a:r>
+              <a:rPr lang="en-US" sz="2000" b="1" dirty="0">
+                <a:latin typeface="Courier New" panose="02070309020205020404" pitchFamily="49" charset="0"/>
+                <a:cs typeface="Courier New" panose="02070309020205020404" pitchFamily="49" charset="0"/>
+              </a:rPr>
+              <a:t>  title 'v-38443: verify </a:t>
+            </a:r>
+            <a:r>
+              <a:rPr lang="en-US" sz="2000" b="1" dirty="0" err="1">
+                <a:latin typeface="Courier New" panose="02070309020205020404" pitchFamily="49" charset="0"/>
+                <a:cs typeface="Courier New" panose="02070309020205020404" pitchFamily="49" charset="0"/>
+              </a:rPr>
+              <a:t>gshadow</a:t>
+            </a:r>
+            <a:r>
+              <a:rPr lang="en-US" sz="2000" b="1" dirty="0">
+                <a:latin typeface="Courier New" panose="02070309020205020404" pitchFamily="49" charset="0"/>
+                <a:cs typeface="Courier New" panose="02070309020205020404" pitchFamily="49" charset="0"/>
+              </a:rPr>
+              <a:t> is owned by root'</a:t>
+            </a:r>
+          </a:p>
+          <a:p>
+            <a:r>
+              <a:rPr lang="en-US" sz="2000" b="1" dirty="0">
+                <a:latin typeface="Courier New" panose="02070309020205020404" pitchFamily="49" charset="0"/>
+                <a:cs typeface="Courier New" panose="02070309020205020404" pitchFamily="49" charset="0"/>
+              </a:rPr>
+              <a:t>  describe file('/etc/</a:t>
+            </a:r>
+            <a:r>
+              <a:rPr lang="en-US" sz="2000" b="1" dirty="0" err="1">
+                <a:latin typeface="Courier New" panose="02070309020205020404" pitchFamily="49" charset="0"/>
+                <a:cs typeface="Courier New" panose="02070309020205020404" pitchFamily="49" charset="0"/>
+              </a:rPr>
+              <a:t>gshadow</a:t>
+            </a:r>
+            <a:r>
+              <a:rPr lang="en-US" sz="2000" b="1" dirty="0">
+                <a:latin typeface="Courier New" panose="02070309020205020404" pitchFamily="49" charset="0"/>
+                <a:cs typeface="Courier New" panose="02070309020205020404" pitchFamily="49" charset="0"/>
+              </a:rPr>
+              <a:t>') do</a:t>
+            </a:r>
+          </a:p>
+          <a:p>
+            <a:r>
+              <a:rPr lang="en-US" sz="2000" b="1" dirty="0">
+                <a:latin typeface="Courier New" panose="02070309020205020404" pitchFamily="49" charset="0"/>
+                <a:cs typeface="Courier New" panose="02070309020205020404" pitchFamily="49" charset="0"/>
+              </a:rPr>
+              <a:t>    it { should </a:t>
+            </a:r>
+            <a:r>
+              <a:rPr lang="en-US" sz="2000" b="1" dirty="0" err="1">
+                <a:latin typeface="Courier New" panose="02070309020205020404" pitchFamily="49" charset="0"/>
+                <a:cs typeface="Courier New" panose="02070309020205020404" pitchFamily="49" charset="0"/>
+              </a:rPr>
+              <a:t>be_owned_by</a:t>
+            </a:r>
+            <a:r>
+              <a:rPr lang="en-US" sz="2000" b="1" dirty="0">
+                <a:latin typeface="Courier New" panose="02070309020205020404" pitchFamily="49" charset="0"/>
+                <a:cs typeface="Courier New" panose="02070309020205020404" pitchFamily="49" charset="0"/>
+              </a:rPr>
+              <a:t> 'root' }</a:t>
+            </a:r>
+          </a:p>
+          <a:p>
+            <a:r>
+              <a:rPr lang="en-US" sz="2000" b="1" dirty="0">
+                <a:latin typeface="Courier New" panose="02070309020205020404" pitchFamily="49" charset="0"/>
+                <a:cs typeface="Courier New" panose="02070309020205020404" pitchFamily="49" charset="0"/>
+              </a:rPr>
+              <a:t>  end</a:t>
+            </a:r>
+          </a:p>
+          <a:p>
+            <a:r>
+              <a:rPr lang="en-US" sz="2000" b="1" dirty="0">
+                <a:latin typeface="Courier New" panose="02070309020205020404" pitchFamily="49" charset="0"/>
+                <a:cs typeface="Courier New" panose="02070309020205020404" pitchFamily="49" charset="0"/>
+              </a:rPr>
+              <a:t>end</a:t>
+            </a:r>
+          </a:p>
+          <a:p>
+            <a:r>
+              <a:rPr lang="en-US" sz="2000" b="1" dirty="0" smtClean="0"/>
+              <a:t/>
+            </a:r>
+            <a:br>
+              <a:rPr lang="en-US" sz="2000" b="1" dirty="0" smtClean="0"/>
+            </a:br>
+            <a:endParaRPr lang="en-US" sz="2000" b="1" dirty="0" smtClean="0"/>
+          </a:p>
+          <a:p>
+            <a:endParaRPr lang="en-US" dirty="0"/>
+          </a:p>
+          <a:p>
+            <a:endParaRPr lang="en-US" dirty="0" smtClean="0"/>
+          </a:p>
+        </p:txBody>
+      </p:sp>
+      <p:sp>
+        <p:nvSpPr>
+          <p:cNvPr id="6" name="Text Placeholder 2"/>
+          <p:cNvSpPr txBox="1">
+            <a:spLocks/>
+          </p:cNvSpPr>
+          <p:nvPr/>
+        </p:nvSpPr>
+        <p:spPr bwMode="white">
+          <a:xfrm>
+            <a:off x="676656" y="1856198"/>
+            <a:ext cx="7662672" cy="5345953"/>
+          </a:xfrm>
+          <a:prstGeom prst="rect">
+            <a:avLst/>
+          </a:prstGeom>
+        </p:spPr>
+        <p:txBody>
+          <a:bodyPr vert="horz" wrap="square" lIns="0" tIns="0" rIns="0" bIns="0" rtlCol="0">
+            <a:noAutofit/>
+          </a:bodyPr>
+          <a:lstStyle>
+            <a:lvl1pPr algn="l" defTabSz="1217613" rtl="0" eaLnBrk="1" fontAlgn="base" hangingPunct="1">
+              <a:spcBef>
+                <a:spcPts val="800"/>
+              </a:spcBef>
+              <a:spcAft>
+                <a:spcPts val="800"/>
+              </a:spcAft>
+              <a:buSzPct val="90000"/>
+              <a:buFont typeface="Arial" charset="0"/>
+              <a:defRPr sz="3200" kern="1200" baseline="0">
+                <a:solidFill>
+                  <a:schemeClr val="accent3">
+                    <a:lumMod val="50000"/>
+                  </a:schemeClr>
+                </a:solidFill>
+                <a:latin typeface="+mn-lt"/>
+                <a:ea typeface="ＭＳ Ｐゴシック" charset="0"/>
+                <a:cs typeface="ＭＳ Ｐゴシック" charset="0"/>
+              </a:defRPr>
+            </a:lvl1pPr>
+            <a:lvl2pPr marL="307975" algn="l" defTabSz="1217613" rtl="0" eaLnBrk="1" fontAlgn="base" hangingPunct="1">
+              <a:spcBef>
+                <a:spcPts val="800"/>
+              </a:spcBef>
+              <a:spcAft>
+                <a:spcPts val="800"/>
+              </a:spcAft>
+              <a:buSzPct val="90000"/>
+              <a:buFont typeface="Arial" charset="0"/>
+              <a:defRPr sz="2800" kern="1200" baseline="0">
+                <a:solidFill>
+                  <a:schemeClr val="accent3">
+                    <a:lumMod val="50000"/>
+                  </a:schemeClr>
+                </a:solidFill>
+                <a:latin typeface="+mn-lt"/>
+                <a:ea typeface="ＭＳ Ｐゴシック" charset="0"/>
+                <a:cs typeface="+mn-cs"/>
+              </a:defRPr>
+            </a:lvl2pPr>
+            <a:lvl3pPr marL="608013" algn="l" defTabSz="1217613" rtl="0" eaLnBrk="1" fontAlgn="base" hangingPunct="1">
+              <a:spcBef>
+                <a:spcPts val="800"/>
+              </a:spcBef>
+              <a:spcAft>
+                <a:spcPts val="800"/>
+              </a:spcAft>
+              <a:buSzPct val="90000"/>
+              <a:buFont typeface="Arial" charset="0"/>
+              <a:defRPr sz="2400" kern="1200" baseline="0">
+                <a:solidFill>
+                  <a:schemeClr val="accent3">
+                    <a:lumMod val="50000"/>
+                  </a:schemeClr>
+                </a:solidFill>
+                <a:latin typeface="+mn-lt"/>
+                <a:ea typeface="ＭＳ Ｐゴシック" charset="0"/>
+                <a:cs typeface="+mn-cs"/>
+              </a:defRPr>
+            </a:lvl3pPr>
+            <a:lvl4pPr marL="839788" algn="l" defTabSz="1217613" rtl="0" eaLnBrk="1" fontAlgn="base" hangingPunct="1">
+              <a:spcBef>
+                <a:spcPts val="800"/>
+              </a:spcBef>
+              <a:spcAft>
+                <a:spcPts val="800"/>
+              </a:spcAft>
+              <a:buSzPct val="90000"/>
+              <a:buFont typeface="Arial" charset="0"/>
+              <a:defRPr sz="2400" kern="1200" baseline="0">
+                <a:solidFill>
+                  <a:schemeClr val="accent3">
+                    <a:lumMod val="50000"/>
+                  </a:schemeClr>
+                </a:solidFill>
+                <a:latin typeface="+mn-lt"/>
+                <a:ea typeface="ＭＳ Ｐゴシック" charset="0"/>
+                <a:cs typeface="+mn-cs"/>
+              </a:defRPr>
+            </a:lvl4pPr>
+            <a:lvl5pPr marL="1068388" algn="l" defTabSz="1217613" rtl="0" eaLnBrk="1" fontAlgn="base" hangingPunct="1">
+              <a:spcBef>
+                <a:spcPts val="800"/>
+              </a:spcBef>
+              <a:spcAft>
+                <a:spcPts val="800"/>
+              </a:spcAft>
+              <a:buSzPct val="90000"/>
+              <a:buFont typeface="Arial" charset="0"/>
+              <a:defRPr sz="2000" kern="1200" baseline="0">
+                <a:solidFill>
+                  <a:schemeClr val="accent3">
+                    <a:lumMod val="50000"/>
+                  </a:schemeClr>
+                </a:solidFill>
+                <a:latin typeface="+mn-lt"/>
+                <a:ea typeface="ＭＳ Ｐゴシック" charset="0"/>
+                <a:cs typeface="+mn-cs"/>
+              </a:defRPr>
+            </a:lvl5pPr>
+            <a:lvl6pPr marL="3352582" indent="-304780" algn="l" defTabSz="1219120" rtl="0" eaLnBrk="1" latinLnBrk="0" hangingPunct="1">
+              <a:spcBef>
+                <a:spcPct val="20000"/>
+              </a:spcBef>
+              <a:buFont typeface="Arial" pitchFamily="34" charset="0"/>
+              <a:buChar char="•"/>
+              <a:defRPr sz="2667" kern="1200">
+                <a:solidFill>
+                  <a:schemeClr val="tx1"/>
+                </a:solidFill>
+                <a:latin typeface="+mn-lt"/>
+                <a:ea typeface="+mn-ea"/>
+                <a:cs typeface="+mn-cs"/>
+              </a:defRPr>
+            </a:lvl6pPr>
+            <a:lvl7pPr marL="3962142" indent="-304780" algn="l" defTabSz="1219120" rtl="0" eaLnBrk="1" latinLnBrk="0" hangingPunct="1">
+              <a:spcBef>
+                <a:spcPct val="20000"/>
+              </a:spcBef>
+              <a:buFont typeface="Arial" pitchFamily="34" charset="0"/>
+              <a:buChar char="•"/>
+              <a:defRPr sz="2667" kern="1200">
+                <a:solidFill>
+                  <a:schemeClr val="tx1"/>
+                </a:solidFill>
+                <a:latin typeface="+mn-lt"/>
+                <a:ea typeface="+mn-ea"/>
+                <a:cs typeface="+mn-cs"/>
+              </a:defRPr>
+            </a:lvl7pPr>
+            <a:lvl8pPr marL="4571703" indent="-304780" algn="l" defTabSz="1219120" rtl="0" eaLnBrk="1" latinLnBrk="0" hangingPunct="1">
+              <a:spcBef>
+                <a:spcPct val="20000"/>
+              </a:spcBef>
+              <a:buFont typeface="Arial" pitchFamily="34" charset="0"/>
+              <a:buChar char="•"/>
+              <a:defRPr sz="2667" kern="1200">
+                <a:solidFill>
+                  <a:schemeClr val="tx1"/>
+                </a:solidFill>
+                <a:latin typeface="+mn-lt"/>
+                <a:ea typeface="+mn-ea"/>
+                <a:cs typeface="+mn-cs"/>
+              </a:defRPr>
+            </a:lvl8pPr>
+            <a:lvl9pPr marL="5181264" indent="-304780" algn="l" defTabSz="1219120" rtl="0" eaLnBrk="1" latinLnBrk="0" hangingPunct="1">
+              <a:spcBef>
+                <a:spcPct val="20000"/>
+              </a:spcBef>
+              <a:buFont typeface="Arial" pitchFamily="34" charset="0"/>
+              <a:buChar char="•"/>
+              <a:defRPr sz="2667" kern="1200">
+                <a:solidFill>
+                  <a:schemeClr val="tx1"/>
+                </a:solidFill>
+                <a:latin typeface="+mn-lt"/>
+                <a:ea typeface="+mn-ea"/>
+                <a:cs typeface="+mn-cs"/>
+              </a:defRPr>
+            </a:lvl9pPr>
+          </a:lstStyle>
+          <a:p>
+            <a:r>
+              <a:rPr lang="en-US" dirty="0" smtClean="0"/>
+              <a:t>If you have permissions you can access a list of predefined DoD controls at this link:</a:t>
+            </a:r>
+          </a:p>
+          <a:p>
+            <a:endParaRPr lang="en-US" dirty="0" smtClean="0"/>
+          </a:p>
+          <a:p>
+            <a:r>
+              <a:rPr lang="en-US" dirty="0">
+                <a:hlinkClick r:id="rId3"/>
+              </a:rPr>
+              <a:t>https://</a:t>
+            </a:r>
+            <a:r>
+              <a:rPr lang="en-US" dirty="0" smtClean="0">
+                <a:hlinkClick r:id="rId3"/>
+              </a:rPr>
+              <a:t>github.com/chef/compliance-profiles/tree/DOD-STIG/stig/rhel6/test</a:t>
+            </a:r>
+            <a:endParaRPr lang="en-US" dirty="0" smtClean="0"/>
+          </a:p>
+          <a:p>
+            <a:endParaRPr lang="en-US" dirty="0" smtClean="0"/>
+          </a:p>
+          <a:p>
+            <a:endParaRPr lang="en-US" dirty="0" smtClean="0"/>
+          </a:p>
+          <a:p>
+            <a:r>
+              <a:rPr lang="en-US" dirty="0" smtClean="0"/>
+              <a:t/>
+            </a:r>
+            <a:br>
+              <a:rPr lang="en-US" dirty="0" smtClean="0"/>
+            </a:br>
+            <a:endParaRPr lang="en-US" dirty="0" smtClean="0"/>
+          </a:p>
+          <a:p>
+            <a:endParaRPr lang="en-US" dirty="0" smtClean="0"/>
+          </a:p>
+          <a:p>
+            <a:endParaRPr lang="en-US" dirty="0" smtClean="0"/>
+          </a:p>
+        </p:txBody>
+      </p:sp>
+    </p:spTree>
+    <p:extLst>
+      <p:ext uri="{BB962C8B-B14F-4D97-AF65-F5344CB8AC3E}">
+        <p14:creationId xmlns:p14="http://schemas.microsoft.com/office/powerpoint/2010/main" val="918827382"/>
+      </p:ext>
+    </p:extLst>
+  </p:cSld>
+  <p:clrMapOvr>
+    <a:masterClrMapping/>
+  </p:clrMapOvr>
+  <p:transition spd="med">
+    <p:fade/>
+  </p:transition>
+  <p:timing>
+    <p:tnLst>
+      <p:par>
+        <p:cTn id="1" dur="indefinite" restart="never" nodeType="tmRoot"/>
+      </p:par>
+    </p:tnLst>
+  </p:timing>
+</p:sld>
+</file>
+
 <file path=ppt/slides/slide37.xml><?xml version="1.0" encoding="utf-8"?>
 <p:sld xmlns:a="http://schemas.openxmlformats.org/drawingml/2006/main" xmlns:r="http://schemas.openxmlformats.org/officeDocument/2006/relationships" xmlns:p="http://schemas.openxmlformats.org/presentationml/2006/main">
   <p:cSld>
@@ -23650,507 +23649,141 @@
             <p:ph type="title"/>
           </p:nvPr>
         </p:nvSpPr>
-        <p:spPr>
-          <a:xfrm>
-            <a:off x="609599" y="304800"/>
-            <a:ext cx="15574263" cy="828675"/>
-          </a:xfrm>
-        </p:spPr>
-        <p:txBody>
-          <a:bodyPr>
-            <a:normAutofit fontScale="90000"/>
-          </a:bodyPr>
-          <a:lstStyle/>
-          <a:p>
-            <a:r>
-              <a:rPr lang="en-US" dirty="0" smtClean="0"/>
-              <a:t>GL: Writing Compliance Profiles from DoD Rules</a:t>
-            </a:r>
-            <a:endParaRPr lang="en-US" dirty="0"/>
-          </a:p>
-        </p:txBody>
-      </p:sp>
-      <p:sp>
-        <p:nvSpPr>
-          <p:cNvPr id="9" name="Text Placeholder 2"/>
-          <p:cNvSpPr>
-            <a:spLocks noGrp="1"/>
-          </p:cNvSpPr>
-          <p:nvPr>
-            <p:ph type="body" sz="quarter" idx="12"/>
-          </p:nvPr>
-        </p:nvSpPr>
-        <p:spPr>
-          <a:xfrm>
-            <a:off x="9540041" y="1172464"/>
-            <a:ext cx="6075880" cy="6766560"/>
-          </a:xfrm>
-          <a:ln>
-            <a:solidFill>
-              <a:schemeClr val="accent1"/>
-            </a:solidFill>
-          </a:ln>
-        </p:spPr>
+        <p:spPr/>
         <p:txBody>
           <a:bodyPr/>
           <a:lstStyle/>
           <a:p>
             <a:r>
-              <a:rPr lang="en-US" sz="2000" b="1" dirty="0" smtClean="0">
-                <a:latin typeface="Courier New" panose="02070309020205020404" pitchFamily="49" charset="0"/>
-                <a:cs typeface="Courier New" panose="02070309020205020404" pitchFamily="49" charset="0"/>
+              <a:rPr lang="en-US" dirty="0" smtClean="0"/>
+              <a:t>DoD </a:t>
+            </a:r>
+            <a:r>
+              <a:rPr lang="en-US" dirty="0"/>
+              <a:t>STIG References</a:t>
+            </a:r>
+          </a:p>
+        </p:txBody>
+      </p:sp>
+      <p:sp>
+        <p:nvSpPr>
+          <p:cNvPr id="3" name="Text Placeholder 2"/>
+          <p:cNvSpPr>
+            <a:spLocks noGrp="1"/>
+          </p:cNvSpPr>
+          <p:nvPr>
+            <p:ph type="body" sz="quarter" idx="12"/>
+          </p:nvPr>
+        </p:nvSpPr>
+        <p:spPr/>
+        <p:txBody>
+          <a:bodyPr/>
+          <a:lstStyle/>
+          <a:p>
+            <a:r>
+              <a:rPr lang="en-US" b="1" dirty="0"/>
+              <a:t>Windows 2012 </a:t>
+            </a:r>
+            <a:r>
+              <a:rPr lang="en-US" dirty="0"/>
+              <a:t>- </a:t>
+            </a:r>
+            <a:r>
+              <a:rPr lang="en-US" dirty="0">
+                <a:hlinkClick r:id="rId2"/>
               </a:rPr>
-              <a:t>#</a:t>
-            </a:r>
-            <a:r>
-              <a:rPr lang="en-US" sz="2000" b="1" dirty="0">
-                <a:latin typeface="Courier New" panose="02070309020205020404" pitchFamily="49" charset="0"/>
-                <a:cs typeface="Courier New" panose="02070309020205020404" pitchFamily="49" charset="0"/>
+              <a:t>http://</a:t>
+            </a:r>
+            <a:r>
+              <a:rPr lang="en-US" dirty="0" smtClean="0">
+                <a:hlinkClick r:id="rId2"/>
               </a:rPr>
-              <a:t>The /etc/</a:t>
-            </a:r>
-            <a:r>
-              <a:rPr lang="en-US" sz="2000" b="1" dirty="0" err="1">
-                <a:latin typeface="Courier New" panose="02070309020205020404" pitchFamily="49" charset="0"/>
-                <a:cs typeface="Courier New" panose="02070309020205020404" pitchFamily="49" charset="0"/>
+              <a:t>iase.disa.mil/stigs/os/windows/Pages/2012.aspx</a:t>
+            </a:r>
+            <a:endParaRPr lang="en-US" dirty="0" smtClean="0"/>
+          </a:p>
+          <a:p>
+            <a:endParaRPr lang="en-US" dirty="0" smtClean="0"/>
+          </a:p>
+          <a:p>
+            <a:r>
+              <a:rPr lang="en-US" b="1" dirty="0" smtClean="0"/>
+              <a:t>Unix/Linux </a:t>
+            </a:r>
+            <a:r>
+              <a:rPr lang="en-US" b="1" dirty="0"/>
+              <a:t>(Red Hat</a:t>
+            </a:r>
+            <a:r>
+              <a:rPr lang="en-US" b="1" dirty="0" smtClean="0"/>
+              <a:t>) </a:t>
+            </a:r>
+            <a:r>
+              <a:rPr lang="en-US" dirty="0" smtClean="0"/>
+              <a:t>- </a:t>
+            </a:r>
+            <a:r>
+              <a:rPr lang="en-US" dirty="0" smtClean="0">
+                <a:hlinkClick r:id="rId3"/>
               </a:rPr>
-              <a:t>gshadow</a:t>
-            </a:r>
-            <a:r>
-              <a:rPr lang="en-US" sz="2000" b="1" dirty="0">
-                <a:latin typeface="Courier New" panose="02070309020205020404" pitchFamily="49" charset="0"/>
-                <a:cs typeface="Courier New" panose="02070309020205020404" pitchFamily="49" charset="0"/>
-              </a:rPr>
-              <a:t> file must be owned by root</a:t>
-            </a:r>
-            <a:r>
-              <a:rPr lang="en-US" sz="2000" b="1" dirty="0" smtClean="0">
-                <a:latin typeface="Courier New" panose="02070309020205020404" pitchFamily="49" charset="0"/>
-                <a:cs typeface="Courier New" panose="02070309020205020404" pitchFamily="49" charset="0"/>
-              </a:rPr>
-              <a:t>.</a:t>
-            </a:r>
-            <a:endParaRPr lang="en-US" sz="2000" b="1" dirty="0">
-              <a:latin typeface="Courier New" panose="02070309020205020404" pitchFamily="49" charset="0"/>
-              <a:cs typeface="Courier New" panose="02070309020205020404" pitchFamily="49" charset="0"/>
-            </a:endParaRPr>
-          </a:p>
-          <a:p>
-            <a:r>
-              <a:rPr lang="en-US" sz="2000" b="1" dirty="0">
-                <a:latin typeface="Courier New" panose="02070309020205020404" pitchFamily="49" charset="0"/>
-                <a:cs typeface="Courier New" panose="02070309020205020404" pitchFamily="49" charset="0"/>
-              </a:rPr>
-              <a:t>#Severity: </a:t>
-            </a:r>
-            <a:r>
-              <a:rPr lang="en-US" sz="2000" b="1" dirty="0" smtClean="0">
-                <a:latin typeface="Courier New" panose="02070309020205020404" pitchFamily="49" charset="0"/>
-                <a:cs typeface="Courier New" panose="02070309020205020404" pitchFamily="49" charset="0"/>
-              </a:rPr>
-              <a:t>Medium</a:t>
-            </a:r>
-            <a:endParaRPr lang="en-US" sz="2000" b="1" dirty="0">
-              <a:latin typeface="Courier New" panose="02070309020205020404" pitchFamily="49" charset="0"/>
-              <a:cs typeface="Courier New" panose="02070309020205020404" pitchFamily="49" charset="0"/>
-            </a:endParaRPr>
-          </a:p>
-          <a:p>
-            <a:r>
-              <a:rPr lang="en-US" sz="2000" b="1" dirty="0">
-                <a:latin typeface="Courier New" panose="02070309020205020404" pitchFamily="49" charset="0"/>
-                <a:cs typeface="Courier New" panose="02070309020205020404" pitchFamily="49" charset="0"/>
-              </a:rPr>
-              <a:t>#The "/etc/</a:t>
-            </a:r>
-            <a:r>
-              <a:rPr lang="en-US" sz="2000" b="1" dirty="0" err="1">
-                <a:latin typeface="Courier New" panose="02070309020205020404" pitchFamily="49" charset="0"/>
-                <a:cs typeface="Courier New" panose="02070309020205020404" pitchFamily="49" charset="0"/>
-              </a:rPr>
-              <a:t>gshadow</a:t>
-            </a:r>
-            <a:r>
-              <a:rPr lang="en-US" sz="2000" b="1" dirty="0">
-                <a:latin typeface="Courier New" panose="02070309020205020404" pitchFamily="49" charset="0"/>
-                <a:cs typeface="Courier New" panose="02070309020205020404" pitchFamily="49" charset="0"/>
-              </a:rPr>
-              <a:t>" file contains group password hashes. Protection of this</a:t>
-            </a:r>
-          </a:p>
-          <a:p>
-            <a:r>
-              <a:rPr lang="en-US" sz="2000" b="1" dirty="0">
-                <a:latin typeface="Courier New" panose="02070309020205020404" pitchFamily="49" charset="0"/>
-                <a:cs typeface="Courier New" panose="02070309020205020404" pitchFamily="49" charset="0"/>
-              </a:rPr>
-              <a:t>#file is critical for system security.</a:t>
-            </a:r>
-          </a:p>
-          <a:p>
-            <a:endParaRPr lang="en-US" sz="2000" b="1" dirty="0">
-              <a:latin typeface="Courier New" panose="02070309020205020404" pitchFamily="49" charset="0"/>
-              <a:cs typeface="Courier New" panose="02070309020205020404" pitchFamily="49" charset="0"/>
-            </a:endParaRPr>
-          </a:p>
-          <a:p>
-            <a:r>
-              <a:rPr lang="en-US" sz="2000" b="1" dirty="0">
-                <a:latin typeface="Courier New" panose="02070309020205020404" pitchFamily="49" charset="0"/>
-                <a:cs typeface="Courier New" panose="02070309020205020404" pitchFamily="49" charset="0"/>
-              </a:rPr>
-              <a:t>control 'v-38443-gshadow' do</a:t>
-            </a:r>
-          </a:p>
-          <a:p>
-            <a:r>
-              <a:rPr lang="en-US" sz="2000" b="1" dirty="0">
-                <a:latin typeface="Courier New" panose="02070309020205020404" pitchFamily="49" charset="0"/>
-                <a:cs typeface="Courier New" panose="02070309020205020404" pitchFamily="49" charset="0"/>
-              </a:rPr>
-              <a:t>  impact 0.5</a:t>
-            </a:r>
-          </a:p>
-          <a:p>
-            <a:r>
-              <a:rPr lang="en-US" sz="2000" b="1" dirty="0">
-                <a:latin typeface="Courier New" panose="02070309020205020404" pitchFamily="49" charset="0"/>
-                <a:cs typeface="Courier New" panose="02070309020205020404" pitchFamily="49" charset="0"/>
-              </a:rPr>
-              <a:t>  title 'v-38443: verify </a:t>
-            </a:r>
-            <a:r>
-              <a:rPr lang="en-US" sz="2000" b="1" dirty="0" err="1">
-                <a:latin typeface="Courier New" panose="02070309020205020404" pitchFamily="49" charset="0"/>
-                <a:cs typeface="Courier New" panose="02070309020205020404" pitchFamily="49" charset="0"/>
-              </a:rPr>
-              <a:t>gshadow</a:t>
-            </a:r>
-            <a:r>
-              <a:rPr lang="en-US" sz="2000" b="1" dirty="0">
-                <a:latin typeface="Courier New" panose="02070309020205020404" pitchFamily="49" charset="0"/>
-                <a:cs typeface="Courier New" panose="02070309020205020404" pitchFamily="49" charset="0"/>
-              </a:rPr>
-              <a:t> is owned by root'</a:t>
-            </a:r>
-          </a:p>
-          <a:p>
-            <a:r>
-              <a:rPr lang="en-US" sz="2000" b="1" dirty="0">
-                <a:latin typeface="Courier New" panose="02070309020205020404" pitchFamily="49" charset="0"/>
-                <a:cs typeface="Courier New" panose="02070309020205020404" pitchFamily="49" charset="0"/>
-              </a:rPr>
-              <a:t>  describe file('/etc/</a:t>
-            </a:r>
-            <a:r>
-              <a:rPr lang="en-US" sz="2000" b="1" dirty="0" err="1">
-                <a:latin typeface="Courier New" panose="02070309020205020404" pitchFamily="49" charset="0"/>
-                <a:cs typeface="Courier New" panose="02070309020205020404" pitchFamily="49" charset="0"/>
-              </a:rPr>
-              <a:t>gshadow</a:t>
-            </a:r>
-            <a:r>
-              <a:rPr lang="en-US" sz="2000" b="1" dirty="0">
-                <a:latin typeface="Courier New" panose="02070309020205020404" pitchFamily="49" charset="0"/>
-                <a:cs typeface="Courier New" panose="02070309020205020404" pitchFamily="49" charset="0"/>
-              </a:rPr>
-              <a:t>') do</a:t>
-            </a:r>
-          </a:p>
-          <a:p>
-            <a:r>
-              <a:rPr lang="en-US" sz="2000" b="1" dirty="0">
-                <a:latin typeface="Courier New" panose="02070309020205020404" pitchFamily="49" charset="0"/>
-                <a:cs typeface="Courier New" panose="02070309020205020404" pitchFamily="49" charset="0"/>
-              </a:rPr>
-              <a:t>    it { should </a:t>
-            </a:r>
-            <a:r>
-              <a:rPr lang="en-US" sz="2000" b="1" dirty="0" err="1">
-                <a:latin typeface="Courier New" panose="02070309020205020404" pitchFamily="49" charset="0"/>
-                <a:cs typeface="Courier New" panose="02070309020205020404" pitchFamily="49" charset="0"/>
-              </a:rPr>
-              <a:t>be_owned_by</a:t>
-            </a:r>
-            <a:r>
-              <a:rPr lang="en-US" sz="2000" b="1" dirty="0">
-                <a:latin typeface="Courier New" panose="02070309020205020404" pitchFamily="49" charset="0"/>
-                <a:cs typeface="Courier New" panose="02070309020205020404" pitchFamily="49" charset="0"/>
-              </a:rPr>
-              <a:t> 'root' }</a:t>
-            </a:r>
-          </a:p>
-          <a:p>
-            <a:r>
-              <a:rPr lang="en-US" sz="2000" b="1" dirty="0">
-                <a:latin typeface="Courier New" panose="02070309020205020404" pitchFamily="49" charset="0"/>
-                <a:cs typeface="Courier New" panose="02070309020205020404" pitchFamily="49" charset="0"/>
-              </a:rPr>
-              <a:t>  end</a:t>
-            </a:r>
-          </a:p>
-          <a:p>
-            <a:r>
-              <a:rPr lang="en-US" sz="2000" b="1" dirty="0">
-                <a:latin typeface="Courier New" panose="02070309020205020404" pitchFamily="49" charset="0"/>
-                <a:cs typeface="Courier New" panose="02070309020205020404" pitchFamily="49" charset="0"/>
-              </a:rPr>
-              <a:t>end</a:t>
-            </a:r>
-          </a:p>
-          <a:p>
-            <a:r>
-              <a:rPr lang="en-US" sz="2000" b="1" dirty="0" smtClean="0"/>
-              <a:t/>
-            </a:r>
-            <a:br>
-              <a:rPr lang="en-US" sz="2000" b="1" dirty="0" smtClean="0"/>
-            </a:br>
-            <a:endParaRPr lang="en-US" sz="2000" b="1" dirty="0" smtClean="0"/>
-          </a:p>
-          <a:p>
-            <a:endParaRPr lang="en-US" dirty="0"/>
-          </a:p>
-          <a:p>
-            <a:endParaRPr lang="en-US" dirty="0" smtClean="0"/>
-          </a:p>
-        </p:txBody>
-      </p:sp>
-      <p:sp>
-        <p:nvSpPr>
-          <p:cNvPr id="6" name="Text Placeholder 2"/>
-          <p:cNvSpPr txBox="1">
-            <a:spLocks/>
-          </p:cNvSpPr>
-          <p:nvPr/>
-        </p:nvSpPr>
-        <p:spPr bwMode="white">
-          <a:xfrm>
-            <a:off x="676656" y="1856198"/>
-            <a:ext cx="7662672" cy="5345953"/>
-          </a:xfrm>
-          <a:prstGeom prst="rect">
-            <a:avLst/>
-          </a:prstGeom>
-        </p:spPr>
-        <p:txBody>
-          <a:bodyPr vert="horz" wrap="square" lIns="0" tIns="0" rIns="0" bIns="0" rtlCol="0">
-            <a:noAutofit/>
-          </a:bodyPr>
-          <a:lstStyle>
-            <a:lvl1pPr algn="l" defTabSz="1217613" rtl="0" eaLnBrk="1" fontAlgn="base" hangingPunct="1">
-              <a:spcBef>
-                <a:spcPts val="800"/>
-              </a:spcBef>
-              <a:spcAft>
-                <a:spcPts val="800"/>
-              </a:spcAft>
-              <a:buSzPct val="90000"/>
-              <a:buFont typeface="Arial" charset="0"/>
-              <a:defRPr sz="3200" kern="1200" baseline="0">
-                <a:solidFill>
-                  <a:schemeClr val="accent3">
-                    <a:lumMod val="50000"/>
-                  </a:schemeClr>
-                </a:solidFill>
-                <a:latin typeface="+mn-lt"/>
-                <a:ea typeface="ＭＳ Ｐゴシック" charset="0"/>
-                <a:cs typeface="ＭＳ Ｐゴシック" charset="0"/>
-              </a:defRPr>
-            </a:lvl1pPr>
-            <a:lvl2pPr marL="307975" algn="l" defTabSz="1217613" rtl="0" eaLnBrk="1" fontAlgn="base" hangingPunct="1">
-              <a:spcBef>
-                <a:spcPts val="800"/>
-              </a:spcBef>
-              <a:spcAft>
-                <a:spcPts val="800"/>
-              </a:spcAft>
-              <a:buSzPct val="90000"/>
-              <a:buFont typeface="Arial" charset="0"/>
-              <a:defRPr sz="2800" kern="1200" baseline="0">
-                <a:solidFill>
-                  <a:schemeClr val="accent3">
-                    <a:lumMod val="50000"/>
-                  </a:schemeClr>
-                </a:solidFill>
-                <a:latin typeface="+mn-lt"/>
-                <a:ea typeface="ＭＳ Ｐゴシック" charset="0"/>
-                <a:cs typeface="+mn-cs"/>
-              </a:defRPr>
-            </a:lvl2pPr>
-            <a:lvl3pPr marL="608013" algn="l" defTabSz="1217613" rtl="0" eaLnBrk="1" fontAlgn="base" hangingPunct="1">
-              <a:spcBef>
-                <a:spcPts val="800"/>
-              </a:spcBef>
-              <a:spcAft>
-                <a:spcPts val="800"/>
-              </a:spcAft>
-              <a:buSzPct val="90000"/>
-              <a:buFont typeface="Arial" charset="0"/>
-              <a:defRPr sz="2400" kern="1200" baseline="0">
-                <a:solidFill>
-                  <a:schemeClr val="accent3">
-                    <a:lumMod val="50000"/>
-                  </a:schemeClr>
-                </a:solidFill>
-                <a:latin typeface="+mn-lt"/>
-                <a:ea typeface="ＭＳ Ｐゴシック" charset="0"/>
-                <a:cs typeface="+mn-cs"/>
-              </a:defRPr>
-            </a:lvl3pPr>
-            <a:lvl4pPr marL="839788" algn="l" defTabSz="1217613" rtl="0" eaLnBrk="1" fontAlgn="base" hangingPunct="1">
-              <a:spcBef>
-                <a:spcPts val="800"/>
-              </a:spcBef>
-              <a:spcAft>
-                <a:spcPts val="800"/>
-              </a:spcAft>
-              <a:buSzPct val="90000"/>
-              <a:buFont typeface="Arial" charset="0"/>
-              <a:defRPr sz="2400" kern="1200" baseline="0">
-                <a:solidFill>
-                  <a:schemeClr val="accent3">
-                    <a:lumMod val="50000"/>
-                  </a:schemeClr>
-                </a:solidFill>
-                <a:latin typeface="+mn-lt"/>
-                <a:ea typeface="ＭＳ Ｐゴシック" charset="0"/>
-                <a:cs typeface="+mn-cs"/>
-              </a:defRPr>
-            </a:lvl4pPr>
-            <a:lvl5pPr marL="1068388" algn="l" defTabSz="1217613" rtl="0" eaLnBrk="1" fontAlgn="base" hangingPunct="1">
-              <a:spcBef>
-                <a:spcPts val="800"/>
-              </a:spcBef>
-              <a:spcAft>
-                <a:spcPts val="800"/>
-              </a:spcAft>
-              <a:buSzPct val="90000"/>
-              <a:buFont typeface="Arial" charset="0"/>
-              <a:defRPr sz="2000" kern="1200" baseline="0">
-                <a:solidFill>
-                  <a:schemeClr val="accent3">
-                    <a:lumMod val="50000"/>
-                  </a:schemeClr>
-                </a:solidFill>
-                <a:latin typeface="+mn-lt"/>
-                <a:ea typeface="ＭＳ Ｐゴシック" charset="0"/>
-                <a:cs typeface="+mn-cs"/>
-              </a:defRPr>
-            </a:lvl5pPr>
-            <a:lvl6pPr marL="3352582" indent="-304780" algn="l" defTabSz="1219120" rtl="0" eaLnBrk="1" latinLnBrk="0" hangingPunct="1">
-              <a:spcBef>
-                <a:spcPct val="20000"/>
-              </a:spcBef>
-              <a:buFont typeface="Arial" pitchFamily="34" charset="0"/>
-              <a:buChar char="•"/>
-              <a:defRPr sz="2667" kern="1200">
-                <a:solidFill>
-                  <a:schemeClr val="tx1"/>
-                </a:solidFill>
-                <a:latin typeface="+mn-lt"/>
-                <a:ea typeface="+mn-ea"/>
-                <a:cs typeface="+mn-cs"/>
-              </a:defRPr>
-            </a:lvl6pPr>
-            <a:lvl7pPr marL="3962142" indent="-304780" algn="l" defTabSz="1219120" rtl="0" eaLnBrk="1" latinLnBrk="0" hangingPunct="1">
-              <a:spcBef>
-                <a:spcPct val="20000"/>
-              </a:spcBef>
-              <a:buFont typeface="Arial" pitchFamily="34" charset="0"/>
-              <a:buChar char="•"/>
-              <a:defRPr sz="2667" kern="1200">
-                <a:solidFill>
-                  <a:schemeClr val="tx1"/>
-                </a:solidFill>
-                <a:latin typeface="+mn-lt"/>
-                <a:ea typeface="+mn-ea"/>
-                <a:cs typeface="+mn-cs"/>
-              </a:defRPr>
-            </a:lvl7pPr>
-            <a:lvl8pPr marL="4571703" indent="-304780" algn="l" defTabSz="1219120" rtl="0" eaLnBrk="1" latinLnBrk="0" hangingPunct="1">
-              <a:spcBef>
-                <a:spcPct val="20000"/>
-              </a:spcBef>
-              <a:buFont typeface="Arial" pitchFamily="34" charset="0"/>
-              <a:buChar char="•"/>
-              <a:defRPr sz="2667" kern="1200">
-                <a:solidFill>
-                  <a:schemeClr val="tx1"/>
-                </a:solidFill>
-                <a:latin typeface="+mn-lt"/>
-                <a:ea typeface="+mn-ea"/>
-                <a:cs typeface="+mn-cs"/>
-              </a:defRPr>
-            </a:lvl8pPr>
-            <a:lvl9pPr marL="5181264" indent="-304780" algn="l" defTabSz="1219120" rtl="0" eaLnBrk="1" latinLnBrk="0" hangingPunct="1">
-              <a:spcBef>
-                <a:spcPct val="20000"/>
-              </a:spcBef>
-              <a:buFont typeface="Arial" pitchFamily="34" charset="0"/>
-              <a:buChar char="•"/>
-              <a:defRPr sz="2667" kern="1200">
-                <a:solidFill>
-                  <a:schemeClr val="tx1"/>
-                </a:solidFill>
-                <a:latin typeface="+mn-lt"/>
-                <a:ea typeface="+mn-ea"/>
-                <a:cs typeface="+mn-cs"/>
-              </a:defRPr>
-            </a:lvl9pPr>
-          </a:lstStyle>
-          <a:p>
-            <a:r>
-              <a:rPr lang="en-US" dirty="0" smtClean="0"/>
-              <a:t>If you have permissions you can access a list of predefined DoD controls at this link:</a:t>
-            </a:r>
-          </a:p>
-          <a:p>
-            <a:endParaRPr lang="en-US" dirty="0" smtClean="0"/>
-          </a:p>
-          <a:p>
+              <a:t>http</a:t>
+            </a:r>
             <a:r>
               <a:rPr lang="en-US" dirty="0">
                 <a:hlinkClick r:id="rId3"/>
               </a:rPr>
-              <a:t>https://</a:t>
+              <a:t>://</a:t>
             </a:r>
             <a:r>
               <a:rPr lang="en-US" dirty="0" smtClean="0">
                 <a:hlinkClick r:id="rId3"/>
               </a:rPr>
-              <a:t>github.com/chef/compliance-profiles/tree/DOD-STIG/stig/rhel6/test</a:t>
+              <a:t>iase.disa.mil/stigs/os/unix-linux/Pages/red-hat.aspx</a:t>
             </a:r>
             <a:endParaRPr lang="en-US" dirty="0" smtClean="0"/>
           </a:p>
           <a:p>
+            <a:endParaRPr lang="en-US" dirty="0"/>
+          </a:p>
+          <a:p>
+            <a:r>
+              <a:rPr lang="en-US" b="1" dirty="0" smtClean="0"/>
+              <a:t>All </a:t>
+            </a:r>
+            <a:r>
+              <a:rPr lang="en-US" b="1" dirty="0"/>
+              <a:t>Operating Systems </a:t>
+            </a:r>
+            <a:r>
+              <a:rPr lang="en-US" dirty="0"/>
+              <a:t>- </a:t>
+            </a:r>
+            <a:r>
+              <a:rPr lang="en-US" dirty="0">
+                <a:hlinkClick r:id="rId4"/>
+              </a:rPr>
+              <a:t>http://</a:t>
+            </a:r>
+            <a:r>
+              <a:rPr lang="en-US" dirty="0" smtClean="0">
+                <a:hlinkClick r:id="rId4"/>
+              </a:rPr>
+              <a:t>iase.disa.mil/stigs/os/Pages/index.aspx</a:t>
+            </a:r>
             <a:endParaRPr lang="en-US" dirty="0" smtClean="0"/>
           </a:p>
           <a:p>
-            <a:endParaRPr lang="en-US" dirty="0" smtClean="0"/>
-          </a:p>
-          <a:p>
-            <a:r>
-              <a:rPr lang="en-US" dirty="0" smtClean="0"/>
-              <a:t/>
-            </a:r>
-            <a:br>
-              <a:rPr lang="en-US" dirty="0" smtClean="0"/>
-            </a:br>
-            <a:endParaRPr lang="en-US" dirty="0" smtClean="0"/>
-          </a:p>
-          <a:p>
-            <a:endParaRPr lang="en-US" dirty="0" smtClean="0"/>
-          </a:p>
-          <a:p>
-            <a:endParaRPr lang="en-US" dirty="0" smtClean="0"/>
+            <a:endParaRPr lang="en-US" dirty="0"/>
+          </a:p>
+          <a:p>
+            <a:endParaRPr lang="en-US" dirty="0"/>
           </a:p>
         </p:txBody>
       </p:sp>
     </p:spTree>
     <p:extLst>
       <p:ext uri="{BB962C8B-B14F-4D97-AF65-F5344CB8AC3E}">
-        <p14:creationId xmlns:p14="http://schemas.microsoft.com/office/powerpoint/2010/main" val="918827382"/>
+        <p14:creationId xmlns:p14="http://schemas.microsoft.com/office/powerpoint/2010/main" val="2079614084"/>
       </p:ext>
     </p:extLst>
   </p:cSld>
@@ -24199,139 +23832,99 @@
         </p:nvSpPr>
         <p:spPr/>
         <p:txBody>
+          <a:bodyPr>
+            <a:normAutofit fontScale="90000"/>
+          </a:bodyPr>
+          <a:lstStyle/>
+          <a:p>
+            <a:r>
+              <a:rPr lang="en-US" dirty="0"/>
+              <a:t>Compliance </a:t>
+            </a:r>
+            <a:r>
+              <a:rPr lang="en-US" dirty="0" smtClean="0"/>
+              <a:t>Profiles for Compliance Premium</a:t>
+            </a:r>
+            <a:br>
+              <a:rPr lang="en-US" dirty="0" smtClean="0"/>
+            </a:br>
+            <a:endParaRPr lang="en-US" dirty="0"/>
+          </a:p>
+        </p:txBody>
+      </p:sp>
+      <p:sp>
+        <p:nvSpPr>
+          <p:cNvPr id="6" name="Text Placeholder 2"/>
+          <p:cNvSpPr>
+            <a:spLocks noGrp="1"/>
+          </p:cNvSpPr>
+          <p:nvPr>
+            <p:ph type="body" sz="quarter" idx="12"/>
+          </p:nvPr>
+        </p:nvSpPr>
+        <p:spPr/>
+        <p:txBody>
           <a:bodyPr/>
           <a:lstStyle/>
           <a:p>
+            <a:endParaRPr lang="en-US" dirty="0" smtClean="0"/>
+          </a:p>
+          <a:p>
             <a:r>
               <a:rPr lang="en-US" dirty="0" smtClean="0"/>
-              <a:t>DoD </a:t>
+              <a:t>Chef Compliance Premium customers can download all </a:t>
             </a:r>
             <a:r>
               <a:rPr lang="en-US" dirty="0"/>
-              <a:t>STIG References</a:t>
-            </a:r>
-          </a:p>
-        </p:txBody>
-      </p:sp>
-      <p:sp>
-        <p:nvSpPr>
-          <p:cNvPr id="3" name="Text Placeholder 2"/>
-          <p:cNvSpPr>
-            <a:spLocks noGrp="1"/>
-          </p:cNvSpPr>
-          <p:nvPr>
-            <p:ph type="body" sz="quarter" idx="12"/>
-          </p:nvPr>
-        </p:nvSpPr>
-        <p:spPr/>
-        <p:txBody>
-          <a:bodyPr/>
-          <a:lstStyle/>
-          <a:p>
-            <a:r>
-              <a:rPr lang="en-US" b="1" dirty="0"/>
-              <a:t>Windows 2012 </a:t>
+              <a:t>CIS </a:t>
+            </a:r>
+            <a:r>
+              <a:rPr lang="en-US" dirty="0" smtClean="0"/>
+              <a:t>profiles in a package that can be directly uploaded to the Chef </a:t>
             </a:r>
             <a:r>
               <a:rPr lang="en-US" dirty="0"/>
-              <a:t>- </a:t>
-            </a:r>
-            <a:r>
-              <a:rPr lang="en-US" dirty="0">
-                <a:hlinkClick r:id="rId2"/>
-              </a:rPr>
-              <a:t>http://</a:t>
-            </a:r>
-            <a:r>
-              <a:rPr lang="en-US" dirty="0" smtClean="0">
-                <a:hlinkClick r:id="rId2"/>
-              </a:rPr>
-              <a:t>iase.disa.mil/stigs/os/windows/Pages/2012.aspx</a:t>
+              <a:t>C</a:t>
+            </a:r>
+            <a:r>
+              <a:rPr lang="en-US" dirty="0" smtClean="0"/>
+              <a:t>ompliance server.</a:t>
+            </a:r>
+          </a:p>
+          <a:p>
+            <a:endParaRPr lang="en-US" dirty="0"/>
+          </a:p>
+          <a:p>
+            <a:r>
+              <a:rPr lang="en-US" dirty="0" smtClean="0"/>
+              <a:t>In the near future, NIST </a:t>
+            </a:r>
+            <a:r>
+              <a:rPr lang="en-US" dirty="0"/>
+              <a:t>Security </a:t>
+            </a:r>
+            <a:r>
+              <a:rPr lang="en-US" dirty="0" smtClean="0"/>
+              <a:t>Standards/DoD profiles will be available </a:t>
+            </a:r>
+            <a:r>
+              <a:rPr lang="en-US" dirty="0"/>
+              <a:t>for Chef Compliance Premium customers in a package that can be directly uploaded to the Chef Compliance server.</a:t>
             </a:r>
             <a:endParaRPr lang="en-US" dirty="0" smtClean="0"/>
           </a:p>
           <a:p>
+            <a:endParaRPr lang="en-US" dirty="0"/>
+          </a:p>
+          <a:p>
             <a:endParaRPr lang="en-US" dirty="0" smtClean="0"/>
-          </a:p>
-          <a:p>
-            <a:r>
-              <a:rPr lang="en-US" b="1" dirty="0" smtClean="0"/>
-              <a:t>Unix/Linux </a:t>
-            </a:r>
-            <a:r>
-              <a:rPr lang="en-US" b="1" dirty="0"/>
-              <a:t>(Red Hat</a:t>
-            </a:r>
-            <a:r>
-              <a:rPr lang="en-US" b="1" dirty="0" smtClean="0"/>
-              <a:t>) </a:t>
-            </a:r>
-            <a:r>
-              <a:rPr lang="en-US" dirty="0" smtClean="0"/>
-              <a:t>- </a:t>
-            </a:r>
-            <a:r>
-              <a:rPr lang="en-US" dirty="0" smtClean="0">
-                <a:hlinkClick r:id="rId3"/>
-              </a:rPr>
-              <a:t>http</a:t>
-            </a:r>
-            <a:r>
-              <a:rPr lang="en-US" dirty="0">
-                <a:hlinkClick r:id="rId3"/>
-              </a:rPr>
-              <a:t>://</a:t>
-            </a:r>
-            <a:r>
-              <a:rPr lang="en-US" dirty="0" smtClean="0">
-                <a:hlinkClick r:id="rId3"/>
-              </a:rPr>
-              <a:t>iase.disa.mil/stigs/os/unix-linux/Pages/red-hat.aspx</a:t>
-            </a:r>
-            <a:endParaRPr lang="en-US" dirty="0" smtClean="0"/>
-          </a:p>
-          <a:p>
-            <a:endParaRPr lang="en-US" dirty="0"/>
-          </a:p>
-          <a:p>
-            <a:r>
-              <a:rPr lang="en-US" b="1" dirty="0" smtClean="0"/>
-              <a:t>All </a:t>
-            </a:r>
-            <a:r>
-              <a:rPr lang="en-US" b="1" dirty="0"/>
-              <a:t>Operating Systems </a:t>
-            </a:r>
-            <a:r>
-              <a:rPr lang="en-US" dirty="0"/>
-              <a:t>- </a:t>
-            </a:r>
-            <a:r>
-              <a:rPr lang="en-US" dirty="0">
-                <a:hlinkClick r:id="rId4"/>
-              </a:rPr>
-              <a:t>http://</a:t>
-            </a:r>
-            <a:r>
-              <a:rPr lang="en-US" dirty="0" smtClean="0">
-                <a:hlinkClick r:id="rId4"/>
-              </a:rPr>
-              <a:t>iase.disa.mil/stigs/os/Pages/index.aspx</a:t>
-            </a:r>
-            <a:endParaRPr lang="en-US" dirty="0" smtClean="0"/>
-          </a:p>
-          <a:p>
-            <a:endParaRPr lang="en-US" dirty="0"/>
-          </a:p>
-          <a:p>
-            <a:endParaRPr lang="en-US" dirty="0"/>
           </a:p>
         </p:txBody>
       </p:sp>
     </p:spTree>
     <p:extLst>
       <p:ext uri="{BB962C8B-B14F-4D97-AF65-F5344CB8AC3E}">
-        <p14:creationId xmlns:p14="http://schemas.microsoft.com/office/powerpoint/2010/main" val="2079614084"/>
+        <p14:creationId xmlns:p14="http://schemas.microsoft.com/office/powerpoint/2010/main" val="3892361897"/>
       </p:ext>
     </p:extLst>
   </p:cSld>
@@ -24370,67 +23963,169 @@
       </p:grpSpPr>
       <p:sp>
         <p:nvSpPr>
-          <p:cNvPr id="2" name="Title 1"/>
-          <p:cNvSpPr>
-            <a:spLocks noGrp="1"/>
-          </p:cNvSpPr>
-          <p:nvPr>
-            <p:ph type="title"/>
-          </p:nvPr>
-        </p:nvSpPr>
-        <p:spPr/>
-        <p:txBody>
-          <a:bodyPr>
-            <a:normAutofit fontScale="90000"/>
-          </a:bodyPr>
-          <a:lstStyle/>
-          <a:p>
-            <a:r>
-              <a:rPr lang="en-US" dirty="0" smtClean="0"/>
-              <a:t>GL: </a:t>
-            </a:r>
-            <a:r>
-              <a:rPr lang="en-US" dirty="0"/>
-              <a:t>TBD SCAP Roadmap.</a:t>
-            </a:r>
-            <a:br>
-              <a:rPr lang="en-US" dirty="0"/>
-            </a:br>
-            <a:endParaRPr lang="en-US" dirty="0"/>
-          </a:p>
-        </p:txBody>
-      </p:sp>
-      <p:sp>
-        <p:nvSpPr>
-          <p:cNvPr id="6" name="Text Placeholder 2"/>
-          <p:cNvSpPr>
-            <a:spLocks noGrp="1"/>
-          </p:cNvSpPr>
-          <p:nvPr>
-            <p:ph type="body" sz="quarter" idx="12"/>
-          </p:nvPr>
+          <p:cNvPr id="2" name="Footer Placeholder 1"/>
+          <p:cNvSpPr txBox="1">
+            <a:spLocks/>
+          </p:cNvSpPr>
+          <p:nvPr/>
         </p:nvSpPr>
         <p:spPr>
           <a:xfrm>
-            <a:off x="650040" y="1133476"/>
-            <a:ext cx="15461687" cy="6068676"/>
+            <a:off x="324400" y="8579607"/>
+            <a:ext cx="5681953" cy="507556"/>
           </a:xfrm>
+          <a:prstGeom prst="rect">
+            <a:avLst/>
+          </a:prstGeom>
         </p:spPr>
         <p:txBody>
           <a:bodyPr/>
-          <a:lstStyle/>
-          <a:p>
-            <a:endParaRPr lang="en-US" sz="2000" dirty="0" smtClean="0"/>
-          </a:p>
-          <a:p>
-            <a:endParaRPr lang="en-US" sz="2000" dirty="0" smtClean="0"/>
+          <a:lstStyle>
+            <a:defPPr>
+              <a:defRPr lang="en-US"/>
+            </a:defPPr>
+            <a:lvl1pPr algn="l" defTabSz="1217613" rtl="0" fontAlgn="base">
+              <a:spcBef>
+                <a:spcPct val="0"/>
+              </a:spcBef>
+              <a:spcAft>
+                <a:spcPct val="0"/>
+              </a:spcAft>
+              <a:defRPr sz="2400" kern="1200">
+                <a:solidFill>
+                  <a:schemeClr val="tx1"/>
+                </a:solidFill>
+                <a:latin typeface="Arial" charset="0"/>
+                <a:ea typeface="ＭＳ Ｐゴシック" charset="0"/>
+                <a:cs typeface="ＭＳ Ｐゴシック" charset="0"/>
+              </a:defRPr>
+            </a:lvl1pPr>
+            <a:lvl2pPr marL="608013" indent="-150813" algn="l" defTabSz="1217613" rtl="0" fontAlgn="base">
+              <a:spcBef>
+                <a:spcPct val="0"/>
+              </a:spcBef>
+              <a:spcAft>
+                <a:spcPct val="0"/>
+              </a:spcAft>
+              <a:defRPr sz="2400" kern="1200">
+                <a:solidFill>
+                  <a:schemeClr val="tx1"/>
+                </a:solidFill>
+                <a:latin typeface="Arial" charset="0"/>
+                <a:ea typeface="ＭＳ Ｐゴシック" charset="0"/>
+                <a:cs typeface="ＭＳ Ｐゴシック" charset="0"/>
+              </a:defRPr>
+            </a:lvl2pPr>
+            <a:lvl3pPr marL="1217613" indent="-303213" algn="l" defTabSz="1217613" rtl="0" fontAlgn="base">
+              <a:spcBef>
+                <a:spcPct val="0"/>
+              </a:spcBef>
+              <a:spcAft>
+                <a:spcPct val="0"/>
+              </a:spcAft>
+              <a:defRPr sz="2400" kern="1200">
+                <a:solidFill>
+                  <a:schemeClr val="tx1"/>
+                </a:solidFill>
+                <a:latin typeface="Arial" charset="0"/>
+                <a:ea typeface="ＭＳ Ｐゴシック" charset="0"/>
+                <a:cs typeface="ＭＳ Ｐゴシック" charset="0"/>
+              </a:defRPr>
+            </a:lvl3pPr>
+            <a:lvl4pPr marL="1827213" indent="-455613" algn="l" defTabSz="1217613" rtl="0" fontAlgn="base">
+              <a:spcBef>
+                <a:spcPct val="0"/>
+              </a:spcBef>
+              <a:spcAft>
+                <a:spcPct val="0"/>
+              </a:spcAft>
+              <a:defRPr sz="2400" kern="1200">
+                <a:solidFill>
+                  <a:schemeClr val="tx1"/>
+                </a:solidFill>
+                <a:latin typeface="Arial" charset="0"/>
+                <a:ea typeface="ＭＳ Ｐゴシック" charset="0"/>
+                <a:cs typeface="ＭＳ Ｐゴシック" charset="0"/>
+              </a:defRPr>
+            </a:lvl4pPr>
+            <a:lvl5pPr marL="2436813" indent="-608013" algn="l" defTabSz="1217613" rtl="0" fontAlgn="base">
+              <a:spcBef>
+                <a:spcPct val="0"/>
+              </a:spcBef>
+              <a:spcAft>
+                <a:spcPct val="0"/>
+              </a:spcAft>
+              <a:defRPr sz="2400" kern="1200">
+                <a:solidFill>
+                  <a:schemeClr val="tx1"/>
+                </a:solidFill>
+                <a:latin typeface="Arial" charset="0"/>
+                <a:ea typeface="ＭＳ Ｐゴシック" charset="0"/>
+                <a:cs typeface="ＭＳ Ｐゴシック" charset="0"/>
+              </a:defRPr>
+            </a:lvl5pPr>
+            <a:lvl6pPr marL="2286000" algn="l" defTabSz="457200" rtl="0" eaLnBrk="1" latinLnBrk="0" hangingPunct="1">
+              <a:defRPr sz="2400" kern="1200">
+                <a:solidFill>
+                  <a:schemeClr val="tx1"/>
+                </a:solidFill>
+                <a:latin typeface="Arial" charset="0"/>
+                <a:ea typeface="ＭＳ Ｐゴシック" charset="0"/>
+                <a:cs typeface="ＭＳ Ｐゴシック" charset="0"/>
+              </a:defRPr>
+            </a:lvl6pPr>
+            <a:lvl7pPr marL="2743200" algn="l" defTabSz="457200" rtl="0" eaLnBrk="1" latinLnBrk="0" hangingPunct="1">
+              <a:defRPr sz="2400" kern="1200">
+                <a:solidFill>
+                  <a:schemeClr val="tx1"/>
+                </a:solidFill>
+                <a:latin typeface="Arial" charset="0"/>
+                <a:ea typeface="ＭＳ Ｐゴシック" charset="0"/>
+                <a:cs typeface="ＭＳ Ｐゴシック" charset="0"/>
+              </a:defRPr>
+            </a:lvl7pPr>
+            <a:lvl8pPr marL="3200400" algn="l" defTabSz="457200" rtl="0" eaLnBrk="1" latinLnBrk="0" hangingPunct="1">
+              <a:defRPr sz="2400" kern="1200">
+                <a:solidFill>
+                  <a:schemeClr val="tx1"/>
+                </a:solidFill>
+                <a:latin typeface="Arial" charset="0"/>
+                <a:ea typeface="ＭＳ Ｐゴシック" charset="0"/>
+                <a:cs typeface="ＭＳ Ｐゴシック" charset="0"/>
+              </a:defRPr>
+            </a:lvl8pPr>
+            <a:lvl9pPr marL="3657600" algn="l" defTabSz="457200" rtl="0" eaLnBrk="1" latinLnBrk="0" hangingPunct="1">
+              <a:defRPr sz="2400" kern="1200">
+                <a:solidFill>
+                  <a:schemeClr val="tx1"/>
+                </a:solidFill>
+                <a:latin typeface="Arial" charset="0"/>
+                <a:ea typeface="ＭＳ Ｐゴシック" charset="0"/>
+                <a:cs typeface="ＭＳ Ｐゴシック" charset="0"/>
+              </a:defRPr>
+            </a:lvl9pPr>
+          </a:lstStyle>
+          <a:p>
+            <a:r>
+              <a:rPr lang="en-US" dirty="0" smtClean="0">
+                <a:solidFill>
+                  <a:srgbClr val="7D868C"/>
+                </a:solidFill>
+              </a:rPr>
+              <a:t>©2016 Chef Software Inc</a:t>
+            </a:r>
+            <a:r>
+              <a:rPr lang="en-US" dirty="0" smtClean="0"/>
+              <a:t>.</a:t>
+            </a:r>
+            <a:endParaRPr lang="en-US" dirty="0"/>
           </a:p>
         </p:txBody>
       </p:sp>
     </p:spTree>
     <p:extLst>
       <p:ext uri="{BB962C8B-B14F-4D97-AF65-F5344CB8AC3E}">
-        <p14:creationId xmlns:p14="http://schemas.microsoft.com/office/powerpoint/2010/main" val="3892361897"/>
+        <p14:creationId xmlns:p14="http://schemas.microsoft.com/office/powerpoint/2010/main" val="522763473"/>
       </p:ext>
     </p:extLst>
   </p:cSld>
@@ -24617,394 +24312,6 @@
     <p:extLst>
       <p:ext uri="{BB962C8B-B14F-4D97-AF65-F5344CB8AC3E}">
         <p14:creationId xmlns:p14="http://schemas.microsoft.com/office/powerpoint/2010/main" val="422149947"/>
-      </p:ext>
-    </p:extLst>
-  </p:cSld>
-  <p:clrMapOvr>
-    <a:masterClrMapping/>
-  </p:clrMapOvr>
-  <p:transition spd="med">
-    <p:fade/>
-  </p:transition>
-  <p:timing>
-    <p:tnLst>
-      <p:par>
-        <p:cTn id="1" dur="indefinite" restart="never" nodeType="tmRoot"/>
-      </p:par>
-    </p:tnLst>
-  </p:timing>
-</p:sld>
-</file>
-
-<file path=ppt/slides/slide40.xml><?xml version="1.0" encoding="utf-8"?>
-<p:sld xmlns:a="http://schemas.openxmlformats.org/drawingml/2006/main" xmlns:r="http://schemas.openxmlformats.org/officeDocument/2006/relationships" xmlns:p="http://schemas.openxmlformats.org/presentationml/2006/main">
-  <p:cSld>
-    <p:bg>
-      <p:bgPr>
-        <a:gradFill rotWithShape="0">
-          <a:gsLst>
-            <a:gs pos="0">
-              <a:srgbClr val="F0F0F0"/>
-            </a:gs>
-            <a:gs pos="100000">
-              <a:schemeClr val="bg2"/>
-            </a:gs>
-          </a:gsLst>
-          <a:lin ang="5400000" scaled="1"/>
-        </a:gradFill>
-        <a:effectLst/>
-      </p:bgPr>
-    </p:bg>
-    <p:spTree>
-      <p:nvGrpSpPr>
-        <p:cNvPr id="1" name=""/>
-        <p:cNvGrpSpPr/>
-        <p:nvPr/>
-      </p:nvGrpSpPr>
-      <p:grpSpPr>
-        <a:xfrm>
-          <a:off x="0" y="0"/>
-          <a:ext cx="0" cy="0"/>
-          <a:chOff x="0" y="0"/>
-          <a:chExt cx="0" cy="0"/>
-        </a:xfrm>
-      </p:grpSpPr>
-      <p:sp>
-        <p:nvSpPr>
-          <p:cNvPr id="2" name="Title 1"/>
-          <p:cNvSpPr>
-            <a:spLocks noGrp="1"/>
-          </p:cNvSpPr>
-          <p:nvPr>
-            <p:ph type="title"/>
-          </p:nvPr>
-        </p:nvSpPr>
-        <p:spPr/>
-        <p:txBody>
-          <a:bodyPr/>
-          <a:lstStyle/>
-          <a:p>
-            <a:r>
-              <a:rPr lang="en-US" dirty="0" smtClean="0"/>
-              <a:t>Review Questions</a:t>
-            </a:r>
-            <a:endParaRPr lang="en-US" dirty="0"/>
-          </a:p>
-        </p:txBody>
-      </p:sp>
-      <p:sp>
-        <p:nvSpPr>
-          <p:cNvPr id="3" name="Text Placeholder 2"/>
-          <p:cNvSpPr>
-            <a:spLocks noGrp="1"/>
-          </p:cNvSpPr>
-          <p:nvPr>
-            <p:ph type="body" sz="quarter" idx="12"/>
-          </p:nvPr>
-        </p:nvSpPr>
-        <p:spPr/>
-        <p:txBody>
-          <a:bodyPr/>
-          <a:lstStyle/>
-          <a:p>
-            <a:pPr marL="514350" indent="-514350">
-              <a:buFont typeface="+mj-lt"/>
-              <a:buAutoNum type="arabicPeriod"/>
-            </a:pPr>
-            <a:r>
-              <a:rPr lang="en-US" dirty="0" smtClean="0"/>
-              <a:t>What is ...?</a:t>
-            </a:r>
-            <a:br>
-              <a:rPr lang="en-US" dirty="0" smtClean="0"/>
-            </a:br>
-            <a:r>
-              <a:rPr lang="en-US" dirty="0" smtClean="0"/>
-              <a:t>______________________________</a:t>
-            </a:r>
-          </a:p>
-          <a:p>
-            <a:pPr marL="514350" indent="-514350">
-              <a:buFont typeface="+mj-lt"/>
-              <a:buAutoNum type="arabicPeriod"/>
-            </a:pPr>
-            <a:r>
-              <a:rPr lang="en-US" dirty="0" smtClean="0"/>
-              <a:t>Which is the correct answer?  </a:t>
-            </a:r>
-          </a:p>
-          <a:p>
-            <a:pPr marL="822325" lvl="1" indent="-514350">
-              <a:buFont typeface="+mj-lt"/>
-              <a:buAutoNum type="alphaLcPeriod"/>
-            </a:pPr>
-            <a:r>
-              <a:rPr lang="en-US" dirty="0" smtClean="0"/>
-              <a:t>answer</a:t>
-            </a:r>
-          </a:p>
-          <a:p>
-            <a:pPr marL="822325" lvl="1" indent="-514350">
-              <a:buFont typeface="+mj-lt"/>
-              <a:buAutoNum type="alphaLcPeriod"/>
-            </a:pPr>
-            <a:r>
-              <a:rPr lang="en-US" dirty="0" smtClean="0"/>
-              <a:t>answer</a:t>
-            </a:r>
-          </a:p>
-          <a:p>
-            <a:pPr marL="822325" lvl="1" indent="-514350">
-              <a:buFont typeface="+mj-lt"/>
-              <a:buAutoNum type="alphaLcPeriod"/>
-            </a:pPr>
-            <a:r>
-              <a:rPr lang="en-US" dirty="0" smtClean="0"/>
-              <a:t>answer</a:t>
-            </a:r>
-          </a:p>
-          <a:p>
-            <a:pPr marL="822325" lvl="1" indent="-514350">
-              <a:buFont typeface="+mj-lt"/>
-              <a:buAutoNum type="alphaLcPeriod"/>
-            </a:pPr>
-            <a:r>
-              <a:rPr lang="en-US" dirty="0" smtClean="0"/>
-              <a:t>answer</a:t>
-            </a:r>
-            <a:br>
-              <a:rPr lang="en-US" dirty="0" smtClean="0"/>
-            </a:br>
-            <a:endParaRPr lang="en-US" dirty="0" smtClean="0"/>
-          </a:p>
-          <a:p>
-            <a:pPr marL="514350" indent="-514350">
-              <a:buFont typeface="+mj-lt"/>
-              <a:buAutoNum type="arabicPeriod"/>
-            </a:pPr>
-            <a:r>
-              <a:rPr lang="en-US" dirty="0" smtClean="0"/>
-              <a:t>Capable of carrying on a conversation</a:t>
-            </a:r>
-          </a:p>
-          <a:p>
-            <a:pPr marL="514350" indent="-514350">
-              <a:buFont typeface="+mj-lt"/>
-              <a:buAutoNum type="arabicPeriod"/>
-            </a:pPr>
-            <a:r>
-              <a:rPr lang="en-US" dirty="0" smtClean="0"/>
-              <a:t>Explain</a:t>
-            </a:r>
-            <a:endParaRPr lang="en-US" dirty="0"/>
-          </a:p>
-        </p:txBody>
-      </p:sp>
-    </p:spTree>
-    <p:extLst>
-      <p:ext uri="{BB962C8B-B14F-4D97-AF65-F5344CB8AC3E}">
-        <p14:creationId xmlns:p14="http://schemas.microsoft.com/office/powerpoint/2010/main" val="321457963"/>
-      </p:ext>
-    </p:extLst>
-  </p:cSld>
-  <p:clrMapOvr>
-    <a:masterClrMapping/>
-  </p:clrMapOvr>
-  <p:transition spd="med">
-    <p:fade/>
-  </p:transition>
-  <p:timing>
-    <p:tnLst>
-      <p:par>
-        <p:cTn id="1" dur="indefinite" restart="never" nodeType="tmRoot"/>
-      </p:par>
-    </p:tnLst>
-  </p:timing>
-</p:sld>
-</file>
-
-<file path=ppt/slides/slide41.xml><?xml version="1.0" encoding="utf-8"?>
-<p:sld xmlns:a="http://schemas.openxmlformats.org/drawingml/2006/main" xmlns:r="http://schemas.openxmlformats.org/officeDocument/2006/relationships" xmlns:p="http://schemas.openxmlformats.org/presentationml/2006/main">
-  <p:cSld>
-    <p:spTree>
-      <p:nvGrpSpPr>
-        <p:cNvPr id="1" name=""/>
-        <p:cNvGrpSpPr/>
-        <p:nvPr/>
-      </p:nvGrpSpPr>
-      <p:grpSpPr>
-        <a:xfrm>
-          <a:off x="0" y="0"/>
-          <a:ext cx="0" cy="0"/>
-          <a:chOff x="0" y="0"/>
-          <a:chExt cx="0" cy="0"/>
-        </a:xfrm>
-      </p:grpSpPr>
-      <p:sp>
-        <p:nvSpPr>
-          <p:cNvPr id="2" name="Footer Placeholder 1"/>
-          <p:cNvSpPr txBox="1">
-            <a:spLocks/>
-          </p:cNvSpPr>
-          <p:nvPr/>
-        </p:nvSpPr>
-        <p:spPr>
-          <a:xfrm>
-            <a:off x="324400" y="8579607"/>
-            <a:ext cx="5681953" cy="507556"/>
-          </a:xfrm>
-          <a:prstGeom prst="rect">
-            <a:avLst/>
-          </a:prstGeom>
-        </p:spPr>
-        <p:txBody>
-          <a:bodyPr/>
-          <a:lstStyle>
-            <a:defPPr>
-              <a:defRPr lang="en-US"/>
-            </a:defPPr>
-            <a:lvl1pPr algn="l" defTabSz="1217613" rtl="0" fontAlgn="base">
-              <a:spcBef>
-                <a:spcPct val="0"/>
-              </a:spcBef>
-              <a:spcAft>
-                <a:spcPct val="0"/>
-              </a:spcAft>
-              <a:defRPr sz="2400" kern="1200">
-                <a:solidFill>
-                  <a:schemeClr val="tx1"/>
-                </a:solidFill>
-                <a:latin typeface="Arial" charset="0"/>
-                <a:ea typeface="ＭＳ Ｐゴシック" charset="0"/>
-                <a:cs typeface="ＭＳ Ｐゴシック" charset="0"/>
-              </a:defRPr>
-            </a:lvl1pPr>
-            <a:lvl2pPr marL="608013" indent="-150813" algn="l" defTabSz="1217613" rtl="0" fontAlgn="base">
-              <a:spcBef>
-                <a:spcPct val="0"/>
-              </a:spcBef>
-              <a:spcAft>
-                <a:spcPct val="0"/>
-              </a:spcAft>
-              <a:defRPr sz="2400" kern="1200">
-                <a:solidFill>
-                  <a:schemeClr val="tx1"/>
-                </a:solidFill>
-                <a:latin typeface="Arial" charset="0"/>
-                <a:ea typeface="ＭＳ Ｐゴシック" charset="0"/>
-                <a:cs typeface="ＭＳ Ｐゴシック" charset="0"/>
-              </a:defRPr>
-            </a:lvl2pPr>
-            <a:lvl3pPr marL="1217613" indent="-303213" algn="l" defTabSz="1217613" rtl="0" fontAlgn="base">
-              <a:spcBef>
-                <a:spcPct val="0"/>
-              </a:spcBef>
-              <a:spcAft>
-                <a:spcPct val="0"/>
-              </a:spcAft>
-              <a:defRPr sz="2400" kern="1200">
-                <a:solidFill>
-                  <a:schemeClr val="tx1"/>
-                </a:solidFill>
-                <a:latin typeface="Arial" charset="0"/>
-                <a:ea typeface="ＭＳ Ｐゴシック" charset="0"/>
-                <a:cs typeface="ＭＳ Ｐゴシック" charset="0"/>
-              </a:defRPr>
-            </a:lvl3pPr>
-            <a:lvl4pPr marL="1827213" indent="-455613" algn="l" defTabSz="1217613" rtl="0" fontAlgn="base">
-              <a:spcBef>
-                <a:spcPct val="0"/>
-              </a:spcBef>
-              <a:spcAft>
-                <a:spcPct val="0"/>
-              </a:spcAft>
-              <a:defRPr sz="2400" kern="1200">
-                <a:solidFill>
-                  <a:schemeClr val="tx1"/>
-                </a:solidFill>
-                <a:latin typeface="Arial" charset="0"/>
-                <a:ea typeface="ＭＳ Ｐゴシック" charset="0"/>
-                <a:cs typeface="ＭＳ Ｐゴシック" charset="0"/>
-              </a:defRPr>
-            </a:lvl4pPr>
-            <a:lvl5pPr marL="2436813" indent="-608013" algn="l" defTabSz="1217613" rtl="0" fontAlgn="base">
-              <a:spcBef>
-                <a:spcPct val="0"/>
-              </a:spcBef>
-              <a:spcAft>
-                <a:spcPct val="0"/>
-              </a:spcAft>
-              <a:defRPr sz="2400" kern="1200">
-                <a:solidFill>
-                  <a:schemeClr val="tx1"/>
-                </a:solidFill>
-                <a:latin typeface="Arial" charset="0"/>
-                <a:ea typeface="ＭＳ Ｐゴシック" charset="0"/>
-                <a:cs typeface="ＭＳ Ｐゴシック" charset="0"/>
-              </a:defRPr>
-            </a:lvl5pPr>
-            <a:lvl6pPr marL="2286000" algn="l" defTabSz="457200" rtl="0" eaLnBrk="1" latinLnBrk="0" hangingPunct="1">
-              <a:defRPr sz="2400" kern="1200">
-                <a:solidFill>
-                  <a:schemeClr val="tx1"/>
-                </a:solidFill>
-                <a:latin typeface="Arial" charset="0"/>
-                <a:ea typeface="ＭＳ Ｐゴシック" charset="0"/>
-                <a:cs typeface="ＭＳ Ｐゴシック" charset="0"/>
-              </a:defRPr>
-            </a:lvl6pPr>
-            <a:lvl7pPr marL="2743200" algn="l" defTabSz="457200" rtl="0" eaLnBrk="1" latinLnBrk="0" hangingPunct="1">
-              <a:defRPr sz="2400" kern="1200">
-                <a:solidFill>
-                  <a:schemeClr val="tx1"/>
-                </a:solidFill>
-                <a:latin typeface="Arial" charset="0"/>
-                <a:ea typeface="ＭＳ Ｐゴシック" charset="0"/>
-                <a:cs typeface="ＭＳ Ｐゴシック" charset="0"/>
-              </a:defRPr>
-            </a:lvl7pPr>
-            <a:lvl8pPr marL="3200400" algn="l" defTabSz="457200" rtl="0" eaLnBrk="1" latinLnBrk="0" hangingPunct="1">
-              <a:defRPr sz="2400" kern="1200">
-                <a:solidFill>
-                  <a:schemeClr val="tx1"/>
-                </a:solidFill>
-                <a:latin typeface="Arial" charset="0"/>
-                <a:ea typeface="ＭＳ Ｐゴシック" charset="0"/>
-                <a:cs typeface="ＭＳ Ｐゴシック" charset="0"/>
-              </a:defRPr>
-            </a:lvl8pPr>
-            <a:lvl9pPr marL="3657600" algn="l" defTabSz="457200" rtl="0" eaLnBrk="1" latinLnBrk="0" hangingPunct="1">
-              <a:defRPr sz="2400" kern="1200">
-                <a:solidFill>
-                  <a:schemeClr val="tx1"/>
-                </a:solidFill>
-                <a:latin typeface="Arial" charset="0"/>
-                <a:ea typeface="ＭＳ Ｐゴシック" charset="0"/>
-                <a:cs typeface="ＭＳ Ｐゴシック" charset="0"/>
-              </a:defRPr>
-            </a:lvl9pPr>
-          </a:lstStyle>
-          <a:p>
-            <a:r>
-              <a:rPr lang="en-US" dirty="0" smtClean="0">
-                <a:solidFill>
-                  <a:srgbClr val="7D868C"/>
-                </a:solidFill>
-              </a:rPr>
-              <a:t>©2016 Chef Software Inc</a:t>
-            </a:r>
-            <a:r>
-              <a:rPr lang="en-US" dirty="0" smtClean="0"/>
-              <a:t>.</a:t>
-            </a:r>
-            <a:endParaRPr lang="en-US" dirty="0"/>
-          </a:p>
-        </p:txBody>
-      </p:sp>
-    </p:spTree>
-    <p:extLst>
-      <p:ext uri="{BB962C8B-B14F-4D97-AF65-F5344CB8AC3E}">
-        <p14:creationId xmlns:p14="http://schemas.microsoft.com/office/powerpoint/2010/main" val="522763473"/>
       </p:ext>
     </p:extLst>
   </p:cSld>
